--- a/Courses/Software-Sciences/Module-1-OOP/14-Design-Patterns/14-Design-Patterns.pptx
+++ b/Courses/Software-Sciences/Module-1-OOP/14-Design-Patterns/14-Design-Patterns.pptx
@@ -308,7 +308,7 @@
             </a:lvl1pPr>
           </a:lstStyle>
           <a:p>
-            <a:endParaRPr lang="bg-BG"/>
+            <a:endParaRPr lang="bg-BG" dirty="0"/>
           </a:p>
         </p:txBody>
       </p:sp>
@@ -347,9 +347,9 @@
           <a:p>
             <a:fld id="{4E087215-0C8F-4762-A664-737A353EC9A4}" type="datetimeFigureOut">
               <a:rPr lang="bg-BG" smtClean="0"/>
-              <a:t>18.01.23 г.</a:t>
+              <a:t>17.05.23 г.</a:t>
             </a:fld>
-            <a:endParaRPr lang="bg-BG"/>
+            <a:endParaRPr lang="bg-BG" dirty="0"/>
           </a:p>
         </p:txBody>
       </p:sp>
@@ -505,7 +505,7 @@
             </a:lvl1pPr>
           </a:lstStyle>
           <a:p>
-            <a:endParaRPr lang="en-US"/>
+            <a:endParaRPr lang="en-US" dirty="0"/>
           </a:p>
         </p:txBody>
       </p:sp>
@@ -538,9 +538,9 @@
           <a:p>
             <a:fld id="{72D84649-876A-46C9-8472-14CB09C070D8}" type="datetimeFigureOut">
               <a:rPr lang="en-US" smtClean="0"/>
-              <a:t>1/18/23</a:t>
+              <a:t>5/17/23</a:t>
             </a:fld>
-            <a:endParaRPr lang="en-US"/>
+            <a:endParaRPr lang="en-US" dirty="0"/>
           </a:p>
         </p:txBody>
       </p:sp>
@@ -573,7 +573,7 @@
           <a:bodyPr vert="horz" lIns="91440" tIns="45720" rIns="91440" bIns="45720" rtlCol="0" anchor="ctr"/>
           <a:lstStyle/>
           <a:p>
-            <a:endParaRPr lang="en-US"/>
+            <a:endParaRPr lang="en-US" dirty="0"/>
           </a:p>
         </p:txBody>
       </p:sp>
@@ -1004,7 +1004,7 @@
           <a:bodyPr/>
           <a:lstStyle/>
           <a:p>
-            <a:endParaRPr lang="en-BG" dirty="0"/>
+            <a:endParaRPr lang="en-BG"/>
           </a:p>
         </p:txBody>
       </p:sp>
@@ -1047,20 +1047,19 @@
           <a:lstStyle/>
           <a:p>
             <a:r>
-              <a:rPr lang="en-US"/>
+              <a:rPr lang="en-US" dirty="0"/>
               <a:t>© SoftUni – </a:t>
             </a:r>
             <a:r>
-              <a:rPr lang="en-US" u="sng">
+              <a:rPr lang="en-US" u="sng" dirty="0">
                 <a:hlinkClick r:id="rId3"/>
               </a:rPr>
               <a:t>https://softuni.org</a:t>
             </a:r>
             <a:r>
-              <a:rPr lang="en-US"/>
+              <a:rPr lang="en-US" dirty="0"/>
               <a:t>. Copyrighted document. Unauthorized copy or reproduction is not permitted.</a:t>
             </a:r>
-            <a:endParaRPr lang="en-US" dirty="0"/>
           </a:p>
         </p:txBody>
       </p:sp>
@@ -1121,7 +1120,7 @@
           <a:bodyPr/>
           <a:lstStyle/>
           <a:p>
-            <a:endParaRPr lang="en-BG" dirty="0"/>
+            <a:endParaRPr lang="en-BG"/>
           </a:p>
         </p:txBody>
       </p:sp>
@@ -1164,20 +1163,19 @@
           <a:lstStyle/>
           <a:p>
             <a:r>
-              <a:rPr lang="en-US"/>
+              <a:rPr lang="en-US" dirty="0"/>
               <a:t>© SoftUni – </a:t>
             </a:r>
             <a:r>
-              <a:rPr lang="en-US" u="sng">
+              <a:rPr lang="en-US" u="sng" dirty="0">
                 <a:hlinkClick r:id="rId3"/>
               </a:rPr>
               <a:t>https://softuni.org</a:t>
             </a:r>
             <a:r>
-              <a:rPr lang="en-US"/>
+              <a:rPr lang="en-US" dirty="0"/>
               <a:t>. Copyrighted document. Unauthorized copy or reproduction is not permitted.</a:t>
             </a:r>
-            <a:endParaRPr lang="en-US" dirty="0"/>
           </a:p>
         </p:txBody>
       </p:sp>
@@ -1373,7 +1371,7 @@
           <a:bodyPr/>
           <a:lstStyle/>
           <a:p>
-            <a:endParaRPr lang="en-BG" dirty="0"/>
+            <a:endParaRPr lang="en-BG"/>
           </a:p>
         </p:txBody>
       </p:sp>
@@ -1416,20 +1414,19 @@
           <a:lstStyle/>
           <a:p>
             <a:r>
-              <a:rPr lang="en-US"/>
+              <a:rPr lang="en-US" dirty="0"/>
               <a:t>© SoftUni – </a:t>
             </a:r>
             <a:r>
-              <a:rPr lang="en-US" u="sng">
+              <a:rPr lang="en-US" u="sng" dirty="0">
                 <a:hlinkClick r:id="rId3"/>
               </a:rPr>
               <a:t>https://softuni.org</a:t>
             </a:r>
             <a:r>
-              <a:rPr lang="en-US"/>
+              <a:rPr lang="en-US" dirty="0"/>
               <a:t>. Copyrighted document. Unauthorized copy or reproduction is not permitted.</a:t>
             </a:r>
-            <a:endParaRPr lang="en-US" dirty="0"/>
           </a:p>
         </p:txBody>
       </p:sp>
@@ -1490,7 +1487,7 @@
           <a:bodyPr/>
           <a:lstStyle/>
           <a:p>
-            <a:endParaRPr lang="en-BG" dirty="0"/>
+            <a:endParaRPr lang="en-BG"/>
           </a:p>
         </p:txBody>
       </p:sp>
@@ -1533,20 +1530,19 @@
           <a:lstStyle/>
           <a:p>
             <a:r>
-              <a:rPr lang="en-US"/>
+              <a:rPr lang="en-US" dirty="0"/>
               <a:t>© SoftUni – </a:t>
             </a:r>
             <a:r>
-              <a:rPr lang="en-US" u="sng">
+              <a:rPr lang="en-US" u="sng" dirty="0">
                 <a:hlinkClick r:id="rId3"/>
               </a:rPr>
               <a:t>https://softuni.org</a:t>
             </a:r>
             <a:r>
-              <a:rPr lang="en-US"/>
+              <a:rPr lang="en-US" dirty="0"/>
               <a:t>. Copyrighted document. Unauthorized copy or reproduction is not permitted.</a:t>
             </a:r>
-            <a:endParaRPr lang="en-US" dirty="0"/>
           </a:p>
         </p:txBody>
       </p:sp>
@@ -1983,7 +1979,7 @@
           <a:bodyPr/>
           <a:lstStyle/>
           <a:p>
-            <a:endParaRPr lang="en-US"/>
+            <a:endParaRPr lang="en-US" dirty="0"/>
           </a:p>
         </p:txBody>
       </p:sp>
@@ -2494,7 +2490,7 @@
           <a:bodyPr/>
           <a:lstStyle/>
           <a:p>
-            <a:endParaRPr lang="en-BG" dirty="0"/>
+            <a:endParaRPr lang="en-BG"/>
           </a:p>
         </p:txBody>
       </p:sp>
@@ -2537,20 +2533,19 @@
           <a:lstStyle/>
           <a:p>
             <a:r>
-              <a:rPr lang="en-US"/>
+              <a:rPr lang="en-US" dirty="0"/>
               <a:t>© SoftUni – </a:t>
             </a:r>
             <a:r>
-              <a:rPr lang="en-US" u="sng">
+              <a:rPr lang="en-US" u="sng" dirty="0">
                 <a:hlinkClick r:id="rId3"/>
               </a:rPr>
               <a:t>https://softuni.org</a:t>
             </a:r>
             <a:r>
-              <a:rPr lang="en-US"/>
+              <a:rPr lang="en-US" dirty="0"/>
               <a:t>. Copyrighted document. Unauthorized copy or reproduction is not permitted.</a:t>
             </a:r>
-            <a:endParaRPr lang="en-US" dirty="0"/>
           </a:p>
         </p:txBody>
       </p:sp>
@@ -2611,7 +2606,7 @@
           <a:bodyPr/>
           <a:lstStyle/>
           <a:p>
-            <a:endParaRPr lang="en-BG" dirty="0"/>
+            <a:endParaRPr lang="en-BG"/>
           </a:p>
         </p:txBody>
       </p:sp>
@@ -2654,20 +2649,19 @@
           <a:lstStyle/>
           <a:p>
             <a:r>
-              <a:rPr lang="en-US"/>
+              <a:rPr lang="en-US" dirty="0"/>
               <a:t>© SoftUni – </a:t>
             </a:r>
             <a:r>
-              <a:rPr lang="en-US" u="sng">
+              <a:rPr lang="en-US" u="sng" dirty="0">
                 <a:hlinkClick r:id="rId3"/>
               </a:rPr>
               <a:t>https://softuni.org</a:t>
             </a:r>
             <a:r>
-              <a:rPr lang="en-US"/>
+              <a:rPr lang="en-US" dirty="0"/>
               <a:t>. Copyrighted document. Unauthorized copy or reproduction is not permitted.</a:t>
             </a:r>
-            <a:endParaRPr lang="en-US" dirty="0"/>
           </a:p>
         </p:txBody>
       </p:sp>
@@ -2998,7 +2992,7 @@
           <a:bodyPr/>
           <a:lstStyle/>
           <a:p>
-            <a:endParaRPr lang="en-BG" dirty="0"/>
+            <a:endParaRPr lang="en-BG"/>
           </a:p>
         </p:txBody>
       </p:sp>
@@ -3041,20 +3035,19 @@
           <a:lstStyle/>
           <a:p>
             <a:r>
-              <a:rPr lang="en-US"/>
+              <a:rPr lang="en-US" dirty="0"/>
               <a:t>© SoftUni – </a:t>
             </a:r>
             <a:r>
-              <a:rPr lang="en-US" u="sng">
+              <a:rPr lang="en-US" u="sng" dirty="0">
                 <a:hlinkClick r:id="rId3"/>
               </a:rPr>
               <a:t>https://softuni.org</a:t>
             </a:r>
             <a:r>
-              <a:rPr lang="en-US"/>
+              <a:rPr lang="en-US" dirty="0"/>
               <a:t>. Copyrighted document. Unauthorized copy or reproduction is not permitted.</a:t>
             </a:r>
-            <a:endParaRPr lang="en-US" dirty="0"/>
           </a:p>
         </p:txBody>
       </p:sp>
@@ -3287,7 +3280,7 @@
               <a:tabLst/>
               <a:defRPr/>
             </a:pPr>
-            <a:endParaRPr kumimoji="0" lang="en-US" altLang="ko-KR" sz="2398" b="0" i="0" u="none" strike="noStrike" kern="1200" cap="none" spc="0" normalizeH="0" baseline="0" noProof="0">
+            <a:endParaRPr kumimoji="0" lang="en-US" altLang="ko-KR" sz="2398" b="0" i="0" u="none" strike="noStrike" kern="1200" cap="none" spc="0" normalizeH="0" baseline="0" noProof="0" dirty="0">
               <a:ln>
                 <a:noFill/>
               </a:ln>
@@ -3916,7 +3909,7 @@
               <a:tabLst/>
               <a:defRPr/>
             </a:pPr>
-            <a:endParaRPr kumimoji="0" lang="en-US" altLang="ko-KR" sz="2398" b="0" i="0" u="none" strike="noStrike" kern="1200" cap="none" spc="0" normalizeH="0" baseline="0" noProof="0">
+            <a:endParaRPr kumimoji="0" lang="en-US" altLang="ko-KR" sz="2398" b="0" i="0" u="none" strike="noStrike" kern="1200" cap="none" spc="0" normalizeH="0" baseline="0" noProof="0" dirty="0">
               <a:ln>
                 <a:noFill/>
               </a:ln>
@@ -4039,7 +4032,7 @@
               <a:tabLst/>
               <a:defRPr/>
             </a:pPr>
-            <a:endParaRPr kumimoji="0" lang="en-US" altLang="ko-KR" sz="2398" b="0" i="0" u="none" strike="noStrike" kern="1200" cap="none" spc="0" normalizeH="0" baseline="0" noProof="0">
+            <a:endParaRPr kumimoji="0" lang="en-US" altLang="ko-KR" sz="2398" b="0" i="0" u="none" strike="noStrike" kern="1200" cap="none" spc="0" normalizeH="0" baseline="0" noProof="0" dirty="0">
               <a:ln>
                 <a:noFill/>
               </a:ln>
@@ -4312,7 +4305,7 @@
               <a:tabLst/>
               <a:defRPr/>
             </a:pPr>
-            <a:endParaRPr kumimoji="0" lang="en-US" altLang="ko-KR" sz="2398" b="0" i="0" u="none" strike="noStrike" kern="1200" cap="none" spc="0" normalizeH="0" baseline="0" noProof="0">
+            <a:endParaRPr kumimoji="0" lang="en-US" altLang="ko-KR" sz="2398" b="0" i="0" u="none" strike="noStrike" kern="1200" cap="none" spc="0" normalizeH="0" baseline="0" noProof="0" dirty="0">
               <a:ln>
                 <a:noFill/>
               </a:ln>
@@ -4498,7 +4491,7 @@
               <a:pPr/>
               <a:t>‹#›</a:t>
             </a:fld>
-            <a:endParaRPr lang="en-US" noProof="0"/>
+            <a:endParaRPr lang="en-US" noProof="0" dirty="0"/>
           </a:p>
         </p:txBody>
       </p:sp>
@@ -4652,7 +4645,7 @@
           </a:lstStyle>
           <a:p>
             <a:r>
-              <a:rPr lang="en-US" altLang="ko-KR" noProof="0"/>
+              <a:rPr lang="en-US" altLang="ko-KR" noProof="0" dirty="0"/>
               <a:t>Your Picture Here</a:t>
             </a:r>
           </a:p>
@@ -4716,7 +4709,7 @@
               <a:tabLst/>
               <a:defRPr/>
             </a:pPr>
-            <a:endParaRPr kumimoji="0" lang="en-US" altLang="ko-KR" sz="2398" b="0" i="0" u="none" strike="noStrike" kern="1200" cap="none" spc="0" normalizeH="0" baseline="0" noProof="0">
+            <a:endParaRPr kumimoji="0" lang="en-US" altLang="ko-KR" sz="2398" b="0" i="0" u="none" strike="noStrike" kern="1200" cap="none" spc="0" normalizeH="0" baseline="0" noProof="0" dirty="0">
               <a:ln>
                 <a:noFill/>
               </a:ln>
@@ -4791,7 +4784,7 @@
               <a:tabLst/>
               <a:defRPr/>
             </a:pPr>
-            <a:endParaRPr kumimoji="0" lang="en-US" altLang="ko-KR" sz="2398" b="0" i="0" u="none" strike="noStrike" kern="1200" cap="none" spc="0" normalizeH="0" baseline="0" noProof="0">
+            <a:endParaRPr kumimoji="0" lang="en-US" altLang="ko-KR" sz="2398" b="0" i="0" u="none" strike="noStrike" kern="1200" cap="none" spc="0" normalizeH="0" baseline="0" noProof="0" dirty="0">
               <a:ln>
                 <a:noFill/>
               </a:ln>
@@ -4872,7 +4865,7 @@
               <a:tabLst/>
               <a:defRPr/>
             </a:pPr>
-            <a:endParaRPr kumimoji="0" lang="en-US" altLang="ko-KR" sz="2398" b="0" i="0" u="none" strike="noStrike" kern="1200" cap="none" spc="0" normalizeH="0" baseline="0" noProof="0">
+            <a:endParaRPr kumimoji="0" lang="en-US" altLang="ko-KR" sz="2398" b="0" i="0" u="none" strike="noStrike" kern="1200" cap="none" spc="0" normalizeH="0" baseline="0" noProof="0" dirty="0">
               <a:ln>
                 <a:noFill/>
               </a:ln>
@@ -4953,7 +4946,7 @@
               <a:tabLst/>
               <a:defRPr/>
             </a:pPr>
-            <a:endParaRPr kumimoji="0" lang="en-US" altLang="ko-KR" sz="2398" b="0" i="0" u="none" strike="noStrike" kern="1200" cap="none" spc="0" normalizeH="0" baseline="0" noProof="0">
+            <a:endParaRPr kumimoji="0" lang="en-US" altLang="ko-KR" sz="2398" b="0" i="0" u="none" strike="noStrike" kern="1200" cap="none" spc="0" normalizeH="0" baseline="0" noProof="0" dirty="0">
               <a:ln>
                 <a:noFill/>
               </a:ln>
@@ -5157,7 +5150,7 @@
               <a:tabLst/>
               <a:defRPr/>
             </a:pPr>
-            <a:endParaRPr kumimoji="0" lang="en-US" altLang="ko-KR" sz="2398" b="0" i="0" u="none" strike="noStrike" kern="1200" cap="none" spc="0" normalizeH="0" baseline="0" noProof="0">
+            <a:endParaRPr kumimoji="0" lang="en-US" altLang="ko-KR" sz="2398" b="0" i="0" u="none" strike="noStrike" kern="1200" cap="none" spc="0" normalizeH="0" baseline="0" noProof="0" dirty="0">
               <a:ln>
                 <a:noFill/>
               </a:ln>
@@ -6663,7 +6656,7 @@
               <a:tabLst/>
               <a:defRPr/>
             </a:pPr>
-            <a:endParaRPr kumimoji="0" lang="en-US" altLang="ko-KR" sz="2398" b="0" i="0" u="none" strike="noStrike" kern="1200" cap="none" spc="0" normalizeH="0" baseline="0" noProof="0">
+            <a:endParaRPr kumimoji="0" lang="en-US" altLang="ko-KR" sz="2398" b="0" i="0" u="none" strike="noStrike" kern="1200" cap="none" spc="0" normalizeH="0" baseline="0" noProof="0" dirty="0">
               <a:ln>
                 <a:noFill/>
               </a:ln>
@@ -6991,7 +6984,7 @@
               <a:tabLst/>
               <a:defRPr/>
             </a:pPr>
-            <a:endParaRPr kumimoji="0" lang="en-US" altLang="ko-KR" sz="2398" b="0" i="0" u="none" strike="noStrike" kern="1200" cap="none" spc="0" normalizeH="0" baseline="0" noProof="0">
+            <a:endParaRPr kumimoji="0" lang="en-US" altLang="ko-KR" sz="2398" b="0" i="0" u="none" strike="noStrike" kern="1200" cap="none" spc="0" normalizeH="0" baseline="0" noProof="0" dirty="0">
               <a:ln>
                 <a:noFill/>
               </a:ln>
@@ -7161,7 +7154,7 @@
               <a:pPr/>
               <a:t>‹#›</a:t>
             </a:fld>
-            <a:endParaRPr lang="en-US" noProof="0"/>
+            <a:endParaRPr lang="en-US" noProof="0" dirty="0"/>
           </a:p>
         </p:txBody>
       </p:sp>
@@ -7356,7 +7349,7 @@
               <a:tabLst/>
               <a:defRPr/>
             </a:pPr>
-            <a:endParaRPr kumimoji="0" lang="en-US" altLang="ko-KR" sz="2398" b="0" i="0" u="none" strike="noStrike" kern="1200" cap="none" spc="0" normalizeH="0" baseline="0" noProof="0">
+            <a:endParaRPr kumimoji="0" lang="en-US" altLang="ko-KR" sz="2398" b="0" i="0" u="none" strike="noStrike" kern="1200" cap="none" spc="0" normalizeH="0" baseline="0" noProof="0" dirty="0">
               <a:ln>
                 <a:noFill/>
               </a:ln>
@@ -8617,7 +8610,7 @@
               <a:pPr/>
               <a:t>‹#›</a:t>
             </a:fld>
-            <a:endParaRPr lang="en-US" noProof="0"/>
+            <a:endParaRPr lang="en-US" noProof="0" dirty="0"/>
           </a:p>
         </p:txBody>
       </p:sp>
@@ -8685,7 +8678,7 @@
               <a:tabLst/>
               <a:defRPr/>
             </a:pPr>
-            <a:endParaRPr kumimoji="0" lang="en-US" altLang="ko-KR" sz="2398" b="0" i="0" u="none" strike="noStrike" kern="1200" cap="none" spc="0" normalizeH="0" baseline="0" noProof="0">
+            <a:endParaRPr kumimoji="0" lang="en-US" altLang="ko-KR" sz="2398" b="0" i="0" u="none" strike="noStrike" kern="1200" cap="none" spc="0" normalizeH="0" baseline="0" noProof="0" dirty="0">
               <a:ln>
                 <a:noFill/>
               </a:ln>
@@ -9053,7 +9046,7 @@
               <a:tabLst/>
               <a:defRPr/>
             </a:pPr>
-            <a:endParaRPr kumimoji="0" lang="en-US" altLang="ko-KR" sz="2398" b="0" i="0" u="none" strike="noStrike" kern="1200" cap="none" spc="0" normalizeH="0" baseline="0" noProof="0">
+            <a:endParaRPr kumimoji="0" lang="en-US" altLang="ko-KR" sz="2398" b="0" i="0" u="none" strike="noStrike" kern="1200" cap="none" spc="0" normalizeH="0" baseline="0" noProof="0" dirty="0">
               <a:ln>
                 <a:noFill/>
               </a:ln>
@@ -9705,7 +9698,7 @@
           <a:lstStyle/>
           <a:p>
             <a:r>
-              <a:rPr lang="en-US">
+              <a:rPr lang="en-US" dirty="0">
                 <a:hlinkClick r:id="rId3"/>
               </a:rPr>
               <a:t>https://softuni.bg</a:t>
@@ -10247,7 +10240,7 @@
               </a:buClr>
             </a:pPr>
             <a:r>
-              <a:rPr lang="bg-BG" sz="3400" b="1" dirty="0" err="1">
+              <a:rPr lang="bg-BG" sz="3400" b="1" dirty="0">
                 <a:solidFill>
                   <a:schemeClr val="bg1"/>
                 </a:solidFill>
@@ -10312,14 +10305,10 @@
           <a:p>
             <a:r>
               <a:rPr lang="bg-BG" sz="4000" b="1" dirty="0"/>
-              <a:t>Шаблони за създаване </a:t>
-            </a:r>
-            <a:r>
-              <a:rPr lang="bg-BG" sz="4000" b="1"/>
-              <a:t>– ц</a:t>
-            </a:r>
-            <a:r>
-              <a:rPr lang="bg-BG"/>
+              <a:t>Шаблони за създаване – ц</a:t>
+            </a:r>
+            <a:r>
+              <a:rPr lang="bg-BG" dirty="0"/>
               <a:t>ели</a:t>
             </a:r>
             <a:endParaRPr lang="en-US" dirty="0"/>
@@ -17391,12 +17380,8 @@
           <a:lstStyle/>
           <a:p>
             <a:r>
-              <a:rPr lang="bg-BG" dirty="0" err="1"/>
-              <a:t>Подсистемни</a:t>
-            </a:r>
-            <a:r>
               <a:rPr lang="bg-BG" dirty="0"/>
-              <a:t> класове</a:t>
+              <a:t>Подсистемни класове</a:t>
             </a:r>
             <a:endParaRPr lang="en-US" dirty="0"/>
           </a:p>
@@ -20901,20 +20886,12 @@
               <a:t> </a:t>
             </a:r>
             <a:r>
-              <a:rPr lang="bg-BG" sz="3400" b="1" dirty="0" err="1">
+              <a:rPr lang="bg-BG" sz="3400" b="1" dirty="0">
                 <a:solidFill>
                   <a:schemeClr val="bg1"/>
                 </a:solidFill>
               </a:rPr>
-              <a:t>енкапсулирането</a:t>
-            </a:r>
-            <a:r>
-              <a:rPr lang="bg-BG" sz="3400" b="1" dirty="0">
-                <a:solidFill>
-                  <a:schemeClr val="bg1"/>
-                </a:solidFill>
-              </a:rPr>
-              <a:t> на поведение</a:t>
+              <a:t>енкапсулирането на поведение</a:t>
             </a:r>
             <a:r>
               <a:rPr lang="en-US" sz="3400" b="1" dirty="0">
@@ -22729,7 +22706,7 @@
               <a:t>Обект, който </a:t>
             </a:r>
             <a:r>
-              <a:rPr lang="bg-BG" b="1" dirty="0" err="1">
+              <a:rPr lang="bg-BG" b="1" dirty="0">
                 <a:solidFill>
                   <a:schemeClr val="bg1"/>
                 </a:solidFill>
@@ -23002,7 +22979,7 @@
               <a:t>Позволява </a:t>
             </a:r>
             <a:r>
-              <a:rPr lang="bg-BG" b="1" dirty="0" err="1">
+              <a:rPr lang="bg-BG" b="1" dirty="0">
                 <a:solidFill>
                   <a:schemeClr val="bg1"/>
                 </a:solidFill>
@@ -25099,7 +25076,7 @@
               <a:t> </a:t>
             </a:r>
             <a:r>
-              <a:rPr lang="bg-BG" sz="3800" b="1" dirty="0" err="1">
+              <a:rPr lang="bg-BG" sz="3800" b="1" dirty="0">
                 <a:solidFill>
                   <a:schemeClr val="bg1"/>
                 </a:solidFill>
@@ -25484,7 +25461,7 @@
               <a:t>Позволява на подкласовете да </a:t>
             </a:r>
             <a:r>
-              <a:rPr lang="bg-BG" b="1" dirty="0" err="1">
+              <a:rPr lang="bg-BG" b="1" dirty="0">
                 <a:solidFill>
                   <a:schemeClr val="bg1"/>
                 </a:solidFill>
@@ -26864,7 +26841,7 @@
             <a:lstStyle/>
             <a:p>
               <a:pPr algn="ctr"/>
-              <a:endParaRPr lang="ko-KR" altLang="en-US" sz="2399">
+              <a:endParaRPr lang="ko-KR" altLang="en-US" sz="2399" dirty="0">
                 <a:solidFill>
                   <a:schemeClr val="bg1"/>
                 </a:solidFill>
@@ -26925,7 +26902,7 @@
             <a:lstStyle/>
             <a:p>
               <a:pPr algn="ctr"/>
-              <a:endParaRPr lang="ko-KR" altLang="en-US" sz="2399">
+              <a:endParaRPr lang="ko-KR" altLang="en-US" sz="2399" dirty="0">
                 <a:solidFill>
                   <a:schemeClr val="tx1"/>
                 </a:solidFill>
@@ -27884,7 +27861,7 @@
               <a:t>© </a:t>
             </a:r>
             <a:r>
-              <a:rPr lang="bg-BG" dirty="0" err="1"/>
+              <a:rPr lang="bg-BG" dirty="0"/>
               <a:t>СофтУни</a:t>
             </a:r>
             <a:r>
@@ -28163,7 +28140,7 @@
               </a:buClr>
             </a:pPr>
             <a:r>
-              <a:rPr lang="bg-BG" sz="3600" dirty="0" err="1"/>
+              <a:rPr lang="bg-BG" sz="3600" dirty="0"/>
               <a:t>Енкапсулация</a:t>
             </a:r>
             <a:r>
@@ -29170,7 +29147,7 @@
               <a:t>Разработчиците могат да изпитат </a:t>
             </a:r>
             <a:r>
-              <a:rPr lang="bg-BG" sz="3100" b="1" dirty="0" err="1">
+              <a:rPr lang="bg-BG" sz="3100" b="1" dirty="0">
                 <a:solidFill>
                   <a:schemeClr val="bg1"/>
                 </a:solidFill>
@@ -29345,7 +29322,7 @@
               <a:t> </a:t>
             </a:r>
             <a:r>
-              <a:rPr lang="bg-BG" sz="2800" b="1" dirty="0" err="1">
+              <a:rPr lang="bg-BG" sz="2800" b="1" dirty="0">
                 <a:solidFill>
                   <a:schemeClr val="bg1"/>
                 </a:solidFill>

--- a/Courses/Software-Sciences/Module-1-OOP/14-Design-Patterns/14-Design-Patterns.pptx
+++ b/Courses/Software-Sciences/Module-1-OOP/14-Design-Patterns/14-Design-Patterns.pptx
@@ -11,7 +11,7 @@
     <p:handoutMasterId r:id="rId48"/>
   </p:handoutMasterIdLst>
   <p:sldIdLst>
-    <p:sldId id="291" r:id="rId2"/>
+    <p:sldId id="637" r:id="rId2"/>
     <p:sldId id="292" r:id="rId3"/>
     <p:sldId id="294" r:id="rId4"/>
     <p:sldId id="295" r:id="rId5"/>
@@ -54,8 +54,8 @@
     <p:sldId id="333" r:id="rId42"/>
     <p:sldId id="334" r:id="rId43"/>
     <p:sldId id="335" r:id="rId44"/>
-    <p:sldId id="401" r:id="rId45"/>
-    <p:sldId id="493" r:id="rId46"/>
+    <p:sldId id="504" r:id="rId45"/>
+    <p:sldId id="505" r:id="rId46"/>
   </p:sldIdLst>
   <p:sldSz cx="12192000" cy="6858000"/>
   <p:notesSz cx="6858000" cy="9144000"/>
@@ -157,13 +157,13 @@
   <p:extLst>
     <p:ext uri="{521415D9-36F7-43E2-AB2F-B90AF26B5E84}">
       <p14:sectionLst xmlns:p14="http://schemas.microsoft.com/office/powerpoint/2010/main">
-        <p14:section name="Въведение" id="{86260F53-E7A8-4C36-98C6-EFA6D724CF7A}">
+        <p14:section name="Въведение" id="{00D29444-A2C2-4B24-BE57-EC29E0C7BB38}">
           <p14:sldIdLst>
-            <p14:sldId id="291"/>
+            <p14:sldId id="637"/>
             <p14:sldId id="292"/>
           </p14:sldIdLst>
         </p14:section>
-        <p14:section name="Шаблони за дизайн" id="{635BEAD6-B0B3-43E2-9502-13BB3D4723C6}">
+        <p14:section name="Шаблони за дизайн" id="{252EA936-74E3-4B4E-9B50-21B7685E9B2B}">
           <p14:sldIdLst>
             <p14:sldId id="294"/>
             <p14:sldId id="295"/>
@@ -172,14 +172,14 @@
             <p14:sldId id="494"/>
           </p14:sldIdLst>
         </p14:section>
-        <p14:section name="Типове шаблони за дизайн" id="{7DCB62EB-7460-4581-BA2C-EEA1D73FD929}">
+        <p14:section name="Типове шаблони за дизайн" id="{DACBDB4C-9877-4D05-AB77-F7A16D2743F9}">
           <p14:sldIdLst>
             <p14:sldId id="301"/>
             <p14:sldId id="302"/>
             <p14:sldId id="495"/>
           </p14:sldIdLst>
         </p14:section>
-        <p14:section name="Шаблони за създаване" id="{9245A61C-C383-496A-8C32-90D8A4D551CE}">
+        <p14:section name="Шаблони за създаване" id="{B3730880-9BD3-4B03-B663-24E0CFAC892B}">
           <p14:sldIdLst>
             <p14:sldId id="303"/>
             <p14:sldId id="304"/>
@@ -191,7 +191,7 @@
             <p14:sldId id="310"/>
           </p14:sldIdLst>
         </p14:section>
-        <p14:section name="Структурни шаблони" id="{264A1D7D-1B6E-4C7C-A3A7-401F58145BC7}">
+        <p14:section name="Структурни шаблони" id="{97BFDCC5-ED2C-4555-A5BD-4A03B92818C7}">
           <p14:sldIdLst>
             <p14:sldId id="311"/>
             <p14:sldId id="312"/>
@@ -207,7 +207,7 @@
             <p14:sldId id="322"/>
           </p14:sldIdLst>
         </p14:section>
-        <p14:section name="Поведенчески шаблони" id="{33DDB4CA-31A3-437D-9DAC-6302010EA2AC}">
+        <p14:section name="Поведенчески шаблони" id="{7867D56E-C45A-4041-9B84-BAF5A8A8CDC1}">
           <p14:sldIdLst>
             <p14:sldId id="323"/>
             <p14:sldId id="324"/>
@@ -223,11 +223,11 @@
             <p14:sldId id="334"/>
           </p14:sldIdLst>
         </p14:section>
-        <p14:section name="Обобщение" id="{672020F4-DF3C-4604-B595-80A0FC6FD017}">
+        <p14:section name="Обобщение" id="{F78E312F-1BE4-4361-8834-741A5BB971D2}">
           <p14:sldIdLst>
             <p14:sldId id="335"/>
-            <p14:sldId id="401"/>
-            <p14:sldId id="493"/>
+            <p14:sldId id="504"/>
+            <p14:sldId id="505"/>
           </p14:sldIdLst>
         </p14:section>
       </p14:sectionLst>
@@ -308,7 +308,7 @@
             </a:lvl1pPr>
           </a:lstStyle>
           <a:p>
-            <a:endParaRPr lang="bg-BG" dirty="0"/>
+            <a:endParaRPr lang="bg-BG"/>
           </a:p>
         </p:txBody>
       </p:sp>
@@ -347,9 +347,9 @@
           <a:p>
             <a:fld id="{4E087215-0C8F-4762-A664-737A353EC9A4}" type="datetimeFigureOut">
               <a:rPr lang="bg-BG" smtClean="0"/>
-              <a:t>17.05.23 г.</a:t>
+              <a:t>16.10.23 г.</a:t>
             </a:fld>
-            <a:endParaRPr lang="bg-BG" dirty="0"/>
+            <a:endParaRPr lang="bg-BG"/>
           </a:p>
         </p:txBody>
       </p:sp>
@@ -371,8 +371,8 @@
         </p:nvSpPr>
         <p:spPr>
           <a:xfrm>
-            <a:off x="-1" y="8847000"/>
-            <a:ext cx="6443999" cy="297000"/>
+            <a:off x="-1" y="8892000"/>
+            <a:ext cx="6443999" cy="252000"/>
           </a:xfrm>
           <a:prstGeom prst="rect">
             <a:avLst/>
@@ -387,19 +387,24 @@
           </a:lstStyle>
           <a:p>
             <a:r>
-              <a:rPr lang="en-US" sz="1100" dirty="0"/>
-              <a:t>© SoftUni – </a:t>
-            </a:r>
-            <a:r>
-              <a:rPr lang="en-US" sz="1100" u="sng" dirty="0">
+              <a:rPr lang="bg-BG" sz="1100" dirty="0"/>
+              <a:t>Работна група </a:t>
+            </a:r>
+            <a:r>
+              <a:rPr lang="ru-RU" sz="1100" dirty="0"/>
+              <a:t>"Образование по програмиране и ИТ</a:t>
+            </a:r>
+            <a:r>
+              <a:rPr lang="bg-BG" sz="1100" dirty="0"/>
+              <a:t>", с подкрепата на </a:t>
+            </a:r>
+            <a:r>
+              <a:rPr lang="en-US" sz="1100" dirty="0">
                 <a:hlinkClick r:id="rId2"/>
               </a:rPr>
-              <a:t>https://softuni.org</a:t>
-            </a:r>
-            <a:r>
-              <a:rPr lang="en-US" sz="1100" dirty="0"/>
-              <a:t>. Copyrighted document. Unauthorized copy or reproduction is not permitted.</a:t>
-            </a:r>
+              <a:t>SoftUni</a:t>
+            </a:r>
+            <a:endParaRPr lang="en-US" sz="1100" dirty="0"/>
           </a:p>
         </p:txBody>
       </p:sp>
@@ -421,8 +426,8 @@
         </p:nvSpPr>
         <p:spPr>
           <a:xfrm>
-            <a:off x="6443999" y="8847000"/>
-            <a:ext cx="412413" cy="297000"/>
+            <a:off x="6443999" y="8892000"/>
+            <a:ext cx="412413" cy="252000"/>
           </a:xfrm>
           <a:prstGeom prst="rect">
             <a:avLst/>
@@ -505,7 +510,7 @@
             </a:lvl1pPr>
           </a:lstStyle>
           <a:p>
-            <a:endParaRPr lang="en-US" dirty="0"/>
+            <a:endParaRPr lang="en-US"/>
           </a:p>
         </p:txBody>
       </p:sp>
@@ -538,9 +543,9 @@
           <a:p>
             <a:fld id="{72D84649-876A-46C9-8472-14CB09C070D8}" type="datetimeFigureOut">
               <a:rPr lang="en-US" smtClean="0"/>
-              <a:t>5/17/23</a:t>
+              <a:t>10/16/23</a:t>
             </a:fld>
-            <a:endParaRPr lang="en-US" dirty="0"/>
+            <a:endParaRPr lang="en-US"/>
           </a:p>
         </p:txBody>
       </p:sp>
@@ -573,7 +578,7 @@
           <a:bodyPr vert="horz" lIns="91440" tIns="45720" rIns="91440" bIns="45720" rtlCol="0" anchor="ctr"/>
           <a:lstStyle/>
           <a:p>
-            <a:endParaRPr lang="en-US" dirty="0"/>
+            <a:endParaRPr lang="en-US"/>
           </a:p>
         </p:txBody>
       </p:sp>
@@ -648,8 +653,8 @@
         </p:nvSpPr>
         <p:spPr>
           <a:xfrm>
-            <a:off x="6488999" y="8847000"/>
-            <a:ext cx="367414" cy="297000"/>
+            <a:off x="6488999" y="8892000"/>
+            <a:ext cx="367414" cy="252000"/>
           </a:xfrm>
           <a:prstGeom prst="rect">
             <a:avLst/>
@@ -689,8 +694,8 @@
         </p:nvSpPr>
         <p:spPr>
           <a:xfrm>
-            <a:off x="-1" y="8847000"/>
-            <a:ext cx="6488999" cy="297000"/>
+            <a:off x="-1" y="8892000"/>
+            <a:ext cx="6488999" cy="252000"/>
           </a:xfrm>
           <a:prstGeom prst="rect">
             <a:avLst/>
@@ -705,19 +710,24 @@
           </a:lstStyle>
           <a:p>
             <a:r>
-              <a:rPr lang="en-US" dirty="0"/>
-              <a:t>© SoftUni – </a:t>
-            </a:r>
-            <a:r>
-              <a:rPr lang="en-US" u="sng" dirty="0">
+              <a:rPr lang="bg-BG" sz="1100" dirty="0"/>
+              <a:t>Работна група </a:t>
+            </a:r>
+            <a:r>
+              <a:rPr lang="bg-BG" dirty="0"/>
+              <a:t>"Образование по програмиране и ИТ"</a:t>
+            </a:r>
+            <a:r>
+              <a:rPr lang="bg-BG" sz="1100" dirty="0"/>
+              <a:t>, с подкрепата на </a:t>
+            </a:r>
+            <a:r>
+              <a:rPr lang="en-US" sz="1100" dirty="0">
                 <a:hlinkClick r:id="rId2"/>
               </a:rPr>
-              <a:t>https://softuni.org</a:t>
-            </a:r>
-            <a:r>
-              <a:rPr lang="en-US" dirty="0"/>
-              <a:t>. Copyrighted document. Unauthorized copy or reproduction is not permitted.</a:t>
-            </a:r>
+              <a:t>SoftUni</a:t>
+            </a:r>
+            <a:endParaRPr lang="en-US" sz="1100" dirty="0"/>
           </a:p>
         </p:txBody>
       </p:sp>
@@ -899,10 +909,10 @@
       </p:sp>
       <p:sp>
         <p:nvSpPr>
-          <p:cNvPr id="7" name="Footer Placeholder 7">
+          <p:cNvPr id="4" name="Footer Placeholder 7">
             <a:extLst>
               <a:ext uri="{FF2B5EF4-FFF2-40B4-BE49-F238E27FC236}">
-                <a16:creationId xmlns:a16="http://schemas.microsoft.com/office/drawing/2014/main" id="{85A58400-9ADF-48C0-910F-1B9F0B0653D7}"/>
+                <a16:creationId xmlns:a16="http://schemas.microsoft.com/office/drawing/2014/main" id="{C2D5B3F4-646B-5DA4-F973-7515905E5005}"/>
               </a:ext>
             </a:extLst>
           </p:cNvPr>
@@ -915,8 +925,8 @@
         </p:nvSpPr>
         <p:spPr>
           <a:xfrm>
-            <a:off x="-1" y="8847000"/>
-            <a:ext cx="6488999" cy="297000"/>
+            <a:off x="-1" y="8892000"/>
+            <a:ext cx="6488999" cy="252000"/>
           </a:xfrm>
           <a:prstGeom prst="rect">
             <a:avLst/>
@@ -931,26 +941,31 @@
           </a:lstStyle>
           <a:p>
             <a:r>
-              <a:rPr lang="en-US" dirty="0"/>
-              <a:t>© SoftUni – </a:t>
-            </a:r>
-            <a:r>
-              <a:rPr lang="en-US" u="sng" dirty="0">
+              <a:rPr lang="bg-BG" sz="1100" dirty="0"/>
+              <a:t>Работна група </a:t>
+            </a:r>
+            <a:r>
+              <a:rPr lang="bg-BG" dirty="0"/>
+              <a:t>"Образование по програмиране и ИТ"</a:t>
+            </a:r>
+            <a:r>
+              <a:rPr lang="bg-BG" sz="1100" dirty="0"/>
+              <a:t>, с подкрепата на </a:t>
+            </a:r>
+            <a:r>
+              <a:rPr lang="en-US" sz="1100" dirty="0">
                 <a:hlinkClick r:id="rId3"/>
               </a:rPr>
-              <a:t>https://softuni.org</a:t>
-            </a:r>
-            <a:r>
-              <a:rPr lang="en-US" dirty="0"/>
-              <a:t>. Copyrighted document. Unauthorized copy or reproduction is not permitted.</a:t>
-            </a:r>
+              <a:t>SoftUni</a:t>
+            </a:r>
+            <a:endParaRPr lang="en-US" sz="1100" dirty="0"/>
           </a:p>
         </p:txBody>
       </p:sp>
     </p:spTree>
     <p:extLst>
       <p:ext uri="{BB962C8B-B14F-4D97-AF65-F5344CB8AC3E}">
-        <p14:creationId xmlns:p14="http://schemas.microsoft.com/office/powerpoint/2010/main" val="2022209933"/>
+        <p14:creationId xmlns:p14="http://schemas.microsoft.com/office/powerpoint/2010/main" val="3855554386"/>
       </p:ext>
     </p:extLst>
   </p:cSld>
@@ -1033,7 +1048,13 @@
       </p:sp>
       <p:sp>
         <p:nvSpPr>
-          <p:cNvPr id="5" name="Footer Placeholder 4"/>
+          <p:cNvPr id="6" name="Footer Placeholder 7">
+            <a:extLst>
+              <a:ext uri="{FF2B5EF4-FFF2-40B4-BE49-F238E27FC236}">
+                <a16:creationId xmlns:a16="http://schemas.microsoft.com/office/drawing/2014/main" id="{58B3CB5D-4F16-79C0-C28D-3095AD63CA36}"/>
+              </a:ext>
+            </a:extLst>
+          </p:cNvPr>
           <p:cNvSpPr>
             <a:spLocks noGrp="1"/>
           </p:cNvSpPr>
@@ -1041,32 +1062,49 @@
             <p:ph type="ftr" sz="quarter" idx="4"/>
           </p:nvPr>
         </p:nvSpPr>
-        <p:spPr/>
+        <p:spPr>
+          <a:xfrm>
+            <a:off x="-1" y="8892000"/>
+            <a:ext cx="6488999" cy="252000"/>
+          </a:xfrm>
+          <a:prstGeom prst="rect">
+            <a:avLst/>
+          </a:prstGeom>
+        </p:spPr>
         <p:txBody>
-          <a:bodyPr/>
-          <a:lstStyle/>
-          <a:p>
-            <a:r>
-              <a:rPr lang="en-US" dirty="0"/>
-              <a:t>© SoftUni – </a:t>
-            </a:r>
-            <a:r>
-              <a:rPr lang="en-US" u="sng" dirty="0">
+          <a:bodyPr vert="horz" lIns="91440" tIns="45720" rIns="91440" bIns="45720" rtlCol="0" anchor="b"/>
+          <a:lstStyle>
+            <a:lvl1pPr algn="l">
+              <a:defRPr sz="1100"/>
+            </a:lvl1pPr>
+          </a:lstStyle>
+          <a:p>
+            <a:r>
+              <a:rPr lang="bg-BG" sz="1100" dirty="0"/>
+              <a:t>Работна група </a:t>
+            </a:r>
+            <a:r>
+              <a:rPr lang="bg-BG" dirty="0"/>
+              <a:t>"Образование по програмиране и ИТ"</a:t>
+            </a:r>
+            <a:r>
+              <a:rPr lang="bg-BG" sz="1100" dirty="0"/>
+              <a:t>, с подкрепата на </a:t>
+            </a:r>
+            <a:r>
+              <a:rPr lang="en-US" sz="1100" dirty="0">
                 <a:hlinkClick r:id="rId3"/>
               </a:rPr>
-              <a:t>https://softuni.org</a:t>
-            </a:r>
-            <a:r>
-              <a:rPr lang="en-US" dirty="0"/>
-              <a:t>. Copyrighted document. Unauthorized copy or reproduction is not permitted.</a:t>
-            </a:r>
+              <a:t>SoftUni</a:t>
+            </a:r>
+            <a:endParaRPr lang="en-US" sz="1100" dirty="0"/>
           </a:p>
         </p:txBody>
       </p:sp>
     </p:spTree>
     <p:extLst>
       <p:ext uri="{BB962C8B-B14F-4D97-AF65-F5344CB8AC3E}">
-        <p14:creationId xmlns:p14="http://schemas.microsoft.com/office/powerpoint/2010/main" val="3047481589"/>
+        <p14:creationId xmlns:p14="http://schemas.microsoft.com/office/powerpoint/2010/main" val="1924618870"/>
       </p:ext>
     </p:extLst>
   </p:cSld>
@@ -1149,7 +1187,13 @@
       </p:sp>
       <p:sp>
         <p:nvSpPr>
-          <p:cNvPr id="5" name="Footer Placeholder 4"/>
+          <p:cNvPr id="6" name="Footer Placeholder 7">
+            <a:extLst>
+              <a:ext uri="{FF2B5EF4-FFF2-40B4-BE49-F238E27FC236}">
+                <a16:creationId xmlns:a16="http://schemas.microsoft.com/office/drawing/2014/main" id="{B2632F96-0F95-A4B0-910C-1703991648EA}"/>
+              </a:ext>
+            </a:extLst>
+          </p:cNvPr>
           <p:cNvSpPr>
             <a:spLocks noGrp="1"/>
           </p:cNvSpPr>
@@ -1157,32 +1201,49 @@
             <p:ph type="ftr" sz="quarter" idx="4"/>
           </p:nvPr>
         </p:nvSpPr>
-        <p:spPr/>
+        <p:spPr>
+          <a:xfrm>
+            <a:off x="-1" y="8892000"/>
+            <a:ext cx="6488999" cy="252000"/>
+          </a:xfrm>
+          <a:prstGeom prst="rect">
+            <a:avLst/>
+          </a:prstGeom>
+        </p:spPr>
         <p:txBody>
-          <a:bodyPr/>
-          <a:lstStyle/>
-          <a:p>
-            <a:r>
-              <a:rPr lang="en-US" dirty="0"/>
-              <a:t>© SoftUni – </a:t>
-            </a:r>
-            <a:r>
-              <a:rPr lang="en-US" u="sng" dirty="0">
+          <a:bodyPr vert="horz" lIns="91440" tIns="45720" rIns="91440" bIns="45720" rtlCol="0" anchor="b"/>
+          <a:lstStyle>
+            <a:lvl1pPr algn="l">
+              <a:defRPr sz="1100"/>
+            </a:lvl1pPr>
+          </a:lstStyle>
+          <a:p>
+            <a:r>
+              <a:rPr lang="bg-BG" sz="1100" dirty="0"/>
+              <a:t>Работна група </a:t>
+            </a:r>
+            <a:r>
+              <a:rPr lang="bg-BG" dirty="0"/>
+              <a:t>"Образование по програмиране и ИТ"</a:t>
+            </a:r>
+            <a:r>
+              <a:rPr lang="bg-BG" sz="1100" dirty="0"/>
+              <a:t>, с подкрепата на </a:t>
+            </a:r>
+            <a:r>
+              <a:rPr lang="en-US" sz="1100" dirty="0">
                 <a:hlinkClick r:id="rId3"/>
               </a:rPr>
-              <a:t>https://softuni.org</a:t>
-            </a:r>
-            <a:r>
-              <a:rPr lang="en-US" dirty="0"/>
-              <a:t>. Copyrighted document. Unauthorized copy or reproduction is not permitted.</a:t>
-            </a:r>
+              <a:t>SoftUni</a:t>
+            </a:r>
+            <a:endParaRPr lang="en-US" sz="1100" dirty="0"/>
           </a:p>
         </p:txBody>
       </p:sp>
     </p:spTree>
     <p:extLst>
       <p:ext uri="{BB962C8B-B14F-4D97-AF65-F5344CB8AC3E}">
-        <p14:creationId xmlns:p14="http://schemas.microsoft.com/office/powerpoint/2010/main" val="1406144760"/>
+        <p14:creationId xmlns:p14="http://schemas.microsoft.com/office/powerpoint/2010/main" val="1963155531"/>
       </p:ext>
     </p:extLst>
   </p:cSld>
@@ -1266,10 +1327,10 @@
       </p:sp>
       <p:sp>
         <p:nvSpPr>
-          <p:cNvPr id="6" name="Footer Placeholder 7">
+          <p:cNvPr id="5" name="Footer Placeholder 7">
             <a:extLst>
               <a:ext uri="{FF2B5EF4-FFF2-40B4-BE49-F238E27FC236}">
-                <a16:creationId xmlns:a16="http://schemas.microsoft.com/office/drawing/2014/main" id="{88DC02A7-7D70-4E63-8E2D-381DBEC499A1}"/>
+                <a16:creationId xmlns:a16="http://schemas.microsoft.com/office/drawing/2014/main" id="{AE419278-297D-A715-70B3-0DBCAB44D3E0}"/>
               </a:ext>
             </a:extLst>
           </p:cNvPr>
@@ -1282,8 +1343,8 @@
         </p:nvSpPr>
         <p:spPr>
           <a:xfrm>
-            <a:off x="-1" y="8847000"/>
-            <a:ext cx="6488999" cy="297000"/>
+            <a:off x="-1" y="8892000"/>
+            <a:ext cx="6488999" cy="252000"/>
           </a:xfrm>
           <a:prstGeom prst="rect">
             <a:avLst/>
@@ -1298,26 +1359,31 @@
           </a:lstStyle>
           <a:p>
             <a:r>
-              <a:rPr lang="en-US" dirty="0"/>
-              <a:t>© SoftUni – </a:t>
-            </a:r>
-            <a:r>
-              <a:rPr lang="en-US" u="sng" dirty="0">
+              <a:rPr lang="bg-BG" sz="1100" dirty="0"/>
+              <a:t>Работна група </a:t>
+            </a:r>
+            <a:r>
+              <a:rPr lang="bg-BG" dirty="0"/>
+              <a:t>"Образование по програмиране и ИТ"</a:t>
+            </a:r>
+            <a:r>
+              <a:rPr lang="bg-BG" sz="1100" dirty="0"/>
+              <a:t>, с подкрепата на </a:t>
+            </a:r>
+            <a:r>
+              <a:rPr lang="en-US" sz="1100" dirty="0">
                 <a:hlinkClick r:id="rId3"/>
               </a:rPr>
-              <a:t>https://softuni.org</a:t>
-            </a:r>
-            <a:r>
-              <a:rPr lang="en-US" dirty="0"/>
-              <a:t>. Copyrighted document. Unauthorized copy or reproduction is not permitted.</a:t>
-            </a:r>
+              <a:t>SoftUni</a:t>
+            </a:r>
+            <a:endParaRPr lang="en-US" sz="1100" dirty="0"/>
           </a:p>
         </p:txBody>
       </p:sp>
     </p:spTree>
     <p:extLst>
       <p:ext uri="{BB962C8B-B14F-4D97-AF65-F5344CB8AC3E}">
-        <p14:creationId xmlns:p14="http://schemas.microsoft.com/office/powerpoint/2010/main" val="1778616773"/>
+        <p14:creationId xmlns:p14="http://schemas.microsoft.com/office/powerpoint/2010/main" val="535185300"/>
       </p:ext>
     </p:extLst>
   </p:cSld>
@@ -1400,7 +1466,13 @@
       </p:sp>
       <p:sp>
         <p:nvSpPr>
-          <p:cNvPr id="5" name="Footer Placeholder 4"/>
+          <p:cNvPr id="6" name="Footer Placeholder 7">
+            <a:extLst>
+              <a:ext uri="{FF2B5EF4-FFF2-40B4-BE49-F238E27FC236}">
+                <a16:creationId xmlns:a16="http://schemas.microsoft.com/office/drawing/2014/main" id="{70CF6D8B-46ED-CF0C-19E3-85C5AC243D41}"/>
+              </a:ext>
+            </a:extLst>
+          </p:cNvPr>
           <p:cNvSpPr>
             <a:spLocks noGrp="1"/>
           </p:cNvSpPr>
@@ -1408,32 +1480,49 @@
             <p:ph type="ftr" sz="quarter" idx="4"/>
           </p:nvPr>
         </p:nvSpPr>
-        <p:spPr/>
+        <p:spPr>
+          <a:xfrm>
+            <a:off x="-1" y="8892000"/>
+            <a:ext cx="6488999" cy="252000"/>
+          </a:xfrm>
+          <a:prstGeom prst="rect">
+            <a:avLst/>
+          </a:prstGeom>
+        </p:spPr>
         <p:txBody>
-          <a:bodyPr/>
-          <a:lstStyle/>
-          <a:p>
-            <a:r>
-              <a:rPr lang="en-US" dirty="0"/>
-              <a:t>© SoftUni – </a:t>
-            </a:r>
-            <a:r>
-              <a:rPr lang="en-US" u="sng" dirty="0">
+          <a:bodyPr vert="horz" lIns="91440" tIns="45720" rIns="91440" bIns="45720" rtlCol="0" anchor="b"/>
+          <a:lstStyle>
+            <a:lvl1pPr algn="l">
+              <a:defRPr sz="1100"/>
+            </a:lvl1pPr>
+          </a:lstStyle>
+          <a:p>
+            <a:r>
+              <a:rPr lang="bg-BG" sz="1100" dirty="0"/>
+              <a:t>Работна група </a:t>
+            </a:r>
+            <a:r>
+              <a:rPr lang="bg-BG" dirty="0"/>
+              <a:t>"Образование по програмиране и ИТ"</a:t>
+            </a:r>
+            <a:r>
+              <a:rPr lang="bg-BG" sz="1100" dirty="0"/>
+              <a:t>, с подкрепата на </a:t>
+            </a:r>
+            <a:r>
+              <a:rPr lang="en-US" sz="1100" dirty="0">
                 <a:hlinkClick r:id="rId3"/>
               </a:rPr>
-              <a:t>https://softuni.org</a:t>
-            </a:r>
-            <a:r>
-              <a:rPr lang="en-US" dirty="0"/>
-              <a:t>. Copyrighted document. Unauthorized copy or reproduction is not permitted.</a:t>
-            </a:r>
+              <a:t>SoftUni</a:t>
+            </a:r>
+            <a:endParaRPr lang="en-US" sz="1100" dirty="0"/>
           </a:p>
         </p:txBody>
       </p:sp>
     </p:spTree>
     <p:extLst>
       <p:ext uri="{BB962C8B-B14F-4D97-AF65-F5344CB8AC3E}">
-        <p14:creationId xmlns:p14="http://schemas.microsoft.com/office/powerpoint/2010/main" val="1542359863"/>
+        <p14:creationId xmlns:p14="http://schemas.microsoft.com/office/powerpoint/2010/main" val="1653366846"/>
       </p:ext>
     </p:extLst>
   </p:cSld>
@@ -1516,7 +1605,13 @@
       </p:sp>
       <p:sp>
         <p:nvSpPr>
-          <p:cNvPr id="5" name="Footer Placeholder 4"/>
+          <p:cNvPr id="6" name="Footer Placeholder 7">
+            <a:extLst>
+              <a:ext uri="{FF2B5EF4-FFF2-40B4-BE49-F238E27FC236}">
+                <a16:creationId xmlns:a16="http://schemas.microsoft.com/office/drawing/2014/main" id="{3FD123C7-1D8F-2353-0A29-E5FE1740505F}"/>
+              </a:ext>
+            </a:extLst>
+          </p:cNvPr>
           <p:cNvSpPr>
             <a:spLocks noGrp="1"/>
           </p:cNvSpPr>
@@ -1524,32 +1619,49 @@
             <p:ph type="ftr" sz="quarter" idx="4"/>
           </p:nvPr>
         </p:nvSpPr>
-        <p:spPr/>
+        <p:spPr>
+          <a:xfrm>
+            <a:off x="-1" y="8892000"/>
+            <a:ext cx="6488999" cy="252000"/>
+          </a:xfrm>
+          <a:prstGeom prst="rect">
+            <a:avLst/>
+          </a:prstGeom>
+        </p:spPr>
         <p:txBody>
-          <a:bodyPr/>
-          <a:lstStyle/>
-          <a:p>
-            <a:r>
-              <a:rPr lang="en-US" dirty="0"/>
-              <a:t>© SoftUni – </a:t>
-            </a:r>
-            <a:r>
-              <a:rPr lang="en-US" u="sng" dirty="0">
+          <a:bodyPr vert="horz" lIns="91440" tIns="45720" rIns="91440" bIns="45720" rtlCol="0" anchor="b"/>
+          <a:lstStyle>
+            <a:lvl1pPr algn="l">
+              <a:defRPr sz="1100"/>
+            </a:lvl1pPr>
+          </a:lstStyle>
+          <a:p>
+            <a:r>
+              <a:rPr lang="bg-BG" sz="1100" dirty="0"/>
+              <a:t>Работна група </a:t>
+            </a:r>
+            <a:r>
+              <a:rPr lang="bg-BG" dirty="0"/>
+              <a:t>"Образование по програмиране и ИТ"</a:t>
+            </a:r>
+            <a:r>
+              <a:rPr lang="bg-BG" sz="1100" dirty="0"/>
+              <a:t>, с подкрепата на </a:t>
+            </a:r>
+            <a:r>
+              <a:rPr lang="en-US" sz="1100" dirty="0">
                 <a:hlinkClick r:id="rId3"/>
               </a:rPr>
-              <a:t>https://softuni.org</a:t>
-            </a:r>
-            <a:r>
-              <a:rPr lang="en-US" dirty="0"/>
-              <a:t>. Copyrighted document. Unauthorized copy or reproduction is not permitted.</a:t>
-            </a:r>
+              <a:t>SoftUni</a:t>
+            </a:r>
+            <a:endParaRPr lang="en-US" sz="1100" dirty="0"/>
           </a:p>
         </p:txBody>
       </p:sp>
     </p:spTree>
     <p:extLst>
       <p:ext uri="{BB962C8B-B14F-4D97-AF65-F5344CB8AC3E}">
-        <p14:creationId xmlns:p14="http://schemas.microsoft.com/office/powerpoint/2010/main" val="3124796468"/>
+        <p14:creationId xmlns:p14="http://schemas.microsoft.com/office/powerpoint/2010/main" val="318853027"/>
       </p:ext>
     </p:extLst>
   </p:cSld>
@@ -1633,10 +1745,10 @@
       </p:sp>
       <p:sp>
         <p:nvSpPr>
-          <p:cNvPr id="6" name="Footer Placeholder 7">
+          <p:cNvPr id="4" name="Footer Placeholder 7">
             <a:extLst>
               <a:ext uri="{FF2B5EF4-FFF2-40B4-BE49-F238E27FC236}">
-                <a16:creationId xmlns:a16="http://schemas.microsoft.com/office/drawing/2014/main" id="{54A34148-6056-478C-9CDD-88D6360416CE}"/>
+                <a16:creationId xmlns:a16="http://schemas.microsoft.com/office/drawing/2014/main" id="{09BD4B94-A026-B544-5589-832E4493676F}"/>
               </a:ext>
             </a:extLst>
           </p:cNvPr>
@@ -1649,8 +1761,8 @@
         </p:nvSpPr>
         <p:spPr>
           <a:xfrm>
-            <a:off x="-1" y="8847000"/>
-            <a:ext cx="6488999" cy="297000"/>
+            <a:off x="-1" y="8892000"/>
+            <a:ext cx="6488999" cy="252000"/>
           </a:xfrm>
           <a:prstGeom prst="rect">
             <a:avLst/>
@@ -1665,26 +1777,31 @@
           </a:lstStyle>
           <a:p>
             <a:r>
-              <a:rPr lang="en-US" dirty="0"/>
-              <a:t>© SoftUni – </a:t>
-            </a:r>
-            <a:r>
-              <a:rPr lang="en-US" u="sng" dirty="0">
+              <a:rPr lang="bg-BG" sz="1100" dirty="0"/>
+              <a:t>Работна група </a:t>
+            </a:r>
+            <a:r>
+              <a:rPr lang="bg-BG" dirty="0"/>
+              <a:t>"Образование по програмиране и ИТ"</a:t>
+            </a:r>
+            <a:r>
+              <a:rPr lang="bg-BG" sz="1100" dirty="0"/>
+              <a:t>, с подкрепата на </a:t>
+            </a:r>
+            <a:r>
+              <a:rPr lang="en-US" sz="1100" dirty="0">
                 <a:hlinkClick r:id="rId3"/>
               </a:rPr>
-              <a:t>https://softuni.org</a:t>
-            </a:r>
-            <a:r>
-              <a:rPr lang="en-US" dirty="0"/>
-              <a:t>. Copyrighted document. Unauthorized copy or reproduction is not permitted.</a:t>
-            </a:r>
+              <a:t>SoftUni</a:t>
+            </a:r>
+            <a:endParaRPr lang="en-US" sz="1100" dirty="0"/>
           </a:p>
         </p:txBody>
       </p:sp>
     </p:spTree>
     <p:extLst>
       <p:ext uri="{BB962C8B-B14F-4D97-AF65-F5344CB8AC3E}">
-        <p14:creationId xmlns:p14="http://schemas.microsoft.com/office/powerpoint/2010/main" val="2071545545"/>
+        <p14:creationId xmlns:p14="http://schemas.microsoft.com/office/powerpoint/2010/main" val="1511866085"/>
       </p:ext>
     </p:extLst>
   </p:cSld>
@@ -1874,10 +1991,10 @@
       </p:sp>
       <p:sp>
         <p:nvSpPr>
-          <p:cNvPr id="6" name="Footer Placeholder 7">
+          <p:cNvPr id="5" name="Footer Placeholder 7">
             <a:extLst>
               <a:ext uri="{FF2B5EF4-FFF2-40B4-BE49-F238E27FC236}">
-                <a16:creationId xmlns:a16="http://schemas.microsoft.com/office/drawing/2014/main" id="{C03AC01D-DF1D-49AC-9458-3F8A046E86E5}"/>
+                <a16:creationId xmlns:a16="http://schemas.microsoft.com/office/drawing/2014/main" id="{E1C18990-4A76-18E1-165D-83FBE86612A7}"/>
               </a:ext>
             </a:extLst>
           </p:cNvPr>
@@ -1890,8 +2007,8 @@
         </p:nvSpPr>
         <p:spPr>
           <a:xfrm>
-            <a:off x="-1" y="8847000"/>
-            <a:ext cx="6488999" cy="297000"/>
+            <a:off x="-1" y="8892000"/>
+            <a:ext cx="6488999" cy="252000"/>
           </a:xfrm>
           <a:prstGeom prst="rect">
             <a:avLst/>
@@ -1906,26 +2023,31 @@
           </a:lstStyle>
           <a:p>
             <a:r>
-              <a:rPr lang="en-US" dirty="0"/>
-              <a:t>© SoftUni – </a:t>
-            </a:r>
-            <a:r>
-              <a:rPr lang="en-US" u="sng" dirty="0">
+              <a:rPr lang="bg-BG" sz="1100" dirty="0"/>
+              <a:t>Работна група </a:t>
+            </a:r>
+            <a:r>
+              <a:rPr lang="bg-BG" dirty="0"/>
+              <a:t>"Образование по програмиране и ИТ"</a:t>
+            </a:r>
+            <a:r>
+              <a:rPr lang="bg-BG" sz="1100" dirty="0"/>
+              <a:t>, с подкрепата на </a:t>
+            </a:r>
+            <a:r>
+              <a:rPr lang="en-US" sz="1100" dirty="0">
                 <a:hlinkClick r:id="rId3"/>
               </a:rPr>
-              <a:t>https://softuni.org</a:t>
-            </a:r>
-            <a:r>
-              <a:rPr lang="en-US" dirty="0"/>
-              <a:t>. Copyrighted document. Unauthorized copy or reproduction is not permitted.</a:t>
-            </a:r>
+              <a:t>SoftUni</a:t>
+            </a:r>
+            <a:endParaRPr lang="en-US" sz="1100" dirty="0"/>
           </a:p>
         </p:txBody>
       </p:sp>
     </p:spTree>
     <p:extLst>
       <p:ext uri="{BB962C8B-B14F-4D97-AF65-F5344CB8AC3E}">
-        <p14:creationId xmlns:p14="http://schemas.microsoft.com/office/powerpoint/2010/main" val="2039651734"/>
+        <p14:creationId xmlns:p14="http://schemas.microsoft.com/office/powerpoint/2010/main" val="1946537002"/>
       </p:ext>
     </p:extLst>
   </p:cSld>
@@ -1979,7 +2101,7 @@
           <a:bodyPr/>
           <a:lstStyle/>
           <a:p>
-            <a:endParaRPr lang="en-US" dirty="0"/>
+            <a:endParaRPr lang="en-US"/>
           </a:p>
         </p:txBody>
       </p:sp>
@@ -2115,10 +2237,10 @@
       </p:sp>
       <p:sp>
         <p:nvSpPr>
-          <p:cNvPr id="7" name="Footer Placeholder 7">
+          <p:cNvPr id="5" name="Footer Placeholder 7">
             <a:extLst>
               <a:ext uri="{FF2B5EF4-FFF2-40B4-BE49-F238E27FC236}">
-                <a16:creationId xmlns:a16="http://schemas.microsoft.com/office/drawing/2014/main" id="{D3E666DF-85FE-43D9-95A3-14F3018B26DC}"/>
+                <a16:creationId xmlns:a16="http://schemas.microsoft.com/office/drawing/2014/main" id="{1F4CCE18-22CF-9A00-E265-D31E1F387581}"/>
               </a:ext>
             </a:extLst>
           </p:cNvPr>
@@ -2131,8 +2253,8 @@
         </p:nvSpPr>
         <p:spPr>
           <a:xfrm>
-            <a:off x="-1" y="8847000"/>
-            <a:ext cx="6488999" cy="297000"/>
+            <a:off x="-1" y="8892000"/>
+            <a:ext cx="6488999" cy="252000"/>
           </a:xfrm>
           <a:prstGeom prst="rect">
             <a:avLst/>
@@ -2147,26 +2269,31 @@
           </a:lstStyle>
           <a:p>
             <a:r>
-              <a:rPr lang="en-US" dirty="0"/>
-              <a:t>© SoftUni – </a:t>
-            </a:r>
-            <a:r>
-              <a:rPr lang="en-US" u="sng" dirty="0">
+              <a:rPr lang="bg-BG" sz="1100" dirty="0"/>
+              <a:t>Работна група </a:t>
+            </a:r>
+            <a:r>
+              <a:rPr lang="bg-BG" dirty="0"/>
+              <a:t>"Образование по програмиране и ИТ"</a:t>
+            </a:r>
+            <a:r>
+              <a:rPr lang="bg-BG" sz="1100" dirty="0"/>
+              <a:t>, с подкрепата на </a:t>
+            </a:r>
+            <a:r>
+              <a:rPr lang="en-US" sz="1100" dirty="0">
                 <a:hlinkClick r:id="rId3"/>
               </a:rPr>
-              <a:t>https://softuni.org</a:t>
-            </a:r>
-            <a:r>
-              <a:rPr lang="en-US" dirty="0"/>
-              <a:t>. Copyrighted document. Unauthorized copy or reproduction is not permitted.</a:t>
-            </a:r>
+              <a:t>SoftUni</a:t>
+            </a:r>
+            <a:endParaRPr lang="en-US" sz="1100" dirty="0"/>
           </a:p>
         </p:txBody>
       </p:sp>
     </p:spTree>
     <p:extLst>
       <p:ext uri="{BB962C8B-B14F-4D97-AF65-F5344CB8AC3E}">
-        <p14:creationId xmlns:p14="http://schemas.microsoft.com/office/powerpoint/2010/main" val="795106685"/>
+        <p14:creationId xmlns:p14="http://schemas.microsoft.com/office/powerpoint/2010/main" val="3889478695"/>
       </p:ext>
     </p:extLst>
   </p:cSld>
@@ -2250,10 +2377,10 @@
       </p:sp>
       <p:sp>
         <p:nvSpPr>
-          <p:cNvPr id="6" name="Footer Placeholder 7">
+          <p:cNvPr id="5" name="Footer Placeholder 7">
             <a:extLst>
               <a:ext uri="{FF2B5EF4-FFF2-40B4-BE49-F238E27FC236}">
-                <a16:creationId xmlns:a16="http://schemas.microsoft.com/office/drawing/2014/main" id="{CE18829D-2170-4A31-9132-F8B46C21AA13}"/>
+                <a16:creationId xmlns:a16="http://schemas.microsoft.com/office/drawing/2014/main" id="{D5217D30-911A-0215-6D92-373D27F287B5}"/>
               </a:ext>
             </a:extLst>
           </p:cNvPr>
@@ -2266,8 +2393,8 @@
         </p:nvSpPr>
         <p:spPr>
           <a:xfrm>
-            <a:off x="-1" y="8847000"/>
-            <a:ext cx="6488999" cy="297000"/>
+            <a:off x="-1" y="8892000"/>
+            <a:ext cx="6488999" cy="252000"/>
           </a:xfrm>
           <a:prstGeom prst="rect">
             <a:avLst/>
@@ -2282,26 +2409,31 @@
           </a:lstStyle>
           <a:p>
             <a:r>
-              <a:rPr lang="en-US" dirty="0"/>
-              <a:t>© SoftUni – </a:t>
-            </a:r>
-            <a:r>
-              <a:rPr lang="en-US" u="sng" dirty="0">
+              <a:rPr lang="bg-BG" sz="1100" dirty="0"/>
+              <a:t>Работна група </a:t>
+            </a:r>
+            <a:r>
+              <a:rPr lang="bg-BG" dirty="0"/>
+              <a:t>"Образование по програмиране и ИТ"</a:t>
+            </a:r>
+            <a:r>
+              <a:rPr lang="bg-BG" sz="1100" dirty="0"/>
+              <a:t>, с подкрепата на </a:t>
+            </a:r>
+            <a:r>
+              <a:rPr lang="en-US" sz="1100" dirty="0">
                 <a:hlinkClick r:id="rId3"/>
               </a:rPr>
-              <a:t>https://softuni.org</a:t>
-            </a:r>
-            <a:r>
-              <a:rPr lang="en-US" dirty="0"/>
-              <a:t>. Copyrighted document. Unauthorized copy or reproduction is not permitted.</a:t>
-            </a:r>
+              <a:t>SoftUni</a:t>
+            </a:r>
+            <a:endParaRPr lang="en-US" sz="1100" dirty="0"/>
           </a:p>
         </p:txBody>
       </p:sp>
     </p:spTree>
     <p:extLst>
       <p:ext uri="{BB962C8B-B14F-4D97-AF65-F5344CB8AC3E}">
-        <p14:creationId xmlns:p14="http://schemas.microsoft.com/office/powerpoint/2010/main" val="1533088317"/>
+        <p14:creationId xmlns:p14="http://schemas.microsoft.com/office/powerpoint/2010/main" val="4123898684"/>
       </p:ext>
     </p:extLst>
   </p:cSld>
@@ -2385,10 +2517,10 @@
       </p:sp>
       <p:sp>
         <p:nvSpPr>
-          <p:cNvPr id="6" name="Footer Placeholder 7">
+          <p:cNvPr id="4" name="Footer Placeholder 7">
             <a:extLst>
               <a:ext uri="{FF2B5EF4-FFF2-40B4-BE49-F238E27FC236}">
-                <a16:creationId xmlns:a16="http://schemas.microsoft.com/office/drawing/2014/main" id="{2F56673C-7948-4369-A0C1-36DA41DAF16C}"/>
+                <a16:creationId xmlns:a16="http://schemas.microsoft.com/office/drawing/2014/main" id="{AD458BB9-1360-2151-9E5D-01BE1C217850}"/>
               </a:ext>
             </a:extLst>
           </p:cNvPr>
@@ -2401,8 +2533,8 @@
         </p:nvSpPr>
         <p:spPr>
           <a:xfrm>
-            <a:off x="-1" y="8847000"/>
-            <a:ext cx="6488999" cy="297000"/>
+            <a:off x="-1" y="8892000"/>
+            <a:ext cx="6488999" cy="252000"/>
           </a:xfrm>
           <a:prstGeom prst="rect">
             <a:avLst/>
@@ -2417,26 +2549,31 @@
           </a:lstStyle>
           <a:p>
             <a:r>
-              <a:rPr lang="en-US" dirty="0"/>
-              <a:t>© SoftUni – </a:t>
-            </a:r>
-            <a:r>
-              <a:rPr lang="en-US" u="sng" dirty="0">
+              <a:rPr lang="bg-BG" sz="1100" dirty="0"/>
+              <a:t>Работна група </a:t>
+            </a:r>
+            <a:r>
+              <a:rPr lang="bg-BG" dirty="0"/>
+              <a:t>"Образование по програмиране и ИТ"</a:t>
+            </a:r>
+            <a:r>
+              <a:rPr lang="bg-BG" sz="1100" dirty="0"/>
+              <a:t>, с подкрепата на </a:t>
+            </a:r>
+            <a:r>
+              <a:rPr lang="en-US" sz="1100" dirty="0">
                 <a:hlinkClick r:id="rId3"/>
               </a:rPr>
-              <a:t>https://softuni.org</a:t>
-            </a:r>
-            <a:r>
-              <a:rPr lang="en-US" dirty="0"/>
-              <a:t>. Copyrighted document. Unauthorized copy or reproduction is not permitted.</a:t>
-            </a:r>
+              <a:t>SoftUni</a:t>
+            </a:r>
+            <a:endParaRPr lang="en-US" sz="1100" dirty="0"/>
           </a:p>
         </p:txBody>
       </p:sp>
     </p:spTree>
     <p:extLst>
       <p:ext uri="{BB962C8B-B14F-4D97-AF65-F5344CB8AC3E}">
-        <p14:creationId xmlns:p14="http://schemas.microsoft.com/office/powerpoint/2010/main" val="33863442"/>
+        <p14:creationId xmlns:p14="http://schemas.microsoft.com/office/powerpoint/2010/main" val="4136072287"/>
       </p:ext>
     </p:extLst>
   </p:cSld>
@@ -2519,7 +2656,13 @@
       </p:sp>
       <p:sp>
         <p:nvSpPr>
-          <p:cNvPr id="5" name="Footer Placeholder 4"/>
+          <p:cNvPr id="6" name="Footer Placeholder 7">
+            <a:extLst>
+              <a:ext uri="{FF2B5EF4-FFF2-40B4-BE49-F238E27FC236}">
+                <a16:creationId xmlns:a16="http://schemas.microsoft.com/office/drawing/2014/main" id="{F14E3643-0DC0-4A01-4727-63FEB72CF4F9}"/>
+              </a:ext>
+            </a:extLst>
+          </p:cNvPr>
           <p:cNvSpPr>
             <a:spLocks noGrp="1"/>
           </p:cNvSpPr>
@@ -2527,32 +2670,49 @@
             <p:ph type="ftr" sz="quarter" idx="4"/>
           </p:nvPr>
         </p:nvSpPr>
-        <p:spPr/>
+        <p:spPr>
+          <a:xfrm>
+            <a:off x="-1" y="8892000"/>
+            <a:ext cx="6488999" cy="252000"/>
+          </a:xfrm>
+          <a:prstGeom prst="rect">
+            <a:avLst/>
+          </a:prstGeom>
+        </p:spPr>
         <p:txBody>
-          <a:bodyPr/>
-          <a:lstStyle/>
-          <a:p>
-            <a:r>
-              <a:rPr lang="en-US" dirty="0"/>
-              <a:t>© SoftUni – </a:t>
-            </a:r>
-            <a:r>
-              <a:rPr lang="en-US" u="sng" dirty="0">
+          <a:bodyPr vert="horz" lIns="91440" tIns="45720" rIns="91440" bIns="45720" rtlCol="0" anchor="b"/>
+          <a:lstStyle>
+            <a:lvl1pPr algn="l">
+              <a:defRPr sz="1100"/>
+            </a:lvl1pPr>
+          </a:lstStyle>
+          <a:p>
+            <a:r>
+              <a:rPr lang="bg-BG" sz="1100" dirty="0"/>
+              <a:t>Работна група </a:t>
+            </a:r>
+            <a:r>
+              <a:rPr lang="bg-BG" dirty="0"/>
+              <a:t>"Образование по програмиране и ИТ"</a:t>
+            </a:r>
+            <a:r>
+              <a:rPr lang="bg-BG" sz="1100" dirty="0"/>
+              <a:t>, с подкрепата на </a:t>
+            </a:r>
+            <a:r>
+              <a:rPr lang="en-US" sz="1100" dirty="0">
                 <a:hlinkClick r:id="rId3"/>
               </a:rPr>
-              <a:t>https://softuni.org</a:t>
-            </a:r>
-            <a:r>
-              <a:rPr lang="en-US" dirty="0"/>
-              <a:t>. Copyrighted document. Unauthorized copy or reproduction is not permitted.</a:t>
-            </a:r>
+              <a:t>SoftUni</a:t>
+            </a:r>
+            <a:endParaRPr lang="en-US" sz="1100" dirty="0"/>
           </a:p>
         </p:txBody>
       </p:sp>
     </p:spTree>
     <p:extLst>
       <p:ext uri="{BB962C8B-B14F-4D97-AF65-F5344CB8AC3E}">
-        <p14:creationId xmlns:p14="http://schemas.microsoft.com/office/powerpoint/2010/main" val="4041157290"/>
+        <p14:creationId xmlns:p14="http://schemas.microsoft.com/office/powerpoint/2010/main" val="3677848715"/>
       </p:ext>
     </p:extLst>
   </p:cSld>
@@ -2635,7 +2795,13 @@
       </p:sp>
       <p:sp>
         <p:nvSpPr>
-          <p:cNvPr id="5" name="Footer Placeholder 4"/>
+          <p:cNvPr id="6" name="Footer Placeholder 7">
+            <a:extLst>
+              <a:ext uri="{FF2B5EF4-FFF2-40B4-BE49-F238E27FC236}">
+                <a16:creationId xmlns:a16="http://schemas.microsoft.com/office/drawing/2014/main" id="{39FA4055-09C1-3F60-795E-C3179806A8E1}"/>
+              </a:ext>
+            </a:extLst>
+          </p:cNvPr>
           <p:cNvSpPr>
             <a:spLocks noGrp="1"/>
           </p:cNvSpPr>
@@ -2643,32 +2809,49 @@
             <p:ph type="ftr" sz="quarter" idx="4"/>
           </p:nvPr>
         </p:nvSpPr>
-        <p:spPr/>
+        <p:spPr>
+          <a:xfrm>
+            <a:off x="-1" y="8892000"/>
+            <a:ext cx="6488999" cy="252000"/>
+          </a:xfrm>
+          <a:prstGeom prst="rect">
+            <a:avLst/>
+          </a:prstGeom>
+        </p:spPr>
         <p:txBody>
-          <a:bodyPr/>
-          <a:lstStyle/>
-          <a:p>
-            <a:r>
-              <a:rPr lang="en-US" dirty="0"/>
-              <a:t>© SoftUni – </a:t>
-            </a:r>
-            <a:r>
-              <a:rPr lang="en-US" u="sng" dirty="0">
+          <a:bodyPr vert="horz" lIns="91440" tIns="45720" rIns="91440" bIns="45720" rtlCol="0" anchor="b"/>
+          <a:lstStyle>
+            <a:lvl1pPr algn="l">
+              <a:defRPr sz="1100"/>
+            </a:lvl1pPr>
+          </a:lstStyle>
+          <a:p>
+            <a:r>
+              <a:rPr lang="bg-BG" sz="1100" dirty="0"/>
+              <a:t>Работна група </a:t>
+            </a:r>
+            <a:r>
+              <a:rPr lang="bg-BG" dirty="0"/>
+              <a:t>"Образование по програмиране и ИТ"</a:t>
+            </a:r>
+            <a:r>
+              <a:rPr lang="bg-BG" sz="1100" dirty="0"/>
+              <a:t>, с подкрепата на </a:t>
+            </a:r>
+            <a:r>
+              <a:rPr lang="en-US" sz="1100" dirty="0">
                 <a:hlinkClick r:id="rId3"/>
               </a:rPr>
-              <a:t>https://softuni.org</a:t>
-            </a:r>
-            <a:r>
-              <a:rPr lang="en-US" dirty="0"/>
-              <a:t>. Copyrighted document. Unauthorized copy or reproduction is not permitted.</a:t>
-            </a:r>
+              <a:t>SoftUni</a:t>
+            </a:r>
+            <a:endParaRPr lang="en-US" sz="1100" dirty="0"/>
           </a:p>
         </p:txBody>
       </p:sp>
     </p:spTree>
     <p:extLst>
       <p:ext uri="{BB962C8B-B14F-4D97-AF65-F5344CB8AC3E}">
-        <p14:creationId xmlns:p14="http://schemas.microsoft.com/office/powerpoint/2010/main" val="100796769"/>
+        <p14:creationId xmlns:p14="http://schemas.microsoft.com/office/powerpoint/2010/main" val="90508018"/>
       </p:ext>
     </p:extLst>
   </p:cSld>
@@ -2752,10 +2935,10 @@
       </p:sp>
       <p:sp>
         <p:nvSpPr>
-          <p:cNvPr id="6" name="Footer Placeholder 7">
+          <p:cNvPr id="5" name="Footer Placeholder 7">
             <a:extLst>
               <a:ext uri="{FF2B5EF4-FFF2-40B4-BE49-F238E27FC236}">
-                <a16:creationId xmlns:a16="http://schemas.microsoft.com/office/drawing/2014/main" id="{D1FE9DD6-1A8B-4B0A-8536-3B270BD2824B}"/>
+                <a16:creationId xmlns:a16="http://schemas.microsoft.com/office/drawing/2014/main" id="{A8048A82-71A7-F1C3-6378-8C5E02E0CD18}"/>
               </a:ext>
             </a:extLst>
           </p:cNvPr>
@@ -2768,8 +2951,8 @@
         </p:nvSpPr>
         <p:spPr>
           <a:xfrm>
-            <a:off x="-1" y="8847000"/>
-            <a:ext cx="6488999" cy="297000"/>
+            <a:off x="-1" y="8892000"/>
+            <a:ext cx="6488999" cy="252000"/>
           </a:xfrm>
           <a:prstGeom prst="rect">
             <a:avLst/>
@@ -2784,26 +2967,31 @@
           </a:lstStyle>
           <a:p>
             <a:r>
-              <a:rPr lang="en-US" dirty="0"/>
-              <a:t>© SoftUni – </a:t>
-            </a:r>
-            <a:r>
-              <a:rPr lang="en-US" u="sng" dirty="0">
+              <a:rPr lang="bg-BG" sz="1100" dirty="0"/>
+              <a:t>Работна група </a:t>
+            </a:r>
+            <a:r>
+              <a:rPr lang="bg-BG" dirty="0"/>
+              <a:t>"Образование по програмиране и ИТ"</a:t>
+            </a:r>
+            <a:r>
+              <a:rPr lang="bg-BG" sz="1100" dirty="0"/>
+              <a:t>, с подкрепата на </a:t>
+            </a:r>
+            <a:r>
+              <a:rPr lang="en-US" sz="1100" dirty="0">
                 <a:hlinkClick r:id="rId3"/>
               </a:rPr>
-              <a:t>https://softuni.org</a:t>
-            </a:r>
-            <a:r>
-              <a:rPr lang="en-US" dirty="0"/>
-              <a:t>. Copyrighted document. Unauthorized copy or reproduction is not permitted.</a:t>
-            </a:r>
+              <a:t>SoftUni</a:t>
+            </a:r>
+            <a:endParaRPr lang="en-US" sz="1100" dirty="0"/>
           </a:p>
         </p:txBody>
       </p:sp>
     </p:spTree>
     <p:extLst>
       <p:ext uri="{BB962C8B-B14F-4D97-AF65-F5344CB8AC3E}">
-        <p14:creationId xmlns:p14="http://schemas.microsoft.com/office/powerpoint/2010/main" val="4146290454"/>
+        <p14:creationId xmlns:p14="http://schemas.microsoft.com/office/powerpoint/2010/main" val="443283295"/>
       </p:ext>
     </p:extLst>
   </p:cSld>
@@ -2887,10 +3075,10 @@
       </p:sp>
       <p:sp>
         <p:nvSpPr>
-          <p:cNvPr id="6" name="Footer Placeholder 7">
+          <p:cNvPr id="5" name="Footer Placeholder 7">
             <a:extLst>
               <a:ext uri="{FF2B5EF4-FFF2-40B4-BE49-F238E27FC236}">
-                <a16:creationId xmlns:a16="http://schemas.microsoft.com/office/drawing/2014/main" id="{3B4DFA43-47D5-497B-9653-4709B4572416}"/>
+                <a16:creationId xmlns:a16="http://schemas.microsoft.com/office/drawing/2014/main" id="{E152956D-AD97-F9FD-21B9-A91DD66ABADB}"/>
               </a:ext>
             </a:extLst>
           </p:cNvPr>
@@ -2903,8 +3091,8 @@
         </p:nvSpPr>
         <p:spPr>
           <a:xfrm>
-            <a:off x="-1" y="8847000"/>
-            <a:ext cx="6488999" cy="297000"/>
+            <a:off x="-1" y="8892000"/>
+            <a:ext cx="6488999" cy="252000"/>
           </a:xfrm>
           <a:prstGeom prst="rect">
             <a:avLst/>
@@ -2919,26 +3107,31 @@
           </a:lstStyle>
           <a:p>
             <a:r>
-              <a:rPr lang="en-US" dirty="0"/>
-              <a:t>© SoftUni – </a:t>
-            </a:r>
-            <a:r>
-              <a:rPr lang="en-US" u="sng" dirty="0">
+              <a:rPr lang="bg-BG" sz="1100" dirty="0"/>
+              <a:t>Работна група </a:t>
+            </a:r>
+            <a:r>
+              <a:rPr lang="bg-BG" dirty="0"/>
+              <a:t>"Образование по програмиране и ИТ"</a:t>
+            </a:r>
+            <a:r>
+              <a:rPr lang="bg-BG" sz="1100" dirty="0"/>
+              <a:t>, с подкрепата на </a:t>
+            </a:r>
+            <a:r>
+              <a:rPr lang="en-US" sz="1100" dirty="0">
                 <a:hlinkClick r:id="rId3"/>
               </a:rPr>
-              <a:t>https://softuni.org</a:t>
-            </a:r>
-            <a:r>
-              <a:rPr lang="en-US" dirty="0"/>
-              <a:t>. Copyrighted document. Unauthorized copy or reproduction is not permitted.</a:t>
-            </a:r>
+              <a:t>SoftUni</a:t>
+            </a:r>
+            <a:endParaRPr lang="en-US" sz="1100" dirty="0"/>
           </a:p>
         </p:txBody>
       </p:sp>
     </p:spTree>
     <p:extLst>
       <p:ext uri="{BB962C8B-B14F-4D97-AF65-F5344CB8AC3E}">
-        <p14:creationId xmlns:p14="http://schemas.microsoft.com/office/powerpoint/2010/main" val="924143700"/>
+        <p14:creationId xmlns:p14="http://schemas.microsoft.com/office/powerpoint/2010/main" val="3441247785"/>
       </p:ext>
     </p:extLst>
   </p:cSld>
@@ -3021,7 +3214,13 @@
       </p:sp>
       <p:sp>
         <p:nvSpPr>
-          <p:cNvPr id="5" name="Footer Placeholder 4"/>
+          <p:cNvPr id="6" name="Footer Placeholder 7">
+            <a:extLst>
+              <a:ext uri="{FF2B5EF4-FFF2-40B4-BE49-F238E27FC236}">
+                <a16:creationId xmlns:a16="http://schemas.microsoft.com/office/drawing/2014/main" id="{FB5BBA9D-D237-49E9-995A-CC1BA67B8FD1}"/>
+              </a:ext>
+            </a:extLst>
+          </p:cNvPr>
           <p:cNvSpPr>
             <a:spLocks noGrp="1"/>
           </p:cNvSpPr>
@@ -3029,32 +3228,49 @@
             <p:ph type="ftr" sz="quarter" idx="4"/>
           </p:nvPr>
         </p:nvSpPr>
-        <p:spPr/>
+        <p:spPr>
+          <a:xfrm>
+            <a:off x="-1" y="8892000"/>
+            <a:ext cx="6488999" cy="252000"/>
+          </a:xfrm>
+          <a:prstGeom prst="rect">
+            <a:avLst/>
+          </a:prstGeom>
+        </p:spPr>
         <p:txBody>
-          <a:bodyPr/>
-          <a:lstStyle/>
-          <a:p>
-            <a:r>
-              <a:rPr lang="en-US" dirty="0"/>
-              <a:t>© SoftUni – </a:t>
-            </a:r>
-            <a:r>
-              <a:rPr lang="en-US" u="sng" dirty="0">
+          <a:bodyPr vert="horz" lIns="91440" tIns="45720" rIns="91440" bIns="45720" rtlCol="0" anchor="b"/>
+          <a:lstStyle>
+            <a:lvl1pPr algn="l">
+              <a:defRPr sz="1100"/>
+            </a:lvl1pPr>
+          </a:lstStyle>
+          <a:p>
+            <a:r>
+              <a:rPr lang="bg-BG" sz="1100" dirty="0"/>
+              <a:t>Работна група </a:t>
+            </a:r>
+            <a:r>
+              <a:rPr lang="bg-BG" dirty="0"/>
+              <a:t>"Образование по програмиране и ИТ"</a:t>
+            </a:r>
+            <a:r>
+              <a:rPr lang="bg-BG" sz="1100" dirty="0"/>
+              <a:t>, с подкрепата на </a:t>
+            </a:r>
+            <a:r>
+              <a:rPr lang="en-US" sz="1100" dirty="0">
                 <a:hlinkClick r:id="rId3"/>
               </a:rPr>
-              <a:t>https://softuni.org</a:t>
-            </a:r>
-            <a:r>
-              <a:rPr lang="en-US" dirty="0"/>
-              <a:t>. Copyrighted document. Unauthorized copy or reproduction is not permitted.</a:t>
-            </a:r>
+              <a:t>SoftUni</a:t>
+            </a:r>
+            <a:endParaRPr lang="en-US" sz="1100" dirty="0"/>
           </a:p>
         </p:txBody>
       </p:sp>
     </p:spTree>
     <p:extLst>
       <p:ext uri="{BB962C8B-B14F-4D97-AF65-F5344CB8AC3E}">
-        <p14:creationId xmlns:p14="http://schemas.microsoft.com/office/powerpoint/2010/main" val="387488137"/>
+        <p14:creationId xmlns:p14="http://schemas.microsoft.com/office/powerpoint/2010/main" val="2803635226"/>
       </p:ext>
     </p:extLst>
   </p:cSld>
@@ -3138,10 +3354,10 @@
       </p:sp>
       <p:sp>
         <p:nvSpPr>
-          <p:cNvPr id="6" name="Footer Placeholder 7">
+          <p:cNvPr id="5" name="Footer Placeholder 7">
             <a:extLst>
               <a:ext uri="{FF2B5EF4-FFF2-40B4-BE49-F238E27FC236}">
-                <a16:creationId xmlns:a16="http://schemas.microsoft.com/office/drawing/2014/main" id="{D49EA391-4447-493D-AA4C-66FCD44CB3E4}"/>
+                <a16:creationId xmlns:a16="http://schemas.microsoft.com/office/drawing/2014/main" id="{9C90AB38-4B89-24B1-4126-8D1BD6E80320}"/>
               </a:ext>
             </a:extLst>
           </p:cNvPr>
@@ -3154,8 +3370,8 @@
         </p:nvSpPr>
         <p:spPr>
           <a:xfrm>
-            <a:off x="-1" y="8847000"/>
-            <a:ext cx="6488999" cy="297000"/>
+            <a:off x="-1" y="8892000"/>
+            <a:ext cx="6488999" cy="252000"/>
           </a:xfrm>
           <a:prstGeom prst="rect">
             <a:avLst/>
@@ -3170,26 +3386,31 @@
           </a:lstStyle>
           <a:p>
             <a:r>
-              <a:rPr lang="en-US" dirty="0"/>
-              <a:t>© SoftUni – </a:t>
-            </a:r>
-            <a:r>
-              <a:rPr lang="en-US" u="sng" dirty="0">
+              <a:rPr lang="bg-BG" sz="1100" dirty="0"/>
+              <a:t>Работна група </a:t>
+            </a:r>
+            <a:r>
+              <a:rPr lang="bg-BG" dirty="0"/>
+              <a:t>"Образование по програмиране и ИТ"</a:t>
+            </a:r>
+            <a:r>
+              <a:rPr lang="bg-BG" sz="1100" dirty="0"/>
+              <a:t>, с подкрепата на </a:t>
+            </a:r>
+            <a:r>
+              <a:rPr lang="en-US" sz="1100" dirty="0">
                 <a:hlinkClick r:id="rId3"/>
               </a:rPr>
-              <a:t>https://softuni.org</a:t>
-            </a:r>
-            <a:r>
-              <a:rPr lang="en-US" dirty="0"/>
-              <a:t>. Copyrighted document. Unauthorized copy or reproduction is not permitted.</a:t>
-            </a:r>
+              <a:t>SoftUni</a:t>
+            </a:r>
+            <a:endParaRPr lang="en-US" sz="1100" dirty="0"/>
           </a:p>
         </p:txBody>
       </p:sp>
     </p:spTree>
     <p:extLst>
       <p:ext uri="{BB962C8B-B14F-4D97-AF65-F5344CB8AC3E}">
-        <p14:creationId xmlns:p14="http://schemas.microsoft.com/office/powerpoint/2010/main" val="2700700720"/>
+        <p14:creationId xmlns:p14="http://schemas.microsoft.com/office/powerpoint/2010/main" val="2029788154"/>
       </p:ext>
     </p:extLst>
   </p:cSld>
@@ -3200,7 +3421,7 @@
 </file>
 
 <file path=ppt/slideLayouts/slideLayout1.xml><?xml version="1.0" encoding="utf-8"?>
-<p:sldLayout xmlns:a="http://schemas.openxmlformats.org/drawingml/2006/main" xmlns:r="http://schemas.openxmlformats.org/officeDocument/2006/relationships" xmlns:p="http://schemas.openxmlformats.org/presentationml/2006/main" preserve="1">
+<p:sldLayout xmlns:a="http://schemas.openxmlformats.org/drawingml/2006/main" xmlns:r="http://schemas.openxmlformats.org/officeDocument/2006/relationships" xmlns:p="http://schemas.openxmlformats.org/presentationml/2006/main" preserve="1" userDrawn="1">
   <p:cSld name="Presentation Title Slide">
     <p:spTree>
       <p:nvGrpSpPr>
@@ -3226,7 +3447,7 @@
             </a:extLst>
           </p:cNvPr>
           <p:cNvSpPr/>
-          <p:nvPr/>
+          <p:nvPr userDrawn="1"/>
         </p:nvSpPr>
         <p:spPr>
           <a:xfrm>
@@ -3280,7 +3501,7 @@
               <a:tabLst/>
               <a:defRPr/>
             </a:pPr>
-            <a:endParaRPr kumimoji="0" lang="en-US" altLang="ko-KR" sz="2398" b="0" i="0" u="none" strike="noStrike" kern="1200" cap="none" spc="0" normalizeH="0" baseline="0" noProof="0" dirty="0">
+            <a:endParaRPr kumimoji="0" lang="en-US" altLang="ko-KR" sz="2398" b="0" i="0" u="none" strike="noStrike" kern="1200" cap="none" spc="0" normalizeH="0" baseline="0" noProof="0">
               <a:ln>
                 <a:noFill/>
               </a:ln>
@@ -3294,378 +3515,6 @@
               <a:ea typeface="맑은 고딕" panose="020B0503020000020004" pitchFamily="34" charset="-127"/>
               <a:cs typeface="+mn-cs"/>
             </a:endParaRPr>
-          </a:p>
-        </p:txBody>
-      </p:sp>
-      <p:pic>
-        <p:nvPicPr>
-          <p:cNvPr id="14" name="Picture Logo SoftUni" descr="SoftUni logo">
-            <a:extLst>
-              <a:ext uri="{FF2B5EF4-FFF2-40B4-BE49-F238E27FC236}">
-                <a16:creationId xmlns:a16="http://schemas.microsoft.com/office/drawing/2014/main" id="{C4D6B2A2-DFF0-4712-BFEC-6676BEC99FEC}"/>
-              </a:ext>
-            </a:extLst>
-          </p:cNvPr>
-          <p:cNvPicPr>
-            <a:picLocks noChangeAspect="1"/>
-          </p:cNvPicPr>
-          <p:nvPr userDrawn="1"/>
-        </p:nvPicPr>
-        <p:blipFill>
-          <a:blip r:embed="rId2">
-            <a:clrChange>
-              <a:clrFrom>
-                <a:srgbClr val="FFFFFF"/>
-              </a:clrFrom>
-              <a:clrTo>
-                <a:srgbClr val="FFFFFF">
-                  <a:alpha val="0"/>
-                </a:srgbClr>
-              </a:clrTo>
-            </a:clrChange>
-            <a:extLst>
-              <a:ext uri="{28A0092B-C50C-407E-A947-70E740481C1C}">
-                <a14:useLocalDpi xmlns:a14="http://schemas.microsoft.com/office/drawing/2010/main" val="0"/>
-              </a:ext>
-            </a:extLst>
-          </a:blip>
-          <a:stretch>
-            <a:fillRect/>
-          </a:stretch>
-        </p:blipFill>
-        <p:spPr>
-          <a:xfrm>
-            <a:off x="4324460" y="5184000"/>
-            <a:ext cx="3751540" cy="1297655"/>
-          </a:xfrm>
-          <a:prstGeom prst="rect">
-            <a:avLst/>
-          </a:prstGeom>
-        </p:spPr>
-      </p:pic>
-      <p:sp>
-        <p:nvSpPr>
-          <p:cNvPr id="31" name="Text Placeholder Company Site">
-            <a:extLst>
-              <a:ext uri="{FF2B5EF4-FFF2-40B4-BE49-F238E27FC236}">
-                <a16:creationId xmlns:a16="http://schemas.microsoft.com/office/drawing/2014/main" id="{3E6B87B7-9D33-4EBB-BD4F-C0436BA3FD72}"/>
-              </a:ext>
-            </a:extLst>
-          </p:cNvPr>
-          <p:cNvSpPr>
-            <a:spLocks noGrp="1"/>
-          </p:cNvSpPr>
-          <p:nvPr>
-            <p:ph type="body" sz="quarter" idx="18" hasCustomPrompt="1"/>
-          </p:nvPr>
-        </p:nvSpPr>
-        <p:spPr bwMode="auto">
-          <a:xfrm>
-            <a:off x="8708505" y="6130863"/>
-            <a:ext cx="2951518" cy="341556"/>
-          </a:xfrm>
-          <a:prstGeom prst="rect">
-            <a:avLst/>
-          </a:prstGeom>
-          <a:noFill/>
-          <a:effectLst/>
-        </p:spPr>
-        <p:txBody>
-          <a:bodyPr wrap="square" lIns="36000" tIns="36000" rIns="36000" bIns="36000" rtlCol="0" anchor="ctr" anchorCtr="0">
-            <a:noAutofit/>
-          </a:bodyPr>
-          <a:lstStyle>
-            <a:lvl1pPr marL="0" indent="0" algn="r" rtl="0" fontAlgn="base" latinLnBrk="0">
-              <a:spcBef>
-                <a:spcPct val="0"/>
-              </a:spcBef>
-              <a:spcAft>
-                <a:spcPct val="0"/>
-              </a:spcAft>
-              <a:buNone/>
-              <a:defRPr lang="en-US" sz="1798" b="1" kern="1200" dirty="0" smtClean="0">
-                <a:solidFill>
-                  <a:schemeClr val="tx1">
-                    <a:lumMod val="75000"/>
-                  </a:schemeClr>
-                </a:solidFill>
-                <a:effectLst/>
-                <a:latin typeface="+mn-lt"/>
-                <a:ea typeface="+mn-ea"/>
-                <a:cs typeface="+mn-cs"/>
-              </a:defRPr>
-            </a:lvl1pPr>
-          </a:lstStyle>
-          <a:p>
-            <a:pPr lvl="0"/>
-            <a:r>
-              <a:rPr lang="en-US" noProof="0" dirty="0"/>
-              <a:t>Company Web Site</a:t>
-            </a:r>
-          </a:p>
-        </p:txBody>
-      </p:sp>
-      <p:sp>
-        <p:nvSpPr>
-          <p:cNvPr id="30" name="Text Placeholder Company Name">
-            <a:extLst>
-              <a:ext uri="{FF2B5EF4-FFF2-40B4-BE49-F238E27FC236}">
-                <a16:creationId xmlns:a16="http://schemas.microsoft.com/office/drawing/2014/main" id="{2EA92DCA-4DB5-4D03-ACD3-A6A296592D0C}"/>
-              </a:ext>
-            </a:extLst>
-          </p:cNvPr>
-          <p:cNvSpPr>
-            <a:spLocks noGrp="1"/>
-          </p:cNvSpPr>
-          <p:nvPr>
-            <p:ph type="body" sz="quarter" idx="17" hasCustomPrompt="1"/>
-          </p:nvPr>
-        </p:nvSpPr>
-        <p:spPr bwMode="auto">
-          <a:xfrm>
-            <a:off x="8708505" y="5756628"/>
-            <a:ext cx="2951518" cy="367080"/>
-          </a:xfrm>
-          <a:prstGeom prst="rect">
-            <a:avLst/>
-          </a:prstGeom>
-          <a:noFill/>
-          <a:effectLst/>
-        </p:spPr>
-        <p:txBody>
-          <a:bodyPr wrap="square" lIns="36000" tIns="36000" rIns="36000" bIns="36000" rtlCol="0" anchor="ctr" anchorCtr="0">
-            <a:noAutofit/>
-          </a:bodyPr>
-          <a:lstStyle>
-            <a:lvl1pPr marL="0" indent="0" algn="r" rtl="0" fontAlgn="base" latinLnBrk="0">
-              <a:spcBef>
-                <a:spcPct val="0"/>
-              </a:spcBef>
-              <a:spcAft>
-                <a:spcPct val="0"/>
-              </a:spcAft>
-              <a:buNone/>
-              <a:defRPr lang="en-US" sz="1998" b="1" kern="1200" dirty="0" smtClean="0">
-                <a:solidFill>
-                  <a:schemeClr val="tx1">
-                    <a:lumMod val="75000"/>
-                  </a:schemeClr>
-                </a:solidFill>
-                <a:effectLst/>
-                <a:latin typeface="+mn-lt"/>
-                <a:ea typeface="+mn-ea"/>
-                <a:cs typeface="+mn-cs"/>
-              </a:defRPr>
-            </a:lvl1pPr>
-          </a:lstStyle>
-          <a:p>
-            <a:pPr lvl="0"/>
-            <a:r>
-              <a:rPr lang="en-US" noProof="0" dirty="0"/>
-              <a:t>Company Name</a:t>
-            </a:r>
-          </a:p>
-        </p:txBody>
-      </p:sp>
-      <p:pic>
-        <p:nvPicPr>
-          <p:cNvPr id="35" name="Picture SoftUni Mascot" descr="SoftUni mascot">
-            <a:extLst>
-              <a:ext uri="{FF2B5EF4-FFF2-40B4-BE49-F238E27FC236}">
-                <a16:creationId xmlns:a16="http://schemas.microsoft.com/office/drawing/2014/main" id="{951E7DA9-C5F0-43D9-B013-3BDF9EEF029D}"/>
-              </a:ext>
-            </a:extLst>
-          </p:cNvPr>
-          <p:cNvPicPr>
-            <a:picLocks noChangeAspect="1"/>
-          </p:cNvPicPr>
-          <p:nvPr/>
-        </p:nvPicPr>
-        <p:blipFill rotWithShape="1">
-          <a:blip r:embed="rId3" cstate="print">
-            <a:extLst>
-              <a:ext uri="{28A0092B-C50C-407E-A947-70E740481C1C}">
-                <a14:useLocalDpi xmlns:a14="http://schemas.microsoft.com/office/drawing/2010/main" val="0"/>
-              </a:ext>
-            </a:extLst>
-          </a:blip>
-          <a:srcRect/>
-          <a:stretch/>
-        </p:blipFill>
-        <p:spPr>
-          <a:xfrm flipH="1">
-            <a:off x="8848924" y="2609644"/>
-            <a:ext cx="2788893" cy="3018284"/>
-          </a:xfrm>
-          <a:prstGeom prst="rect">
-            <a:avLst/>
-          </a:prstGeom>
-        </p:spPr>
-      </p:pic>
-      <p:pic>
-        <p:nvPicPr>
-          <p:cNvPr id="22" name="Picture Logo Software University" descr="Software University logo">
-            <a:hlinkClick r:id="rId4"/>
-            <a:extLst>
-              <a:ext uri="{FF2B5EF4-FFF2-40B4-BE49-F238E27FC236}">
-                <a16:creationId xmlns:a16="http://schemas.microsoft.com/office/drawing/2014/main" id="{F2315EB3-3FE4-4D3B-921E-5F209CEC13CB}"/>
-              </a:ext>
-            </a:extLst>
-          </p:cNvPr>
-          <p:cNvPicPr>
-            <a:picLocks noChangeAspect="1"/>
-          </p:cNvPicPr>
-          <p:nvPr userDrawn="1"/>
-        </p:nvPicPr>
-        <p:blipFill>
-          <a:blip r:embed="rId5">
-            <a:clrChange>
-              <a:clrFrom>
-                <a:srgbClr val="FFFFFF"/>
-              </a:clrFrom>
-              <a:clrTo>
-                <a:srgbClr val="FFFFFF">
-                  <a:alpha val="0"/>
-                </a:srgbClr>
-              </a:clrTo>
-            </a:clrChange>
-            <a:extLst>
-              <a:ext uri="{28A0092B-C50C-407E-A947-70E740481C1C}">
-                <a14:useLocalDpi xmlns:a14="http://schemas.microsoft.com/office/drawing/2010/main" val="0"/>
-              </a:ext>
-            </a:extLst>
-          </a:blip>
-          <a:stretch>
-            <a:fillRect/>
-          </a:stretch>
-        </p:blipFill>
-        <p:spPr>
-          <a:xfrm>
-            <a:off x="507944" y="5918567"/>
-            <a:ext cx="1830305" cy="628159"/>
-          </a:xfrm>
-          <a:prstGeom prst="rect">
-            <a:avLst/>
-          </a:prstGeom>
-        </p:spPr>
-      </p:pic>
-      <p:sp>
-        <p:nvSpPr>
-          <p:cNvPr id="40" name="Text Placeholder Author Position">
-            <a:extLst>
-              <a:ext uri="{FF2B5EF4-FFF2-40B4-BE49-F238E27FC236}">
-                <a16:creationId xmlns:a16="http://schemas.microsoft.com/office/drawing/2014/main" id="{CD940256-851E-46C8-8BFB-A5ECA6C7DA07}"/>
-              </a:ext>
-            </a:extLst>
-          </p:cNvPr>
-          <p:cNvSpPr>
-            <a:spLocks noGrp="1"/>
-          </p:cNvSpPr>
-          <p:nvPr>
-            <p:ph type="body" sz="quarter" idx="20" hasCustomPrompt="1"/>
-          </p:nvPr>
-        </p:nvSpPr>
-        <p:spPr bwMode="auto">
-          <a:xfrm>
-            <a:off x="553082" y="5344180"/>
-            <a:ext cx="2980696" cy="444793"/>
-          </a:xfrm>
-          <a:prstGeom prst="rect">
-            <a:avLst/>
-          </a:prstGeom>
-          <a:noFill/>
-          <a:effectLst/>
-        </p:spPr>
-        <p:txBody>
-          <a:bodyPr wrap="square" lIns="36000" tIns="36000" rIns="36000" bIns="36000" rtlCol="0" anchor="ctr" anchorCtr="0">
-            <a:spAutoFit/>
-          </a:bodyPr>
-          <a:lstStyle>
-            <a:lvl1pPr marL="0" indent="0" algn="l" rtl="0" fontAlgn="base" latinLnBrk="0">
-              <a:spcBef>
-                <a:spcPct val="0"/>
-              </a:spcBef>
-              <a:spcAft>
-                <a:spcPct val="0"/>
-              </a:spcAft>
-              <a:buNone/>
-              <a:defRPr lang="en-US" sz="2398" b="1" kern="1200" dirty="0" smtClean="0">
-                <a:solidFill>
-                  <a:schemeClr val="tx1"/>
-                </a:solidFill>
-                <a:effectLst/>
-                <a:latin typeface="+mn-lt"/>
-                <a:ea typeface="+mn-ea"/>
-                <a:cs typeface="+mn-cs"/>
-              </a:defRPr>
-            </a:lvl1pPr>
-          </a:lstStyle>
-          <a:p>
-            <a:pPr lvl="0"/>
-            <a:r>
-              <a:rPr lang="en-US" noProof="0" dirty="0"/>
-              <a:t>Position</a:t>
-            </a:r>
-          </a:p>
-        </p:txBody>
-      </p:sp>
-      <p:sp>
-        <p:nvSpPr>
-          <p:cNvPr id="36" name="Text Placeholder Author Name">
-            <a:extLst>
-              <a:ext uri="{FF2B5EF4-FFF2-40B4-BE49-F238E27FC236}">
-                <a16:creationId xmlns:a16="http://schemas.microsoft.com/office/drawing/2014/main" id="{3B21F47B-DE1F-442D-A2B7-6866F8786704}"/>
-              </a:ext>
-            </a:extLst>
-          </p:cNvPr>
-          <p:cNvSpPr>
-            <a:spLocks noGrp="1"/>
-          </p:cNvSpPr>
-          <p:nvPr>
-            <p:ph type="body" sz="quarter" idx="19" hasCustomPrompt="1"/>
-          </p:nvPr>
-        </p:nvSpPr>
-        <p:spPr bwMode="auto">
-          <a:xfrm>
-            <a:off x="553082" y="4851838"/>
-            <a:ext cx="2980696" cy="454398"/>
-          </a:xfrm>
-          <a:prstGeom prst="rect">
-            <a:avLst/>
-          </a:prstGeom>
-          <a:noFill/>
-          <a:effectLst/>
-        </p:spPr>
-        <p:txBody>
-          <a:bodyPr wrap="square" lIns="36000" tIns="36000" rIns="36000" bIns="36000" rtlCol="0" anchor="ctr" anchorCtr="0">
-            <a:noAutofit/>
-          </a:bodyPr>
-          <a:lstStyle>
-            <a:lvl1pPr marL="0" indent="0" algn="l" rtl="0" fontAlgn="base" latinLnBrk="0">
-              <a:spcBef>
-                <a:spcPct val="0"/>
-              </a:spcBef>
-              <a:spcAft>
-                <a:spcPct val="0"/>
-              </a:spcAft>
-              <a:buNone/>
-              <a:defRPr lang="en-US" sz="2798" b="1" kern="1200" dirty="0" smtClean="0">
-                <a:solidFill>
-                  <a:schemeClr val="tx1"/>
-                </a:solidFill>
-                <a:effectLst/>
-                <a:latin typeface="+mn-lt"/>
-                <a:ea typeface="+mn-ea"/>
-                <a:cs typeface="+mn-cs"/>
-              </a:defRPr>
-            </a:lvl1pPr>
-          </a:lstStyle>
-          <a:p>
-            <a:pPr lvl="0"/>
-            <a:r>
-              <a:rPr lang="en-US" noProof="0" dirty="0"/>
-              <a:t>Author Name</a:t>
-            </a:r>
           </a:p>
         </p:txBody>
       </p:sp>
@@ -3687,8 +3536,8 @@
         </p:nvSpPr>
         <p:spPr>
           <a:xfrm>
-            <a:off x="553082" y="2740913"/>
-            <a:ext cx="4642919" cy="1936503"/>
+            <a:off x="6390123" y="3400017"/>
+            <a:ext cx="5248260" cy="2188983"/>
           </a:xfrm>
         </p:spPr>
         <p:txBody>
@@ -3707,6 +3556,218 @@
             <a:r>
               <a:rPr lang="en-US" noProof="0" dirty="0"/>
               <a:t>Click icon to add picture</a:t>
+            </a:r>
+          </a:p>
+        </p:txBody>
+      </p:sp>
+      <p:sp>
+        <p:nvSpPr>
+          <p:cNvPr id="10" name="Company Web Site">
+            <a:extLst>
+              <a:ext uri="{FF2B5EF4-FFF2-40B4-BE49-F238E27FC236}">
+                <a16:creationId xmlns:a16="http://schemas.microsoft.com/office/drawing/2014/main" id="{0B99B1EE-62FA-4AA4-920C-D444D6C0B778}"/>
+              </a:ext>
+            </a:extLst>
+          </p:cNvPr>
+          <p:cNvSpPr>
+            <a:spLocks noGrp="1"/>
+          </p:cNvSpPr>
+          <p:nvPr>
+            <p:ph type="body" sz="quarter" idx="22" hasCustomPrompt="1"/>
+          </p:nvPr>
+        </p:nvSpPr>
+        <p:spPr>
+          <a:xfrm>
+            <a:off x="6390120" y="6086106"/>
+            <a:ext cx="5248260" cy="341313"/>
+          </a:xfrm>
+        </p:spPr>
+        <p:txBody>
+          <a:bodyPr lIns="36000" rIns="36000" anchor="ctr" anchorCtr="0">
+            <a:noAutofit/>
+          </a:bodyPr>
+          <a:lstStyle>
+            <a:lvl1pPr marL="0" indent="0" algn="r">
+              <a:buNone/>
+              <a:defRPr sz="1800"/>
+            </a:lvl1pPr>
+          </a:lstStyle>
+          <a:p>
+            <a:pPr lvl="0"/>
+            <a:r>
+              <a:rPr lang="en-US" dirty="0"/>
+              <a:t>https://softuni.foundation  </a:t>
+            </a:r>
+          </a:p>
+        </p:txBody>
+      </p:sp>
+      <p:sp>
+        <p:nvSpPr>
+          <p:cNvPr id="6" name="Company Name">
+            <a:extLst>
+              <a:ext uri="{FF2B5EF4-FFF2-40B4-BE49-F238E27FC236}">
+                <a16:creationId xmlns:a16="http://schemas.microsoft.com/office/drawing/2014/main" id="{2A76510A-0BAE-A827-E77C-BE88E38F52AA}"/>
+              </a:ext>
+            </a:extLst>
+          </p:cNvPr>
+          <p:cNvSpPr>
+            <a:spLocks noGrp="1"/>
+          </p:cNvSpPr>
+          <p:nvPr>
+            <p:ph type="body" sz="quarter" idx="21" hasCustomPrompt="1"/>
+          </p:nvPr>
+        </p:nvSpPr>
+        <p:spPr>
+          <a:xfrm>
+            <a:off x="6390122" y="5698189"/>
+            <a:ext cx="5248260" cy="374236"/>
+          </a:xfrm>
+        </p:spPr>
+        <p:txBody>
+          <a:bodyPr lIns="36000" rIns="36000" anchor="ctr" anchorCtr="0">
+            <a:normAutofit/>
+          </a:bodyPr>
+          <a:lstStyle>
+            <a:lvl1pPr marL="0" indent="0" algn="r">
+              <a:buNone/>
+              <a:defRPr sz="2000" b="1">
+                <a:solidFill>
+                  <a:schemeClr val="tx1">
+                    <a:lumMod val="75000"/>
+                  </a:schemeClr>
+                </a:solidFill>
+              </a:defRPr>
+            </a:lvl1pPr>
+          </a:lstStyle>
+          <a:p>
+            <a:pPr lvl="0"/>
+            <a:r>
+              <a:rPr lang="en-US" dirty="0"/>
+              <a:t>SoftUni Foundation</a:t>
+            </a:r>
+          </a:p>
+        </p:txBody>
+      </p:sp>
+      <p:sp>
+        <p:nvSpPr>
+          <p:cNvPr id="31" name="Author Position">
+            <a:extLst>
+              <a:ext uri="{FF2B5EF4-FFF2-40B4-BE49-F238E27FC236}">
+                <a16:creationId xmlns:a16="http://schemas.microsoft.com/office/drawing/2014/main" id="{3E6B87B7-9D33-4EBB-BD4F-C0436BA3FD72}"/>
+              </a:ext>
+            </a:extLst>
+          </p:cNvPr>
+          <p:cNvSpPr>
+            <a:spLocks noGrp="1"/>
+          </p:cNvSpPr>
+          <p:nvPr>
+            <p:ph type="body" sz="quarter" idx="18" hasCustomPrompt="1"/>
+          </p:nvPr>
+        </p:nvSpPr>
+        <p:spPr bwMode="auto">
+          <a:xfrm>
+            <a:off x="534045" y="6085863"/>
+            <a:ext cx="4751953" cy="341556"/>
+          </a:xfrm>
+          <a:prstGeom prst="rect">
+            <a:avLst/>
+          </a:prstGeom>
+          <a:noFill/>
+          <a:effectLst/>
+        </p:spPr>
+        <p:txBody>
+          <a:bodyPr wrap="square" lIns="36000" tIns="36000" rIns="36000" bIns="36000" rtlCol="0" anchor="ctr" anchorCtr="0">
+            <a:noAutofit/>
+          </a:bodyPr>
+          <a:lstStyle>
+            <a:lvl1pPr marL="0" indent="0" algn="l" rtl="0" fontAlgn="base" latinLnBrk="0">
+              <a:spcBef>
+                <a:spcPct val="0"/>
+              </a:spcBef>
+              <a:spcAft>
+                <a:spcPct val="0"/>
+              </a:spcAft>
+              <a:buNone/>
+              <a:defRPr lang="en-US" sz="1800" b="0" kern="1200" dirty="0" smtClean="0">
+                <a:solidFill>
+                  <a:schemeClr val="tx1">
+                    <a:lumMod val="75000"/>
+                  </a:schemeClr>
+                </a:solidFill>
+                <a:effectLst/>
+                <a:latin typeface="+mn-lt"/>
+                <a:ea typeface="+mn-ea"/>
+                <a:cs typeface="+mn-cs"/>
+              </a:defRPr>
+            </a:lvl1pPr>
+          </a:lstStyle>
+          <a:p>
+            <a:pPr lvl="0"/>
+            <a:r>
+              <a:rPr lang="en-US" noProof="0" dirty="0"/>
+              <a:t>URL</a:t>
+            </a:r>
+          </a:p>
+        </p:txBody>
+      </p:sp>
+      <p:sp>
+        <p:nvSpPr>
+          <p:cNvPr id="30" name="Author Name">
+            <a:extLst>
+              <a:ext uri="{FF2B5EF4-FFF2-40B4-BE49-F238E27FC236}">
+                <a16:creationId xmlns:a16="http://schemas.microsoft.com/office/drawing/2014/main" id="{2EA92DCA-4DB5-4D03-ACD3-A6A296592D0C}"/>
+              </a:ext>
+            </a:extLst>
+          </p:cNvPr>
+          <p:cNvSpPr>
+            <a:spLocks noGrp="1"/>
+          </p:cNvSpPr>
+          <p:nvPr>
+            <p:ph type="body" sz="quarter" idx="17" hasCustomPrompt="1"/>
+          </p:nvPr>
+        </p:nvSpPr>
+        <p:spPr bwMode="auto">
+          <a:xfrm>
+            <a:off x="534046" y="5251106"/>
+            <a:ext cx="4751954" cy="724904"/>
+          </a:xfrm>
+          <a:prstGeom prst="rect">
+            <a:avLst/>
+          </a:prstGeom>
+          <a:noFill/>
+          <a:effectLst/>
+        </p:spPr>
+        <p:txBody>
+          <a:bodyPr wrap="square" lIns="36000" tIns="36000" rIns="36000" bIns="36000" rtlCol="0" anchor="ctr" anchorCtr="0">
+            <a:noAutofit/>
+          </a:bodyPr>
+          <a:lstStyle>
+            <a:lvl1pPr marL="0" indent="0" algn="l" rtl="0" fontAlgn="base" latinLnBrk="0">
+              <a:spcBef>
+                <a:spcPct val="0"/>
+              </a:spcBef>
+              <a:spcAft>
+                <a:spcPct val="0"/>
+              </a:spcAft>
+              <a:buNone/>
+              <a:defRPr lang="en-US" sz="2000" b="1" kern="1200" dirty="0" smtClean="0">
+                <a:solidFill>
+                  <a:schemeClr val="tx1">
+                    <a:lumMod val="75000"/>
+                  </a:schemeClr>
+                </a:solidFill>
+                <a:effectLst/>
+                <a:latin typeface="+mn-lt"/>
+                <a:ea typeface="+mn-ea"/>
+                <a:cs typeface="+mn-cs"/>
+              </a:defRPr>
+            </a:lvl1pPr>
+          </a:lstStyle>
+          <a:p>
+            <a:pPr lvl="0"/>
+            <a:r>
+              <a:rPr lang="en-US" noProof="0" dirty="0"/>
+              <a:t>Authors</a:t>
             </a:r>
           </a:p>
         </p:txBody>
@@ -3729,8 +3790,8 @@
         </p:nvSpPr>
         <p:spPr>
           <a:xfrm>
-            <a:off x="554182" y="1258272"/>
-            <a:ext cx="11083636" cy="1315728"/>
+            <a:off x="554746" y="1402942"/>
+            <a:ext cx="11083636" cy="1306057"/>
           </a:xfrm>
         </p:spPr>
         <p:txBody>
@@ -3740,7 +3801,7 @@
           <a:lstStyle>
             <a:lvl1pPr marL="0" indent="0" algn="ctr" latinLnBrk="0">
               <a:buNone/>
-              <a:defRPr sz="3598">
+              <a:defRPr sz="3600">
                 <a:solidFill>
                   <a:schemeClr val="tx1"/>
                 </a:solidFill>
@@ -3773,15 +3834,17 @@
         </p:nvSpPr>
         <p:spPr>
           <a:xfrm>
-            <a:off x="554182" y="321502"/>
-            <a:ext cx="11083636" cy="882654"/>
+            <a:off x="554746" y="321501"/>
+            <a:ext cx="11083636" cy="971589"/>
           </a:xfrm>
         </p:spPr>
         <p:txBody>
-          <a:bodyPr/>
+          <a:bodyPr>
+            <a:normAutofit/>
+          </a:bodyPr>
           <a:lstStyle>
             <a:lvl1pPr algn="ctr" latinLnBrk="0">
-              <a:defRPr sz="4798"/>
+              <a:defRPr sz="5400"/>
             </a:lvl1pPr>
           </a:lstStyle>
           <a:p>
@@ -3792,10 +3855,94 @@
           </a:p>
         </p:txBody>
       </p:sp>
+      <p:pic>
+        <p:nvPicPr>
+          <p:cNvPr id="4" name="Picture 3">
+            <a:extLst>
+              <a:ext uri="{FF2B5EF4-FFF2-40B4-BE49-F238E27FC236}">
+                <a16:creationId xmlns:a16="http://schemas.microsoft.com/office/drawing/2014/main" id="{324D0DB3-F60A-469B-7831-209CB666CCE4}"/>
+              </a:ext>
+            </a:extLst>
+          </p:cNvPr>
+          <p:cNvPicPr>
+            <a:picLocks noChangeAspect="1"/>
+          </p:cNvPicPr>
+          <p:nvPr userDrawn="1"/>
+        </p:nvPicPr>
+        <p:blipFill>
+          <a:blip r:embed="rId2" cstate="print">
+            <a:extLst>
+              <a:ext uri="{28A0092B-C50C-407E-A947-70E740481C1C}">
+                <a14:useLocalDpi xmlns:a14="http://schemas.microsoft.com/office/drawing/2010/main" val="0"/>
+              </a:ext>
+            </a:extLst>
+          </a:blip>
+          <a:stretch>
+            <a:fillRect/>
+          </a:stretch>
+        </p:blipFill>
+        <p:spPr>
+          <a:xfrm>
+            <a:off x="536549" y="4325954"/>
+            <a:ext cx="2538082" cy="633046"/>
+          </a:xfrm>
+          <a:prstGeom prst="rect">
+            <a:avLst/>
+          </a:prstGeom>
+        </p:spPr>
+      </p:pic>
+      <p:pic>
+        <p:nvPicPr>
+          <p:cNvPr id="5" name="Picture 4" title="CC-BY-NC-SA License">
+            <a:hlinkClick r:id="rId3" tooltip="This work is licensed under the &quot;Creative Commons Attribution-NonCommercial-ShareAlike 4.0 International&quot; license"/>
+            <a:extLst>
+              <a:ext uri="{FF2B5EF4-FFF2-40B4-BE49-F238E27FC236}">
+                <a16:creationId xmlns:a16="http://schemas.microsoft.com/office/drawing/2014/main" id="{2D40731C-0303-A69D-63FD-E048A73CA59F}"/>
+              </a:ext>
+            </a:extLst>
+          </p:cNvPr>
+          <p:cNvPicPr>
+            <a:picLocks noChangeAspect="1" noChangeArrowheads="1"/>
+          </p:cNvPicPr>
+          <p:nvPr userDrawn="1"/>
+        </p:nvPicPr>
+        <p:blipFill>
+          <a:blip r:embed="rId4">
+            <a:extLst>
+              <a:ext uri="{28A0092B-C50C-407E-A947-70E740481C1C}">
+                <a14:useLocalDpi xmlns:a14="http://schemas.microsoft.com/office/drawing/2010/main"/>
+              </a:ext>
+            </a:extLst>
+          </a:blip>
+          <a:srcRect/>
+          <a:stretch>
+            <a:fillRect/>
+          </a:stretch>
+        </p:blipFill>
+        <p:spPr bwMode="auto">
+          <a:xfrm>
+            <a:off x="3402682" y="4321352"/>
+            <a:ext cx="1809336" cy="633045"/>
+          </a:xfrm>
+          <a:prstGeom prst="roundRect">
+            <a:avLst>
+              <a:gd name="adj" fmla="val 3940"/>
+            </a:avLst>
+          </a:prstGeom>
+          <a:solidFill>
+            <a:srgbClr val="231F20">
+              <a:alpha val="50000"/>
+            </a:srgbClr>
+          </a:solidFill>
+          <a:ln>
+            <a:noFill/>
+          </a:ln>
+        </p:spPr>
+      </p:pic>
     </p:spTree>
     <p:extLst>
       <p:ext uri="{BB962C8B-B14F-4D97-AF65-F5344CB8AC3E}">
-        <p14:creationId xmlns:p14="http://schemas.microsoft.com/office/powerpoint/2010/main" val="970179299"/>
+        <p14:creationId xmlns:p14="http://schemas.microsoft.com/office/powerpoint/2010/main" val="370654144"/>
       </p:ext>
     </p:extLst>
   </p:cSld>
@@ -3909,7 +4056,7 @@
               <a:tabLst/>
               <a:defRPr/>
             </a:pPr>
-            <a:endParaRPr kumimoji="0" lang="en-US" altLang="ko-KR" sz="2398" b="0" i="0" u="none" strike="noStrike" kern="1200" cap="none" spc="0" normalizeH="0" baseline="0" noProof="0" dirty="0">
+            <a:endParaRPr kumimoji="0" lang="en-US" altLang="ko-KR" sz="2398" b="0" i="0" u="none" strike="noStrike" kern="1200" cap="none" spc="0" normalizeH="0" baseline="0" noProof="0">
               <a:ln>
                 <a:noFill/>
               </a:ln>
@@ -4032,7 +4179,7 @@
               <a:tabLst/>
               <a:defRPr/>
             </a:pPr>
-            <a:endParaRPr kumimoji="0" lang="en-US" altLang="ko-KR" sz="2398" b="0" i="0" u="none" strike="noStrike" kern="1200" cap="none" spc="0" normalizeH="0" baseline="0" noProof="0" dirty="0">
+            <a:endParaRPr kumimoji="0" lang="en-US" altLang="ko-KR" sz="2398" b="0" i="0" u="none" strike="noStrike" kern="1200" cap="none" spc="0" normalizeH="0" baseline="0" noProof="0">
               <a:ln>
                 <a:noFill/>
               </a:ln>
@@ -4049,42 +4196,6 @@
           </a:p>
         </p:txBody>
       </p:sp>
-      <p:pic>
-        <p:nvPicPr>
-          <p:cNvPr id="12" name="Logo Software University Down" descr="Software University logo">
-            <a:extLst>
-              <a:ext uri="{FF2B5EF4-FFF2-40B4-BE49-F238E27FC236}">
-                <a16:creationId xmlns:a16="http://schemas.microsoft.com/office/drawing/2014/main" id="{7028D2F0-1E67-414B-A93D-D3F8F131A132}"/>
-              </a:ext>
-            </a:extLst>
-          </p:cNvPr>
-          <p:cNvPicPr>
-            <a:picLocks noChangeAspect="1"/>
-          </p:cNvPicPr>
-          <p:nvPr/>
-        </p:nvPicPr>
-        <p:blipFill>
-          <a:blip r:embed="rId2" cstate="print">
-            <a:extLst>
-              <a:ext uri="{28A0092B-C50C-407E-A947-70E740481C1C}">
-                <a14:useLocalDpi xmlns:a14="http://schemas.microsoft.com/office/drawing/2010/main" val="0"/>
-              </a:ext>
-            </a:extLst>
-          </a:blip>
-          <a:stretch>
-            <a:fillRect/>
-          </a:stretch>
-        </p:blipFill>
-        <p:spPr>
-          <a:xfrm>
-            <a:off x="5616551" y="5206773"/>
-            <a:ext cx="958900" cy="1184869"/>
-          </a:xfrm>
-          <a:prstGeom prst="rect">
-            <a:avLst/>
-          </a:prstGeom>
-        </p:spPr>
-      </p:pic>
       <p:sp>
         <p:nvSpPr>
           <p:cNvPr id="10" name="Text Placeholder Right">
@@ -4305,7 +4416,7 @@
               <a:tabLst/>
               <a:defRPr/>
             </a:pPr>
-            <a:endParaRPr kumimoji="0" lang="en-US" altLang="ko-KR" sz="2398" b="0" i="0" u="none" strike="noStrike" kern="1200" cap="none" spc="0" normalizeH="0" baseline="0" noProof="0" dirty="0">
+            <a:endParaRPr kumimoji="0" lang="en-US" altLang="ko-KR" sz="2398" b="0" i="0" u="none" strike="noStrike" kern="1200" cap="none" spc="0" normalizeH="0" baseline="0" noProof="0">
               <a:ln>
                 <a:noFill/>
               </a:ln>
@@ -4322,42 +4433,6 @@
           </a:p>
         </p:txBody>
       </p:sp>
-      <p:pic>
-        <p:nvPicPr>
-          <p:cNvPr id="14" name="Logo Software University" descr="Software University logo">
-            <a:extLst>
-              <a:ext uri="{FF2B5EF4-FFF2-40B4-BE49-F238E27FC236}">
-                <a16:creationId xmlns:a16="http://schemas.microsoft.com/office/drawing/2014/main" id="{19A67BB9-D880-4EAD-B90E-89C4219BFC0B}"/>
-              </a:ext>
-            </a:extLst>
-          </p:cNvPr>
-          <p:cNvPicPr>
-            <a:picLocks noChangeAspect="1"/>
-          </p:cNvPicPr>
-          <p:nvPr userDrawn="1"/>
-        </p:nvPicPr>
-        <p:blipFill>
-          <a:blip r:embed="rId3">
-            <a:extLst>
-              <a:ext uri="{28A0092B-C50C-407E-A947-70E740481C1C}">
-                <a14:useLocalDpi xmlns:a14="http://schemas.microsoft.com/office/drawing/2010/main" val="0"/>
-              </a:ext>
-            </a:extLst>
-          </a:blip>
-          <a:stretch>
-            <a:fillRect/>
-          </a:stretch>
-        </p:blipFill>
-        <p:spPr>
-          <a:xfrm>
-            <a:off x="10067957" y="253936"/>
-            <a:ext cx="1915704" cy="559235"/>
-          </a:xfrm>
-          <a:prstGeom prst="rect">
-            <a:avLst/>
-          </a:prstGeom>
-        </p:spPr>
-      </p:pic>
       <p:sp>
         <p:nvSpPr>
           <p:cNvPr id="15" name="Slide Title">
@@ -4376,8 +4451,8 @@
         </p:nvSpPr>
         <p:spPr>
           <a:xfrm>
-            <a:off x="190406" y="100750"/>
-            <a:ext cx="9715594" cy="882654"/>
+            <a:off x="190405" y="100750"/>
+            <a:ext cx="10270595" cy="882654"/>
           </a:xfrm>
         </p:spPr>
         <p:txBody>
@@ -4399,6 +4474,72 @@
           </a:p>
         </p:txBody>
       </p:sp>
+      <p:pic>
+        <p:nvPicPr>
+          <p:cNvPr id="8" name="Picture 7">
+            <a:extLst>
+              <a:ext uri="{FF2B5EF4-FFF2-40B4-BE49-F238E27FC236}">
+                <a16:creationId xmlns:a16="http://schemas.microsoft.com/office/drawing/2014/main" id="{2C9792D8-D354-4699-B7D6-B8CB7F77594F}"/>
+              </a:ext>
+            </a:extLst>
+          </p:cNvPr>
+          <p:cNvPicPr>
+            <a:picLocks noChangeAspect="1"/>
+          </p:cNvPicPr>
+          <p:nvPr userDrawn="1"/>
+        </p:nvPicPr>
+        <p:blipFill>
+          <a:blip r:embed="rId2"/>
+          <a:stretch>
+            <a:fillRect/>
+          </a:stretch>
+        </p:blipFill>
+        <p:spPr>
+          <a:xfrm>
+            <a:off x="5398753" y="5340443"/>
+            <a:ext cx="1334859" cy="982867"/>
+          </a:xfrm>
+          <a:prstGeom prst="rect">
+            <a:avLst/>
+          </a:prstGeom>
+        </p:spPr>
+      </p:pic>
+      <p:pic>
+        <p:nvPicPr>
+          <p:cNvPr id="3" name="Picture 2">
+            <a:extLst>
+              <a:ext uri="{FF2B5EF4-FFF2-40B4-BE49-F238E27FC236}">
+                <a16:creationId xmlns:a16="http://schemas.microsoft.com/office/drawing/2014/main" id="{B6351E19-25DA-EAD2-9FBE-358B6135D728}"/>
+              </a:ext>
+            </a:extLst>
+          </p:cNvPr>
+          <p:cNvPicPr>
+            <a:picLocks noChangeAspect="1"/>
+          </p:cNvPicPr>
+          <p:nvPr userDrawn="1"/>
+        </p:nvPicPr>
+        <p:blipFill>
+          <a:blip r:embed="rId3" cstate="print">
+            <a:extLst>
+              <a:ext uri="{28A0092B-C50C-407E-A947-70E740481C1C}">
+                <a14:useLocalDpi xmlns:a14="http://schemas.microsoft.com/office/drawing/2010/main" val="0"/>
+              </a:ext>
+            </a:extLst>
+          </a:blip>
+          <a:stretch>
+            <a:fillRect/>
+          </a:stretch>
+        </p:blipFill>
+        <p:spPr>
+          <a:xfrm>
+            <a:off x="10553573" y="368999"/>
+            <a:ext cx="1443361" cy="360001"/>
+          </a:xfrm>
+          <a:prstGeom prst="rect">
+            <a:avLst/>
+          </a:prstGeom>
+        </p:spPr>
+      </p:pic>
     </p:spTree>
     <p:extLst>
       <p:ext uri="{BB962C8B-B14F-4D97-AF65-F5344CB8AC3E}">
@@ -4491,7 +4632,7 @@
               <a:pPr/>
               <a:t>‹#›</a:t>
             </a:fld>
-            <a:endParaRPr lang="en-US" noProof="0" dirty="0"/>
+            <a:endParaRPr lang="en-US" noProof="0"/>
           </a:p>
         </p:txBody>
       </p:sp>
@@ -4645,7 +4786,7 @@
           </a:lstStyle>
           <a:p>
             <a:r>
-              <a:rPr lang="en-US" altLang="ko-KR" noProof="0" dirty="0"/>
+              <a:rPr lang="en-US" altLang="ko-KR" noProof="0"/>
               <a:t>Your Picture Here</a:t>
             </a:r>
           </a:p>
@@ -4709,7 +4850,7 @@
               <a:tabLst/>
               <a:defRPr/>
             </a:pPr>
-            <a:endParaRPr kumimoji="0" lang="en-US" altLang="ko-KR" sz="2398" b="0" i="0" u="none" strike="noStrike" kern="1200" cap="none" spc="0" normalizeH="0" baseline="0" noProof="0" dirty="0">
+            <a:endParaRPr kumimoji="0" lang="en-US" altLang="ko-KR" sz="2398" b="0" i="0" u="none" strike="noStrike" kern="1200" cap="none" spc="0" normalizeH="0" baseline="0" noProof="0">
               <a:ln>
                 <a:noFill/>
               </a:ln>
@@ -4784,7 +4925,7 @@
               <a:tabLst/>
               <a:defRPr/>
             </a:pPr>
-            <a:endParaRPr kumimoji="0" lang="en-US" altLang="ko-KR" sz="2398" b="0" i="0" u="none" strike="noStrike" kern="1200" cap="none" spc="0" normalizeH="0" baseline="0" noProof="0" dirty="0">
+            <a:endParaRPr kumimoji="0" lang="en-US" altLang="ko-KR" sz="2398" b="0" i="0" u="none" strike="noStrike" kern="1200" cap="none" spc="0" normalizeH="0" baseline="0" noProof="0">
               <a:ln>
                 <a:noFill/>
               </a:ln>
@@ -4865,7 +5006,7 @@
               <a:tabLst/>
               <a:defRPr/>
             </a:pPr>
-            <a:endParaRPr kumimoji="0" lang="en-US" altLang="ko-KR" sz="2398" b="0" i="0" u="none" strike="noStrike" kern="1200" cap="none" spc="0" normalizeH="0" baseline="0" noProof="0" dirty="0">
+            <a:endParaRPr kumimoji="0" lang="en-US" altLang="ko-KR" sz="2398" b="0" i="0" u="none" strike="noStrike" kern="1200" cap="none" spc="0" normalizeH="0" baseline="0" noProof="0">
               <a:ln>
                 <a:noFill/>
               </a:ln>
@@ -4946,7 +5087,7 @@
               <a:tabLst/>
               <a:defRPr/>
             </a:pPr>
-            <a:endParaRPr kumimoji="0" lang="en-US" altLang="ko-KR" sz="2398" b="0" i="0" u="none" strike="noStrike" kern="1200" cap="none" spc="0" normalizeH="0" baseline="0" noProof="0" dirty="0">
+            <a:endParaRPr kumimoji="0" lang="en-US" altLang="ko-KR" sz="2398" b="0" i="0" u="none" strike="noStrike" kern="1200" cap="none" spc="0" normalizeH="0" baseline="0" noProof="0">
               <a:ln>
                 <a:noFill/>
               </a:ln>
@@ -4963,42 +5104,6 @@
           </a:p>
         </p:txBody>
       </p:sp>
-      <p:pic>
-        <p:nvPicPr>
-          <p:cNvPr id="12" name="Logo Software University" descr="Software University logo">
-            <a:extLst>
-              <a:ext uri="{FF2B5EF4-FFF2-40B4-BE49-F238E27FC236}">
-                <a16:creationId xmlns:a16="http://schemas.microsoft.com/office/drawing/2014/main" id="{233CBB95-791E-4630-B3D9-FADFCE7BCF52}"/>
-              </a:ext>
-            </a:extLst>
-          </p:cNvPr>
-          <p:cNvPicPr>
-            <a:picLocks noChangeAspect="1"/>
-          </p:cNvPicPr>
-          <p:nvPr userDrawn="1"/>
-        </p:nvPicPr>
-        <p:blipFill>
-          <a:blip r:embed="rId2">
-            <a:extLst>
-              <a:ext uri="{28A0092B-C50C-407E-A947-70E740481C1C}">
-                <a14:useLocalDpi xmlns:a14="http://schemas.microsoft.com/office/drawing/2010/main" val="0"/>
-              </a:ext>
-            </a:extLst>
-          </a:blip>
-          <a:stretch>
-            <a:fillRect/>
-          </a:stretch>
-        </p:blipFill>
-        <p:spPr>
-          <a:xfrm>
-            <a:off x="10067957" y="253936"/>
-            <a:ext cx="1915704" cy="559235"/>
-          </a:xfrm>
-          <a:prstGeom prst="rect">
-            <a:avLst/>
-          </a:prstGeom>
-        </p:spPr>
-      </p:pic>
       <p:sp>
         <p:nvSpPr>
           <p:cNvPr id="13" name="Slide Title">
@@ -5018,7 +5123,7 @@
         <p:spPr>
           <a:xfrm>
             <a:off x="190406" y="100750"/>
-            <a:ext cx="9715594" cy="882654"/>
+            <a:ext cx="10270594" cy="882654"/>
           </a:xfrm>
         </p:spPr>
         <p:txBody>
@@ -5040,6 +5145,42 @@
           </a:p>
         </p:txBody>
       </p:sp>
+      <p:pic>
+        <p:nvPicPr>
+          <p:cNvPr id="4" name="Picture 3">
+            <a:extLst>
+              <a:ext uri="{FF2B5EF4-FFF2-40B4-BE49-F238E27FC236}">
+                <a16:creationId xmlns:a16="http://schemas.microsoft.com/office/drawing/2014/main" id="{42F3DB3E-BDAA-8201-9A01-2F52640A84CA}"/>
+              </a:ext>
+            </a:extLst>
+          </p:cNvPr>
+          <p:cNvPicPr>
+            <a:picLocks noChangeAspect="1"/>
+          </p:cNvPicPr>
+          <p:nvPr userDrawn="1"/>
+        </p:nvPicPr>
+        <p:blipFill>
+          <a:blip r:embed="rId2" cstate="print">
+            <a:extLst>
+              <a:ext uri="{28A0092B-C50C-407E-A947-70E740481C1C}">
+                <a14:useLocalDpi xmlns:a14="http://schemas.microsoft.com/office/drawing/2010/main" val="0"/>
+              </a:ext>
+            </a:extLst>
+          </a:blip>
+          <a:stretch>
+            <a:fillRect/>
+          </a:stretch>
+        </p:blipFill>
+        <p:spPr>
+          <a:xfrm>
+            <a:off x="10553573" y="368999"/>
+            <a:ext cx="1443361" cy="360001"/>
+          </a:xfrm>
+          <a:prstGeom prst="rect">
+            <a:avLst/>
+          </a:prstGeom>
+        </p:spPr>
+      </p:pic>
     </p:spTree>
     <p:extLst>
       <p:ext uri="{BB962C8B-B14F-4D97-AF65-F5344CB8AC3E}">
@@ -5150,7 +5291,7 @@
               <a:tabLst/>
               <a:defRPr/>
             </a:pPr>
-            <a:endParaRPr kumimoji="0" lang="en-US" altLang="ko-KR" sz="2398" b="0" i="0" u="none" strike="noStrike" kern="1200" cap="none" spc="0" normalizeH="0" baseline="0" noProof="0" dirty="0">
+            <a:endParaRPr kumimoji="0" lang="en-US" altLang="ko-KR" sz="2398" b="0" i="0" u="none" strike="noStrike" kern="1200" cap="none" spc="0" normalizeH="0" baseline="0" noProof="0">
               <a:ln>
                 <a:noFill/>
               </a:ln>
@@ -5169,714 +5310,10 @@
       </p:sp>
       <p:sp>
         <p:nvSpPr>
-          <p:cNvPr id="53" name="Rectangle Bottom Copyright">
+          <p:cNvPr id="3" name="Title 2">
             <a:extLst>
               <a:ext uri="{FF2B5EF4-FFF2-40B4-BE49-F238E27FC236}">
-                <a16:creationId xmlns:a16="http://schemas.microsoft.com/office/drawing/2014/main" id="{B07FB7FB-DA6C-4F5D-B068-357F0FCE27D8}"/>
-              </a:ext>
-            </a:extLst>
-          </p:cNvPr>
-          <p:cNvSpPr/>
-          <p:nvPr userDrawn="1"/>
-        </p:nvSpPr>
-        <p:spPr>
-          <a:xfrm>
-            <a:off x="111000" y="6454758"/>
-            <a:ext cx="11970000" cy="258449"/>
-          </a:xfrm>
-          <a:prstGeom prst="rect">
-            <a:avLst/>
-          </a:prstGeom>
-        </p:spPr>
-        <p:txBody>
-          <a:bodyPr wrap="square">
-            <a:noAutofit/>
-          </a:bodyPr>
-          <a:lstStyle/>
-          <a:p>
-            <a:pPr algn="ctr">
-              <a:lnSpc>
-                <a:spcPct val="100000"/>
-              </a:lnSpc>
-              <a:spcBef>
-                <a:spcPts val="0"/>
-              </a:spcBef>
-              <a:spcAft>
-                <a:spcPts val="0"/>
-              </a:spcAft>
-            </a:pPr>
-            <a:r>
-              <a:rPr lang="en-US" sz="1600" noProof="0" dirty="0">
-                <a:solidFill>
-                  <a:schemeClr val="bg2"/>
-                </a:solidFill>
-                <a:effectLst/>
-                <a:latin typeface="Calibri" panose="020F0502020204030204" pitchFamily="34" charset="0"/>
-                <a:ea typeface="Calibri" panose="020F0502020204030204" pitchFamily="34" charset="0"/>
-                <a:cs typeface="Arial" panose="020B0604020202020204" pitchFamily="34" charset="0"/>
-              </a:rPr>
-              <a:t>© SoftUni – </a:t>
-            </a:r>
-            <a:r>
-              <a:rPr lang="en-US" sz="1600" u="sng" noProof="0" dirty="0">
-                <a:solidFill>
-                  <a:schemeClr val="bg2"/>
-                </a:solidFill>
-                <a:effectLst/>
-                <a:latin typeface="Calibri" panose="020F0502020204030204" pitchFamily="34" charset="0"/>
-                <a:ea typeface="Calibri" panose="020F0502020204030204" pitchFamily="34" charset="0"/>
-                <a:cs typeface="Arial" panose="020B0604020202020204" pitchFamily="34" charset="0"/>
-                <a:hlinkClick r:id="rId2">
-                  <a:extLst>
-                    <a:ext uri="{A12FA001-AC4F-418D-AE19-62706E023703}">
-                      <ahyp:hlinkClr xmlns:ahyp="http://schemas.microsoft.com/office/drawing/2018/hyperlinkcolor" val="tx"/>
-                    </a:ext>
-                  </a:extLst>
-                </a:hlinkClick>
-              </a:rPr>
-              <a:t>https://softuni.org</a:t>
-            </a:r>
-            <a:r>
-              <a:rPr lang="en-US" sz="1600" noProof="0" dirty="0">
-                <a:solidFill>
-                  <a:schemeClr val="bg2"/>
-                </a:solidFill>
-                <a:effectLst/>
-                <a:latin typeface="Calibri" panose="020F0502020204030204" pitchFamily="34" charset="0"/>
-                <a:ea typeface="Calibri" panose="020F0502020204030204" pitchFamily="34" charset="0"/>
-                <a:cs typeface="Arial" panose="020B0604020202020204" pitchFamily="34" charset="0"/>
-              </a:rPr>
-              <a:t>. Copyrighted document. Unauthorized copy, reproduction or use is not permitted.</a:t>
-            </a:r>
-            <a:endParaRPr lang="en-US" sz="2400" noProof="0" dirty="0">
-              <a:solidFill>
-                <a:schemeClr val="bg2"/>
-              </a:solidFill>
-              <a:effectLst/>
-              <a:latin typeface="Calibri" panose="020F0502020204030204" pitchFamily="34" charset="0"/>
-              <a:ea typeface="Calibri" panose="020F0502020204030204" pitchFamily="34" charset="0"/>
-              <a:cs typeface="Arial" panose="020B0604020202020204" pitchFamily="34" charset="0"/>
-            </a:endParaRPr>
-          </a:p>
-        </p:txBody>
-      </p:sp>
-      <p:pic>
-        <p:nvPicPr>
-          <p:cNvPr id="26" name="Picture SoftUni Mascot" descr="SoftUni mascot with open hand">
-            <a:extLst>
-              <a:ext uri="{FF2B5EF4-FFF2-40B4-BE49-F238E27FC236}">
-                <a16:creationId xmlns:a16="http://schemas.microsoft.com/office/drawing/2014/main" id="{247CFF3C-C4FA-493D-8505-DF469F4D36A4}"/>
-              </a:ext>
-            </a:extLst>
-          </p:cNvPr>
-          <p:cNvPicPr>
-            <a:picLocks noChangeAspect="1"/>
-          </p:cNvPicPr>
-          <p:nvPr/>
-        </p:nvPicPr>
-        <p:blipFill>
-          <a:blip r:embed="rId3" cstate="print">
-            <a:extLst>
-              <a:ext uri="{28A0092B-C50C-407E-A947-70E740481C1C}">
-                <a14:useLocalDpi xmlns:a14="http://schemas.microsoft.com/office/drawing/2010/main" val="0"/>
-              </a:ext>
-            </a:extLst>
-          </a:blip>
-          <a:stretch>
-            <a:fillRect/>
-          </a:stretch>
-        </p:blipFill>
-        <p:spPr>
-          <a:xfrm>
-            <a:off x="642586" y="2898830"/>
-            <a:ext cx="2451608" cy="2959741"/>
-          </a:xfrm>
-          <a:prstGeom prst="rect">
-            <a:avLst/>
-          </a:prstGeom>
-        </p:spPr>
-      </p:pic>
-      <p:grpSp>
-        <p:nvGrpSpPr>
-          <p:cNvPr id="2" name="Group SoftUni Brands">
-            <a:extLst>
-              <a:ext uri="{FF2B5EF4-FFF2-40B4-BE49-F238E27FC236}">
-                <a16:creationId xmlns:a16="http://schemas.microsoft.com/office/drawing/2014/main" id="{418FAE34-C1F8-46C7-A4AE-F270D1E70F25}"/>
-              </a:ext>
-            </a:extLst>
-          </p:cNvPr>
-          <p:cNvGrpSpPr/>
-          <p:nvPr userDrawn="1"/>
-        </p:nvGrpSpPr>
-        <p:grpSpPr>
-          <a:xfrm>
-            <a:off x="3332216" y="1702473"/>
-            <a:ext cx="8314909" cy="3543782"/>
-            <a:chOff x="3332216" y="1702473"/>
-            <a:chExt cx="8314909" cy="3543782"/>
-          </a:xfrm>
-        </p:grpSpPr>
-        <p:pic>
-          <p:nvPicPr>
-            <p:cNvPr id="24" name="Picture SoftUni Kids Logo" descr="SoftUni Kids logo">
-              <a:extLst>
-                <a:ext uri="{FF2B5EF4-FFF2-40B4-BE49-F238E27FC236}">
-                  <a16:creationId xmlns:a16="http://schemas.microsoft.com/office/drawing/2014/main" id="{B0812936-74B6-4265-8C08-AEDC8C798702}"/>
-                </a:ext>
-              </a:extLst>
-            </p:cNvPr>
-            <p:cNvPicPr>
-              <a:picLocks noChangeAspect="1"/>
-            </p:cNvPicPr>
-            <p:nvPr/>
-          </p:nvPicPr>
-          <p:blipFill>
-            <a:blip r:embed="rId4" cstate="print">
-              <a:extLst>
-                <a:ext uri="{28A0092B-C50C-407E-A947-70E740481C1C}">
-                  <a14:useLocalDpi xmlns:a14="http://schemas.microsoft.com/office/drawing/2010/main" val="0"/>
-                </a:ext>
-              </a:extLst>
-            </a:blip>
-            <a:stretch>
-              <a:fillRect/>
-            </a:stretch>
-          </p:blipFill>
-          <p:spPr>
-            <a:xfrm>
-              <a:off x="10516883" y="3776294"/>
-              <a:ext cx="1130242" cy="1389256"/>
-            </a:xfrm>
-            <a:prstGeom prst="rect">
-              <a:avLst/>
-            </a:prstGeom>
-          </p:spPr>
-        </p:pic>
-        <p:pic>
-          <p:nvPicPr>
-            <p:cNvPr id="23" name="Picture SoftUni Foundation Logo" descr="SoftUni Foundation logo">
-              <a:extLst>
-                <a:ext uri="{FF2B5EF4-FFF2-40B4-BE49-F238E27FC236}">
-                  <a16:creationId xmlns:a16="http://schemas.microsoft.com/office/drawing/2014/main" id="{6643F71A-2013-433A-8322-FBAAED3162D8}"/>
-                </a:ext>
-              </a:extLst>
-            </p:cNvPr>
-            <p:cNvPicPr>
-              <a:picLocks noChangeAspect="1"/>
-            </p:cNvPicPr>
-            <p:nvPr userDrawn="1"/>
-          </p:nvPicPr>
-          <p:blipFill>
-            <a:blip r:embed="rId5" cstate="print">
-              <a:extLst>
-                <a:ext uri="{28A0092B-C50C-407E-A947-70E740481C1C}">
-                  <a14:useLocalDpi xmlns:a14="http://schemas.microsoft.com/office/drawing/2010/main" val="0"/>
-                </a:ext>
-              </a:extLst>
-            </a:blip>
-            <a:stretch>
-              <a:fillRect/>
-            </a:stretch>
-          </p:blipFill>
-          <p:spPr>
-            <a:xfrm>
-              <a:off x="9053913" y="3788231"/>
-              <a:ext cx="1166400" cy="1350756"/>
-            </a:xfrm>
-            <a:prstGeom prst="rect">
-              <a:avLst/>
-            </a:prstGeom>
-          </p:spPr>
-        </p:pic>
-        <p:pic>
-          <p:nvPicPr>
-            <p:cNvPr id="22" name="Picture SoftUni Digital Logo" descr="SoftUni Digital logo">
-              <a:extLst>
-                <a:ext uri="{FF2B5EF4-FFF2-40B4-BE49-F238E27FC236}">
-                  <a16:creationId xmlns:a16="http://schemas.microsoft.com/office/drawing/2014/main" id="{0A83D66F-855B-463B-920B-BF239B01A206}"/>
-                </a:ext>
-              </a:extLst>
-            </p:cNvPr>
-            <p:cNvPicPr>
-              <a:picLocks noChangeAspect="1"/>
-            </p:cNvPicPr>
-            <p:nvPr userDrawn="1"/>
-          </p:nvPicPr>
-          <p:blipFill>
-            <a:blip r:embed="rId6" cstate="print">
-              <a:extLst>
-                <a:ext uri="{28A0092B-C50C-407E-A947-70E740481C1C}">
-                  <a14:useLocalDpi xmlns:a14="http://schemas.microsoft.com/office/drawing/2010/main" val="0"/>
-                </a:ext>
-              </a:extLst>
-            </a:blip>
-            <a:stretch>
-              <a:fillRect/>
-            </a:stretch>
-          </p:blipFill>
-          <p:spPr>
-            <a:xfrm>
-              <a:off x="7657695" y="3789000"/>
-              <a:ext cx="1084614" cy="1457255"/>
-            </a:xfrm>
-            <a:prstGeom prst="rect">
-              <a:avLst/>
-            </a:prstGeom>
-          </p:spPr>
-        </p:pic>
-        <p:pic>
-          <p:nvPicPr>
-            <p:cNvPr id="21" name="Picture SoftUni Creative Logo" descr="SoftUni Creative logo">
-              <a:extLst>
-                <a:ext uri="{FF2B5EF4-FFF2-40B4-BE49-F238E27FC236}">
-                  <a16:creationId xmlns:a16="http://schemas.microsoft.com/office/drawing/2014/main" id="{EA755AAE-BA08-481C-9224-0061170EE4B8}"/>
-                </a:ext>
-              </a:extLst>
-            </p:cNvPr>
-            <p:cNvPicPr>
-              <a:picLocks noChangeAspect="1"/>
-            </p:cNvPicPr>
-            <p:nvPr/>
-          </p:nvPicPr>
-          <p:blipFill>
-            <a:blip r:embed="rId7" cstate="print">
-              <a:extLst>
-                <a:ext uri="{28A0092B-C50C-407E-A947-70E740481C1C}">
-                  <a14:useLocalDpi xmlns:a14="http://schemas.microsoft.com/office/drawing/2010/main" val="0"/>
-                </a:ext>
-              </a:extLst>
-            </a:blip>
-            <a:stretch>
-              <a:fillRect/>
-            </a:stretch>
-          </p:blipFill>
-          <p:spPr>
-            <a:xfrm>
-              <a:off x="6173913" y="3776293"/>
-              <a:ext cx="1166400" cy="1389257"/>
-            </a:xfrm>
-            <a:prstGeom prst="rect">
-              <a:avLst/>
-            </a:prstGeom>
-          </p:spPr>
-        </p:pic>
-        <p:pic>
-          <p:nvPicPr>
-            <p:cNvPr id="20" name="Picture SoftUni Svetlina Logo" descr="SoftUni Svetlina logo">
-              <a:extLst>
-                <a:ext uri="{FF2B5EF4-FFF2-40B4-BE49-F238E27FC236}">
-                  <a16:creationId xmlns:a16="http://schemas.microsoft.com/office/drawing/2014/main" id="{827D15FD-4C66-4B85-98E6-7826AA8F61C6}"/>
-                </a:ext>
-              </a:extLst>
-            </p:cNvPr>
-            <p:cNvPicPr>
-              <a:picLocks noChangeAspect="1"/>
-            </p:cNvPicPr>
-            <p:nvPr/>
-          </p:nvPicPr>
-          <p:blipFill>
-            <a:blip r:embed="rId8">
-              <a:extLst>
-                <a:ext uri="{28A0092B-C50C-407E-A947-70E740481C1C}">
-                  <a14:useLocalDpi xmlns:a14="http://schemas.microsoft.com/office/drawing/2010/main" val="0"/>
-                </a:ext>
-              </a:extLst>
-            </a:blip>
-            <a:stretch>
-              <a:fillRect/>
-            </a:stretch>
-          </p:blipFill>
-          <p:spPr>
-            <a:xfrm>
-              <a:off x="4735029" y="3776293"/>
-              <a:ext cx="1166400" cy="1402229"/>
-            </a:xfrm>
-            <a:prstGeom prst="rect">
-              <a:avLst/>
-            </a:prstGeom>
-          </p:spPr>
-        </p:pic>
-        <p:pic>
-          <p:nvPicPr>
-            <p:cNvPr id="25" name="Picture Software University Logo" descr="Software University logo">
-              <a:extLst>
-                <a:ext uri="{FF2B5EF4-FFF2-40B4-BE49-F238E27FC236}">
-                  <a16:creationId xmlns:a16="http://schemas.microsoft.com/office/drawing/2014/main" id="{C74C190C-5856-41B9-8819-AE8DE0E10980}"/>
-                </a:ext>
-              </a:extLst>
-            </p:cNvPr>
-            <p:cNvPicPr>
-              <a:picLocks noChangeAspect="1"/>
-            </p:cNvPicPr>
-            <p:nvPr/>
-          </p:nvPicPr>
-          <p:blipFill>
-            <a:blip r:embed="rId9" cstate="print">
-              <a:extLst>
-                <a:ext uri="{28A0092B-C50C-407E-A947-70E740481C1C}">
-                  <a14:useLocalDpi xmlns:a14="http://schemas.microsoft.com/office/drawing/2010/main" val="0"/>
-                </a:ext>
-              </a:extLst>
-            </a:blip>
-            <a:stretch>
-              <a:fillRect/>
-            </a:stretch>
-          </p:blipFill>
-          <p:spPr>
-            <a:xfrm>
-              <a:off x="3332216" y="3776295"/>
-              <a:ext cx="1164654" cy="1440000"/>
-            </a:xfrm>
-            <a:prstGeom prst="rect">
-              <a:avLst/>
-            </a:prstGeom>
-          </p:spPr>
-        </p:pic>
-        <p:cxnSp>
-          <p:nvCxnSpPr>
-            <p:cNvPr id="33" name="Straight Connector 6">
-              <a:extLst>
-                <a:ext uri="{FF2B5EF4-FFF2-40B4-BE49-F238E27FC236}">
-                  <a16:creationId xmlns:a16="http://schemas.microsoft.com/office/drawing/2014/main" id="{5C63D1E8-4A92-4691-8A24-A2FC7E8008E5}"/>
-                </a:ext>
-              </a:extLst>
-            </p:cNvPr>
-            <p:cNvCxnSpPr>
-              <a:cxnSpLocks/>
-            </p:cNvCxnSpPr>
-            <p:nvPr userDrawn="1"/>
-          </p:nvCxnSpPr>
-          <p:spPr>
-            <a:xfrm>
-              <a:off x="11077113" y="3335565"/>
-              <a:ext cx="0" cy="236220"/>
-            </a:xfrm>
-            <a:prstGeom prst="line">
-              <a:avLst/>
-            </a:prstGeom>
-            <a:ln w="25400"/>
-          </p:spPr>
-          <p:style>
-            <a:lnRef idx="1">
-              <a:schemeClr val="accent1"/>
-            </a:lnRef>
-            <a:fillRef idx="0">
-              <a:schemeClr val="accent1"/>
-            </a:fillRef>
-            <a:effectRef idx="0">
-              <a:schemeClr val="accent1"/>
-            </a:effectRef>
-            <a:fontRef idx="minor">
-              <a:schemeClr val="tx1"/>
-            </a:fontRef>
-          </p:style>
-        </p:cxnSp>
-        <p:cxnSp>
-          <p:nvCxnSpPr>
-            <p:cNvPr id="32" name="Straight Connector 5">
-              <a:extLst>
-                <a:ext uri="{FF2B5EF4-FFF2-40B4-BE49-F238E27FC236}">
-                  <a16:creationId xmlns:a16="http://schemas.microsoft.com/office/drawing/2014/main" id="{6E91D320-3732-40B8-864D-142D0A277ED1}"/>
-                </a:ext>
-              </a:extLst>
-            </p:cNvPr>
-            <p:cNvCxnSpPr>
-              <a:cxnSpLocks/>
-            </p:cNvCxnSpPr>
-            <p:nvPr userDrawn="1"/>
-          </p:nvCxnSpPr>
-          <p:spPr>
-            <a:xfrm>
-              <a:off x="9637113" y="3329215"/>
-              <a:ext cx="0" cy="236220"/>
-            </a:xfrm>
-            <a:prstGeom prst="line">
-              <a:avLst/>
-            </a:prstGeom>
-            <a:ln w="25400"/>
-          </p:spPr>
-          <p:style>
-            <a:lnRef idx="1">
-              <a:schemeClr val="accent1"/>
-            </a:lnRef>
-            <a:fillRef idx="0">
-              <a:schemeClr val="accent1"/>
-            </a:fillRef>
-            <a:effectRef idx="0">
-              <a:schemeClr val="accent1"/>
-            </a:effectRef>
-            <a:fontRef idx="minor">
-              <a:schemeClr val="tx1"/>
-            </a:fontRef>
-          </p:style>
-        </p:cxnSp>
-        <p:cxnSp>
-          <p:nvCxnSpPr>
-            <p:cNvPr id="31" name="Straight Connector 4">
-              <a:extLst>
-                <a:ext uri="{FF2B5EF4-FFF2-40B4-BE49-F238E27FC236}">
-                  <a16:creationId xmlns:a16="http://schemas.microsoft.com/office/drawing/2014/main" id="{299ABE09-E33C-46B7-A80D-7BF4A6956211}"/>
-                </a:ext>
-              </a:extLst>
-            </p:cNvPr>
-            <p:cNvCxnSpPr/>
-            <p:nvPr userDrawn="1"/>
-          </p:nvCxnSpPr>
-          <p:spPr>
-            <a:xfrm>
-              <a:off x="8197113" y="3329215"/>
-              <a:ext cx="0" cy="236220"/>
-            </a:xfrm>
-            <a:prstGeom prst="line">
-              <a:avLst/>
-            </a:prstGeom>
-            <a:ln w="25400"/>
-          </p:spPr>
-          <p:style>
-            <a:lnRef idx="1">
-              <a:schemeClr val="accent1"/>
-            </a:lnRef>
-            <a:fillRef idx="0">
-              <a:schemeClr val="accent1"/>
-            </a:fillRef>
-            <a:effectRef idx="0">
-              <a:schemeClr val="accent1"/>
-            </a:effectRef>
-            <a:fontRef idx="minor">
-              <a:schemeClr val="tx1"/>
-            </a:fontRef>
-          </p:style>
-        </p:cxnSp>
-        <p:cxnSp>
-          <p:nvCxnSpPr>
-            <p:cNvPr id="30" name="Straight Connector 3">
-              <a:extLst>
-                <a:ext uri="{FF2B5EF4-FFF2-40B4-BE49-F238E27FC236}">
-                  <a16:creationId xmlns:a16="http://schemas.microsoft.com/office/drawing/2014/main" id="{93DDBF37-0764-47AA-94E3-9A44F3ED8FB5}"/>
-                </a:ext>
-              </a:extLst>
-            </p:cNvPr>
-            <p:cNvCxnSpPr/>
-            <p:nvPr userDrawn="1"/>
-          </p:nvCxnSpPr>
-          <p:spPr>
-            <a:xfrm>
-              <a:off x="6757113" y="3329215"/>
-              <a:ext cx="0" cy="236220"/>
-            </a:xfrm>
-            <a:prstGeom prst="line">
-              <a:avLst/>
-            </a:prstGeom>
-            <a:ln w="25400"/>
-          </p:spPr>
-          <p:style>
-            <a:lnRef idx="1">
-              <a:schemeClr val="accent1"/>
-            </a:lnRef>
-            <a:fillRef idx="0">
-              <a:schemeClr val="accent1"/>
-            </a:fillRef>
-            <a:effectRef idx="0">
-              <a:schemeClr val="accent1"/>
-            </a:effectRef>
-            <a:fontRef idx="minor">
-              <a:schemeClr val="tx1"/>
-            </a:fontRef>
-          </p:style>
-        </p:cxnSp>
-        <p:cxnSp>
-          <p:nvCxnSpPr>
-            <p:cNvPr id="29" name="Straight Connector 2">
-              <a:extLst>
-                <a:ext uri="{FF2B5EF4-FFF2-40B4-BE49-F238E27FC236}">
-                  <a16:creationId xmlns:a16="http://schemas.microsoft.com/office/drawing/2014/main" id="{72BFE2F3-0845-4E5B-9375-E9D4027DD675}"/>
-                </a:ext>
-              </a:extLst>
-            </p:cNvPr>
-            <p:cNvCxnSpPr/>
-            <p:nvPr userDrawn="1"/>
-          </p:nvCxnSpPr>
-          <p:spPr>
-            <a:xfrm>
-              <a:off x="5309913" y="3335565"/>
-              <a:ext cx="0" cy="236220"/>
-            </a:xfrm>
-            <a:prstGeom prst="line">
-              <a:avLst/>
-            </a:prstGeom>
-            <a:ln w="25400"/>
-          </p:spPr>
-          <p:style>
-            <a:lnRef idx="1">
-              <a:schemeClr val="accent1"/>
-            </a:lnRef>
-            <a:fillRef idx="0">
-              <a:schemeClr val="accent1"/>
-            </a:fillRef>
-            <a:effectRef idx="0">
-              <a:schemeClr val="accent1"/>
-            </a:effectRef>
-            <a:fontRef idx="minor">
-              <a:schemeClr val="tx1"/>
-            </a:fontRef>
-          </p:style>
-        </p:cxnSp>
-        <p:cxnSp>
-          <p:nvCxnSpPr>
-            <p:cNvPr id="28" name="Straight Connector 1">
-              <a:extLst>
-                <a:ext uri="{FF2B5EF4-FFF2-40B4-BE49-F238E27FC236}">
-                  <a16:creationId xmlns:a16="http://schemas.microsoft.com/office/drawing/2014/main" id="{D4E5982E-3110-47E1-A5BB-91B7BECC3093}"/>
-                </a:ext>
-              </a:extLst>
-            </p:cNvPr>
-            <p:cNvCxnSpPr/>
-            <p:nvPr userDrawn="1"/>
-          </p:nvCxnSpPr>
-          <p:spPr>
-            <a:xfrm>
-              <a:off x="3915327" y="3335565"/>
-              <a:ext cx="0" cy="236220"/>
-            </a:xfrm>
-            <a:prstGeom prst="line">
-              <a:avLst/>
-            </a:prstGeom>
-            <a:ln w="25400"/>
-          </p:spPr>
-          <p:style>
-            <a:lnRef idx="1">
-              <a:schemeClr val="accent1"/>
-            </a:lnRef>
-            <a:fillRef idx="0">
-              <a:schemeClr val="accent1"/>
-            </a:fillRef>
-            <a:effectRef idx="0">
-              <a:schemeClr val="accent1"/>
-            </a:effectRef>
-            <a:fontRef idx="minor">
-              <a:schemeClr val="tx1"/>
-            </a:fontRef>
-          </p:style>
-        </p:cxnSp>
-        <p:cxnSp>
-          <p:nvCxnSpPr>
-            <p:cNvPr id="27" name="Straight Connector Horizontal">
-              <a:extLst>
-                <a:ext uri="{FF2B5EF4-FFF2-40B4-BE49-F238E27FC236}">
-                  <a16:creationId xmlns:a16="http://schemas.microsoft.com/office/drawing/2014/main" id="{5F62FB7C-BD6E-4383-98C1-2CF30F34CAFD}"/>
-                </a:ext>
-              </a:extLst>
-            </p:cNvPr>
-            <p:cNvCxnSpPr>
-              <a:cxnSpLocks/>
-            </p:cNvCxnSpPr>
-            <p:nvPr userDrawn="1"/>
-          </p:nvCxnSpPr>
-          <p:spPr>
-            <a:xfrm>
-              <a:off x="3915327" y="3335565"/>
-              <a:ext cx="7161786" cy="0"/>
-            </a:xfrm>
-            <a:prstGeom prst="line">
-              <a:avLst/>
-            </a:prstGeom>
-            <a:ln w="25400"/>
-          </p:spPr>
-          <p:style>
-            <a:lnRef idx="1">
-              <a:schemeClr val="accent1"/>
-            </a:lnRef>
-            <a:fillRef idx="0">
-              <a:schemeClr val="accent1"/>
-            </a:fillRef>
-            <a:effectRef idx="0">
-              <a:schemeClr val="accent1"/>
-            </a:effectRef>
-            <a:fontRef idx="minor">
-              <a:schemeClr val="tx1"/>
-            </a:fontRef>
-          </p:style>
-        </p:cxnSp>
-        <p:cxnSp>
-          <p:nvCxnSpPr>
-            <p:cNvPr id="34" name="Straight Connector 0">
-              <a:extLst>
-                <a:ext uri="{FF2B5EF4-FFF2-40B4-BE49-F238E27FC236}">
-                  <a16:creationId xmlns:a16="http://schemas.microsoft.com/office/drawing/2014/main" id="{C84A0FE1-723D-4682-8682-77BAD950EE15}"/>
-                </a:ext>
-              </a:extLst>
-            </p:cNvPr>
-            <p:cNvCxnSpPr/>
-            <p:nvPr userDrawn="1"/>
-          </p:nvCxnSpPr>
-          <p:spPr>
-            <a:xfrm>
-              <a:off x="7496220" y="3092995"/>
-              <a:ext cx="0" cy="236220"/>
-            </a:xfrm>
-            <a:prstGeom prst="line">
-              <a:avLst/>
-            </a:prstGeom>
-            <a:ln w="25400"/>
-          </p:spPr>
-          <p:style>
-            <a:lnRef idx="1">
-              <a:schemeClr val="accent1"/>
-            </a:lnRef>
-            <a:fillRef idx="0">
-              <a:schemeClr val="accent1"/>
-            </a:fillRef>
-            <a:effectRef idx="0">
-              <a:schemeClr val="accent1"/>
-            </a:effectRef>
-            <a:fontRef idx="minor">
-              <a:schemeClr val="tx1"/>
-            </a:fontRef>
-          </p:style>
-        </p:cxnSp>
-        <p:pic>
-          <p:nvPicPr>
-            <p:cNvPr id="18" name="Picture SoftUni Logo" descr="SoftUni logo">
-              <a:extLst>
-                <a:ext uri="{FF2B5EF4-FFF2-40B4-BE49-F238E27FC236}">
-                  <a16:creationId xmlns:a16="http://schemas.microsoft.com/office/drawing/2014/main" id="{A0675455-B7FA-4569-A5FD-A3B0F20B2A26}"/>
-                </a:ext>
-              </a:extLst>
-            </p:cNvPr>
-            <p:cNvPicPr>
-              <a:picLocks noChangeAspect="1"/>
-            </p:cNvPicPr>
-            <p:nvPr/>
-          </p:nvPicPr>
-          <p:blipFill>
-            <a:blip r:embed="rId10" cstate="print">
-              <a:extLst>
-                <a:ext uri="{28A0092B-C50C-407E-A947-70E740481C1C}">
-                  <a14:useLocalDpi xmlns:a14="http://schemas.microsoft.com/office/drawing/2010/main" val="0"/>
-                </a:ext>
-              </a:extLst>
-            </a:blip>
-            <a:stretch>
-              <a:fillRect/>
-            </a:stretch>
-          </p:blipFill>
-          <p:spPr>
-            <a:xfrm>
-              <a:off x="6896770" y="1702473"/>
-              <a:ext cx="1198901" cy="1198901"/>
-            </a:xfrm>
-            <a:prstGeom prst="rect">
-              <a:avLst/>
-            </a:prstGeom>
-          </p:spPr>
-        </p:pic>
-      </p:grpSp>
-      <p:sp>
-        <p:nvSpPr>
-          <p:cNvPr id="19" name="Slide Title">
-            <a:extLst>
-              <a:ext uri="{FF2B5EF4-FFF2-40B4-BE49-F238E27FC236}">
-                <a16:creationId xmlns:a16="http://schemas.microsoft.com/office/drawing/2014/main" id="{7CFDBB16-985C-4CC7-B6DB-B81B36037922}"/>
+                <a16:creationId xmlns:a16="http://schemas.microsoft.com/office/drawing/2014/main" id="{3107753B-8639-4399-B782-EE5377184D2E}"/>
               </a:ext>
             </a:extLst>
           </p:cNvPr>
@@ -5884,142 +5321,33 @@
             <a:spLocks noGrp="1"/>
           </p:cNvSpPr>
           <p:nvPr>
-            <p:ph type="title"/>
+            <p:ph type="title" hasCustomPrompt="1"/>
           </p:nvPr>
         </p:nvSpPr>
         <p:spPr>
           <a:xfrm>
-            <a:off x="809628" y="703244"/>
-            <a:ext cx="5916372" cy="1033303"/>
+            <a:off x="726988" y="1461842"/>
+            <a:ext cx="10731663" cy="3047158"/>
           </a:xfrm>
-          <a:prstGeom prst="rect">
-            <a:avLst/>
-          </a:prstGeom>
         </p:spPr>
         <p:txBody>
-          <a:bodyPr wrap="none" lIns="0" tIns="0" rIns="0" bIns="0" anchor="ctr" anchorCtr="0">
-            <a:noAutofit/>
-            <a:scene3d>
-              <a:camera prst="orthographicFront"/>
-              <a:lightRig rig="soft" dir="t">
-                <a:rot lat="0" lon="0" rev="10800000"/>
-              </a:lightRig>
-            </a:scene3d>
-            <a:sp3d>
-              <a:bevelT w="27940" h="12700"/>
-              <a:contourClr>
-                <a:srgbClr val="DDDDDD"/>
-              </a:contourClr>
-            </a:sp3d>
+          <a:bodyPr>
+            <a:normAutofit/>
           </a:bodyPr>
-          <a:lstStyle/>
-          <a:p>
-            <a:pPr marL="0" marR="0" lvl="0" indent="0" algn="l" defTabSz="913852" rtl="0" eaLnBrk="0" fontAlgn="auto" latinLnBrk="0" hangingPunct="0">
-              <a:lnSpc>
-                <a:spcPct val="100000"/>
-              </a:lnSpc>
-              <a:spcBef>
-                <a:spcPts val="0"/>
-              </a:spcBef>
-              <a:spcAft>
-                <a:spcPts val="0"/>
-              </a:spcAft>
-              <a:buClr>
-                <a:srgbClr val="67748E">
-                  <a:lumMod val="40000"/>
-                  <a:lumOff val="60000"/>
-                </a:srgbClr>
-              </a:buClr>
-              <a:buSzPct val="70000"/>
-              <a:buFont typeface="Wingdings 2" pitchFamily="18" charset="2"/>
-              <a:buNone/>
-              <a:tabLst/>
-              <a:defRPr/>
-            </a:pPr>
-            <a:r>
-              <a:rPr kumimoji="0" lang="en-US" sz="8797" b="1" i="0" u="none" strike="noStrike" kern="1200" cap="none" spc="0" normalizeH="0" baseline="0" noProof="0" dirty="0">
-                <a:ln>
-                  <a:noFill/>
-                </a:ln>
-                <a:solidFill>
-                  <a:srgbClr val="234465"/>
-                </a:solidFill>
-                <a:effectLst/>
-                <a:uLnTx/>
-                <a:uFillTx/>
-                <a:latin typeface="Calibri" panose="020F0502020204030204"/>
-                <a:ea typeface="+mn-ea"/>
-                <a:cs typeface="+mn-cs"/>
-              </a:rPr>
-              <a:t>Questions?</a:t>
-            </a:r>
-            <a:endParaRPr kumimoji="0" lang="en-US" sz="8797" b="1" i="0" u="none" strike="noStrike" kern="1200" cap="none" spc="150" normalizeH="0" baseline="0" noProof="0" dirty="0">
-              <a:ln w="11430"/>
-              <a:solidFill>
-                <a:srgbClr val="234465"/>
-              </a:solidFill>
-              <a:effectLst>
-                <a:outerShdw blurRad="25400" algn="tl" rotWithShape="0">
-                  <a:srgbClr val="000000">
-                    <a:alpha val="43000"/>
-                  </a:srgbClr>
-                </a:outerShdw>
-              </a:effectLst>
-              <a:uLnTx/>
-              <a:uFillTx/>
-              <a:latin typeface="Calibri" panose="020F0502020204030204"/>
-              <a:ea typeface="+mn-ea"/>
-              <a:cs typeface="+mn-cs"/>
-            </a:endParaRPr>
+          <a:lstStyle>
+            <a:lvl1pPr algn="ctr">
+              <a:defRPr sz="13800"/>
+            </a:lvl1pPr>
+          </a:lstStyle>
+          <a:p>
+            <a:r>
+              <a:rPr lang="bg-BG" dirty="0"/>
+              <a:t>Въпроси?</a:t>
+            </a:r>
+            <a:endParaRPr lang="en-US" dirty="0"/>
           </a:p>
         </p:txBody>
       </p:sp>
-      <p:pic>
-        <p:nvPicPr>
-          <p:cNvPr id="36" name="Logo Software University" descr="Software University logo">
-            <a:extLst>
-              <a:ext uri="{FF2B5EF4-FFF2-40B4-BE49-F238E27FC236}">
-                <a16:creationId xmlns:a16="http://schemas.microsoft.com/office/drawing/2014/main" id="{67FC4D2E-913D-432A-B658-F0D82839FA5E}"/>
-              </a:ext>
-            </a:extLst>
-          </p:cNvPr>
-          <p:cNvPicPr>
-            <a:picLocks noChangeAspect="1"/>
-          </p:cNvPicPr>
-          <p:nvPr userDrawn="1"/>
-        </p:nvPicPr>
-        <p:blipFill>
-          <a:blip r:embed="rId11">
-            <a:clrChange>
-              <a:clrFrom>
-                <a:srgbClr val="FFFFFF"/>
-              </a:clrFrom>
-              <a:clrTo>
-                <a:srgbClr val="FFFFFF">
-                  <a:alpha val="0"/>
-                </a:srgbClr>
-              </a:clrTo>
-            </a:clrChange>
-            <a:extLst>
-              <a:ext uri="{28A0092B-C50C-407E-A947-70E740481C1C}">
-                <a14:useLocalDpi xmlns:a14="http://schemas.microsoft.com/office/drawing/2010/main" val="0"/>
-              </a:ext>
-            </a:extLst>
-          </a:blip>
-          <a:stretch>
-            <a:fillRect/>
-          </a:stretch>
-        </p:blipFill>
-        <p:spPr>
-          <a:xfrm>
-            <a:off x="10008761" y="190267"/>
-            <a:ext cx="2013336" cy="690975"/>
-          </a:xfrm>
-          <a:prstGeom prst="rect">
-            <a:avLst/>
-          </a:prstGeom>
-        </p:spPr>
-      </p:pic>
     </p:spTree>
     <p:extLst>
       <p:ext uri="{BB962C8B-B14F-4D97-AF65-F5344CB8AC3E}">
@@ -6054,528 +5382,6 @@
       </p15:sldGuideLst>
     </p:ext>
   </p:extLst>
-</p:sldLayout>
-</file>
-
-<file path=ppt/slideLayouts/slideLayout13.xml><?xml version="1.0" encoding="utf-8"?>
-<p:sldLayout xmlns:a="http://schemas.openxmlformats.org/drawingml/2006/main" xmlns:r="http://schemas.openxmlformats.org/officeDocument/2006/relationships" xmlns:p="http://schemas.openxmlformats.org/presentationml/2006/main" preserve="1" userDrawn="1">
-  <p:cSld name="About Slide">
-    <p:spTree>
-      <p:nvGrpSpPr>
-        <p:cNvPr id="1" name=""/>
-        <p:cNvGrpSpPr/>
-        <p:nvPr/>
-      </p:nvGrpSpPr>
-      <p:grpSpPr>
-        <a:xfrm>
-          <a:off x="0" y="0"/>
-          <a:ext cx="0" cy="0"/>
-          <a:chOff x="0" y="0"/>
-          <a:chExt cx="0" cy="0"/>
-        </a:xfrm>
-      </p:grpSpPr>
-      <p:sp>
-        <p:nvSpPr>
-          <p:cNvPr id="13" name="Slide Number">
-            <a:extLst>
-              <a:ext uri="{FF2B5EF4-FFF2-40B4-BE49-F238E27FC236}">
-                <a16:creationId xmlns:a16="http://schemas.microsoft.com/office/drawing/2014/main" id="{5B8761D8-B42F-4A70-A0CE-682CEB2AE31B}"/>
-              </a:ext>
-            </a:extLst>
-          </p:cNvPr>
-          <p:cNvSpPr>
-            <a:spLocks noGrp="1"/>
-          </p:cNvSpPr>
-          <p:nvPr>
-            <p:ph type="sldNum" sz="quarter" idx="4"/>
-          </p:nvPr>
-        </p:nvSpPr>
-        <p:spPr>
-          <a:xfrm>
-            <a:off x="11753030" y="6507000"/>
-            <a:ext cx="367414" cy="297000"/>
-          </a:xfrm>
-          <a:prstGeom prst="rect">
-            <a:avLst/>
-          </a:prstGeom>
-        </p:spPr>
-        <p:txBody>
-          <a:bodyPr vert="horz" lIns="91440" tIns="45720" rIns="91440" bIns="45720" rtlCol="0" anchor="b"/>
-          <a:lstStyle>
-            <a:lvl1pPr algn="r">
-              <a:defRPr sz="1000"/>
-            </a:lvl1pPr>
-          </a:lstStyle>
-          <a:p>
-            <a:fld id="{2BF067CD-8E6B-4360-9AA8-C5DF2A48A6D1}" type="slidenum">
-              <a:rPr lang="en-US" noProof="0" smtClean="0"/>
-              <a:pPr/>
-              <a:t>‹#›</a:t>
-            </a:fld>
-            <a:endParaRPr lang="en-US" noProof="0" dirty="0"/>
-          </a:p>
-        </p:txBody>
-      </p:sp>
-      <p:pic>
-        <p:nvPicPr>
-          <p:cNvPr id="19" name="Picture Forum" descr="Forum icon">
-            <a:hlinkClick r:id="rId2" tooltip="Software University Discussion Forum"/>
-            <a:extLst>
-              <a:ext uri="{FF2B5EF4-FFF2-40B4-BE49-F238E27FC236}">
-                <a16:creationId xmlns:a16="http://schemas.microsoft.com/office/drawing/2014/main" id="{98C579AD-FAF5-4B28-9B52-5457F1E90061}"/>
-              </a:ext>
-            </a:extLst>
-          </p:cNvPr>
-          <p:cNvPicPr>
-            <a:picLocks noChangeAspect="1"/>
-          </p:cNvPicPr>
-          <p:nvPr userDrawn="1"/>
-        </p:nvPicPr>
-        <p:blipFill>
-          <a:blip r:embed="rId3" cstate="print">
-            <a:extLst>
-              <a:ext uri="{28A0092B-C50C-407E-A947-70E740481C1C}">
-                <a14:useLocalDpi xmlns:a14="http://schemas.microsoft.com/office/drawing/2010/main"/>
-              </a:ext>
-            </a:extLst>
-          </a:blip>
-          <a:stretch>
-            <a:fillRect/>
-          </a:stretch>
-        </p:blipFill>
-        <p:spPr>
-          <a:xfrm>
-            <a:off x="10524350" y="5249556"/>
-            <a:ext cx="970156" cy="965726"/>
-          </a:xfrm>
-          <a:prstGeom prst="rect">
-            <a:avLst/>
-          </a:prstGeom>
-        </p:spPr>
-      </p:pic>
-      <p:pic>
-        <p:nvPicPr>
-          <p:cNvPr id="17" name="Picture Logo FB" descr="Facebook logo">
-            <a:hlinkClick r:id="rId4" tooltip="Software University @ Facebook"/>
-            <a:extLst>
-              <a:ext uri="{FF2B5EF4-FFF2-40B4-BE49-F238E27FC236}">
-                <a16:creationId xmlns:a16="http://schemas.microsoft.com/office/drawing/2014/main" id="{6B2C510E-5EF2-49F6-B926-2BD74CD3C7F8}"/>
-              </a:ext>
-            </a:extLst>
-          </p:cNvPr>
-          <p:cNvPicPr>
-            <a:picLocks noChangeAspect="1" noChangeArrowheads="1"/>
-          </p:cNvPicPr>
-          <p:nvPr userDrawn="1"/>
-        </p:nvPicPr>
-        <p:blipFill rotWithShape="1">
-          <a:blip r:embed="rId5" cstate="print">
-            <a:extLst>
-              <a:ext uri="{28A0092B-C50C-407E-A947-70E740481C1C}">
-                <a14:useLocalDpi xmlns:a14="http://schemas.microsoft.com/office/drawing/2010/main"/>
-              </a:ext>
-            </a:extLst>
-          </a:blip>
-          <a:srcRect/>
-          <a:stretch/>
-        </p:blipFill>
-        <p:spPr bwMode="auto">
-          <a:xfrm>
-            <a:off x="10507451" y="3689937"/>
-            <a:ext cx="1003954" cy="1017562"/>
-          </a:xfrm>
-          <a:prstGeom prst="rect">
-            <a:avLst/>
-          </a:prstGeom>
-          <a:noFill/>
-          <a:extLst>
-            <a:ext uri="{909E8E84-426E-40DD-AFC4-6F175D3DCCD1}">
-              <a14:hiddenFill xmlns:a14="http://schemas.microsoft.com/office/drawing/2010/main">
-                <a:solidFill>
-                  <a:srgbClr val="FFFFFF"/>
-                </a:solidFill>
-              </a14:hiddenFill>
-            </a:ext>
-          </a:extLst>
-        </p:spPr>
-      </p:pic>
-      <p:pic>
-        <p:nvPicPr>
-          <p:cNvPr id="20" name="Picture Logo SoftUni Right" descr="Software University logo">
-            <a:hlinkClick r:id="rId6"/>
-            <a:extLst>
-              <a:ext uri="{FF2B5EF4-FFF2-40B4-BE49-F238E27FC236}">
-                <a16:creationId xmlns:a16="http://schemas.microsoft.com/office/drawing/2014/main" id="{F4604840-E810-44B7-9FF1-3B28CD68B758}"/>
-              </a:ext>
-            </a:extLst>
-          </p:cNvPr>
-          <p:cNvPicPr>
-            <a:picLocks noChangeAspect="1"/>
-          </p:cNvPicPr>
-          <p:nvPr userDrawn="1"/>
-        </p:nvPicPr>
-        <p:blipFill>
-          <a:blip r:embed="rId7">
-            <a:extLst>
-              <a:ext uri="{28A0092B-C50C-407E-A947-70E740481C1C}">
-                <a14:useLocalDpi xmlns:a14="http://schemas.microsoft.com/office/drawing/2010/main" val="0"/>
-              </a:ext>
-            </a:extLst>
-          </a:blip>
-          <a:stretch>
-            <a:fillRect/>
-          </a:stretch>
-        </p:blipFill>
-        <p:spPr>
-          <a:xfrm>
-            <a:off x="10413401" y="1674000"/>
-            <a:ext cx="1192055" cy="1473880"/>
-          </a:xfrm>
-          <a:prstGeom prst="rect">
-            <a:avLst/>
-          </a:prstGeom>
-        </p:spPr>
-      </p:pic>
-      <p:pic>
-        <p:nvPicPr>
-          <p:cNvPr id="16" name="Picture SoftUni Mascot" descr="SoftUni mascot">
-            <a:hlinkClick r:id="rId8"/>
-            <a:extLst>
-              <a:ext uri="{FF2B5EF4-FFF2-40B4-BE49-F238E27FC236}">
-                <a16:creationId xmlns:a16="http://schemas.microsoft.com/office/drawing/2014/main" id="{07C965FA-A87E-4824-AFA8-C67AF548A76A}"/>
-              </a:ext>
-            </a:extLst>
-          </p:cNvPr>
-          <p:cNvPicPr>
-            <a:picLocks noChangeAspect="1"/>
-          </p:cNvPicPr>
-          <p:nvPr/>
-        </p:nvPicPr>
-        <p:blipFill>
-          <a:blip r:embed="rId9">
-            <a:extLst>
-              <a:ext uri="{28A0092B-C50C-407E-A947-70E740481C1C}">
-                <a14:useLocalDpi xmlns:a14="http://schemas.microsoft.com/office/drawing/2010/main" val="0"/>
-              </a:ext>
-            </a:extLst>
-          </a:blip>
-          <a:srcRect/>
-          <a:stretch/>
-        </p:blipFill>
-        <p:spPr>
-          <a:xfrm>
-            <a:off x="7181957" y="2584289"/>
-            <a:ext cx="2732955" cy="3630993"/>
-          </a:xfrm>
-          <a:prstGeom prst="rect">
-            <a:avLst/>
-          </a:prstGeom>
-        </p:spPr>
-      </p:pic>
-      <p:sp>
-        <p:nvSpPr>
-          <p:cNvPr id="12" name="Slide Body Text">
-            <a:extLst>
-              <a:ext uri="{FF2B5EF4-FFF2-40B4-BE49-F238E27FC236}">
-                <a16:creationId xmlns:a16="http://schemas.microsoft.com/office/drawing/2014/main" id="{0C1F9416-8B6E-46DE-973C-777785E27A26}"/>
-              </a:ext>
-            </a:extLst>
-          </p:cNvPr>
-          <p:cNvSpPr>
-            <a:spLocks noGrp="1"/>
-          </p:cNvSpPr>
-          <p:nvPr>
-            <p:ph idx="4294967295" hasCustomPrompt="1"/>
-          </p:nvPr>
-        </p:nvSpPr>
-        <p:spPr>
-          <a:xfrm>
-            <a:off x="152410" y="1186307"/>
-            <a:ext cx="8688590" cy="5496127"/>
-          </a:xfrm>
-        </p:spPr>
-        <p:txBody>
-          <a:bodyPr wrap="square">
-            <a:noAutofit/>
-          </a:bodyPr>
-          <a:lstStyle>
-            <a:lvl1pPr latinLnBrk="0">
-              <a:buClr>
-                <a:schemeClr val="tx1"/>
-              </a:buClr>
-              <a:defRPr sz="2798"/>
-            </a:lvl1pPr>
-            <a:lvl2pPr marL="989981" marR="0" indent="-380762" algn="l" defTabSz="1218438" rtl="0" eaLnBrk="1" fontAlgn="auto" latinLnBrk="1" hangingPunct="1">
-              <a:lnSpc>
-                <a:spcPct val="100000"/>
-              </a:lnSpc>
-              <a:spcBef>
-                <a:spcPts val="600"/>
-              </a:spcBef>
-              <a:spcAft>
-                <a:spcPts val="600"/>
-              </a:spcAft>
-              <a:buClrTx/>
-              <a:buSzTx/>
-              <a:buFont typeface="Wingdings" panose="05000000000000000000" pitchFamily="2" charset="2"/>
-              <a:buChar char="§"/>
-              <a:tabLst>
-                <a:tab pos="282405" algn="l"/>
-              </a:tabLst>
-              <a:defRPr sz="2800"/>
-            </a:lvl2pPr>
-            <a:lvl3pPr>
-              <a:buClr>
-                <a:schemeClr val="tx1"/>
-              </a:buClr>
-              <a:defRPr/>
-            </a:lvl3pPr>
-          </a:lstStyle>
-          <a:p>
-            <a:r>
-              <a:rPr lang="en-US" sz="3000" noProof="0" dirty="0"/>
-              <a:t>Software University – High-Quality Education, Profession and Job for Software Developers</a:t>
-            </a:r>
-          </a:p>
-          <a:p>
-            <a:pPr lvl="1"/>
-            <a:r>
-              <a:rPr lang="en-US" noProof="1">
-                <a:hlinkClick r:id="rId8"/>
-              </a:rPr>
-              <a:t>softuni.bg</a:t>
-            </a:r>
-            <a:r>
-              <a:rPr lang="en-US" noProof="1"/>
-              <a:t> </a:t>
-            </a:r>
-          </a:p>
-          <a:p>
-            <a:r>
-              <a:rPr lang="en-US" sz="3000" noProof="0" dirty="0"/>
-              <a:t>Software University Foundation</a:t>
-            </a:r>
-          </a:p>
-          <a:p>
-            <a:pPr lvl="1"/>
-            <a:r>
-              <a:rPr lang="en-US" noProof="1">
-                <a:hlinkClick r:id="rId10"/>
-              </a:rPr>
-              <a:t>softuni.foundation</a:t>
-            </a:r>
-            <a:endParaRPr lang="en-US" noProof="1"/>
-          </a:p>
-          <a:p>
-            <a:r>
-              <a:rPr lang="en-US" sz="3000" noProof="0" dirty="0"/>
-              <a:t>Software University @ Facebook</a:t>
-            </a:r>
-          </a:p>
-          <a:p>
-            <a:pPr lvl="1"/>
-            <a:r>
-              <a:rPr lang="en-US" noProof="1">
-                <a:hlinkClick r:id="rId4"/>
-              </a:rPr>
-              <a:t>facebook.com/SoftwareUniversity</a:t>
-            </a:r>
-            <a:endParaRPr lang="en-US" noProof="1"/>
-          </a:p>
-          <a:p>
-            <a:r>
-              <a:rPr lang="en-US" sz="3000" noProof="0" dirty="0"/>
-              <a:t>Software University Forums</a:t>
-            </a:r>
-          </a:p>
-          <a:p>
-            <a:pPr lvl="1"/>
-            <a:r>
-              <a:rPr lang="en-US" noProof="1">
-                <a:hlinkClick r:id="rId2"/>
-              </a:rPr>
-              <a:t>forum.softuni.bg</a:t>
-            </a:r>
-            <a:endParaRPr lang="en-US" noProof="1"/>
-          </a:p>
-        </p:txBody>
-      </p:sp>
-      <p:sp>
-        <p:nvSpPr>
-          <p:cNvPr id="10" name="Rectangle Top">
-            <a:extLst>
-              <a:ext uri="{FF2B5EF4-FFF2-40B4-BE49-F238E27FC236}">
-                <a16:creationId xmlns:a16="http://schemas.microsoft.com/office/drawing/2014/main" id="{86646B95-5E3B-4DE8-9118-031C2C296D8C}"/>
-              </a:ext>
-            </a:extLst>
-          </p:cNvPr>
-          <p:cNvSpPr/>
-          <p:nvPr userDrawn="1"/>
-        </p:nvSpPr>
-        <p:spPr>
-          <a:xfrm>
-            <a:off x="0" y="0"/>
-            <a:ext cx="12195176" cy="1095376"/>
-          </a:xfrm>
-          <a:prstGeom prst="rect">
-            <a:avLst/>
-          </a:prstGeom>
-          <a:solidFill>
-            <a:schemeClr val="tx2"/>
-          </a:solidFill>
-          <a:ln>
-            <a:noFill/>
-          </a:ln>
-        </p:spPr>
-        <p:style>
-          <a:lnRef idx="2">
-            <a:schemeClr val="accent1">
-              <a:shade val="50000"/>
-            </a:schemeClr>
-          </a:lnRef>
-          <a:fillRef idx="1">
-            <a:schemeClr val="accent1"/>
-          </a:fillRef>
-          <a:effectRef idx="0">
-            <a:schemeClr val="accent1"/>
-          </a:effectRef>
-          <a:fontRef idx="minor">
-            <a:schemeClr val="lt1"/>
-          </a:fontRef>
-        </p:style>
-        <p:txBody>
-          <a:bodyPr rtlCol="0" anchor="ctr"/>
-          <a:lstStyle/>
-          <a:p>
-            <a:pPr marL="0" marR="0" lvl="0" indent="0" algn="ctr" defTabSz="913852" rtl="0" eaLnBrk="1" fontAlgn="auto" latinLnBrk="0" hangingPunct="1">
-              <a:lnSpc>
-                <a:spcPct val="100000"/>
-              </a:lnSpc>
-              <a:spcBef>
-                <a:spcPts val="0"/>
-              </a:spcBef>
-              <a:spcAft>
-                <a:spcPts val="0"/>
-              </a:spcAft>
-              <a:buClrTx/>
-              <a:buSzTx/>
-              <a:buFontTx/>
-              <a:buNone/>
-              <a:tabLst/>
-              <a:defRPr/>
-            </a:pPr>
-            <a:endParaRPr kumimoji="0" lang="en-US" altLang="ko-KR" sz="2398" b="0" i="0" u="none" strike="noStrike" kern="1200" cap="none" spc="0" normalizeH="0" baseline="0" noProof="0" dirty="0">
-              <a:ln>
-                <a:noFill/>
-              </a:ln>
-              <a:solidFill>
-                <a:srgbClr val="F7C86D"/>
-              </a:solidFill>
-              <a:effectLst/>
-              <a:uLnTx/>
-              <a:uFillTx/>
-              <a:latin typeface="Calibri" panose="020F0502020204030204"/>
-              <a:ea typeface="맑은 고딕" panose="020B0503020000020004" pitchFamily="34" charset="-127"/>
-              <a:cs typeface="+mn-cs"/>
-            </a:endParaRPr>
-          </a:p>
-        </p:txBody>
-      </p:sp>
-      <p:pic>
-        <p:nvPicPr>
-          <p:cNvPr id="11" name="Logo Software University" descr="Software University logo">
-            <a:extLst>
-              <a:ext uri="{FF2B5EF4-FFF2-40B4-BE49-F238E27FC236}">
-                <a16:creationId xmlns:a16="http://schemas.microsoft.com/office/drawing/2014/main" id="{58AB1944-B146-4E89-B2D9-426EB610F319}"/>
-              </a:ext>
-            </a:extLst>
-          </p:cNvPr>
-          <p:cNvPicPr>
-            <a:picLocks noChangeAspect="1"/>
-          </p:cNvPicPr>
-          <p:nvPr userDrawn="1"/>
-        </p:nvPicPr>
-        <p:blipFill>
-          <a:blip r:embed="rId11">
-            <a:extLst>
-              <a:ext uri="{28A0092B-C50C-407E-A947-70E740481C1C}">
-                <a14:useLocalDpi xmlns:a14="http://schemas.microsoft.com/office/drawing/2010/main" val="0"/>
-              </a:ext>
-            </a:extLst>
-          </a:blip>
-          <a:stretch>
-            <a:fillRect/>
-          </a:stretch>
-        </p:blipFill>
-        <p:spPr>
-          <a:xfrm>
-            <a:off x="10067957" y="253936"/>
-            <a:ext cx="1915704" cy="559235"/>
-          </a:xfrm>
-          <a:prstGeom prst="rect">
-            <a:avLst/>
-          </a:prstGeom>
-        </p:spPr>
-      </p:pic>
-      <p:sp>
-        <p:nvSpPr>
-          <p:cNvPr id="18" name="Slide Title">
-            <a:extLst>
-              <a:ext uri="{FF2B5EF4-FFF2-40B4-BE49-F238E27FC236}">
-                <a16:creationId xmlns:a16="http://schemas.microsoft.com/office/drawing/2014/main" id="{AE87ED9C-76E1-4D85-9B06-3AF44AABB668}"/>
-              </a:ext>
-            </a:extLst>
-          </p:cNvPr>
-          <p:cNvSpPr>
-            <a:spLocks noGrp="1"/>
-          </p:cNvSpPr>
-          <p:nvPr>
-            <p:ph type="title" hasCustomPrompt="1"/>
-          </p:nvPr>
-        </p:nvSpPr>
-        <p:spPr>
-          <a:xfrm>
-            <a:off x="172286" y="108873"/>
-            <a:ext cx="9742626" cy="882654"/>
-          </a:xfrm>
-        </p:spPr>
-        <p:txBody>
-          <a:bodyPr/>
-          <a:lstStyle>
-            <a:lvl1pPr latinLnBrk="0">
-              <a:defRPr>
-                <a:solidFill>
-                  <a:schemeClr val="bg2"/>
-                </a:solidFill>
-              </a:defRPr>
-            </a:lvl1pPr>
-          </a:lstStyle>
-          <a:p>
-            <a:r>
-              <a:rPr lang="en-US" noProof="0" dirty="0"/>
-              <a:t>Trainings @ Software University (SoftUni)</a:t>
-            </a:r>
-          </a:p>
-        </p:txBody>
-      </p:sp>
-    </p:spTree>
-    <p:extLst>
-      <p:ext uri="{BB962C8B-B14F-4D97-AF65-F5344CB8AC3E}">
-        <p14:creationId xmlns:p14="http://schemas.microsoft.com/office/powerpoint/2010/main" val="2196466322"/>
-      </p:ext>
-    </p:extLst>
-  </p:cSld>
-  <p:clrMapOvr>
-    <a:masterClrMapping/>
-  </p:clrMapOvr>
-  <mc:AlternateContent xmlns:mc="http://schemas.openxmlformats.org/markup-compatibility/2006" xmlns:p14="http://schemas.microsoft.com/office/powerpoint/2010/main">
-    <mc:Choice Requires="p14">
-      <p:transition spd="slow" p14:dur="2000" advClick="0" advTm="5000"/>
-    </mc:Choice>
-    <mc:Fallback xmlns="">
-      <p:transition spd="slow" advClick="0" advTm="5000"/>
-    </mc:Fallback>
-  </mc:AlternateContent>
 </p:sldLayout>
 </file>
 
@@ -6656,7 +5462,7 @@
               <a:tabLst/>
               <a:defRPr/>
             </a:pPr>
-            <a:endParaRPr kumimoji="0" lang="en-US" altLang="ko-KR" sz="2398" b="0" i="0" u="none" strike="noStrike" kern="1200" cap="none" spc="0" normalizeH="0" baseline="0" noProof="0" dirty="0">
+            <a:endParaRPr kumimoji="0" lang="en-US" altLang="ko-KR" sz="2398" b="0" i="0" u="none" strike="noStrike" kern="1200" cap="none" spc="0" normalizeH="0" baseline="0" noProof="0">
               <a:ln>
                 <a:noFill/>
               </a:ln>
@@ -6984,7 +5790,7 @@
               <a:tabLst/>
               <a:defRPr/>
             </a:pPr>
-            <a:endParaRPr kumimoji="0" lang="en-US" altLang="ko-KR" sz="2398" b="0" i="0" u="none" strike="noStrike" kern="1200" cap="none" spc="0" normalizeH="0" baseline="0" noProof="0" dirty="0">
+            <a:endParaRPr kumimoji="0" lang="en-US" altLang="ko-KR" sz="2398" b="0" i="0" u="none" strike="noStrike" kern="1200" cap="none" spc="0" normalizeH="0" baseline="0" noProof="0">
               <a:ln>
                 <a:noFill/>
               </a:ln>
@@ -7001,42 +5807,6 @@
           </a:p>
         </p:txBody>
       </p:sp>
-      <p:pic>
-        <p:nvPicPr>
-          <p:cNvPr id="12" name="Logo Software University" descr="Software University logo">
-            <a:extLst>
-              <a:ext uri="{FF2B5EF4-FFF2-40B4-BE49-F238E27FC236}">
-                <a16:creationId xmlns:a16="http://schemas.microsoft.com/office/drawing/2014/main" id="{B1D3B425-B9BF-43ED-9DEC-C05002FBA22F}"/>
-              </a:ext>
-            </a:extLst>
-          </p:cNvPr>
-          <p:cNvPicPr>
-            <a:picLocks noChangeAspect="1"/>
-          </p:cNvPicPr>
-          <p:nvPr userDrawn="1"/>
-        </p:nvPicPr>
-        <p:blipFill>
-          <a:blip r:embed="rId2">
-            <a:extLst>
-              <a:ext uri="{28A0092B-C50C-407E-A947-70E740481C1C}">
-                <a14:useLocalDpi xmlns:a14="http://schemas.microsoft.com/office/drawing/2010/main" val="0"/>
-              </a:ext>
-            </a:extLst>
-          </a:blip>
-          <a:stretch>
-            <a:fillRect/>
-          </a:stretch>
-        </p:blipFill>
-        <p:spPr>
-          <a:xfrm>
-            <a:off x="10067957" y="253936"/>
-            <a:ext cx="1915704" cy="559235"/>
-          </a:xfrm>
-          <a:prstGeom prst="rect">
-            <a:avLst/>
-          </a:prstGeom>
-        </p:spPr>
-      </p:pic>
       <p:sp>
         <p:nvSpPr>
           <p:cNvPr id="6" name="Slide Title">
@@ -7056,7 +5826,7 @@
         <p:spPr>
           <a:xfrm>
             <a:off x="190406" y="100750"/>
-            <a:ext cx="9715594" cy="882654"/>
+            <a:ext cx="10270594" cy="882654"/>
           </a:xfrm>
         </p:spPr>
         <p:txBody>
@@ -7078,6 +5848,42 @@
           </a:p>
         </p:txBody>
       </p:sp>
+      <p:pic>
+        <p:nvPicPr>
+          <p:cNvPr id="4" name="Picture 3">
+            <a:extLst>
+              <a:ext uri="{FF2B5EF4-FFF2-40B4-BE49-F238E27FC236}">
+                <a16:creationId xmlns:a16="http://schemas.microsoft.com/office/drawing/2014/main" id="{4B9A1D0F-F579-6A3C-C698-4E2E7F1AB265}"/>
+              </a:ext>
+            </a:extLst>
+          </p:cNvPr>
+          <p:cNvPicPr>
+            <a:picLocks noChangeAspect="1"/>
+          </p:cNvPicPr>
+          <p:nvPr userDrawn="1"/>
+        </p:nvPicPr>
+        <p:blipFill>
+          <a:blip r:embed="rId2" cstate="print">
+            <a:extLst>
+              <a:ext uri="{28A0092B-C50C-407E-A947-70E740481C1C}">
+                <a14:useLocalDpi xmlns:a14="http://schemas.microsoft.com/office/drawing/2010/main" val="0"/>
+              </a:ext>
+            </a:extLst>
+          </a:blip>
+          <a:stretch>
+            <a:fillRect/>
+          </a:stretch>
+        </p:blipFill>
+        <p:spPr>
+          <a:xfrm>
+            <a:off x="10553573" y="368999"/>
+            <a:ext cx="1443361" cy="360001"/>
+          </a:xfrm>
+          <a:prstGeom prst="rect">
+            <a:avLst/>
+          </a:prstGeom>
+        </p:spPr>
+      </p:pic>
     </p:spTree>
     <p:extLst>
       <p:ext uri="{BB962C8B-B14F-4D97-AF65-F5344CB8AC3E}">
@@ -7100,371 +5906,6 @@
 </file>
 
 <file path=ppt/slideLayouts/slideLayout4.xml><?xml version="1.0" encoding="utf-8"?>
-<p:sldLayout xmlns:a="http://schemas.openxmlformats.org/drawingml/2006/main" xmlns:r="http://schemas.openxmlformats.org/officeDocument/2006/relationships" xmlns:p="http://schemas.openxmlformats.org/presentationml/2006/main" preserve="1" userDrawn="1">
-  <p:cSld name="Table of Contents">
-    <p:spTree>
-      <p:nvGrpSpPr>
-        <p:cNvPr id="1" name=""/>
-        <p:cNvGrpSpPr/>
-        <p:nvPr/>
-      </p:nvGrpSpPr>
-      <p:grpSpPr>
-        <a:xfrm>
-          <a:off x="0" y="0"/>
-          <a:ext cx="0" cy="0"/>
-          <a:chOff x="0" y="0"/>
-          <a:chExt cx="0" cy="0"/>
-        </a:xfrm>
-      </p:grpSpPr>
-      <p:sp>
-        <p:nvSpPr>
-          <p:cNvPr id="10" name="Slide Number">
-            <a:extLst>
-              <a:ext uri="{FF2B5EF4-FFF2-40B4-BE49-F238E27FC236}">
-                <a16:creationId xmlns:a16="http://schemas.microsoft.com/office/drawing/2014/main" id="{39DDE17E-5472-41F3-AF5F-54DFF10DC63C}"/>
-              </a:ext>
-            </a:extLst>
-          </p:cNvPr>
-          <p:cNvSpPr>
-            <a:spLocks noGrp="1"/>
-          </p:cNvSpPr>
-          <p:nvPr>
-            <p:ph type="sldNum" sz="quarter" idx="4"/>
-          </p:nvPr>
-        </p:nvSpPr>
-        <p:spPr>
-          <a:xfrm>
-            <a:off x="11753030" y="6507000"/>
-            <a:ext cx="367414" cy="297000"/>
-          </a:xfrm>
-          <a:prstGeom prst="rect">
-            <a:avLst/>
-          </a:prstGeom>
-        </p:spPr>
-        <p:txBody>
-          <a:bodyPr vert="horz" lIns="91440" tIns="45720" rIns="91440" bIns="45720" rtlCol="0" anchor="b"/>
-          <a:lstStyle>
-            <a:lvl1pPr algn="r">
-              <a:defRPr sz="1000"/>
-            </a:lvl1pPr>
-          </a:lstStyle>
-          <a:p>
-            <a:fld id="{2BF067CD-8E6B-4360-9AA8-C5DF2A48A6D1}" type="slidenum">
-              <a:rPr lang="en-US" noProof="0" smtClean="0"/>
-              <a:pPr/>
-              <a:t>‹#›</a:t>
-            </a:fld>
-            <a:endParaRPr lang="en-US" noProof="0" dirty="0"/>
-          </a:p>
-        </p:txBody>
-      </p:sp>
-      <p:pic>
-        <p:nvPicPr>
-          <p:cNvPr id="9" name="Picture SoftUni Mascot" descr="SoftUni mascot with laptop">
-            <a:extLst>
-              <a:ext uri="{FF2B5EF4-FFF2-40B4-BE49-F238E27FC236}">
-                <a16:creationId xmlns:a16="http://schemas.microsoft.com/office/drawing/2014/main" id="{DC4365F6-D2C1-47B4-8477-38FD2C7711AA}"/>
-              </a:ext>
-            </a:extLst>
-          </p:cNvPr>
-          <p:cNvPicPr>
-            <a:picLocks noChangeAspect="1"/>
-          </p:cNvPicPr>
-          <p:nvPr/>
-        </p:nvPicPr>
-        <p:blipFill>
-          <a:blip r:embed="rId2" cstate="print">
-            <a:extLst>
-              <a:ext uri="{28A0092B-C50C-407E-A947-70E740481C1C}">
-                <a14:useLocalDpi xmlns:a14="http://schemas.microsoft.com/office/drawing/2010/main" val="0"/>
-              </a:ext>
-            </a:extLst>
-          </a:blip>
-          <a:stretch>
-            <a:fillRect/>
-          </a:stretch>
-        </p:blipFill>
-        <p:spPr>
-          <a:xfrm flipH="1">
-            <a:off x="9516000" y="3408496"/>
-            <a:ext cx="2251057" cy="3044431"/>
-          </a:xfrm>
-          <a:prstGeom prst="rect">
-            <a:avLst/>
-          </a:prstGeom>
-        </p:spPr>
-      </p:pic>
-      <p:sp>
-        <p:nvSpPr>
-          <p:cNvPr id="23" name="Slide Body Text">
-            <a:extLst>
-              <a:ext uri="{FF2B5EF4-FFF2-40B4-BE49-F238E27FC236}">
-                <a16:creationId xmlns:a16="http://schemas.microsoft.com/office/drawing/2014/main" id="{889D93F4-ABFA-46BF-8E5D-FE6562ACB20F}"/>
-              </a:ext>
-            </a:extLst>
-          </p:cNvPr>
-          <p:cNvSpPr>
-            <a:spLocks noGrp="1"/>
-          </p:cNvSpPr>
-          <p:nvPr>
-            <p:ph type="body" sz="quarter" idx="13" hasCustomPrompt="1"/>
-          </p:nvPr>
-        </p:nvSpPr>
-        <p:spPr>
-          <a:xfrm>
-            <a:off x="196766" y="1371604"/>
-            <a:ext cx="9049234" cy="5207396"/>
-          </a:xfrm>
-        </p:spPr>
-        <p:txBody>
-          <a:bodyPr>
-            <a:normAutofit/>
-          </a:bodyPr>
-          <a:lstStyle>
-            <a:lvl1pPr marL="514042" indent="-514042" latinLnBrk="0">
-              <a:buFont typeface="+mj-lt"/>
-              <a:buAutoNum type="arabicPeriod"/>
-              <a:defRPr sz="3600">
-                <a:solidFill>
-                  <a:schemeClr val="tx1"/>
-                </a:solidFill>
-              </a:defRPr>
-            </a:lvl1pPr>
-            <a:lvl2pPr>
-              <a:defRPr sz="3400"/>
-            </a:lvl2pPr>
-          </a:lstStyle>
-          <a:p>
-            <a:pPr lvl="0"/>
-            <a:r>
-              <a:rPr lang="en-US" noProof="0"/>
-              <a:t>…</a:t>
-            </a:r>
-          </a:p>
-          <a:p>
-            <a:pPr lvl="1"/>
-            <a:r>
-              <a:rPr lang="en-US" noProof="0"/>
-              <a:t>…</a:t>
-            </a:r>
-          </a:p>
-          <a:p>
-            <a:pPr lvl="1"/>
-            <a:r>
-              <a:rPr lang="en-US" noProof="0"/>
-              <a:t>…</a:t>
-            </a:r>
-          </a:p>
-          <a:p>
-            <a:pPr lvl="0"/>
-            <a:r>
-              <a:rPr lang="en-US" noProof="0"/>
-              <a:t>…</a:t>
-            </a:r>
-          </a:p>
-          <a:p>
-            <a:pPr lvl="1"/>
-            <a:r>
-              <a:rPr lang="en-US" noProof="0"/>
-              <a:t>…</a:t>
-            </a:r>
-          </a:p>
-          <a:p>
-            <a:pPr lvl="1"/>
-            <a:r>
-              <a:rPr lang="en-US" noProof="0"/>
-              <a:t>…</a:t>
-            </a:r>
-          </a:p>
-          <a:p>
-            <a:pPr lvl="0"/>
-            <a:r>
-              <a:rPr lang="en-US" noProof="0"/>
-              <a:t>…</a:t>
-            </a:r>
-          </a:p>
-        </p:txBody>
-      </p:sp>
-      <p:sp>
-        <p:nvSpPr>
-          <p:cNvPr id="8" name="Rectangle Top">
-            <a:extLst>
-              <a:ext uri="{FF2B5EF4-FFF2-40B4-BE49-F238E27FC236}">
-                <a16:creationId xmlns:a16="http://schemas.microsoft.com/office/drawing/2014/main" id="{930E0800-9260-4369-8330-8264DD33C5CE}"/>
-              </a:ext>
-            </a:extLst>
-          </p:cNvPr>
-          <p:cNvSpPr/>
-          <p:nvPr userDrawn="1"/>
-        </p:nvSpPr>
-        <p:spPr>
-          <a:xfrm>
-            <a:off x="0" y="0"/>
-            <a:ext cx="12196800" cy="1095376"/>
-          </a:xfrm>
-          <a:prstGeom prst="rect">
-            <a:avLst/>
-          </a:prstGeom>
-          <a:solidFill>
-            <a:schemeClr val="tx2"/>
-          </a:solidFill>
-          <a:ln>
-            <a:noFill/>
-          </a:ln>
-        </p:spPr>
-        <p:style>
-          <a:lnRef idx="2">
-            <a:schemeClr val="accent1">
-              <a:shade val="50000"/>
-            </a:schemeClr>
-          </a:lnRef>
-          <a:fillRef idx="1">
-            <a:schemeClr val="accent1"/>
-          </a:fillRef>
-          <a:effectRef idx="0">
-            <a:schemeClr val="accent1"/>
-          </a:effectRef>
-          <a:fontRef idx="minor">
-            <a:schemeClr val="lt1"/>
-          </a:fontRef>
-        </p:style>
-        <p:txBody>
-          <a:bodyPr rtlCol="0" anchor="ctr"/>
-          <a:lstStyle/>
-          <a:p>
-            <a:pPr marL="0" marR="0" lvl="0" indent="0" algn="ctr" defTabSz="913852" rtl="0" eaLnBrk="1" fontAlgn="auto" latinLnBrk="0" hangingPunct="1">
-              <a:lnSpc>
-                <a:spcPct val="100000"/>
-              </a:lnSpc>
-              <a:spcBef>
-                <a:spcPts val="0"/>
-              </a:spcBef>
-              <a:spcAft>
-                <a:spcPts val="0"/>
-              </a:spcAft>
-              <a:buClrTx/>
-              <a:buSzTx/>
-              <a:buFontTx/>
-              <a:buNone/>
-              <a:tabLst/>
-              <a:defRPr/>
-            </a:pPr>
-            <a:endParaRPr kumimoji="0" lang="en-US" altLang="ko-KR" sz="2398" b="0" i="0" u="none" strike="noStrike" kern="1200" cap="none" spc="0" normalizeH="0" baseline="0" noProof="0" dirty="0">
-              <a:ln>
-                <a:noFill/>
-              </a:ln>
-              <a:solidFill>
-                <a:srgbClr val="F7C86D"/>
-              </a:solidFill>
-              <a:effectLst/>
-              <a:uLnTx/>
-              <a:uFillTx/>
-              <a:latin typeface="Calibri" panose="020F0502020204030204"/>
-              <a:ea typeface="맑은 고딕" panose="020B0503020000020004" pitchFamily="34" charset="-127"/>
-              <a:cs typeface="+mn-cs"/>
-            </a:endParaRPr>
-          </a:p>
-        </p:txBody>
-      </p:sp>
-      <p:pic>
-        <p:nvPicPr>
-          <p:cNvPr id="11" name="Logo Software University" descr="Software University logo">
-            <a:extLst>
-              <a:ext uri="{FF2B5EF4-FFF2-40B4-BE49-F238E27FC236}">
-                <a16:creationId xmlns:a16="http://schemas.microsoft.com/office/drawing/2014/main" id="{14F779A7-4A91-448B-BEFA-956C70A1C22F}"/>
-              </a:ext>
-            </a:extLst>
-          </p:cNvPr>
-          <p:cNvPicPr>
-            <a:picLocks noChangeAspect="1"/>
-          </p:cNvPicPr>
-          <p:nvPr userDrawn="1"/>
-        </p:nvPicPr>
-        <p:blipFill>
-          <a:blip r:embed="rId3">
-            <a:extLst>
-              <a:ext uri="{28A0092B-C50C-407E-A947-70E740481C1C}">
-                <a14:useLocalDpi xmlns:a14="http://schemas.microsoft.com/office/drawing/2010/main" val="0"/>
-              </a:ext>
-            </a:extLst>
-          </a:blip>
-          <a:stretch>
-            <a:fillRect/>
-          </a:stretch>
-        </p:blipFill>
-        <p:spPr>
-          <a:xfrm>
-            <a:off x="10067957" y="253936"/>
-            <a:ext cx="1915704" cy="559235"/>
-          </a:xfrm>
-          <a:prstGeom prst="rect">
-            <a:avLst/>
-          </a:prstGeom>
-        </p:spPr>
-      </p:pic>
-      <p:sp>
-        <p:nvSpPr>
-          <p:cNvPr id="13" name="Slide Title">
-            <a:extLst>
-              <a:ext uri="{FF2B5EF4-FFF2-40B4-BE49-F238E27FC236}">
-                <a16:creationId xmlns:a16="http://schemas.microsoft.com/office/drawing/2014/main" id="{357D7BE1-6358-42CC-94F3-7BCDD91DCB6D}"/>
-              </a:ext>
-            </a:extLst>
-          </p:cNvPr>
-          <p:cNvSpPr>
-            <a:spLocks noGrp="1"/>
-          </p:cNvSpPr>
-          <p:nvPr>
-            <p:ph type="title" hasCustomPrompt="1"/>
-          </p:nvPr>
-        </p:nvSpPr>
-        <p:spPr>
-          <a:xfrm>
-            <a:off x="190406" y="100750"/>
-            <a:ext cx="9715594" cy="882654"/>
-          </a:xfrm>
-        </p:spPr>
-        <p:txBody>
-          <a:bodyPr/>
-          <a:lstStyle>
-            <a:lvl1pPr latinLnBrk="0">
-              <a:defRPr>
-                <a:solidFill>
-                  <a:schemeClr val="bg2"/>
-                </a:solidFill>
-              </a:defRPr>
-            </a:lvl1pPr>
-          </a:lstStyle>
-          <a:p>
-            <a:r>
-              <a:rPr lang="en-US" noProof="0" dirty="0"/>
-              <a:t>Table of Contents</a:t>
-            </a:r>
-          </a:p>
-        </p:txBody>
-      </p:sp>
-    </p:spTree>
-    <p:extLst>
-      <p:ext uri="{BB962C8B-B14F-4D97-AF65-F5344CB8AC3E}">
-        <p14:creationId xmlns:p14="http://schemas.microsoft.com/office/powerpoint/2010/main" val="1028724482"/>
-      </p:ext>
-    </p:extLst>
-  </p:cSld>
-  <p:clrMapOvr>
-    <a:masterClrMapping/>
-  </p:clrMapOvr>
-  <mc:AlternateContent xmlns:mc="http://schemas.openxmlformats.org/markup-compatibility/2006" xmlns:p14="http://schemas.microsoft.com/office/powerpoint/2010/main">
-    <mc:Choice Requires="p14">
-      <p:transition spd="slow" p14:dur="2000" advClick="0" advTm="5000"/>
-    </mc:Choice>
-    <mc:Fallback xmlns="">
-      <p:transition spd="slow" advClick="0" advTm="5000"/>
-    </mc:Fallback>
-  </mc:AlternateContent>
-</p:sldLayout>
-</file>
-
-<file path=ppt/slideLayouts/slideLayout5.xml><?xml version="1.0" encoding="utf-8"?>
 <p:sldLayout xmlns:a="http://schemas.openxmlformats.org/drawingml/2006/main" xmlns:r="http://schemas.openxmlformats.org/officeDocument/2006/relationships" xmlns:p="http://schemas.openxmlformats.org/presentationml/2006/main" preserve="1" userDrawn="1">
   <p:cSld name="Important Concept">
     <p:spTree>
@@ -7735,52 +6176,6 @@
           </a:p>
         </p:txBody>
       </p:sp>
-      <p:pic>
-        <p:nvPicPr>
-          <p:cNvPr id="3" name="Logo Software University" descr="Software University logo">
-            <a:extLst>
-              <a:ext uri="{FF2B5EF4-FFF2-40B4-BE49-F238E27FC236}">
-                <a16:creationId xmlns:a16="http://schemas.microsoft.com/office/drawing/2014/main" id="{5573C101-930B-47AC-967A-A64513DFFDEE}"/>
-              </a:ext>
-            </a:extLst>
-          </p:cNvPr>
-          <p:cNvPicPr>
-            <a:picLocks noChangeAspect="1"/>
-          </p:cNvPicPr>
-          <p:nvPr userDrawn="1"/>
-        </p:nvPicPr>
-        <p:blipFill>
-          <a:blip r:embed="rId3">
-            <a:clrChange>
-              <a:clrFrom>
-                <a:srgbClr val="FFFFFF"/>
-              </a:clrFrom>
-              <a:clrTo>
-                <a:srgbClr val="FFFFFF">
-                  <a:alpha val="0"/>
-                </a:srgbClr>
-              </a:clrTo>
-            </a:clrChange>
-            <a:extLst>
-              <a:ext uri="{28A0092B-C50C-407E-A947-70E740481C1C}">
-                <a14:useLocalDpi xmlns:a14="http://schemas.microsoft.com/office/drawing/2010/main" val="0"/>
-              </a:ext>
-            </a:extLst>
-          </a:blip>
-          <a:stretch>
-            <a:fillRect/>
-          </a:stretch>
-        </p:blipFill>
-        <p:spPr>
-          <a:xfrm>
-            <a:off x="10008761" y="190267"/>
-            <a:ext cx="2013336" cy="690975"/>
-          </a:xfrm>
-          <a:prstGeom prst="rect">
-            <a:avLst/>
-          </a:prstGeom>
-        </p:spPr>
-      </p:pic>
       <p:sp>
         <p:nvSpPr>
           <p:cNvPr id="8" name="Slide Title">
@@ -7799,8 +6194,8 @@
         </p:nvSpPr>
         <p:spPr>
           <a:xfrm>
-            <a:off x="1296957" y="100750"/>
-            <a:ext cx="8625520" cy="882654"/>
+            <a:off x="1296956" y="100750"/>
+            <a:ext cx="9164044" cy="882654"/>
           </a:xfrm>
         </p:spPr>
         <p:txBody>
@@ -7818,6 +6213,42 @@
           </a:p>
         </p:txBody>
       </p:sp>
+      <p:pic>
+        <p:nvPicPr>
+          <p:cNvPr id="2" name="Picture 1">
+            <a:extLst>
+              <a:ext uri="{FF2B5EF4-FFF2-40B4-BE49-F238E27FC236}">
+                <a16:creationId xmlns:a16="http://schemas.microsoft.com/office/drawing/2014/main" id="{78CA5371-2597-CF8F-1859-226395807433}"/>
+              </a:ext>
+            </a:extLst>
+          </p:cNvPr>
+          <p:cNvPicPr>
+            <a:picLocks noChangeAspect="1"/>
+          </p:cNvPicPr>
+          <p:nvPr userDrawn="1"/>
+        </p:nvPicPr>
+        <p:blipFill>
+          <a:blip r:embed="rId3" cstate="print">
+            <a:extLst>
+              <a:ext uri="{28A0092B-C50C-407E-A947-70E740481C1C}">
+                <a14:useLocalDpi xmlns:a14="http://schemas.microsoft.com/office/drawing/2010/main" val="0"/>
+              </a:ext>
+            </a:extLst>
+          </a:blip>
+          <a:stretch>
+            <a:fillRect/>
+          </a:stretch>
+        </p:blipFill>
+        <p:spPr>
+          <a:xfrm>
+            <a:off x="10551877" y="362077"/>
+            <a:ext cx="1443357" cy="360000"/>
+          </a:xfrm>
+          <a:prstGeom prst="rect">
+            <a:avLst/>
+          </a:prstGeom>
+        </p:spPr>
+      </p:pic>
     </p:spTree>
     <p:extLst>
       <p:ext uri="{BB962C8B-B14F-4D97-AF65-F5344CB8AC3E}">
@@ -7839,7 +6270,7 @@
 </p:sldLayout>
 </file>
 
-<file path=ppt/slideLayouts/slideLayout6.xml><?xml version="1.0" encoding="utf-8"?>
+<file path=ppt/slideLayouts/slideLayout5.xml><?xml version="1.0" encoding="utf-8"?>
 <p:sldLayout xmlns:a="http://schemas.openxmlformats.org/drawingml/2006/main" xmlns:r="http://schemas.openxmlformats.org/officeDocument/2006/relationships" xmlns:p="http://schemas.openxmlformats.org/presentationml/2006/main" preserve="1">
   <p:cSld name="Important Example">
     <p:spTree>
@@ -8116,52 +6547,6 @@
           </a:p>
         </p:txBody>
       </p:sp>
-      <p:pic>
-        <p:nvPicPr>
-          <p:cNvPr id="16" name="Logo Software University" descr="Software University logo">
-            <a:extLst>
-              <a:ext uri="{FF2B5EF4-FFF2-40B4-BE49-F238E27FC236}">
-                <a16:creationId xmlns:a16="http://schemas.microsoft.com/office/drawing/2014/main" id="{EFEBB553-EACE-4B4F-8B4F-7629FDD910A4}"/>
-              </a:ext>
-            </a:extLst>
-          </p:cNvPr>
-          <p:cNvPicPr>
-            <a:picLocks noChangeAspect="1"/>
-          </p:cNvPicPr>
-          <p:nvPr userDrawn="1"/>
-        </p:nvPicPr>
-        <p:blipFill>
-          <a:blip r:embed="rId3">
-            <a:clrChange>
-              <a:clrFrom>
-                <a:srgbClr val="FFFFFF"/>
-              </a:clrFrom>
-              <a:clrTo>
-                <a:srgbClr val="FFFFFF">
-                  <a:alpha val="0"/>
-                </a:srgbClr>
-              </a:clrTo>
-            </a:clrChange>
-            <a:extLst>
-              <a:ext uri="{28A0092B-C50C-407E-A947-70E740481C1C}">
-                <a14:useLocalDpi xmlns:a14="http://schemas.microsoft.com/office/drawing/2010/main" val="0"/>
-              </a:ext>
-            </a:extLst>
-          </a:blip>
-          <a:stretch>
-            <a:fillRect/>
-          </a:stretch>
-        </p:blipFill>
-        <p:spPr>
-          <a:xfrm>
-            <a:off x="10008761" y="190267"/>
-            <a:ext cx="2013336" cy="690975"/>
-          </a:xfrm>
-          <a:prstGeom prst="rect">
-            <a:avLst/>
-          </a:prstGeom>
-        </p:spPr>
-      </p:pic>
       <p:sp>
         <p:nvSpPr>
           <p:cNvPr id="13" name="Slide Title">
@@ -8180,8 +6565,8 @@
         </p:nvSpPr>
         <p:spPr>
           <a:xfrm>
-            <a:off x="1296957" y="100750"/>
-            <a:ext cx="8625520" cy="882654"/>
+            <a:off x="1296956" y="100750"/>
+            <a:ext cx="9164044" cy="882654"/>
           </a:xfrm>
         </p:spPr>
         <p:txBody>
@@ -8199,6 +6584,42 @@
           </a:p>
         </p:txBody>
       </p:sp>
+      <p:pic>
+        <p:nvPicPr>
+          <p:cNvPr id="2" name="Picture 1">
+            <a:extLst>
+              <a:ext uri="{FF2B5EF4-FFF2-40B4-BE49-F238E27FC236}">
+                <a16:creationId xmlns:a16="http://schemas.microsoft.com/office/drawing/2014/main" id="{A37AF1B9-D67A-246A-86B6-E28F19C52390}"/>
+              </a:ext>
+            </a:extLst>
+          </p:cNvPr>
+          <p:cNvPicPr>
+            <a:picLocks noChangeAspect="1"/>
+          </p:cNvPicPr>
+          <p:nvPr userDrawn="1"/>
+        </p:nvPicPr>
+        <p:blipFill>
+          <a:blip r:embed="rId3" cstate="print">
+            <a:extLst>
+              <a:ext uri="{28A0092B-C50C-407E-A947-70E740481C1C}">
+                <a14:useLocalDpi xmlns:a14="http://schemas.microsoft.com/office/drawing/2010/main" val="0"/>
+              </a:ext>
+            </a:extLst>
+          </a:blip>
+          <a:stretch>
+            <a:fillRect/>
+          </a:stretch>
+        </p:blipFill>
+        <p:spPr>
+          <a:xfrm>
+            <a:off x="10551877" y="362077"/>
+            <a:ext cx="1443357" cy="360000"/>
+          </a:xfrm>
+          <a:prstGeom prst="rect">
+            <a:avLst/>
+          </a:prstGeom>
+        </p:spPr>
+      </p:pic>
     </p:spTree>
     <p:extLst>
       <p:ext uri="{BB962C8B-B14F-4D97-AF65-F5344CB8AC3E}">
@@ -8220,7 +6641,7 @@
 </p:sldLayout>
 </file>
 
-<file path=ppt/slideLayouts/slideLayout7.xml><?xml version="1.0" encoding="utf-8"?>
+<file path=ppt/slideLayouts/slideLayout6.xml><?xml version="1.0" encoding="utf-8"?>
 <p:sldLayout xmlns:a="http://schemas.openxmlformats.org/drawingml/2006/main" xmlns:r="http://schemas.openxmlformats.org/officeDocument/2006/relationships" xmlns:p="http://schemas.openxmlformats.org/presentationml/2006/main" preserve="1" userDrawn="1">
   <p:cSld name="Blank Slide">
     <p:spTree>
@@ -8515,8 +6936,8 @@
         </p:nvSpPr>
         <p:spPr>
           <a:xfrm>
-            <a:off x="585176" y="100750"/>
-            <a:ext cx="11410061" cy="882654"/>
+            <a:off x="585177" y="100750"/>
+            <a:ext cx="9875824" cy="882654"/>
           </a:xfrm>
         </p:spPr>
         <p:txBody>
@@ -8534,6 +6955,42 @@
           </a:p>
         </p:txBody>
       </p:sp>
+      <p:pic>
+        <p:nvPicPr>
+          <p:cNvPr id="2" name="Picture 1">
+            <a:extLst>
+              <a:ext uri="{FF2B5EF4-FFF2-40B4-BE49-F238E27FC236}">
+                <a16:creationId xmlns:a16="http://schemas.microsoft.com/office/drawing/2014/main" id="{9C2C375B-43BF-D1DD-F160-1500A111885C}"/>
+              </a:ext>
+            </a:extLst>
+          </p:cNvPr>
+          <p:cNvPicPr>
+            <a:picLocks noChangeAspect="1"/>
+          </p:cNvPicPr>
+          <p:nvPr userDrawn="1"/>
+        </p:nvPicPr>
+        <p:blipFill>
+          <a:blip r:embed="rId3" cstate="print">
+            <a:extLst>
+              <a:ext uri="{28A0092B-C50C-407E-A947-70E740481C1C}">
+                <a14:useLocalDpi xmlns:a14="http://schemas.microsoft.com/office/drawing/2010/main" val="0"/>
+              </a:ext>
+            </a:extLst>
+          </a:blip>
+          <a:stretch>
+            <a:fillRect/>
+          </a:stretch>
+        </p:blipFill>
+        <p:spPr>
+          <a:xfrm>
+            <a:off x="10551877" y="362077"/>
+            <a:ext cx="1443357" cy="360000"/>
+          </a:xfrm>
+          <a:prstGeom prst="rect">
+            <a:avLst/>
+          </a:prstGeom>
+        </p:spPr>
+      </p:pic>
     </p:spTree>
     <p:extLst>
       <p:ext uri="{BB962C8B-B14F-4D97-AF65-F5344CB8AC3E}">
@@ -8555,7 +7012,7 @@
 </p:sldLayout>
 </file>
 
-<file path=ppt/slideLayouts/slideLayout8.xml><?xml version="1.0" encoding="utf-8"?>
+<file path=ppt/slideLayouts/slideLayout7.xml><?xml version="1.0" encoding="utf-8"?>
 <p:sldLayout xmlns:a="http://schemas.openxmlformats.org/drawingml/2006/main" xmlns:r="http://schemas.openxmlformats.org/officeDocument/2006/relationships" xmlns:p="http://schemas.openxmlformats.org/presentationml/2006/main" preserve="1" userDrawn="1">
   <p:cSld name="Source Code Example">
     <p:spTree>
@@ -8610,7 +7067,7 @@
               <a:pPr/>
               <a:t>‹#›</a:t>
             </a:fld>
-            <a:endParaRPr lang="en-US" noProof="0" dirty="0"/>
+            <a:endParaRPr lang="en-US" noProof="0"/>
           </a:p>
         </p:txBody>
       </p:sp>
@@ -8628,7 +7085,7 @@
         </p:nvSpPr>
         <p:spPr>
           <a:xfrm>
-            <a:off x="0" y="0"/>
+            <a:off x="0" y="1311"/>
             <a:ext cx="12196800" cy="1095376"/>
           </a:xfrm>
           <a:prstGeom prst="rect">
@@ -8695,48 +7152,12 @@
           </a:p>
         </p:txBody>
       </p:sp>
-      <p:pic>
-        <p:nvPicPr>
-          <p:cNvPr id="10" name="Logo Software University" descr="Software University logo">
+      <p:sp>
+        <p:nvSpPr>
+          <p:cNvPr id="12" name="Slide Body Text">
             <a:extLst>
               <a:ext uri="{FF2B5EF4-FFF2-40B4-BE49-F238E27FC236}">
-                <a16:creationId xmlns:a16="http://schemas.microsoft.com/office/drawing/2014/main" id="{8C01D7AF-7CBD-46E1-99F3-8EB60E838D91}"/>
-              </a:ext>
-            </a:extLst>
-          </p:cNvPr>
-          <p:cNvPicPr>
-            <a:picLocks noChangeAspect="1"/>
-          </p:cNvPicPr>
-          <p:nvPr userDrawn="1"/>
-        </p:nvPicPr>
-        <p:blipFill>
-          <a:blip r:embed="rId2">
-            <a:extLst>
-              <a:ext uri="{28A0092B-C50C-407E-A947-70E740481C1C}">
-                <a14:useLocalDpi xmlns:a14="http://schemas.microsoft.com/office/drawing/2010/main" val="0"/>
-              </a:ext>
-            </a:extLst>
-          </a:blip>
-          <a:stretch>
-            <a:fillRect/>
-          </a:stretch>
-        </p:blipFill>
-        <p:spPr>
-          <a:xfrm>
-            <a:off x="10067957" y="253936"/>
-            <a:ext cx="1915704" cy="559235"/>
-          </a:xfrm>
-          <a:prstGeom prst="rect">
-            <a:avLst/>
-          </a:prstGeom>
-        </p:spPr>
-      </p:pic>
-      <p:sp>
-        <p:nvSpPr>
-          <p:cNvPr id="17" name="Slide Body Text">
-            <a:extLst>
-              <a:ext uri="{FF2B5EF4-FFF2-40B4-BE49-F238E27FC236}">
-                <a16:creationId xmlns:a16="http://schemas.microsoft.com/office/drawing/2014/main" id="{1E60575F-8475-4C78-97A7-27D7891D2770}"/>
+                <a16:creationId xmlns:a16="http://schemas.microsoft.com/office/drawing/2014/main" id="{B608ED73-CE88-49E4-8BFC-DBD6E9AE6B10}"/>
               </a:ext>
             </a:extLst>
           </p:cNvPr>
@@ -8744,32 +7165,52 @@
             <a:spLocks noGrp="1"/>
           </p:cNvSpPr>
           <p:nvPr>
-            <p:ph type="body" sz="quarter" idx="12" hasCustomPrompt="1"/>
+            <p:ph type="body" sz="quarter" idx="10" hasCustomPrompt="1"/>
           </p:nvPr>
         </p:nvSpPr>
         <p:spPr>
           <a:xfrm>
-            <a:off x="190402" y="1196125"/>
-            <a:ext cx="11818096" cy="5528766"/>
+            <a:off x="190406" y="1206668"/>
+            <a:ext cx="11804831" cy="5550582"/>
           </a:xfrm>
         </p:spPr>
         <p:txBody>
           <a:bodyPr/>
           <a:lstStyle>
             <a:lvl1pPr latinLnBrk="0">
-              <a:defRPr/>
+              <a:defRPr>
+                <a:solidFill>
+                  <a:schemeClr val="tx1"/>
+                </a:solidFill>
+              </a:defRPr>
             </a:lvl1pPr>
             <a:lvl2pPr latinLnBrk="0">
-              <a:defRPr/>
+              <a:defRPr>
+                <a:solidFill>
+                  <a:schemeClr val="tx1"/>
+                </a:solidFill>
+              </a:defRPr>
             </a:lvl2pPr>
             <a:lvl3pPr latinLnBrk="0">
-              <a:defRPr/>
+              <a:defRPr>
+                <a:solidFill>
+                  <a:schemeClr val="tx1"/>
+                </a:solidFill>
+              </a:defRPr>
             </a:lvl3pPr>
             <a:lvl4pPr latinLnBrk="0">
-              <a:defRPr/>
+              <a:defRPr>
+                <a:solidFill>
+                  <a:schemeClr val="tx1"/>
+                </a:solidFill>
+              </a:defRPr>
             </a:lvl4pPr>
             <a:lvl5pPr latinLnBrk="0">
-              <a:defRPr/>
+              <a:defRPr>
+                <a:solidFill>
+                  <a:schemeClr val="tx1"/>
+                </a:solidFill>
+              </a:defRPr>
             </a:lvl5pPr>
           </a:lstStyle>
           <a:p>
@@ -8783,10 +7224,10 @@
       </p:sp>
       <p:sp>
         <p:nvSpPr>
-          <p:cNvPr id="15" name="Code Box">
+          <p:cNvPr id="4" name="Code Box">
             <a:extLst>
               <a:ext uri="{FF2B5EF4-FFF2-40B4-BE49-F238E27FC236}">
-                <a16:creationId xmlns:a16="http://schemas.microsoft.com/office/drawing/2014/main" id="{29C63EC2-5578-406B-8C2A-23FDE6C14C82}"/>
+                <a16:creationId xmlns:a16="http://schemas.microsoft.com/office/drawing/2014/main" id="{F4E021E9-D6DB-4272-8C9F-CEF4940FDC10}"/>
               </a:ext>
             </a:extLst>
           </p:cNvPr>
@@ -8800,7 +7241,7 @@
         <p:spPr>
           <a:xfrm>
             <a:off x="674683" y="2034000"/>
-            <a:ext cx="10836275" cy="2318684"/>
+            <a:ext cx="10836275" cy="2237893"/>
           </a:xfrm>
           <a:solidFill>
             <a:schemeClr val="accent6">
@@ -8822,15 +7263,6 @@
           </a:bodyPr>
           <a:lstStyle>
             <a:lvl1pPr>
-              <a:lnSpc>
-                <a:spcPct val="110000"/>
-              </a:lnSpc>
-              <a:spcBef>
-                <a:spcPts val="0"/>
-              </a:spcBef>
-              <a:spcAft>
-                <a:spcPts val="0"/>
-              </a:spcAft>
               <a:buNone/>
               <a:defRPr lang="en-US" sz="2800" b="1" smtClean="0">
                 <a:latin typeface="Consolas" pitchFamily="49" charset="0"/>
@@ -8925,8 +7357,8 @@
         </p:nvSpPr>
         <p:spPr>
           <a:xfrm>
-            <a:off x="190406" y="100750"/>
-            <a:ext cx="9715594" cy="882654"/>
+            <a:off x="190405" y="100750"/>
+            <a:ext cx="10239658" cy="882654"/>
           </a:xfrm>
         </p:spPr>
         <p:txBody>
@@ -8948,6 +7380,42 @@
           </a:p>
         </p:txBody>
       </p:sp>
+      <p:pic>
+        <p:nvPicPr>
+          <p:cNvPr id="3" name="Picture 2">
+            <a:extLst>
+              <a:ext uri="{FF2B5EF4-FFF2-40B4-BE49-F238E27FC236}">
+                <a16:creationId xmlns:a16="http://schemas.microsoft.com/office/drawing/2014/main" id="{4B69A4E8-9221-8F79-65B4-BF9AA7F87DD7}"/>
+              </a:ext>
+            </a:extLst>
+          </p:cNvPr>
+          <p:cNvPicPr>
+            <a:picLocks noChangeAspect="1"/>
+          </p:cNvPicPr>
+          <p:nvPr userDrawn="1"/>
+        </p:nvPicPr>
+        <p:blipFill>
+          <a:blip r:embed="rId2" cstate="print">
+            <a:extLst>
+              <a:ext uri="{28A0092B-C50C-407E-A947-70E740481C1C}">
+                <a14:useLocalDpi xmlns:a14="http://schemas.microsoft.com/office/drawing/2010/main" val="0"/>
+              </a:ext>
+            </a:extLst>
+          </a:blip>
+          <a:stretch>
+            <a:fillRect/>
+          </a:stretch>
+        </p:blipFill>
+        <p:spPr>
+          <a:xfrm>
+            <a:off x="10553573" y="368999"/>
+            <a:ext cx="1443361" cy="360001"/>
+          </a:xfrm>
+          <a:prstGeom prst="rect">
+            <a:avLst/>
+          </a:prstGeom>
+        </p:spPr>
+      </p:pic>
     </p:spTree>
     <p:extLst>
       <p:ext uri="{BB962C8B-B14F-4D97-AF65-F5344CB8AC3E}">
@@ -8969,7 +7437,7 @@
 </p:sldLayout>
 </file>
 
-<file path=ppt/slideLayouts/slideLayout9.xml><?xml version="1.0" encoding="utf-8"?>
+<file path=ppt/slideLayouts/slideLayout8.xml><?xml version="1.0" encoding="utf-8"?>
 <p:sldLayout xmlns:a="http://schemas.openxmlformats.org/drawingml/2006/main" xmlns:r="http://schemas.openxmlformats.org/officeDocument/2006/relationships" xmlns:p="http://schemas.openxmlformats.org/presentationml/2006/main" preserve="1">
   <p:cSld name="Demo Slide">
     <p:spTree>
@@ -9046,7 +7514,7 @@
               <a:tabLst/>
               <a:defRPr/>
             </a:pPr>
-            <a:endParaRPr kumimoji="0" lang="en-US" altLang="ko-KR" sz="2398" b="0" i="0" u="none" strike="noStrike" kern="1200" cap="none" spc="0" normalizeH="0" baseline="0" noProof="0" dirty="0">
+            <a:endParaRPr kumimoji="0" lang="en-US" altLang="ko-KR" sz="2398" b="0" i="0" u="none" strike="noStrike" kern="1200" cap="none" spc="0" normalizeH="0" baseline="0" noProof="0">
               <a:ln>
                 <a:noFill/>
               </a:ln>
@@ -9156,6 +7624,335 @@
     <p:extLst>
       <p:ext uri="{BB962C8B-B14F-4D97-AF65-F5344CB8AC3E}">
         <p14:creationId xmlns:p14="http://schemas.microsoft.com/office/powerpoint/2010/main" val="2423919747"/>
+      </p:ext>
+    </p:extLst>
+  </p:cSld>
+  <p:clrMapOvr>
+    <a:masterClrMapping/>
+  </p:clrMapOvr>
+  <mc:AlternateContent xmlns:mc="http://schemas.openxmlformats.org/markup-compatibility/2006" xmlns:p14="http://schemas.microsoft.com/office/powerpoint/2010/main">
+    <mc:Choice Requires="p14">
+      <p:transition spd="slow" p14:dur="2000" advClick="0" advTm="5000"/>
+    </mc:Choice>
+    <mc:Fallback xmlns="">
+      <p:transition spd="slow" advClick="0" advTm="5000"/>
+    </mc:Fallback>
+  </mc:AlternateContent>
+</p:sldLayout>
+</file>
+
+<file path=ppt/slideLayouts/slideLayout9.xml><?xml version="1.0" encoding="utf-8"?>
+<p:sldLayout xmlns:a="http://schemas.openxmlformats.org/drawingml/2006/main" xmlns:r="http://schemas.openxmlformats.org/officeDocument/2006/relationships" xmlns:p="http://schemas.openxmlformats.org/presentationml/2006/main" preserve="1" userDrawn="1">
+  <p:cSld name="Table of Contents">
+    <p:spTree>
+      <p:nvGrpSpPr>
+        <p:cNvPr id="1" name=""/>
+        <p:cNvGrpSpPr/>
+        <p:nvPr/>
+      </p:nvGrpSpPr>
+      <p:grpSpPr>
+        <a:xfrm>
+          <a:off x="0" y="0"/>
+          <a:ext cx="0" cy="0"/>
+          <a:chOff x="0" y="0"/>
+          <a:chExt cx="0" cy="0"/>
+        </a:xfrm>
+      </p:grpSpPr>
+      <p:sp>
+        <p:nvSpPr>
+          <p:cNvPr id="10" name="Slide Number">
+            <a:extLst>
+              <a:ext uri="{FF2B5EF4-FFF2-40B4-BE49-F238E27FC236}">
+                <a16:creationId xmlns:a16="http://schemas.microsoft.com/office/drawing/2014/main" id="{39DDE17E-5472-41F3-AF5F-54DFF10DC63C}"/>
+              </a:ext>
+            </a:extLst>
+          </p:cNvPr>
+          <p:cNvSpPr>
+            <a:spLocks noGrp="1"/>
+          </p:cNvSpPr>
+          <p:nvPr>
+            <p:ph type="sldNum" sz="quarter" idx="4"/>
+          </p:nvPr>
+        </p:nvSpPr>
+        <p:spPr>
+          <a:xfrm>
+            <a:off x="11753030" y="6507000"/>
+            <a:ext cx="367414" cy="297000"/>
+          </a:xfrm>
+          <a:prstGeom prst="rect">
+            <a:avLst/>
+          </a:prstGeom>
+        </p:spPr>
+        <p:txBody>
+          <a:bodyPr vert="horz" lIns="91440" tIns="45720" rIns="91440" bIns="45720" rtlCol="0" anchor="b"/>
+          <a:lstStyle>
+            <a:lvl1pPr algn="r">
+              <a:defRPr sz="1000"/>
+            </a:lvl1pPr>
+          </a:lstStyle>
+          <a:p>
+            <a:fld id="{2BF067CD-8E6B-4360-9AA8-C5DF2A48A6D1}" type="slidenum">
+              <a:rPr lang="en-US" noProof="0" smtClean="0"/>
+              <a:pPr/>
+              <a:t>‹#›</a:t>
+            </a:fld>
+            <a:endParaRPr lang="en-US" noProof="0"/>
+          </a:p>
+        </p:txBody>
+      </p:sp>
+      <p:sp>
+        <p:nvSpPr>
+          <p:cNvPr id="23" name="Slide Body Text">
+            <a:extLst>
+              <a:ext uri="{FF2B5EF4-FFF2-40B4-BE49-F238E27FC236}">
+                <a16:creationId xmlns:a16="http://schemas.microsoft.com/office/drawing/2014/main" id="{889D93F4-ABFA-46BF-8E5D-FE6562ACB20F}"/>
+              </a:ext>
+            </a:extLst>
+          </p:cNvPr>
+          <p:cNvSpPr>
+            <a:spLocks noGrp="1"/>
+          </p:cNvSpPr>
+          <p:nvPr>
+            <p:ph type="body" sz="quarter" idx="13" hasCustomPrompt="1"/>
+          </p:nvPr>
+        </p:nvSpPr>
+        <p:spPr>
+          <a:xfrm>
+            <a:off x="196766" y="1371604"/>
+            <a:ext cx="11781606" cy="5207396"/>
+          </a:xfrm>
+        </p:spPr>
+        <p:txBody>
+          <a:bodyPr>
+            <a:normAutofit/>
+          </a:bodyPr>
+          <a:lstStyle>
+            <a:lvl1pPr marL="514042" indent="-514042" latinLnBrk="0">
+              <a:buFont typeface="+mj-lt"/>
+              <a:buAutoNum type="arabicPeriod"/>
+              <a:defRPr sz="3600">
+                <a:solidFill>
+                  <a:schemeClr val="tx1"/>
+                </a:solidFill>
+              </a:defRPr>
+            </a:lvl1pPr>
+            <a:lvl2pPr>
+              <a:defRPr sz="3400"/>
+            </a:lvl2pPr>
+          </a:lstStyle>
+          <a:p>
+            <a:pPr lvl="0"/>
+            <a:r>
+              <a:rPr lang="en-US" noProof="0" dirty="0"/>
+              <a:t>…</a:t>
+            </a:r>
+          </a:p>
+          <a:p>
+            <a:pPr lvl="1"/>
+            <a:r>
+              <a:rPr lang="en-US" noProof="0" dirty="0"/>
+              <a:t>…</a:t>
+            </a:r>
+          </a:p>
+          <a:p>
+            <a:pPr lvl="1"/>
+            <a:r>
+              <a:rPr lang="en-US" noProof="0" dirty="0"/>
+              <a:t>…</a:t>
+            </a:r>
+          </a:p>
+          <a:p>
+            <a:pPr lvl="0"/>
+            <a:r>
+              <a:rPr lang="en-US" noProof="0" dirty="0"/>
+              <a:t>…</a:t>
+            </a:r>
+          </a:p>
+          <a:p>
+            <a:pPr lvl="1"/>
+            <a:r>
+              <a:rPr lang="en-US" noProof="0" dirty="0"/>
+              <a:t>…</a:t>
+            </a:r>
+          </a:p>
+          <a:p>
+            <a:pPr lvl="1"/>
+            <a:r>
+              <a:rPr lang="en-US" noProof="0" dirty="0"/>
+              <a:t>…</a:t>
+            </a:r>
+          </a:p>
+          <a:p>
+            <a:pPr lvl="0"/>
+            <a:r>
+              <a:rPr lang="en-US" noProof="0" dirty="0"/>
+              <a:t>…</a:t>
+            </a:r>
+          </a:p>
+        </p:txBody>
+      </p:sp>
+      <p:sp>
+        <p:nvSpPr>
+          <p:cNvPr id="8" name="Rectangle Top">
+            <a:extLst>
+              <a:ext uri="{FF2B5EF4-FFF2-40B4-BE49-F238E27FC236}">
+                <a16:creationId xmlns:a16="http://schemas.microsoft.com/office/drawing/2014/main" id="{930E0800-9260-4369-8330-8264DD33C5CE}"/>
+              </a:ext>
+            </a:extLst>
+          </p:cNvPr>
+          <p:cNvSpPr/>
+          <p:nvPr userDrawn="1"/>
+        </p:nvSpPr>
+        <p:spPr>
+          <a:xfrm>
+            <a:off x="0" y="0"/>
+            <a:ext cx="12196800" cy="1095376"/>
+          </a:xfrm>
+          <a:prstGeom prst="rect">
+            <a:avLst/>
+          </a:prstGeom>
+          <a:solidFill>
+            <a:schemeClr val="tx2"/>
+          </a:solidFill>
+          <a:ln>
+            <a:noFill/>
+          </a:ln>
+        </p:spPr>
+        <p:style>
+          <a:lnRef idx="2">
+            <a:schemeClr val="accent1">
+              <a:shade val="50000"/>
+            </a:schemeClr>
+          </a:lnRef>
+          <a:fillRef idx="1">
+            <a:schemeClr val="accent1"/>
+          </a:fillRef>
+          <a:effectRef idx="0">
+            <a:schemeClr val="accent1"/>
+          </a:effectRef>
+          <a:fontRef idx="minor">
+            <a:schemeClr val="lt1"/>
+          </a:fontRef>
+        </p:style>
+        <p:txBody>
+          <a:bodyPr rtlCol="0" anchor="ctr"/>
+          <a:lstStyle/>
+          <a:p>
+            <a:pPr marL="0" marR="0" lvl="0" indent="0" algn="ctr" defTabSz="913852" rtl="0" eaLnBrk="1" fontAlgn="auto" latinLnBrk="0" hangingPunct="1">
+              <a:lnSpc>
+                <a:spcPct val="100000"/>
+              </a:lnSpc>
+              <a:spcBef>
+                <a:spcPts val="0"/>
+              </a:spcBef>
+              <a:spcAft>
+                <a:spcPts val="0"/>
+              </a:spcAft>
+              <a:buClrTx/>
+              <a:buSzTx/>
+              <a:buFontTx/>
+              <a:buNone/>
+              <a:tabLst/>
+              <a:defRPr/>
+            </a:pPr>
+            <a:endParaRPr kumimoji="0" lang="en-US" altLang="ko-KR" sz="2398" b="0" i="0" u="none" strike="noStrike" kern="1200" cap="none" spc="0" normalizeH="0" baseline="0" noProof="0">
+              <a:ln>
+                <a:noFill/>
+              </a:ln>
+              <a:solidFill>
+                <a:srgbClr val="F7C86D"/>
+              </a:solidFill>
+              <a:effectLst/>
+              <a:uLnTx/>
+              <a:uFillTx/>
+              <a:latin typeface="Calibri" panose="020F0502020204030204"/>
+              <a:ea typeface="맑은 고딕" panose="020B0503020000020004" pitchFamily="34" charset="-127"/>
+              <a:cs typeface="+mn-cs"/>
+            </a:endParaRPr>
+          </a:p>
+        </p:txBody>
+      </p:sp>
+      <p:sp>
+        <p:nvSpPr>
+          <p:cNvPr id="13" name="Slide Title">
+            <a:extLst>
+              <a:ext uri="{FF2B5EF4-FFF2-40B4-BE49-F238E27FC236}">
+                <a16:creationId xmlns:a16="http://schemas.microsoft.com/office/drawing/2014/main" id="{357D7BE1-6358-42CC-94F3-7BCDD91DCB6D}"/>
+              </a:ext>
+            </a:extLst>
+          </p:cNvPr>
+          <p:cNvSpPr>
+            <a:spLocks noGrp="1"/>
+          </p:cNvSpPr>
+          <p:nvPr>
+            <p:ph type="title" hasCustomPrompt="1"/>
+          </p:nvPr>
+        </p:nvSpPr>
+        <p:spPr>
+          <a:xfrm>
+            <a:off x="190406" y="100750"/>
+            <a:ext cx="10270594" cy="882654"/>
+          </a:xfrm>
+        </p:spPr>
+        <p:txBody>
+          <a:bodyPr/>
+          <a:lstStyle>
+            <a:lvl1pPr latinLnBrk="0">
+              <a:defRPr>
+                <a:solidFill>
+                  <a:schemeClr val="bg2"/>
+                </a:solidFill>
+              </a:defRPr>
+            </a:lvl1pPr>
+          </a:lstStyle>
+          <a:p>
+            <a:r>
+              <a:rPr lang="en-US" noProof="0" dirty="0"/>
+              <a:t>Table of Contents</a:t>
+            </a:r>
+          </a:p>
+        </p:txBody>
+      </p:sp>
+      <p:pic>
+        <p:nvPicPr>
+          <p:cNvPr id="3" name="Picture 2">
+            <a:extLst>
+              <a:ext uri="{FF2B5EF4-FFF2-40B4-BE49-F238E27FC236}">
+                <a16:creationId xmlns:a16="http://schemas.microsoft.com/office/drawing/2014/main" id="{4FD808AB-EC49-1578-0005-D58D2A365AA1}"/>
+              </a:ext>
+            </a:extLst>
+          </p:cNvPr>
+          <p:cNvPicPr>
+            <a:picLocks noChangeAspect="1"/>
+          </p:cNvPicPr>
+          <p:nvPr userDrawn="1"/>
+        </p:nvPicPr>
+        <p:blipFill>
+          <a:blip r:embed="rId2" cstate="print">
+            <a:extLst>
+              <a:ext uri="{28A0092B-C50C-407E-A947-70E740481C1C}">
+                <a14:useLocalDpi xmlns:a14="http://schemas.microsoft.com/office/drawing/2010/main" val="0"/>
+              </a:ext>
+            </a:extLst>
+          </a:blip>
+          <a:stretch>
+            <a:fillRect/>
+          </a:stretch>
+        </p:blipFill>
+        <p:spPr>
+          <a:xfrm>
+            <a:off x="10553573" y="368999"/>
+            <a:ext cx="1443361" cy="360001"/>
+          </a:xfrm>
+          <a:prstGeom prst="rect">
+            <a:avLst/>
+          </a:prstGeom>
+        </p:spPr>
+      </p:pic>
+    </p:spTree>
+    <p:extLst>
+      <p:ext uri="{BB962C8B-B14F-4D97-AF65-F5344CB8AC3E}">
+        <p14:creationId xmlns:p14="http://schemas.microsoft.com/office/powerpoint/2010/main" val="1028724482"/>
       </p:ext>
     </p:extLst>
   </p:cSld>
@@ -9198,35 +7995,6 @@
           <a:chExt cx="0" cy="0"/>
         </a:xfrm>
       </p:grpSpPr>
-      <p:pic>
-        <p:nvPicPr>
-          <p:cNvPr id="4" name="Picture Background" descr="SoftUni Background">
-            <a:extLst>
-              <a:ext uri="{FF2B5EF4-FFF2-40B4-BE49-F238E27FC236}">
-                <a16:creationId xmlns:a16="http://schemas.microsoft.com/office/drawing/2014/main" id="{5BE90A63-DDD9-4B3B-A234-DF69B9BC812F}"/>
-              </a:ext>
-            </a:extLst>
-          </p:cNvPr>
-          <p:cNvPicPr>
-            <a:picLocks noChangeAspect="1"/>
-          </p:cNvPicPr>
-          <p:nvPr userDrawn="1"/>
-        </p:nvPicPr>
-        <p:blipFill rotWithShape="1">
-          <a:blip r:embed="rId15"/>
-          <a:srcRect b="1672"/>
-          <a:stretch/>
-        </p:blipFill>
-        <p:spPr>
-          <a:xfrm>
-            <a:off x="0" y="1"/>
-            <a:ext cx="12192000" cy="6857999"/>
-          </a:xfrm>
-          <a:prstGeom prst="rect">
-            <a:avLst/>
-          </a:prstGeom>
-        </p:spPr>
-      </p:pic>
       <p:sp>
         <p:nvSpPr>
           <p:cNvPr id="11" name="Slide Body Text">
@@ -9343,19 +8111,18 @@
   </p:cSld>
   <p:clrMap bg1="lt1" tx1="dk1" bg2="lt2" tx2="dk2" accent1="accent1" accent2="accent2" accent3="accent3" accent4="accent4" accent5="accent5" accent6="accent6" hlink="hlink" folHlink="folHlink"/>
   <p:sldLayoutIdLst>
-    <p:sldLayoutId id="2147483676" r:id="rId1"/>
+    <p:sldLayoutId id="2147483691" r:id="rId1"/>
     <p:sldLayoutId id="2147483689" r:id="rId2"/>
     <p:sldLayoutId id="2147483681" r:id="rId3"/>
-    <p:sldLayoutId id="2147483677" r:id="rId4"/>
-    <p:sldLayoutId id="2147483679" r:id="rId5"/>
-    <p:sldLayoutId id="2147483680" r:id="rId6"/>
-    <p:sldLayoutId id="2147483688" r:id="rId7"/>
-    <p:sldLayoutId id="2147483684" r:id="rId8"/>
-    <p:sldLayoutId id="2147483690" r:id="rId9"/>
+    <p:sldLayoutId id="2147483679" r:id="rId4"/>
+    <p:sldLayoutId id="2147483680" r:id="rId5"/>
+    <p:sldLayoutId id="2147483688" r:id="rId6"/>
+    <p:sldLayoutId id="2147483684" r:id="rId7"/>
+    <p:sldLayoutId id="2147483690" r:id="rId8"/>
+    <p:sldLayoutId id="2147483677" r:id="rId9"/>
     <p:sldLayoutId id="2147483683" r:id="rId10"/>
     <p:sldLayoutId id="2147483685" r:id="rId11"/>
     <p:sldLayoutId id="2147483686" r:id="rId12"/>
-    <p:sldLayoutId id="2147483687" r:id="rId13"/>
   </p:sldLayoutIdLst>
   <mc:AlternateContent xmlns:mc="http://schemas.openxmlformats.org/markup-compatibility/2006" xmlns:p14="http://schemas.microsoft.com/office/powerpoint/2010/main">
     <mc:Choice Requires="p14">
@@ -9684,7 +8451,78 @@
       </p:grpSpPr>
       <p:sp>
         <p:nvSpPr>
-          <p:cNvPr id="8" name="Text Placeholder 7"/>
+          <p:cNvPr id="21" name="Text Placeholder 6">
+            <a:extLst>
+              <a:ext uri="{FF2B5EF4-FFF2-40B4-BE49-F238E27FC236}">
+                <a16:creationId xmlns:a16="http://schemas.microsoft.com/office/drawing/2014/main" id="{76A05CC2-FC4D-4504-ABD3-8A2DED65D274}"/>
+              </a:ext>
+            </a:extLst>
+          </p:cNvPr>
+          <p:cNvSpPr>
+            <a:spLocks noGrp="1"/>
+          </p:cNvSpPr>
+          <p:nvPr>
+            <p:ph type="body" sz="quarter" idx="22"/>
+          </p:nvPr>
+        </p:nvSpPr>
+        <p:spPr>
+          <a:xfrm>
+            <a:off x="6379867" y="5904000"/>
+            <a:ext cx="5248260" cy="341313"/>
+          </a:xfrm>
+        </p:spPr>
+        <p:txBody>
+          <a:bodyPr/>
+          <a:lstStyle/>
+          <a:p>
+            <a:r>
+              <a:rPr lang="bg-BG" noProof="1"/>
+              <a:t>Софтуерни и хардуерни науки</a:t>
+            </a:r>
+            <a:endParaRPr lang="en-US" dirty="0"/>
+          </a:p>
+        </p:txBody>
+      </p:sp>
+      <p:sp>
+        <p:nvSpPr>
+          <p:cNvPr id="18" name="Text Placeholder 11"/>
+          <p:cNvSpPr>
+            <a:spLocks noGrp="1"/>
+          </p:cNvSpPr>
+          <p:nvPr>
+            <p:ph type="body" sz="quarter" idx="21"/>
+          </p:nvPr>
+        </p:nvSpPr>
+        <p:spPr>
+          <a:xfrm>
+            <a:off x="6374856" y="5544000"/>
+            <a:ext cx="5248260" cy="374236"/>
+          </a:xfrm>
+        </p:spPr>
+        <p:txBody>
+          <a:bodyPr/>
+          <a:lstStyle/>
+          <a:p>
+            <a:r>
+              <a:rPr lang="bg-BG" sz="1800" dirty="0">
+                <a:solidFill>
+                  <a:srgbClr val="234465"/>
+                </a:solidFill>
+              </a:rPr>
+              <a:t>Курс "ООП"</a:t>
+            </a:r>
+          </a:p>
+        </p:txBody>
+      </p:sp>
+      <p:sp>
+        <p:nvSpPr>
+          <p:cNvPr id="20" name="Text Placeholder 3">
+            <a:extLst>
+              <a:ext uri="{FF2B5EF4-FFF2-40B4-BE49-F238E27FC236}">
+                <a16:creationId xmlns:a16="http://schemas.microsoft.com/office/drawing/2014/main" id="{941D5C10-8D10-4D4A-BDC4-202C30EAED2F}"/>
+              </a:ext>
+            </a:extLst>
+          </p:cNvPr>
           <p:cNvSpPr>
             <a:spLocks noGrp="1"/>
           </p:cNvSpPr>
@@ -9692,7 +8530,12 @@
             <p:ph type="body" sz="quarter" idx="18"/>
           </p:nvPr>
         </p:nvSpPr>
-        <p:spPr/>
+        <p:spPr>
+          <a:xfrm>
+            <a:off x="534045" y="6039000"/>
+            <a:ext cx="4751953" cy="341556"/>
+          </a:xfrm>
+        </p:spPr>
         <p:txBody>
           <a:bodyPr/>
           <a:lstStyle/>
@@ -9701,15 +8544,15 @@
               <a:rPr lang="en-US" dirty="0">
                 <a:hlinkClick r:id="rId3"/>
               </a:rPr>
-              <a:t>https://softuni.bg</a:t>
-            </a:r>
-            <a:endParaRPr lang="en-US" dirty="0"/>
+              <a:t>https://github.com/BG-IT-Edu</a:t>
+            </a:r>
+            <a:endParaRPr lang="bg-BG" dirty="0"/>
           </a:p>
         </p:txBody>
       </p:sp>
       <p:sp>
         <p:nvSpPr>
-          <p:cNvPr id="7" name="Text Placeholder 6"/>
+          <p:cNvPr id="19" name="Text Placeholder 9"/>
           <p:cNvSpPr>
             <a:spLocks noGrp="1"/>
           </p:cNvSpPr>
@@ -9717,32 +8560,10 @@
             <p:ph type="body" sz="quarter" idx="17"/>
           </p:nvPr>
         </p:nvSpPr>
-        <p:spPr/>
-        <p:txBody>
-          <a:bodyPr/>
-          <a:lstStyle/>
-          <a:p>
-            <a:r>
-              <a:rPr lang="en-US" dirty="0"/>
-              <a:t>Software University</a:t>
-            </a:r>
-          </a:p>
-        </p:txBody>
-      </p:sp>
-      <p:sp>
-        <p:nvSpPr>
-          <p:cNvPr id="12" name="Text Placeholder 11"/>
-          <p:cNvSpPr>
-            <a:spLocks noGrp="1"/>
-          </p:cNvSpPr>
-          <p:nvPr>
-            <p:ph type="body" sz="quarter" idx="20"/>
-          </p:nvPr>
-        </p:nvSpPr>
         <p:spPr>
           <a:xfrm>
-            <a:off x="553082" y="5336486"/>
-            <a:ext cx="2980696" cy="460181"/>
+            <a:off x="534046" y="5229000"/>
+            <a:ext cx="4751954" cy="724904"/>
           </a:xfrm>
         </p:spPr>
         <p:txBody>
@@ -9750,31 +8571,43 @@
           <a:lstStyle/>
           <a:p>
             <a:r>
-              <a:rPr lang="en-US" dirty="0"/>
-              <a:t>Technical Trainers</a:t>
+              <a:rPr lang="bg-BG" dirty="0">
+                <a:solidFill>
+                  <a:schemeClr val="tx1"/>
+                </a:solidFill>
+              </a:rPr>
+              <a:t>Проект "Отворено учебно съдържание по програмиране и ИТ", СофтУни Фондация</a:t>
             </a:r>
           </a:p>
         </p:txBody>
       </p:sp>
       <p:sp>
         <p:nvSpPr>
-          <p:cNvPr id="11" name="Text Placeholder 10"/>
+          <p:cNvPr id="6" name="Subtitle 5"/>
           <p:cNvSpPr>
             <a:spLocks noGrp="1"/>
           </p:cNvSpPr>
           <p:nvPr>
-            <p:ph type="body" sz="quarter" idx="19"/>
+            <p:ph type="subTitle" idx="1"/>
           </p:nvPr>
         </p:nvSpPr>
-        <p:spPr/>
+        <p:spPr>
+          <a:xfrm>
+            <a:off x="568678" y="1848826"/>
+            <a:ext cx="11083636" cy="767871"/>
+          </a:xfrm>
+        </p:spPr>
         <p:txBody>
-          <a:bodyPr/>
+          <a:bodyPr>
+            <a:normAutofit/>
+          </a:bodyPr>
           <a:lstStyle/>
           <a:p>
             <a:r>
-              <a:rPr lang="en-US" dirty="0"/>
-              <a:t>SoftUni Team</a:t>
-            </a:r>
+              <a:rPr lang="bg-BG" dirty="0"/>
+              <a:t>Същност, предназначение, видове</a:t>
+            </a:r>
+            <a:endParaRPr lang="en-US" dirty="0"/>
           </a:p>
         </p:txBody>
       </p:sp>
@@ -9790,13 +8623,13 @@
         </p:nvSpPr>
         <p:spPr>
           <a:xfrm>
-            <a:off x="554182" y="403959"/>
-            <a:ext cx="11083636" cy="1720041"/>
+            <a:off x="554746" y="321501"/>
+            <a:ext cx="11083636" cy="1399312"/>
           </a:xfrm>
         </p:spPr>
         <p:txBody>
           <a:bodyPr>
-            <a:normAutofit/>
+            <a:normAutofit fontScale="90000"/>
           </a:bodyPr>
           <a:lstStyle/>
           <a:p>
@@ -9825,7 +8658,13 @@
       </p:sp>
       <p:pic>
         <p:nvPicPr>
-          <p:cNvPr id="2" name="Picture 1"/>
+          <p:cNvPr id="8" name="Picture 7" descr="A green and blue rectangular sign with white text&#10;&#10;Description automatically generated">
+            <a:extLst>
+              <a:ext uri="{FF2B5EF4-FFF2-40B4-BE49-F238E27FC236}">
+                <a16:creationId xmlns:a16="http://schemas.microsoft.com/office/drawing/2014/main" id="{75312D09-226E-6C55-27BB-461591B94F24}"/>
+              </a:ext>
+            </a:extLst>
+          </p:cNvPr>
           <p:cNvPicPr>
             <a:picLocks noChangeAspect="1"/>
           </p:cNvPicPr>
@@ -9845,7 +8684,43 @@
         </p:blipFill>
         <p:spPr>
           <a:xfrm>
-            <a:off x="4926000" y="2597960"/>
+            <a:off x="534045" y="2980813"/>
+            <a:ext cx="1956689" cy="988187"/>
+          </a:xfrm>
+          <a:prstGeom prst="rect">
+            <a:avLst/>
+          </a:prstGeom>
+        </p:spPr>
+      </p:pic>
+      <p:pic>
+        <p:nvPicPr>
+          <p:cNvPr id="4" name="Picture 3">
+            <a:extLst>
+              <a:ext uri="{FF2B5EF4-FFF2-40B4-BE49-F238E27FC236}">
+                <a16:creationId xmlns:a16="http://schemas.microsoft.com/office/drawing/2014/main" id="{1CB73022-7A73-2A96-6BE6-B2B77F531026}"/>
+              </a:ext>
+            </a:extLst>
+          </p:cNvPr>
+          <p:cNvPicPr>
+            <a:picLocks noChangeAspect="1"/>
+          </p:cNvPicPr>
+          <p:nvPr/>
+        </p:nvPicPr>
+        <p:blipFill>
+          <a:blip r:embed="rId5">
+            <a:extLst>
+              <a:ext uri="{28A0092B-C50C-407E-A947-70E740481C1C}">
+                <a14:useLocalDpi xmlns:a14="http://schemas.microsoft.com/office/drawing/2010/main" val="0"/>
+              </a:ext>
+            </a:extLst>
+          </a:blip>
+          <a:stretch>
+            <a:fillRect/>
+          </a:stretch>
+        </p:blipFill>
+        <p:spPr>
+          <a:xfrm>
+            <a:off x="9455264" y="3109292"/>
             <a:ext cx="2181040" cy="2181040"/>
           </a:xfrm>
           <a:prstGeom prst="rect">
@@ -9856,7 +8731,7 @@
     </p:spTree>
     <p:extLst>
       <p:ext uri="{BB962C8B-B14F-4D97-AF65-F5344CB8AC3E}">
-        <p14:creationId xmlns:p14="http://schemas.microsoft.com/office/powerpoint/2010/main" val="1597046233"/>
+        <p14:creationId xmlns:p14="http://schemas.microsoft.com/office/powerpoint/2010/main" val="2637781195"/>
       </p:ext>
     </p:extLst>
   </p:cSld>
@@ -9940,10 +8815,10 @@
       </p:pic>
       <p:sp>
         <p:nvSpPr>
-          <p:cNvPr id="7" name="Slide Number">
+          <p:cNvPr id="2" name="Slide Number">
             <a:extLst>
               <a:ext uri="{FF2B5EF4-FFF2-40B4-BE49-F238E27FC236}">
-                <a16:creationId xmlns:a16="http://schemas.microsoft.com/office/drawing/2014/main" id="{5339B154-7466-4264-9AA1-F3E0A8D6F677}"/>
+                <a16:creationId xmlns:a16="http://schemas.microsoft.com/office/drawing/2014/main" id="{096DF8C1-803D-5B05-81AA-A97EC6895F0D}"/>
               </a:ext>
             </a:extLst>
           </p:cNvPr>
@@ -9983,7 +8858,7 @@
     </p:spTree>
     <p:extLst>
       <p:ext uri="{BB962C8B-B14F-4D97-AF65-F5344CB8AC3E}">
-        <p14:creationId xmlns:p14="http://schemas.microsoft.com/office/powerpoint/2010/main" val="3723853426"/>
+        <p14:creationId xmlns:p14="http://schemas.microsoft.com/office/powerpoint/2010/main" val="664015168"/>
       </p:ext>
     </p:extLst>
   </p:cSld>
@@ -10050,10 +8925,10 @@
       </p:pic>
       <p:sp>
         <p:nvSpPr>
-          <p:cNvPr id="3" name="Title 2">
+          <p:cNvPr id="4" name="Заглавие 3">
             <a:extLst>
               <a:ext uri="{FF2B5EF4-FFF2-40B4-BE49-F238E27FC236}">
-                <a16:creationId xmlns:a16="http://schemas.microsoft.com/office/drawing/2014/main" id="{EBDBBFA0-2E25-4682-A3B5-B7478182FD7A}"/>
+                <a16:creationId xmlns:a16="http://schemas.microsoft.com/office/drawing/2014/main" id="{D1B5A12B-D5B2-EADC-C84F-374B4161DC83}"/>
               </a:ext>
             </a:extLst>
           </p:cNvPr>
@@ -10064,28 +8939,22 @@
             <p:ph type="title" sz="quarter" idx="10"/>
           </p:nvPr>
         </p:nvSpPr>
-        <p:spPr>
-          <a:xfrm>
-            <a:off x="615109" y="4704824"/>
-            <a:ext cx="10961783" cy="884175"/>
-          </a:xfrm>
-        </p:spPr>
+        <p:spPr/>
         <p:txBody>
           <a:bodyPr/>
           <a:lstStyle/>
           <a:p>
             <a:r>
-              <a:rPr lang="bg-BG" dirty="0"/>
+              <a:rPr lang="bg-BG"/>
               <a:t>Шаблони за създаване</a:t>
             </a:r>
-            <a:endParaRPr lang="en-GB" dirty="0"/>
           </a:p>
         </p:txBody>
       </p:sp>
     </p:spTree>
     <p:extLst>
       <p:ext uri="{BB962C8B-B14F-4D97-AF65-F5344CB8AC3E}">
-        <p14:creationId xmlns:p14="http://schemas.microsoft.com/office/powerpoint/2010/main" val="3000460304"/>
+        <p14:creationId xmlns:p14="http://schemas.microsoft.com/office/powerpoint/2010/main" val="1825990933"/>
       </p:ext>
     </p:extLst>
   </p:cSld>
@@ -10147,21 +9016,11 @@
             </a:pPr>
             <a:r>
               <a:rPr lang="bg-BG" sz="3600" b="1" dirty="0"/>
-              <a:t>Шаблони за създаване</a:t>
-            </a:r>
-          </a:p>
-          <a:p>
-            <a:pPr marL="900112" lvl="1" indent="-457200">
-              <a:lnSpc>
-                <a:spcPct val="100000"/>
-              </a:lnSpc>
-              <a:buClr>
-                <a:srgbClr val="234465"/>
-              </a:buClr>
-            </a:pPr>
+              <a:t>Шаблони за създаване – </a:t>
+            </a:r>
             <a:r>
               <a:rPr lang="bg-BG" sz="3400" dirty="0"/>
-              <a:t>Предоставят </a:t>
+              <a:t>предоставят </a:t>
             </a:r>
             <a:r>
               <a:rPr lang="bg-BG" sz="3400" b="1" dirty="0">
@@ -10194,12 +9053,9 @@
               </a:rPr>
               <a:t> подходящ</a:t>
             </a:r>
-            <a:br>
+            <a:r>
               <a:rPr lang="bg-BG" sz="3600" dirty="0"/>
-            </a:br>
-            <a:r>
-              <a:rPr lang="bg-BG" sz="3600" dirty="0"/>
-              <a:t>за </a:t>
+              <a:t> за </a:t>
             </a:r>
             <a:r>
               <a:rPr lang="bg-BG" sz="3600" b="1" dirty="0">
@@ -10226,7 +9082,7 @@
             </a:pPr>
             <a:r>
               <a:rPr lang="bg-BG" sz="3600" dirty="0"/>
-              <a:t>Две главни идеи</a:t>
+              <a:t>Две главни идеи:</a:t>
             </a:r>
             <a:endParaRPr lang="en-US" sz="3600" dirty="0"/>
           </a:p>
@@ -10245,7 +9101,7 @@
                   <a:schemeClr val="bg1"/>
                 </a:solidFill>
               </a:rPr>
-              <a:t>Енкапсулиране</a:t>
+              <a:t>Капсулиране</a:t>
             </a:r>
             <a:r>
               <a:rPr lang="en-US" sz="3400" dirty="0"/>
@@ -10317,10 +9173,10 @@
       </p:sp>
       <p:sp>
         <p:nvSpPr>
-          <p:cNvPr id="6" name="Slide Number">
+          <p:cNvPr id="2" name="Slide Number">
             <a:extLst>
               <a:ext uri="{FF2B5EF4-FFF2-40B4-BE49-F238E27FC236}">
-                <a16:creationId xmlns:a16="http://schemas.microsoft.com/office/drawing/2014/main" id="{4AF01CEC-CEDB-4BB0-90C8-E0D06CE064C3}"/>
+                <a16:creationId xmlns:a16="http://schemas.microsoft.com/office/drawing/2014/main" id="{ECD68B63-CCCC-BCE1-DEA1-BA5F437BC0D5}"/>
               </a:ext>
             </a:extLst>
           </p:cNvPr>
@@ -10360,7 +9216,7 @@
     </p:spTree>
     <p:extLst>
       <p:ext uri="{BB962C8B-B14F-4D97-AF65-F5344CB8AC3E}">
-        <p14:creationId xmlns:p14="http://schemas.microsoft.com/office/powerpoint/2010/main" val="2647049964"/>
+        <p14:creationId xmlns:p14="http://schemas.microsoft.com/office/powerpoint/2010/main" val="3671939200"/>
       </p:ext>
     </p:extLst>
   </p:cSld>
@@ -10411,7 +9267,7 @@
                                         <p:tgtEl>
                                           <p:spTgt spid="3">
                                             <p:txEl>
-                                              <p:pRg st="2" end="2"/>
+                                              <p:pRg st="1" end="1"/>
                                             </p:txEl>
                                           </p:spTgt>
                                         </p:tgtEl>
@@ -10460,7 +9316,7 @@
                                         <p:tgtEl>
                                           <p:spTgt spid="3">
                                             <p:txEl>
-                                              <p:pRg st="3" end="3"/>
+                                              <p:pRg st="2" end="2"/>
                                             </p:txEl>
                                           </p:spTgt>
                                         </p:tgtEl>
@@ -10491,7 +9347,7 @@
                                         <p:tgtEl>
                                           <p:spTgt spid="3">
                                             <p:txEl>
-                                              <p:pRg st="4" end="4"/>
+                                              <p:pRg st="3" end="3"/>
                                             </p:txEl>
                                           </p:spTgt>
                                         </p:tgtEl>
@@ -10540,7 +9396,7 @@
                                         <p:tgtEl>
                                           <p:spTgt spid="3">
                                             <p:txEl>
-                                              <p:pRg st="5" end="5"/>
+                                              <p:pRg st="4" end="4"/>
                                             </p:txEl>
                                           </p:spTgt>
                                         </p:tgtEl>
@@ -10933,10 +9789,10 @@
       </p:pic>
       <p:sp>
         <p:nvSpPr>
-          <p:cNvPr id="13" name="Slide Number">
+          <p:cNvPr id="2" name="Slide Number">
             <a:extLst>
               <a:ext uri="{FF2B5EF4-FFF2-40B4-BE49-F238E27FC236}">
-                <a16:creationId xmlns:a16="http://schemas.microsoft.com/office/drawing/2014/main" id="{8F5536C1-F84C-4B6F-8AF6-303483435928}"/>
+                <a16:creationId xmlns:a16="http://schemas.microsoft.com/office/drawing/2014/main" id="{38C071ED-B3CA-E212-1773-2C5DDF92C724}"/>
               </a:ext>
             </a:extLst>
           </p:cNvPr>
@@ -10976,7 +9832,7 @@
     </p:spTree>
     <p:extLst>
       <p:ext uri="{BB962C8B-B14F-4D97-AF65-F5344CB8AC3E}">
-        <p14:creationId xmlns:p14="http://schemas.microsoft.com/office/powerpoint/2010/main" val="2343287675"/>
+        <p14:creationId xmlns:p14="http://schemas.microsoft.com/office/powerpoint/2010/main" val="4160756768"/>
       </p:ext>
     </p:extLst>
   </p:cSld>
@@ -11568,6 +10424,10 @@
           <a:lstStyle/>
           <a:p>
             <a:r>
+              <a:rPr lang="en-US" sz="3600" dirty="0"/>
+              <a:t>Singleton – </a:t>
+            </a:r>
+            <a:r>
               <a:rPr lang="bg-BG" sz="3600" dirty="0"/>
               <a:t>Най-често използваният</a:t>
             </a:r>
@@ -11639,6 +10499,10 @@
             <a:r>
               <a:rPr lang="bg-BG" sz="3600" dirty="0"/>
               <a:t>Възможни проблеми</a:t>
+            </a:r>
+            <a:r>
+              <a:rPr lang="en-US" sz="3600" dirty="0"/>
+              <a:t>:</a:t>
             </a:r>
             <a:endParaRPr lang="en-GB" sz="3600" dirty="0"/>
           </a:p>
@@ -11717,10 +10581,10 @@
       </p:pic>
       <p:sp>
         <p:nvSpPr>
-          <p:cNvPr id="7" name="Slide Number">
+          <p:cNvPr id="2" name="Slide Number">
             <a:extLst>
               <a:ext uri="{FF2B5EF4-FFF2-40B4-BE49-F238E27FC236}">
-                <a16:creationId xmlns:a16="http://schemas.microsoft.com/office/drawing/2014/main" id="{AFE694D0-42C1-4342-A2F8-703193C86284}"/>
+                <a16:creationId xmlns:a16="http://schemas.microsoft.com/office/drawing/2014/main" id="{26B3921D-2924-44DF-24E4-DE004A44FD9A}"/>
               </a:ext>
             </a:extLst>
           </p:cNvPr>
@@ -11760,7 +10624,7 @@
     </p:spTree>
     <p:extLst>
       <p:ext uri="{BB962C8B-B14F-4D97-AF65-F5344CB8AC3E}">
-        <p14:creationId xmlns:p14="http://schemas.microsoft.com/office/powerpoint/2010/main" val="3610262654"/>
+        <p14:creationId xmlns:p14="http://schemas.microsoft.com/office/powerpoint/2010/main" val="969287462"/>
       </p:ext>
     </p:extLst>
   </p:cSld>
@@ -12100,7 +10964,7 @@
             </a:r>
             <a:r>
               <a:rPr lang="bg-BG" dirty="0"/>
-              <a:t>пример</a:t>
+              <a:t>– пример</a:t>
             </a:r>
             <a:endParaRPr lang="en-US" dirty="0"/>
           </a:p>
@@ -12337,10 +11201,10 @@
       </p:sp>
       <p:sp>
         <p:nvSpPr>
-          <p:cNvPr id="8" name="Slide Number">
+          <p:cNvPr id="6" name="Slide Number">
             <a:extLst>
               <a:ext uri="{FF2B5EF4-FFF2-40B4-BE49-F238E27FC236}">
-                <a16:creationId xmlns:a16="http://schemas.microsoft.com/office/drawing/2014/main" id="{ABA19A3E-8E35-4706-8DDA-C77F69EEE2A4}"/>
+                <a16:creationId xmlns:a16="http://schemas.microsoft.com/office/drawing/2014/main" id="{62080F60-BA7A-C114-3D57-C486B9965E49}"/>
               </a:ext>
             </a:extLst>
           </p:cNvPr>
@@ -12468,7 +11332,7 @@
     </p:spTree>
     <p:extLst>
       <p:ext uri="{BB962C8B-B14F-4D97-AF65-F5344CB8AC3E}">
-        <p14:creationId xmlns:p14="http://schemas.microsoft.com/office/powerpoint/2010/main" val="1051683561"/>
+        <p14:creationId xmlns:p14="http://schemas.microsoft.com/office/powerpoint/2010/main" val="3159493455"/>
       </p:ext>
     </p:extLst>
   </p:cSld>
@@ -12537,7 +11401,7 @@
             </a:pPr>
             <a:r>
               <a:rPr lang="bg-BG" sz="3600" noProof="1"/>
-              <a:t>„Фабрика“ за </a:t>
+              <a:t>"Фабрика" за </a:t>
             </a:r>
             <a:r>
               <a:rPr lang="bg-BG" sz="3600" b="1" noProof="1">
@@ -12575,7 +11439,7 @@
             </a:r>
             <a:r>
               <a:rPr lang="en-US" sz="3400" noProof="1"/>
-              <a:t>“</a:t>
+              <a:t>"</a:t>
             </a:r>
             <a:r>
               <a:rPr lang="en-US" sz="3400" b="1" noProof="1"/>
@@ -12607,6 +11471,8 @@
                 <a:solidFill>
                   <a:schemeClr val="bg1"/>
                 </a:solidFill>
+                <a:latin typeface="Consolas" panose="020B0609020204030204" pitchFamily="49" charset="0"/>
+                <a:cs typeface="Consolas" panose="020B0609020204030204" pitchFamily="49" charset="0"/>
               </a:rPr>
               <a:t>ICloneable</a:t>
             </a:r>
@@ -12690,10 +11556,10 @@
       </p:pic>
       <p:sp>
         <p:nvSpPr>
-          <p:cNvPr id="6" name="Slide Number">
+          <p:cNvPr id="5" name="Slide Number">
             <a:extLst>
               <a:ext uri="{FF2B5EF4-FFF2-40B4-BE49-F238E27FC236}">
-                <a16:creationId xmlns:a16="http://schemas.microsoft.com/office/drawing/2014/main" id="{E7ED7215-F820-4683-A956-5FDAEB39A030}"/>
+                <a16:creationId xmlns:a16="http://schemas.microsoft.com/office/drawing/2014/main" id="{378CB3BB-0080-5FC0-C3EA-68641453BC2D}"/>
               </a:ext>
             </a:extLst>
           </p:cNvPr>
@@ -12733,7 +11599,7 @@
     </p:spTree>
     <p:extLst>
       <p:ext uri="{BB962C8B-B14F-4D97-AF65-F5344CB8AC3E}">
-        <p14:creationId xmlns:p14="http://schemas.microsoft.com/office/powerpoint/2010/main" val="3015270660"/>
+        <p14:creationId xmlns:p14="http://schemas.microsoft.com/office/powerpoint/2010/main" val="2308742508"/>
       </p:ext>
     </p:extLst>
   </p:cSld>
@@ -12777,6 +11643,55 @@
                                     <p:set>
                                       <p:cBhvr>
                                         <p:cTn id="6" dur="1" fill="hold">
+                                          <p:stCondLst>
+                                            <p:cond delay="0"/>
+                                          </p:stCondLst>
+                                        </p:cTn>
+                                        <p:tgtEl>
+                                          <p:spTgt spid="3">
+                                            <p:txEl>
+                                              <p:pRg st="1" end="1"/>
+                                            </p:txEl>
+                                          </p:spTgt>
+                                        </p:tgtEl>
+                                        <p:attrNameLst>
+                                          <p:attrName>style.visibility</p:attrName>
+                                        </p:attrNameLst>
+                                      </p:cBhvr>
+                                      <p:to>
+                                        <p:strVal val="visible"/>
+                                      </p:to>
+                                    </p:set>
+                                  </p:childTnLst>
+                                </p:cTn>
+                              </p:par>
+                            </p:childTnLst>
+                          </p:cTn>
+                        </p:par>
+                      </p:childTnLst>
+                    </p:cTn>
+                  </p:par>
+                  <p:par>
+                    <p:cTn id="7" fill="hold">
+                      <p:stCondLst>
+                        <p:cond delay="indefinite"/>
+                      </p:stCondLst>
+                      <p:childTnLst>
+                        <p:par>
+                          <p:cTn id="8" fill="hold">
+                            <p:stCondLst>
+                              <p:cond delay="0"/>
+                            </p:stCondLst>
+                            <p:childTnLst>
+                              <p:par>
+                                <p:cTn id="9" presetID="1" presetClass="entr" presetSubtype="0" fill="hold" nodeType="clickEffect">
+                                  <p:stCondLst>
+                                    <p:cond delay="0"/>
+                                  </p:stCondLst>
+                                  <p:childTnLst>
+                                    <p:set>
+                                      <p:cBhvr>
+                                        <p:cTn id="10" dur="1" fill="hold">
                                           <p:stCondLst>
                                             <p:cond delay="0"/>
                                           </p:stCondLst>
@@ -13232,10 +12147,10 @@
       </p:sp>
       <p:sp>
         <p:nvSpPr>
-          <p:cNvPr id="8" name="Slide Number">
+          <p:cNvPr id="6" name="Slide Number">
             <a:extLst>
               <a:ext uri="{FF2B5EF4-FFF2-40B4-BE49-F238E27FC236}">
-                <a16:creationId xmlns:a16="http://schemas.microsoft.com/office/drawing/2014/main" id="{1B0D12DB-754E-4E28-821E-FA0B3EE9735B}"/>
+                <a16:creationId xmlns:a16="http://schemas.microsoft.com/office/drawing/2014/main" id="{57BE32D4-F36D-6BE8-DCE8-4BB880CDFAA8}"/>
               </a:ext>
             </a:extLst>
           </p:cNvPr>
@@ -13363,7 +12278,7 @@
     </p:spTree>
     <p:extLst>
       <p:ext uri="{BB962C8B-B14F-4D97-AF65-F5344CB8AC3E}">
-        <p14:creationId xmlns:p14="http://schemas.microsoft.com/office/powerpoint/2010/main" val="2716016689"/>
+        <p14:creationId xmlns:p14="http://schemas.microsoft.com/office/powerpoint/2010/main" val="1610727962"/>
       </p:ext>
     </p:extLst>
   </p:cSld>
@@ -13640,10 +12555,10 @@
       </p:sp>
       <p:sp>
         <p:nvSpPr>
-          <p:cNvPr id="8" name="Slide Number">
+          <p:cNvPr id="6" name="Slide Number">
             <a:extLst>
               <a:ext uri="{FF2B5EF4-FFF2-40B4-BE49-F238E27FC236}">
-                <a16:creationId xmlns:a16="http://schemas.microsoft.com/office/drawing/2014/main" id="{A42D7B9A-74DC-4FF5-89D3-A7258341FB84}"/>
+                <a16:creationId xmlns:a16="http://schemas.microsoft.com/office/drawing/2014/main" id="{0C5F2232-0FB4-9472-0C9B-57F8E3853DC2}"/>
               </a:ext>
             </a:extLst>
           </p:cNvPr>
@@ -13771,7 +12686,7 @@
     </p:spTree>
     <p:extLst>
       <p:ext uri="{BB962C8B-B14F-4D97-AF65-F5344CB8AC3E}">
-        <p14:creationId xmlns:p14="http://schemas.microsoft.com/office/powerpoint/2010/main" val="1345889476"/>
+        <p14:creationId xmlns:p14="http://schemas.microsoft.com/office/powerpoint/2010/main" val="364569021"/>
       </p:ext>
     </p:extLst>
   </p:cSld>
@@ -13838,10 +12753,10 @@
       </p:pic>
       <p:sp>
         <p:nvSpPr>
-          <p:cNvPr id="3" name="Title 2">
+          <p:cNvPr id="4" name="Заглавие 3">
             <a:extLst>
               <a:ext uri="{FF2B5EF4-FFF2-40B4-BE49-F238E27FC236}">
-                <a16:creationId xmlns:a16="http://schemas.microsoft.com/office/drawing/2014/main" id="{FABF0B2B-80F0-4DA5-BEBD-226D9A9F2DFB}"/>
+                <a16:creationId xmlns:a16="http://schemas.microsoft.com/office/drawing/2014/main" id="{8CEFFC35-2F37-D13E-095B-3F99490354B8}"/>
               </a:ext>
             </a:extLst>
           </p:cNvPr>
@@ -13858,25 +12773,16 @@
           <a:lstStyle/>
           <a:p>
             <a:r>
-              <a:rPr lang="bg-BG" dirty="0"/>
-              <a:t>Структурни</a:t>
-            </a:r>
-            <a:r>
-              <a:rPr lang="en-GB" dirty="0"/>
-              <a:t> </a:t>
-            </a:r>
-            <a:r>
-              <a:rPr lang="bg-BG" dirty="0"/>
-              <a:t>шаблони</a:t>
-            </a:r>
-            <a:endParaRPr lang="en-GB" dirty="0"/>
+              <a:rPr lang="bg-BG"/>
+              <a:t>Структурни шаблони</a:t>
+            </a:r>
           </a:p>
         </p:txBody>
       </p:sp>
     </p:spTree>
     <p:extLst>
       <p:ext uri="{BB962C8B-B14F-4D97-AF65-F5344CB8AC3E}">
-        <p14:creationId xmlns:p14="http://schemas.microsoft.com/office/powerpoint/2010/main" val="2296421219"/>
+        <p14:creationId xmlns:p14="http://schemas.microsoft.com/office/powerpoint/2010/main" val="2611049318"/>
       </p:ext>
     </p:extLst>
   </p:cSld>
@@ -14024,10 +12930,10 @@
       </p:sp>
       <p:sp>
         <p:nvSpPr>
-          <p:cNvPr id="5" name="Slide Number">
+          <p:cNvPr id="2" name="Slide Number">
             <a:extLst>
               <a:ext uri="{FF2B5EF4-FFF2-40B4-BE49-F238E27FC236}">
-                <a16:creationId xmlns:a16="http://schemas.microsoft.com/office/drawing/2014/main" id="{0CAEA6D5-535A-44F8-84BB-6888BA622504}"/>
+                <a16:creationId xmlns:a16="http://schemas.microsoft.com/office/drawing/2014/main" id="{808FCA14-83C5-FF7D-2201-8E238C7CE470}"/>
               </a:ext>
             </a:extLst>
           </p:cNvPr>
@@ -14067,7 +12973,7 @@
     </p:spTree>
     <p:extLst>
       <p:ext uri="{BB962C8B-B14F-4D97-AF65-F5344CB8AC3E}">
-        <p14:creationId xmlns:p14="http://schemas.microsoft.com/office/powerpoint/2010/main" val="709687159"/>
+        <p14:creationId xmlns:p14="http://schemas.microsoft.com/office/powerpoint/2010/main" val="2593897076"/>
       </p:ext>
     </p:extLst>
   </p:cSld>
@@ -14355,7 +13261,7 @@
             </a:pPr>
             <a:r>
               <a:rPr lang="bg-BG" sz="3600" dirty="0"/>
-              <a:t>Описват начини за структуриране </a:t>
+              <a:t>Описват начини за структуриране на</a:t>
             </a:r>
             <a:r>
               <a:rPr lang="bg-BG" sz="3600" b="1" dirty="0">
@@ -14363,7 +13269,7 @@
                   <a:schemeClr val="bg1"/>
                 </a:solidFill>
               </a:rPr>
-              <a:t>на обекти</a:t>
+              <a:t> обекти</a:t>
             </a:r>
             <a:r>
               <a:rPr lang="en-US" sz="3600" dirty="0"/>
@@ -14544,10 +13450,10 @@
       </p:sp>
       <p:sp>
         <p:nvSpPr>
-          <p:cNvPr id="6" name="Slide Number">
+          <p:cNvPr id="2" name="Slide Number">
             <a:extLst>
               <a:ext uri="{FF2B5EF4-FFF2-40B4-BE49-F238E27FC236}">
-                <a16:creationId xmlns:a16="http://schemas.microsoft.com/office/drawing/2014/main" id="{167ACB34-2696-4389-BB0D-8AEEB594C5A4}"/>
+                <a16:creationId xmlns:a16="http://schemas.microsoft.com/office/drawing/2014/main" id="{5664CCD9-08F7-636A-BF5E-32147E885ECE}"/>
               </a:ext>
             </a:extLst>
           </p:cNvPr>
@@ -14587,7 +13493,7 @@
     </p:spTree>
     <p:extLst>
       <p:ext uri="{BB962C8B-B14F-4D97-AF65-F5344CB8AC3E}">
-        <p14:creationId xmlns:p14="http://schemas.microsoft.com/office/powerpoint/2010/main" val="2620763670"/>
+        <p14:creationId xmlns:p14="http://schemas.microsoft.com/office/powerpoint/2010/main" val="2533611867"/>
       </p:ext>
     </p:extLst>
   </p:cSld>
@@ -14702,15 +13608,33 @@
                                   </p:childTnLst>
                                 </p:cTn>
                               </p:par>
+                            </p:childTnLst>
+                          </p:cTn>
+                        </p:par>
+                      </p:childTnLst>
+                    </p:cTn>
+                  </p:par>
+                  <p:par>
+                    <p:cTn id="11" fill="hold">
+                      <p:stCondLst>
+                        <p:cond delay="indefinite"/>
+                      </p:stCondLst>
+                      <p:childTnLst>
+                        <p:par>
+                          <p:cTn id="12" fill="hold">
+                            <p:stCondLst>
+                              <p:cond delay="0"/>
+                            </p:stCondLst>
+                            <p:childTnLst>
                               <p:par>
-                                <p:cTn id="11" presetID="1" presetClass="entr" presetSubtype="0" fill="hold" nodeType="withEffect">
+                                <p:cTn id="13" presetID="1" presetClass="entr" presetSubtype="0" fill="hold" nodeType="clickEffect">
                                   <p:stCondLst>
                                     <p:cond delay="0"/>
                                   </p:stCondLst>
                                   <p:childTnLst>
                                     <p:set>
                                       <p:cBhvr>
-                                        <p:cTn id="12" dur="1" fill="hold">
+                                        <p:cTn id="14" dur="1" fill="hold">
                                           <p:stCondLst>
                                             <p:cond delay="0"/>
                                           </p:stCondLst>
@@ -14740,26 +13664,26 @@
                     </p:cTn>
                   </p:par>
                   <p:par>
-                    <p:cTn id="13" fill="hold">
+                    <p:cTn id="15" fill="hold">
                       <p:stCondLst>
                         <p:cond delay="indefinite"/>
                       </p:stCondLst>
                       <p:childTnLst>
                         <p:par>
-                          <p:cTn id="14" fill="hold">
+                          <p:cTn id="16" fill="hold">
                             <p:stCondLst>
                               <p:cond delay="0"/>
                             </p:stCondLst>
                             <p:childTnLst>
                               <p:par>
-                                <p:cTn id="15" presetID="1" presetClass="entr" presetSubtype="0" fill="hold" nodeType="clickEffect">
+                                <p:cTn id="17" presetID="1" presetClass="entr" presetSubtype="0" fill="hold" nodeType="clickEffect">
                                   <p:stCondLst>
                                     <p:cond delay="0"/>
                                   </p:stCondLst>
                                   <p:childTnLst>
                                     <p:set>
                                       <p:cBhvr>
-                                        <p:cTn id="16" dur="1" fill="hold">
+                                        <p:cTn id="18" dur="1" fill="hold">
                                           <p:stCondLst>
                                             <p:cond delay="0"/>
                                           </p:stCondLst>
@@ -15212,10 +14136,10 @@
       </p:pic>
       <p:sp>
         <p:nvSpPr>
-          <p:cNvPr id="20" name="Slide Number">
+          <p:cNvPr id="2" name="Slide Number">
             <a:extLst>
               <a:ext uri="{FF2B5EF4-FFF2-40B4-BE49-F238E27FC236}">
-                <a16:creationId xmlns:a16="http://schemas.microsoft.com/office/drawing/2014/main" id="{1A2E5B72-7C02-4FE5-B4FE-5299CFAE3E14}"/>
+                <a16:creationId xmlns:a16="http://schemas.microsoft.com/office/drawing/2014/main" id="{52C06065-3940-5AA1-3990-B3464BCD4906}"/>
               </a:ext>
             </a:extLst>
           </p:cNvPr>
@@ -15255,7 +14179,7 @@
     </p:spTree>
     <p:extLst>
       <p:ext uri="{BB962C8B-B14F-4D97-AF65-F5344CB8AC3E}">
-        <p14:creationId xmlns:p14="http://schemas.microsoft.com/office/powerpoint/2010/main" val="2317492736"/>
+        <p14:creationId xmlns:p14="http://schemas.microsoft.com/office/powerpoint/2010/main" val="1000278474"/>
       </p:ext>
     </p:extLst>
   </p:cSld>
@@ -16148,10 +15072,10 @@
       </p:sp>
       <p:sp>
         <p:nvSpPr>
-          <p:cNvPr id="10" name="Slide Number">
+          <p:cNvPr id="2" name="Slide Number">
             <a:extLst>
               <a:ext uri="{FF2B5EF4-FFF2-40B4-BE49-F238E27FC236}">
-                <a16:creationId xmlns:a16="http://schemas.microsoft.com/office/drawing/2014/main" id="{4B8061FE-D7B2-462D-9251-D6E8E78937D1}"/>
+                <a16:creationId xmlns:a16="http://schemas.microsoft.com/office/drawing/2014/main" id="{810F0EF7-9290-D339-6688-83938245334D}"/>
               </a:ext>
             </a:extLst>
           </p:cNvPr>
@@ -16191,7 +15115,7 @@
     </p:spTree>
     <p:extLst>
       <p:ext uri="{BB962C8B-B14F-4D97-AF65-F5344CB8AC3E}">
-        <p14:creationId xmlns:p14="http://schemas.microsoft.com/office/powerpoint/2010/main" val="3175441626"/>
+        <p14:creationId xmlns:p14="http://schemas.microsoft.com/office/powerpoint/2010/main" val="368909125"/>
       </p:ext>
     </p:extLst>
   </p:cSld>
@@ -16585,10 +15509,10 @@
       </p:sp>
       <p:sp>
         <p:nvSpPr>
-          <p:cNvPr id="8" name="Slide Number">
+          <p:cNvPr id="6" name="Slide Number">
             <a:extLst>
               <a:ext uri="{FF2B5EF4-FFF2-40B4-BE49-F238E27FC236}">
-                <a16:creationId xmlns:a16="http://schemas.microsoft.com/office/drawing/2014/main" id="{D2F31FC6-6FE8-41B1-8847-9A14DB70E568}"/>
+                <a16:creationId xmlns:a16="http://schemas.microsoft.com/office/drawing/2014/main" id="{8F480966-5A47-5997-61FA-61F3F9933180}"/>
               </a:ext>
             </a:extLst>
           </p:cNvPr>
@@ -16716,7 +15640,7 @@
     </p:spTree>
     <p:extLst>
       <p:ext uri="{BB962C8B-B14F-4D97-AF65-F5344CB8AC3E}">
-        <p14:creationId xmlns:p14="http://schemas.microsoft.com/office/powerpoint/2010/main" val="309762096"/>
+        <p14:creationId xmlns:p14="http://schemas.microsoft.com/office/powerpoint/2010/main" val="430317770"/>
       </p:ext>
     </p:extLst>
   </p:cSld>
@@ -17198,10 +16122,10 @@
       </p:sp>
       <p:sp>
         <p:nvSpPr>
-          <p:cNvPr id="8" name="Slide Number">
+          <p:cNvPr id="6" name="Slide Number">
             <a:extLst>
               <a:ext uri="{FF2B5EF4-FFF2-40B4-BE49-F238E27FC236}">
-                <a16:creationId xmlns:a16="http://schemas.microsoft.com/office/drawing/2014/main" id="{2A18F628-1AA3-44DD-909A-E95FFFDF4697}"/>
+                <a16:creationId xmlns:a16="http://schemas.microsoft.com/office/drawing/2014/main" id="{E609094F-B291-F75A-80BB-6F420A632D42}"/>
               </a:ext>
             </a:extLst>
           </p:cNvPr>
@@ -17329,7 +16253,7 @@
     </p:spTree>
     <p:extLst>
       <p:ext uri="{BB962C8B-B14F-4D97-AF65-F5344CB8AC3E}">
-        <p14:creationId xmlns:p14="http://schemas.microsoft.com/office/powerpoint/2010/main" val="776872298"/>
+        <p14:creationId xmlns:p14="http://schemas.microsoft.com/office/powerpoint/2010/main" val="394637736"/>
       </p:ext>
     </p:extLst>
   </p:cSld>
@@ -17857,10 +16781,10 @@
       </p:sp>
       <p:sp>
         <p:nvSpPr>
-          <p:cNvPr id="9" name="Slide Number">
+          <p:cNvPr id="7" name="Slide Number">
             <a:extLst>
               <a:ext uri="{FF2B5EF4-FFF2-40B4-BE49-F238E27FC236}">
-                <a16:creationId xmlns:a16="http://schemas.microsoft.com/office/drawing/2014/main" id="{2E239BBC-8B60-48E6-963C-CF78417080D7}"/>
+                <a16:creationId xmlns:a16="http://schemas.microsoft.com/office/drawing/2014/main" id="{A677F8F9-9A3F-83BF-733C-B9BA362D4244}"/>
               </a:ext>
             </a:extLst>
           </p:cNvPr>
@@ -17988,7 +16912,7 @@
     </p:spTree>
     <p:extLst>
       <p:ext uri="{BB962C8B-B14F-4D97-AF65-F5344CB8AC3E}">
-        <p14:creationId xmlns:p14="http://schemas.microsoft.com/office/powerpoint/2010/main" val="825327641"/>
+        <p14:creationId xmlns:p14="http://schemas.microsoft.com/office/powerpoint/2010/main" val="3793180384"/>
       </p:ext>
     </p:extLst>
   </p:cSld>
@@ -18214,10 +17138,10 @@
       </p:pic>
       <p:sp>
         <p:nvSpPr>
-          <p:cNvPr id="8" name="Slide Number">
+          <p:cNvPr id="2" name="Slide Number">
             <a:extLst>
               <a:ext uri="{FF2B5EF4-FFF2-40B4-BE49-F238E27FC236}">
-                <a16:creationId xmlns:a16="http://schemas.microsoft.com/office/drawing/2014/main" id="{C1CE3D0A-E8EB-4D30-B03E-FE70CA5E2BC9}"/>
+                <a16:creationId xmlns:a16="http://schemas.microsoft.com/office/drawing/2014/main" id="{9B6F9561-B3E8-A51D-3A96-6A4A5418CAE1}"/>
               </a:ext>
             </a:extLst>
           </p:cNvPr>
@@ -18257,7 +17181,7 @@
     </p:spTree>
     <p:extLst>
       <p:ext uri="{BB962C8B-B14F-4D97-AF65-F5344CB8AC3E}">
-        <p14:creationId xmlns:p14="http://schemas.microsoft.com/office/powerpoint/2010/main" val="627734046"/>
+        <p14:creationId xmlns:p14="http://schemas.microsoft.com/office/powerpoint/2010/main" val="2833813841"/>
       </p:ext>
     </p:extLst>
   </p:cSld>
@@ -18307,6 +17231,135 @@
                                         </p:cTn>
                                         <p:tgtEl>
                                           <p:spTgt spid="7"/>
+                                        </p:tgtEl>
+                                        <p:attrNameLst>
+                                          <p:attrName>style.visibility</p:attrName>
+                                        </p:attrNameLst>
+                                      </p:cBhvr>
+                                      <p:to>
+                                        <p:strVal val="visible"/>
+                                      </p:to>
+                                    </p:set>
+                                  </p:childTnLst>
+                                </p:cTn>
+                              </p:par>
+                            </p:childTnLst>
+                          </p:cTn>
+                        </p:par>
+                      </p:childTnLst>
+                    </p:cTn>
+                  </p:par>
+                  <p:par>
+                    <p:cTn id="7" fill="hold">
+                      <p:stCondLst>
+                        <p:cond delay="indefinite"/>
+                      </p:stCondLst>
+                      <p:childTnLst>
+                        <p:par>
+                          <p:cTn id="8" fill="hold">
+                            <p:stCondLst>
+                              <p:cond delay="0"/>
+                            </p:stCondLst>
+                            <p:childTnLst>
+                              <p:par>
+                                <p:cTn id="9" presetID="1" presetClass="entr" presetSubtype="0" fill="hold" nodeType="clickEffect">
+                                  <p:stCondLst>
+                                    <p:cond delay="0"/>
+                                  </p:stCondLst>
+                                  <p:childTnLst>
+                                    <p:set>
+                                      <p:cBhvr>
+                                        <p:cTn id="10" dur="1" fill="hold">
+                                          <p:stCondLst>
+                                            <p:cond delay="0"/>
+                                          </p:stCondLst>
+                                        </p:cTn>
+                                        <p:tgtEl>
+                                          <p:spTgt spid="3">
+                                            <p:txEl>
+                                              <p:pRg st="1" end="1"/>
+                                            </p:txEl>
+                                          </p:spTgt>
+                                        </p:tgtEl>
+                                        <p:attrNameLst>
+                                          <p:attrName>style.visibility</p:attrName>
+                                        </p:attrNameLst>
+                                      </p:cBhvr>
+                                      <p:to>
+                                        <p:strVal val="visible"/>
+                                      </p:to>
+                                    </p:set>
+                                  </p:childTnLst>
+                                </p:cTn>
+                              </p:par>
+                              <p:par>
+                                <p:cTn id="11" presetID="1" presetClass="entr" presetSubtype="0" fill="hold" nodeType="withEffect">
+                                  <p:stCondLst>
+                                    <p:cond delay="0"/>
+                                  </p:stCondLst>
+                                  <p:childTnLst>
+                                    <p:set>
+                                      <p:cBhvr>
+                                        <p:cTn id="12" dur="1" fill="hold">
+                                          <p:stCondLst>
+                                            <p:cond delay="0"/>
+                                          </p:stCondLst>
+                                        </p:cTn>
+                                        <p:tgtEl>
+                                          <p:spTgt spid="3">
+                                            <p:txEl>
+                                              <p:pRg st="2" end="2"/>
+                                            </p:txEl>
+                                          </p:spTgt>
+                                        </p:tgtEl>
+                                        <p:attrNameLst>
+                                          <p:attrName>style.visibility</p:attrName>
+                                        </p:attrNameLst>
+                                      </p:cBhvr>
+                                      <p:to>
+                                        <p:strVal val="visible"/>
+                                      </p:to>
+                                    </p:set>
+                                  </p:childTnLst>
+                                </p:cTn>
+                              </p:par>
+                            </p:childTnLst>
+                          </p:cTn>
+                        </p:par>
+                      </p:childTnLst>
+                    </p:cTn>
+                  </p:par>
+                  <p:par>
+                    <p:cTn id="13" fill="hold">
+                      <p:stCondLst>
+                        <p:cond delay="indefinite"/>
+                      </p:stCondLst>
+                      <p:childTnLst>
+                        <p:par>
+                          <p:cTn id="14" fill="hold">
+                            <p:stCondLst>
+                              <p:cond delay="0"/>
+                            </p:stCondLst>
+                            <p:childTnLst>
+                              <p:par>
+                                <p:cTn id="15" presetID="1" presetClass="entr" presetSubtype="0" fill="hold" nodeType="clickEffect">
+                                  <p:stCondLst>
+                                    <p:cond delay="0"/>
+                                  </p:stCondLst>
+                                  <p:childTnLst>
+                                    <p:set>
+                                      <p:cBhvr>
+                                        <p:cTn id="16" dur="1" fill="hold">
+                                          <p:stCondLst>
+                                            <p:cond delay="0"/>
+                                          </p:stCondLst>
+                                        </p:cTn>
+                                        <p:tgtEl>
+                                          <p:spTgt spid="3">
+                                            <p:txEl>
+                                              <p:pRg st="3" end="3"/>
+                                            </p:txEl>
+                                          </p:spTgt>
                                         </p:tgtEl>
                                         <p:attrNameLst>
                                           <p:attrName>style.visibility</p:attrName>
@@ -18740,10 +17793,10 @@
       </p:sp>
       <p:sp>
         <p:nvSpPr>
-          <p:cNvPr id="8" name="Slide Number">
+          <p:cNvPr id="6" name="Slide Number">
             <a:extLst>
               <a:ext uri="{FF2B5EF4-FFF2-40B4-BE49-F238E27FC236}">
-                <a16:creationId xmlns:a16="http://schemas.microsoft.com/office/drawing/2014/main" id="{D1288157-C48D-4B3C-99B6-68903A2F01A1}"/>
+                <a16:creationId xmlns:a16="http://schemas.microsoft.com/office/drawing/2014/main" id="{A05A5C6B-20C3-DC0E-096F-03810FEEDE51}"/>
               </a:ext>
             </a:extLst>
           </p:cNvPr>
@@ -18871,7 +17924,7 @@
     </p:spTree>
     <p:extLst>
       <p:ext uri="{BB962C8B-B14F-4D97-AF65-F5344CB8AC3E}">
-        <p14:creationId xmlns:p14="http://schemas.microsoft.com/office/powerpoint/2010/main" val="901093606"/>
+        <p14:creationId xmlns:p14="http://schemas.microsoft.com/office/powerpoint/2010/main" val="1114639058"/>
       </p:ext>
     </p:extLst>
   </p:cSld>
@@ -18917,7 +17970,7 @@
         <p:spPr>
           <a:xfrm>
             <a:off x="517389" y="1266725"/>
-            <a:ext cx="11157222" cy="5132275"/>
+            <a:ext cx="11235641" cy="5132275"/>
           </a:xfrm>
           <a:prstGeom prst="rect">
             <a:avLst/>
@@ -19260,10 +18313,10 @@
       </p:sp>
       <p:sp>
         <p:nvSpPr>
-          <p:cNvPr id="8" name="Slide Number">
+          <p:cNvPr id="6" name="Slide Number">
             <a:extLst>
               <a:ext uri="{FF2B5EF4-FFF2-40B4-BE49-F238E27FC236}">
-                <a16:creationId xmlns:a16="http://schemas.microsoft.com/office/drawing/2014/main" id="{CCD73D43-2C2A-49BC-9BFE-293E062CCB74}"/>
+                <a16:creationId xmlns:a16="http://schemas.microsoft.com/office/drawing/2014/main" id="{EB60725C-1DD7-FD84-D55B-551310BF5F22}"/>
               </a:ext>
             </a:extLst>
           </p:cNvPr>
@@ -19391,7 +18444,7 @@
     </p:spTree>
     <p:extLst>
       <p:ext uri="{BB962C8B-B14F-4D97-AF65-F5344CB8AC3E}">
-        <p14:creationId xmlns:p14="http://schemas.microsoft.com/office/powerpoint/2010/main" val="2076433905"/>
+        <p14:creationId xmlns:p14="http://schemas.microsoft.com/office/powerpoint/2010/main" val="2427612081"/>
       </p:ext>
     </p:extLst>
   </p:cSld>
@@ -19792,10 +18845,10 @@
       </p:sp>
       <p:sp>
         <p:nvSpPr>
-          <p:cNvPr id="8" name="Slide Number">
+          <p:cNvPr id="6" name="Slide Number">
             <a:extLst>
               <a:ext uri="{FF2B5EF4-FFF2-40B4-BE49-F238E27FC236}">
-                <a16:creationId xmlns:a16="http://schemas.microsoft.com/office/drawing/2014/main" id="{F4689F60-B6B4-4FFD-A91F-75292992E854}"/>
+                <a16:creationId xmlns:a16="http://schemas.microsoft.com/office/drawing/2014/main" id="{BEA82BC3-E191-ABEF-95D2-626E99E97175}"/>
               </a:ext>
             </a:extLst>
           </p:cNvPr>
@@ -19923,7 +18976,7 @@
     </p:spTree>
     <p:extLst>
       <p:ext uri="{BB962C8B-B14F-4D97-AF65-F5344CB8AC3E}">
-        <p14:creationId xmlns:p14="http://schemas.microsoft.com/office/powerpoint/2010/main" val="1603814711"/>
+        <p14:creationId xmlns:p14="http://schemas.microsoft.com/office/powerpoint/2010/main" val="50429992"/>
       </p:ext>
     </p:extLst>
   </p:cSld>
@@ -19990,10 +19043,10 @@
       </p:pic>
       <p:sp>
         <p:nvSpPr>
-          <p:cNvPr id="3" name="Subtitle 2">
+          <p:cNvPr id="5" name="Подзаглавие 4">
             <a:extLst>
               <a:ext uri="{FF2B5EF4-FFF2-40B4-BE49-F238E27FC236}">
-                <a16:creationId xmlns:a16="http://schemas.microsoft.com/office/drawing/2014/main" id="{C963C7D9-552D-C690-7350-25BD2D835FD9}"/>
+                <a16:creationId xmlns:a16="http://schemas.microsoft.com/office/drawing/2014/main" id="{10DF22AE-607B-8021-71E0-2B6658942EF1}"/>
               </a:ext>
             </a:extLst>
           </p:cNvPr>
@@ -20011,42 +19064,17 @@
           <a:p>
             <a:r>
               <a:rPr lang="bg-BG" dirty="0"/>
-              <a:t>Дефиниция</a:t>
-            </a:r>
-            <a:r>
-              <a:rPr lang="en-US" dirty="0"/>
-              <a:t>, </a:t>
-            </a:r>
-            <a:r>
-              <a:rPr lang="bg-BG" dirty="0"/>
-              <a:t>решения</a:t>
-            </a:r>
-            <a:r>
-              <a:rPr lang="en-US" dirty="0"/>
-              <a:t> </a:t>
-            </a:r>
-            <a:r>
-              <a:rPr lang="bg-BG" dirty="0"/>
-              <a:t>и</a:t>
-            </a:r>
-            <a:r>
-              <a:rPr lang="en-US" dirty="0"/>
-              <a:t> </a:t>
-            </a:r>
-            <a:r>
-              <a:rPr lang="bg-BG" dirty="0"/>
-              <a:t>елементи</a:t>
-            </a:r>
-            <a:endParaRPr lang="en-US" dirty="0"/>
+              <a:t>Дефиниция, решения и елементи</a:t>
+            </a:r>
           </a:p>
         </p:txBody>
       </p:sp>
       <p:sp>
         <p:nvSpPr>
-          <p:cNvPr id="6" name="Title 5">
+          <p:cNvPr id="8" name="Заглавие 7">
             <a:extLst>
               <a:ext uri="{FF2B5EF4-FFF2-40B4-BE49-F238E27FC236}">
-                <a16:creationId xmlns:a16="http://schemas.microsoft.com/office/drawing/2014/main" id="{01F253F9-2642-42A7-9CDE-F9C111C43A93}"/>
+                <a16:creationId xmlns:a16="http://schemas.microsoft.com/office/drawing/2014/main" id="{A26BD2D5-A8E9-D241-A29C-F92F99360168}"/>
               </a:ext>
             </a:extLst>
           </p:cNvPr>
@@ -20066,14 +19094,13 @@
               <a:rPr lang="bg-BG" dirty="0"/>
               <a:t>Шаблони за дизайн</a:t>
             </a:r>
-            <a:endParaRPr lang="en-US" dirty="0"/>
           </a:p>
         </p:txBody>
       </p:sp>
     </p:spTree>
     <p:extLst>
       <p:ext uri="{BB962C8B-B14F-4D97-AF65-F5344CB8AC3E}">
-        <p14:creationId xmlns:p14="http://schemas.microsoft.com/office/powerpoint/2010/main" val="2770157831"/>
+        <p14:creationId xmlns:p14="http://schemas.microsoft.com/office/powerpoint/2010/main" val="2569687801"/>
       </p:ext>
     </p:extLst>
   </p:cSld>
@@ -20480,10 +19507,10 @@
       </p:sp>
       <p:sp>
         <p:nvSpPr>
-          <p:cNvPr id="8" name="Slide Number">
+          <p:cNvPr id="6" name="Slide Number">
             <a:extLst>
               <a:ext uri="{FF2B5EF4-FFF2-40B4-BE49-F238E27FC236}">
-                <a16:creationId xmlns:a16="http://schemas.microsoft.com/office/drawing/2014/main" id="{0AA1AC1C-192E-4576-8115-659E0841BBE0}"/>
+                <a16:creationId xmlns:a16="http://schemas.microsoft.com/office/drawing/2014/main" id="{2B94B6ED-4D99-5A01-C30F-DB6DE4810607}"/>
               </a:ext>
             </a:extLst>
           </p:cNvPr>
@@ -20611,7 +19638,7 @@
     </p:spTree>
     <p:extLst>
       <p:ext uri="{BB962C8B-B14F-4D97-AF65-F5344CB8AC3E}">
-        <p14:creationId xmlns:p14="http://schemas.microsoft.com/office/powerpoint/2010/main" val="3937347894"/>
+        <p14:creationId xmlns:p14="http://schemas.microsoft.com/office/powerpoint/2010/main" val="1752504307"/>
       </p:ext>
     </p:extLst>
   </p:cSld>
@@ -20678,10 +19705,10 @@
       </p:pic>
       <p:sp>
         <p:nvSpPr>
-          <p:cNvPr id="3" name="Title 2">
+          <p:cNvPr id="4" name="Заглавие 3">
             <a:extLst>
               <a:ext uri="{FF2B5EF4-FFF2-40B4-BE49-F238E27FC236}">
-                <a16:creationId xmlns:a16="http://schemas.microsoft.com/office/drawing/2014/main" id="{D83667D4-E4A5-4F93-9A7F-90C41DAB7010}"/>
+                <a16:creationId xmlns:a16="http://schemas.microsoft.com/office/drawing/2014/main" id="{3204149C-D7DB-A387-8ADC-78548B4130A2}"/>
               </a:ext>
             </a:extLst>
           </p:cNvPr>
@@ -20698,25 +19725,16 @@
           <a:lstStyle/>
           <a:p>
             <a:r>
-              <a:rPr lang="bg-BG" dirty="0"/>
-              <a:t>Поведенчески</a:t>
-            </a:r>
-            <a:r>
-              <a:rPr lang="en-GB" dirty="0"/>
-              <a:t> </a:t>
-            </a:r>
-            <a:r>
-              <a:rPr lang="bg-BG" dirty="0"/>
-              <a:t>шаблони</a:t>
-            </a:r>
-            <a:endParaRPr lang="en-GB" dirty="0"/>
+              <a:rPr lang="bg-BG"/>
+              <a:t>Поведенчески шаблони</a:t>
+            </a:r>
           </a:p>
         </p:txBody>
       </p:sp>
     </p:spTree>
     <p:extLst>
       <p:ext uri="{BB962C8B-B14F-4D97-AF65-F5344CB8AC3E}">
-        <p14:creationId xmlns:p14="http://schemas.microsoft.com/office/powerpoint/2010/main" val="3724282767"/>
+        <p14:creationId xmlns:p14="http://schemas.microsoft.com/office/powerpoint/2010/main" val="3562861789"/>
       </p:ext>
     </p:extLst>
   </p:cSld>
@@ -20770,18 +19788,18 @@
           <a:p>
             <a:pPr marL="457200" indent="-457200">
               <a:lnSpc>
-                <a:spcPct val="100000"/>
+                <a:spcPct val="110000"/>
               </a:lnSpc>
               <a:buClr>
                 <a:srgbClr val="234465"/>
               </a:buClr>
             </a:pPr>
             <a:r>
-              <a:rPr lang="bg-BG" sz="3600" dirty="0"/>
+              <a:rPr lang="bg-BG" sz="4000" dirty="0"/>
               <a:t>Свързани са с </a:t>
             </a:r>
             <a:r>
-              <a:rPr lang="bg-BG" sz="3600" b="1" dirty="0">
+              <a:rPr lang="bg-BG" sz="4000" b="1" dirty="0">
                 <a:solidFill>
                   <a:schemeClr val="bg1"/>
                 </a:solidFill>
@@ -20789,38 +19807,38 @@
               <a:t>интеракцията</a:t>
             </a:r>
             <a:r>
-              <a:rPr lang="en-US" sz="3600" dirty="0"/>
+              <a:rPr lang="en-US" sz="4000" dirty="0"/>
               <a:t> </a:t>
             </a:r>
             <a:r>
-              <a:rPr lang="bg-BG" sz="3600" dirty="0"/>
+              <a:rPr lang="bg-BG" sz="4000" dirty="0"/>
               <a:t>между</a:t>
             </a:r>
             <a:r>
-              <a:rPr lang="en-US" sz="3600" dirty="0"/>
+              <a:rPr lang="en-US" sz="4000" dirty="0"/>
               <a:t> </a:t>
             </a:r>
             <a:r>
-              <a:rPr lang="bg-BG" sz="3600" dirty="0"/>
+              <a:rPr lang="bg-BG" sz="4000" dirty="0"/>
               <a:t>обекти</a:t>
             </a:r>
-            <a:endParaRPr lang="en-US" sz="3600" dirty="0"/>
+            <a:endParaRPr lang="en-US" sz="4000" dirty="0"/>
           </a:p>
           <a:p>
             <a:pPr marL="990266" lvl="1" indent="-457200">
               <a:lnSpc>
-                <a:spcPct val="100000"/>
+                <a:spcPct val="110000"/>
               </a:lnSpc>
               <a:buClr>
                 <a:srgbClr val="234465"/>
               </a:buClr>
             </a:pPr>
             <a:r>
-              <a:rPr lang="bg-BG" sz="3400" dirty="0"/>
+              <a:rPr lang="bg-BG" sz="3800" dirty="0"/>
               <a:t>Или с </a:t>
             </a:r>
             <a:r>
-              <a:rPr lang="bg-BG" sz="3400" b="1" dirty="0">
+              <a:rPr lang="bg-BG" sz="3800" b="1" dirty="0">
                 <a:solidFill>
                   <a:schemeClr val="bg1"/>
                 </a:solidFill>
@@ -20828,7 +19846,7 @@
               <a:t>разпределянето</a:t>
             </a:r>
             <a:r>
-              <a:rPr lang="en-US" sz="3400" b="1" dirty="0">
+              <a:rPr lang="en-US" sz="3800" b="1" dirty="0">
                 <a:solidFill>
                   <a:schemeClr val="bg1"/>
                 </a:solidFill>
@@ -20836,7 +19854,7 @@
               <a:t> </a:t>
             </a:r>
             <a:r>
-              <a:rPr lang="bg-BG" sz="3400" b="1" dirty="0">
+              <a:rPr lang="bg-BG" sz="3800" b="1" dirty="0">
                 <a:solidFill>
                   <a:schemeClr val="bg1"/>
                 </a:solidFill>
@@ -20844,7 +19862,7 @@
               <a:t>на</a:t>
             </a:r>
             <a:r>
-              <a:rPr lang="en-US" sz="3400" b="1" dirty="0">
+              <a:rPr lang="en-US" sz="3800" b="1" dirty="0">
                 <a:solidFill>
                   <a:schemeClr val="bg1"/>
                 </a:solidFill>
@@ -20852,41 +19870,42 @@
               <a:t> </a:t>
             </a:r>
             <a:r>
-              <a:rPr lang="bg-BG" sz="3400" b="1" dirty="0">
+              <a:rPr lang="bg-BG" sz="3800" b="1" dirty="0">
                 <a:solidFill>
                   <a:schemeClr val="bg1"/>
                 </a:solidFill>
               </a:rPr>
               <a:t>отговорности</a:t>
             </a:r>
-            <a:br>
-              <a:rPr lang="en-US" sz="3400" dirty="0"/>
-            </a:br>
-            <a:r>
-              <a:rPr lang="bg-BG" sz="3400" dirty="0"/>
+            <a:r>
+              <a:rPr lang="en-US" sz="3800" dirty="0"/>
+              <a:t> </a:t>
+            </a:r>
+            <a:r>
+              <a:rPr lang="bg-BG" sz="3800" dirty="0"/>
               <a:t>между обекти</a:t>
             </a:r>
-            <a:endParaRPr lang="en-US" sz="3400" dirty="0"/>
+            <a:endParaRPr lang="en-US" sz="3800" dirty="0"/>
           </a:p>
           <a:p>
             <a:pPr marL="990266" lvl="1" indent="-457200">
               <a:lnSpc>
-                <a:spcPct val="100000"/>
+                <a:spcPct val="110000"/>
               </a:lnSpc>
               <a:buClr>
                 <a:srgbClr val="234465"/>
               </a:buClr>
             </a:pPr>
             <a:r>
-              <a:rPr lang="bg-BG" sz="3400" dirty="0"/>
+              <a:rPr lang="bg-BG" sz="3800" dirty="0"/>
               <a:t>Или с</a:t>
             </a:r>
             <a:r>
-              <a:rPr lang="en-US" sz="3400" dirty="0"/>
+              <a:rPr lang="en-US" sz="3800" dirty="0"/>
               <a:t> </a:t>
             </a:r>
             <a:r>
-              <a:rPr lang="bg-BG" sz="3400" b="1" dirty="0">
+              <a:rPr lang="bg-BG" sz="3800" b="1" dirty="0">
                 <a:solidFill>
                   <a:schemeClr val="bg1"/>
                 </a:solidFill>
@@ -20894,7 +19913,7 @@
               <a:t>енкапсулирането на поведение</a:t>
             </a:r>
             <a:r>
-              <a:rPr lang="en-US" sz="3400" b="1" dirty="0">
+              <a:rPr lang="en-US" sz="3800" b="1" dirty="0">
                 <a:solidFill>
                   <a:schemeClr val="bg1"/>
                 </a:solidFill>
@@ -20902,30 +19921,30 @@
               <a:t> </a:t>
             </a:r>
             <a:r>
-              <a:rPr lang="bg-BG" sz="3400" dirty="0"/>
+              <a:rPr lang="bg-BG" sz="3800" dirty="0"/>
               <a:t>в обект и делегирането на заявки към него</a:t>
             </a:r>
-            <a:endParaRPr lang="en-US" sz="3400" dirty="0"/>
+            <a:endParaRPr lang="en-US" sz="3800" dirty="0"/>
           </a:p>
           <a:p>
             <a:pPr marL="457200" indent="-457200">
               <a:lnSpc>
-                <a:spcPct val="100000"/>
+                <a:spcPct val="110000"/>
               </a:lnSpc>
               <a:buClr>
                 <a:srgbClr val="234465"/>
               </a:buClr>
             </a:pPr>
             <a:r>
-              <a:rPr lang="bg-BG" sz="3600" dirty="0"/>
+              <a:rPr lang="bg-BG" sz="4000" dirty="0"/>
               <a:t>Увеличава</a:t>
             </a:r>
             <a:r>
-              <a:rPr lang="en-US" sz="3600" dirty="0"/>
+              <a:rPr lang="en-US" sz="4000" dirty="0"/>
               <a:t> </a:t>
             </a:r>
             <a:r>
-              <a:rPr lang="bg-BG" sz="3600" b="1" dirty="0">
+              <a:rPr lang="bg-BG" sz="4000" b="1" dirty="0">
                 <a:solidFill>
                   <a:schemeClr val="bg1"/>
                 </a:solidFill>
@@ -20933,14 +19952,14 @@
               <a:t>гъвкавостта</a:t>
             </a:r>
             <a:r>
-              <a:rPr lang="en-US" sz="3600" dirty="0"/>
+              <a:rPr lang="en-US" sz="4000" dirty="0"/>
               <a:t> </a:t>
             </a:r>
             <a:r>
-              <a:rPr lang="bg-BG" sz="3600" dirty="0"/>
+              <a:rPr lang="bg-BG" sz="4000" dirty="0"/>
               <a:t>при провеждането на комуникация между класове</a:t>
             </a:r>
-            <a:endParaRPr lang="en-US" sz="3600" dirty="0"/>
+            <a:endParaRPr lang="en-US" sz="4000" dirty="0"/>
           </a:p>
         </p:txBody>
       </p:sp>
@@ -20971,10 +19990,10 @@
       </p:sp>
       <p:sp>
         <p:nvSpPr>
-          <p:cNvPr id="6" name="Slide Number">
+          <p:cNvPr id="2" name="Slide Number">
             <a:extLst>
               <a:ext uri="{FF2B5EF4-FFF2-40B4-BE49-F238E27FC236}">
-                <a16:creationId xmlns:a16="http://schemas.microsoft.com/office/drawing/2014/main" id="{5E6AF9C7-D28C-487A-927A-A941D5978580}"/>
+                <a16:creationId xmlns:a16="http://schemas.microsoft.com/office/drawing/2014/main" id="{4CC13411-FEC4-11A2-F2ED-807AE556FC00}"/>
               </a:ext>
             </a:extLst>
           </p:cNvPr>
@@ -21014,7 +20033,7 @@
     </p:spTree>
     <p:extLst>
       <p:ext uri="{BB962C8B-B14F-4D97-AF65-F5344CB8AC3E}">
-        <p14:creationId xmlns:p14="http://schemas.microsoft.com/office/powerpoint/2010/main" val="3138933970"/>
+        <p14:creationId xmlns:p14="http://schemas.microsoft.com/office/powerpoint/2010/main" val="1196594594"/>
       </p:ext>
     </p:extLst>
   </p:cSld>
@@ -21065,7 +20084,7 @@
                                         <p:tgtEl>
                                           <p:spTgt spid="3">
                                             <p:txEl>
-                                              <p:pRg st="2" end="2"/>
+                                              <p:pRg st="1" end="1"/>
                                             </p:txEl>
                                           </p:spTgt>
                                         </p:tgtEl>
@@ -21107,6 +20126,55 @@
                                     <p:set>
                                       <p:cBhvr>
                                         <p:cTn id="10" dur="1" fill="hold">
+                                          <p:stCondLst>
+                                            <p:cond delay="0"/>
+                                          </p:stCondLst>
+                                        </p:cTn>
+                                        <p:tgtEl>
+                                          <p:spTgt spid="3">
+                                            <p:txEl>
+                                              <p:pRg st="2" end="2"/>
+                                            </p:txEl>
+                                          </p:spTgt>
+                                        </p:tgtEl>
+                                        <p:attrNameLst>
+                                          <p:attrName>style.visibility</p:attrName>
+                                        </p:attrNameLst>
+                                      </p:cBhvr>
+                                      <p:to>
+                                        <p:strVal val="visible"/>
+                                      </p:to>
+                                    </p:set>
+                                  </p:childTnLst>
+                                </p:cTn>
+                              </p:par>
+                            </p:childTnLst>
+                          </p:cTn>
+                        </p:par>
+                      </p:childTnLst>
+                    </p:cTn>
+                  </p:par>
+                  <p:par>
+                    <p:cTn id="11" fill="hold">
+                      <p:stCondLst>
+                        <p:cond delay="indefinite"/>
+                      </p:stCondLst>
+                      <p:childTnLst>
+                        <p:par>
+                          <p:cTn id="12" fill="hold">
+                            <p:stCondLst>
+                              <p:cond delay="0"/>
+                            </p:stCondLst>
+                            <p:childTnLst>
+                              <p:par>
+                                <p:cTn id="13" presetID="1" presetClass="entr" presetSubtype="0" fill="hold" nodeType="clickEffect">
+                                  <p:stCondLst>
+                                    <p:cond delay="0"/>
+                                  </p:stCondLst>
+                                  <p:childTnLst>
+                                    <p:set>
+                                      <p:cBhvr>
+                                        <p:cTn id="14" dur="1" fill="hold">
                                           <p:stCondLst>
                                             <p:cond delay="0"/>
                                           </p:stCondLst>
@@ -21490,10 +20558,10 @@
       </p:pic>
       <p:sp>
         <p:nvSpPr>
-          <p:cNvPr id="12" name="Slide Number">
+          <p:cNvPr id="2" name="Slide Number">
             <a:extLst>
               <a:ext uri="{FF2B5EF4-FFF2-40B4-BE49-F238E27FC236}">
-                <a16:creationId xmlns:a16="http://schemas.microsoft.com/office/drawing/2014/main" id="{C64FCD16-90AD-4D39-B014-E6585DE1D260}"/>
+                <a16:creationId xmlns:a16="http://schemas.microsoft.com/office/drawing/2014/main" id="{691EE04E-2B58-C11A-9B86-151ADB8669FF}"/>
               </a:ext>
             </a:extLst>
           </p:cNvPr>
@@ -21533,7 +20601,7 @@
     </p:spTree>
     <p:extLst>
       <p:ext uri="{BB962C8B-B14F-4D97-AF65-F5344CB8AC3E}">
-        <p14:creationId xmlns:p14="http://schemas.microsoft.com/office/powerpoint/2010/main" val="2480452940"/>
+        <p14:creationId xmlns:p14="http://schemas.microsoft.com/office/powerpoint/2010/main" val="1135005886"/>
       </p:ext>
     </p:extLst>
   </p:cSld>
@@ -22265,10 +21333,10 @@
       </p:pic>
       <p:sp>
         <p:nvSpPr>
-          <p:cNvPr id="11" name="Slide Number">
+          <p:cNvPr id="2" name="Slide Number">
             <a:extLst>
               <a:ext uri="{FF2B5EF4-FFF2-40B4-BE49-F238E27FC236}">
-                <a16:creationId xmlns:a16="http://schemas.microsoft.com/office/drawing/2014/main" id="{26CA0871-BE7F-40B2-9907-E92A8C915DBC}"/>
+                <a16:creationId xmlns:a16="http://schemas.microsoft.com/office/drawing/2014/main" id="{722C2856-6D77-7069-17FC-13A32D74604B}"/>
               </a:ext>
             </a:extLst>
           </p:cNvPr>
@@ -22308,7 +21376,7 @@
     </p:spTree>
     <p:extLst>
       <p:ext uri="{BB962C8B-B14F-4D97-AF65-F5344CB8AC3E}">
-        <p14:creationId xmlns:p14="http://schemas.microsoft.com/office/powerpoint/2010/main" val="3324478552"/>
+        <p14:creationId xmlns:p14="http://schemas.microsoft.com/office/powerpoint/2010/main" val="3662524109"/>
       </p:ext>
     </p:extLst>
   </p:cSld>
@@ -22711,7 +21779,7 @@
                   <a:schemeClr val="bg1"/>
                 </a:solidFill>
               </a:rPr>
-              <a:t>енкапсулира</a:t>
+              <a:t>капсулира</a:t>
             </a:r>
             <a:r>
               <a:rPr lang="en-GB" dirty="0"/>
@@ -23016,10 +22084,10 @@
       </p:sp>
       <p:sp>
         <p:nvSpPr>
-          <p:cNvPr id="7" name="Slide Number">
+          <p:cNvPr id="5" name="Slide Number">
             <a:extLst>
               <a:ext uri="{FF2B5EF4-FFF2-40B4-BE49-F238E27FC236}">
-                <a16:creationId xmlns:a16="http://schemas.microsoft.com/office/drawing/2014/main" id="{07618EA5-C305-4426-B6AB-D3369E874B39}"/>
+                <a16:creationId xmlns:a16="http://schemas.microsoft.com/office/drawing/2014/main" id="{5C13A6CF-9E8C-3343-2341-790E149E7452}"/>
               </a:ext>
             </a:extLst>
           </p:cNvPr>
@@ -23059,7 +22127,7 @@
     </p:spTree>
     <p:extLst>
       <p:ext uri="{BB962C8B-B14F-4D97-AF65-F5344CB8AC3E}">
-        <p14:creationId xmlns:p14="http://schemas.microsoft.com/office/powerpoint/2010/main" val="1577518907"/>
+        <p14:creationId xmlns:p14="http://schemas.microsoft.com/office/powerpoint/2010/main" val="1012573368"/>
       </p:ext>
     </p:extLst>
   </p:cSld>
@@ -23524,10 +22592,10 @@
       </p:sp>
       <p:sp>
         <p:nvSpPr>
-          <p:cNvPr id="8" name="Slide Number">
+          <p:cNvPr id="6" name="Slide Number">
             <a:extLst>
               <a:ext uri="{FF2B5EF4-FFF2-40B4-BE49-F238E27FC236}">
-                <a16:creationId xmlns:a16="http://schemas.microsoft.com/office/drawing/2014/main" id="{958D7EC0-8974-4661-817B-48231AE8A6B7}"/>
+                <a16:creationId xmlns:a16="http://schemas.microsoft.com/office/drawing/2014/main" id="{6E899183-D4BC-A581-FFE8-80D3ED21C9D4}"/>
               </a:ext>
             </a:extLst>
           </p:cNvPr>
@@ -23655,7 +22723,7 @@
     </p:spTree>
     <p:extLst>
       <p:ext uri="{BB962C8B-B14F-4D97-AF65-F5344CB8AC3E}">
-        <p14:creationId xmlns:p14="http://schemas.microsoft.com/office/powerpoint/2010/main" val="3289108264"/>
+        <p14:creationId xmlns:p14="http://schemas.microsoft.com/office/powerpoint/2010/main" val="516697541"/>
       </p:ext>
     </p:extLst>
   </p:cSld>
@@ -23941,10 +23009,10 @@
       </p:sp>
       <p:sp>
         <p:nvSpPr>
-          <p:cNvPr id="8" name="Slide Number">
+          <p:cNvPr id="6" name="Slide Number">
             <a:extLst>
               <a:ext uri="{FF2B5EF4-FFF2-40B4-BE49-F238E27FC236}">
-                <a16:creationId xmlns:a16="http://schemas.microsoft.com/office/drawing/2014/main" id="{3849DD72-1FE9-466B-BF55-A833C8192350}"/>
+                <a16:creationId xmlns:a16="http://schemas.microsoft.com/office/drawing/2014/main" id="{12744E57-B5C7-4B6B-A5AC-528D4122940E}"/>
               </a:ext>
             </a:extLst>
           </p:cNvPr>
@@ -24072,7 +23140,7 @@
     </p:spTree>
     <p:extLst>
       <p:ext uri="{BB962C8B-B14F-4D97-AF65-F5344CB8AC3E}">
-        <p14:creationId xmlns:p14="http://schemas.microsoft.com/office/powerpoint/2010/main" val="133618769"/>
+        <p14:creationId xmlns:p14="http://schemas.microsoft.com/office/powerpoint/2010/main" val="2941370866"/>
       </p:ext>
     </p:extLst>
   </p:cSld>
@@ -24346,10 +23414,10 @@
       </p:sp>
       <p:sp>
         <p:nvSpPr>
-          <p:cNvPr id="8" name="Slide Number">
+          <p:cNvPr id="6" name="Slide Number">
             <a:extLst>
               <a:ext uri="{FF2B5EF4-FFF2-40B4-BE49-F238E27FC236}">
-                <a16:creationId xmlns:a16="http://schemas.microsoft.com/office/drawing/2014/main" id="{E7B66D30-9249-4DB8-B06E-C050AB88ABB4}"/>
+                <a16:creationId xmlns:a16="http://schemas.microsoft.com/office/drawing/2014/main" id="{F5AB6CAB-32C6-74C2-182F-40B8CCDEB119}"/>
               </a:ext>
             </a:extLst>
           </p:cNvPr>
@@ -24477,7 +23545,7 @@
     </p:spTree>
     <p:extLst>
       <p:ext uri="{BB962C8B-B14F-4D97-AF65-F5344CB8AC3E}">
-        <p14:creationId xmlns:p14="http://schemas.microsoft.com/office/powerpoint/2010/main" val="2042194238"/>
+        <p14:creationId xmlns:p14="http://schemas.microsoft.com/office/powerpoint/2010/main" val="121772043"/>
       </p:ext>
     </p:extLst>
   </p:cSld>
@@ -24829,10 +23897,10 @@
       </p:sp>
       <p:sp>
         <p:nvSpPr>
-          <p:cNvPr id="8" name="Slide Number">
+          <p:cNvPr id="6" name="Slide Number">
             <a:extLst>
               <a:ext uri="{FF2B5EF4-FFF2-40B4-BE49-F238E27FC236}">
-                <a16:creationId xmlns:a16="http://schemas.microsoft.com/office/drawing/2014/main" id="{88EDF0D9-B30C-4C16-AB58-1358013AD8BA}"/>
+                <a16:creationId xmlns:a16="http://schemas.microsoft.com/office/drawing/2014/main" id="{5158E0ED-6832-1124-AB9A-9A0646158812}"/>
               </a:ext>
             </a:extLst>
           </p:cNvPr>
@@ -24960,7 +24028,7 @@
     </p:spTree>
     <p:extLst>
       <p:ext uri="{BB962C8B-B14F-4D97-AF65-F5344CB8AC3E}">
-        <p14:creationId xmlns:p14="http://schemas.microsoft.com/office/powerpoint/2010/main" val="2878685893"/>
+        <p14:creationId xmlns:p14="http://schemas.microsoft.com/office/powerpoint/2010/main" val="4114493509"/>
       </p:ext>
     </p:extLst>
   </p:cSld>
@@ -25038,7 +24106,7 @@
             </a:r>
             <a:r>
               <a:rPr lang="bg-BG" sz="4000" dirty="0"/>
-              <a:t>)</a:t>
+              <a:t>):</a:t>
             </a:r>
             <a:endParaRPr lang="bg-BG" sz="4000" b="1" dirty="0">
               <a:solidFill>
@@ -25193,10 +24261,10 @@
       </p:sp>
       <p:sp>
         <p:nvSpPr>
-          <p:cNvPr id="5" name="Slide Number">
+          <p:cNvPr id="2" name="Slide Number">
             <a:extLst>
               <a:ext uri="{FF2B5EF4-FFF2-40B4-BE49-F238E27FC236}">
-                <a16:creationId xmlns:a16="http://schemas.microsoft.com/office/drawing/2014/main" id="{07703044-DA7D-4C7E-80A9-F2723D44164C}"/>
+                <a16:creationId xmlns:a16="http://schemas.microsoft.com/office/drawing/2014/main" id="{9B4D080C-D70B-030C-8D18-F7CF755C3E18}"/>
               </a:ext>
             </a:extLst>
           </p:cNvPr>
@@ -25236,7 +24304,7 @@
     </p:spTree>
     <p:extLst>
       <p:ext uri="{BB962C8B-B14F-4D97-AF65-F5344CB8AC3E}">
-        <p14:creationId xmlns:p14="http://schemas.microsoft.com/office/powerpoint/2010/main" val="339880623"/>
+        <p14:creationId xmlns:p14="http://schemas.microsoft.com/office/powerpoint/2010/main" val="3674329193"/>
       </p:ext>
     </p:extLst>
   </p:cSld>
@@ -25557,10 +24625,10 @@
       </p:pic>
       <p:sp>
         <p:nvSpPr>
-          <p:cNvPr id="6" name="Slide Number">
+          <p:cNvPr id="5" name="Slide Number">
             <a:extLst>
               <a:ext uri="{FF2B5EF4-FFF2-40B4-BE49-F238E27FC236}">
-                <a16:creationId xmlns:a16="http://schemas.microsoft.com/office/drawing/2014/main" id="{9C6AD85A-3870-4734-85A4-B2920A6A3A33}"/>
+                <a16:creationId xmlns:a16="http://schemas.microsoft.com/office/drawing/2014/main" id="{0394267F-A803-9899-707A-47DE2540A216}"/>
               </a:ext>
             </a:extLst>
           </p:cNvPr>
@@ -25600,7 +24668,7 @@
     </p:spTree>
     <p:extLst>
       <p:ext uri="{BB962C8B-B14F-4D97-AF65-F5344CB8AC3E}">
-        <p14:creationId xmlns:p14="http://schemas.microsoft.com/office/powerpoint/2010/main" val="21261509"/>
+        <p14:creationId xmlns:p14="http://schemas.microsoft.com/office/powerpoint/2010/main" val="886182548"/>
       </p:ext>
     </p:extLst>
   </p:cSld>
@@ -25978,10 +25046,10 @@
       </p:sp>
       <p:sp>
         <p:nvSpPr>
-          <p:cNvPr id="8" name="Slide Number">
+          <p:cNvPr id="6" name="Slide Number">
             <a:extLst>
               <a:ext uri="{FF2B5EF4-FFF2-40B4-BE49-F238E27FC236}">
-                <a16:creationId xmlns:a16="http://schemas.microsoft.com/office/drawing/2014/main" id="{A8F14147-2325-4F0E-81F2-8D83F4F5F8FB}"/>
+                <a16:creationId xmlns:a16="http://schemas.microsoft.com/office/drawing/2014/main" id="{2CA6F664-3D5E-F474-BA92-F782F7BF1D69}"/>
               </a:ext>
             </a:extLst>
           </p:cNvPr>
@@ -26109,7 +25177,7 @@
     </p:spTree>
     <p:extLst>
       <p:ext uri="{BB962C8B-B14F-4D97-AF65-F5344CB8AC3E}">
-        <p14:creationId xmlns:p14="http://schemas.microsoft.com/office/powerpoint/2010/main" val="1399648783"/>
+        <p14:creationId xmlns:p14="http://schemas.microsoft.com/office/powerpoint/2010/main" val="1911622116"/>
       </p:ext>
     </p:extLst>
   </p:cSld>
@@ -26424,10 +25492,10 @@
       </p:sp>
       <p:sp>
         <p:nvSpPr>
-          <p:cNvPr id="8" name="Slide Number">
+          <p:cNvPr id="6" name="Slide Number">
             <a:extLst>
               <a:ext uri="{FF2B5EF4-FFF2-40B4-BE49-F238E27FC236}">
-                <a16:creationId xmlns:a16="http://schemas.microsoft.com/office/drawing/2014/main" id="{7EAF3B88-4085-40DC-9C2B-2CE44F494C38}"/>
+                <a16:creationId xmlns:a16="http://schemas.microsoft.com/office/drawing/2014/main" id="{ACD64F1B-47DE-DAD9-51D4-B638E8DA11E3}"/>
               </a:ext>
             </a:extLst>
           </p:cNvPr>
@@ -26555,7 +25623,7 @@
     </p:spTree>
     <p:extLst>
       <p:ext uri="{BB962C8B-B14F-4D97-AF65-F5344CB8AC3E}">
-        <p14:creationId xmlns:p14="http://schemas.microsoft.com/office/powerpoint/2010/main" val="1253952169"/>
+        <p14:creationId xmlns:p14="http://schemas.microsoft.com/office/powerpoint/2010/main" val="2823627762"/>
       </p:ext>
     </p:extLst>
   </p:cSld>
@@ -27152,7 +26220,7 @@
             <a:r>
               <a:rPr lang="bg-BG" sz="3600" b="1" dirty="0">
                 <a:solidFill>
-                  <a:schemeClr val="bg1">
+                  <a:schemeClr val="accent1">
                     <a:lumMod val="60000"/>
                     <a:lumOff val="40000"/>
                   </a:schemeClr>
@@ -27162,7 +26230,7 @@
             </a:r>
             <a:endParaRPr lang="en-US" sz="3600" b="1" dirty="0">
               <a:solidFill>
-                <a:schemeClr val="bg1">
+                <a:schemeClr val="accent1">
                   <a:lumMod val="60000"/>
                   <a:lumOff val="40000"/>
                 </a:schemeClr>
@@ -27228,7 +26296,7 @@
             <a:r>
               <a:rPr lang="bg-BG" sz="3400" b="1" dirty="0">
                 <a:solidFill>
-                  <a:schemeClr val="bg1">
+                  <a:schemeClr val="accent1">
                     <a:lumMod val="60000"/>
                     <a:lumOff val="40000"/>
                   </a:schemeClr>
@@ -27238,7 +26306,7 @@
             </a:r>
             <a:endParaRPr lang="en-US" sz="3400" b="1" dirty="0">
               <a:solidFill>
-                <a:schemeClr val="bg1">
+                <a:schemeClr val="accent1">
                   <a:lumMod val="60000"/>
                   <a:lumOff val="40000"/>
                 </a:schemeClr>
@@ -27262,7 +26330,7 @@
             <a:r>
               <a:rPr lang="bg-BG" sz="3600" b="1" dirty="0">
                 <a:solidFill>
-                  <a:schemeClr val="bg1">
+                  <a:schemeClr val="accent1">
                     <a:lumMod val="60000"/>
                     <a:lumOff val="40000"/>
                   </a:schemeClr>
@@ -27356,10 +26424,10 @@
       </p:sp>
       <p:sp>
         <p:nvSpPr>
-          <p:cNvPr id="16" name="Slide Number">
+          <p:cNvPr id="2" name="Slide Number">
             <a:extLst>
               <a:ext uri="{FF2B5EF4-FFF2-40B4-BE49-F238E27FC236}">
-                <a16:creationId xmlns:a16="http://schemas.microsoft.com/office/drawing/2014/main" id="{ECCF116C-A5DF-4D32-A9A0-52726D5C68DB}"/>
+                <a16:creationId xmlns:a16="http://schemas.microsoft.com/office/drawing/2014/main" id="{D30D8510-0DC9-EB35-CB47-5C6486F4CA41}"/>
               </a:ext>
             </a:extLst>
           </p:cNvPr>
@@ -27399,7 +26467,7 @@
     </p:spTree>
     <p:extLst>
       <p:ext uri="{BB962C8B-B14F-4D97-AF65-F5344CB8AC3E}">
-        <p14:creationId xmlns:p14="http://schemas.microsoft.com/office/powerpoint/2010/main" val="669011369"/>
+        <p14:creationId xmlns:p14="http://schemas.microsoft.com/office/powerpoint/2010/main" val="546936671"/>
       </p:ext>
     </p:extLst>
   </p:cSld>
@@ -27713,29 +26781,140 @@
           <a:lstStyle/>
           <a:p>
             <a:r>
-              <a:rPr lang="bg-BG" sz="8800" dirty="0">
-                <a:solidFill>
-                  <a:srgbClr val="234465"/>
-                </a:solidFill>
+              <a:rPr lang="bg-BG" dirty="0"/>
+              <a:t>Въпроси</a:t>
+            </a:r>
+            <a:r>
+              <a:rPr lang="en-US" dirty="0"/>
+              <a:t>?</a:t>
+            </a:r>
+          </a:p>
+        </p:txBody>
+      </p:sp>
+      <p:sp>
+        <p:nvSpPr>
+          <p:cNvPr id="2" name="Rectangle Bottom Copyright">
+            <a:extLst>
+              <a:ext uri="{FF2B5EF4-FFF2-40B4-BE49-F238E27FC236}">
+                <a16:creationId xmlns:a16="http://schemas.microsoft.com/office/drawing/2014/main" id="{664812A4-2991-44D1-BFE9-32E55AADF8A5}"/>
+              </a:ext>
+            </a:extLst>
+          </p:cNvPr>
+          <p:cNvSpPr/>
+          <p:nvPr/>
+        </p:nvSpPr>
+        <p:spPr>
+          <a:xfrm>
+            <a:off x="111000" y="6454758"/>
+            <a:ext cx="11970000" cy="304242"/>
+          </a:xfrm>
+          <a:prstGeom prst="rect">
+            <a:avLst/>
+          </a:prstGeom>
+        </p:spPr>
+        <p:txBody>
+          <a:bodyPr wrap="square">
+            <a:noAutofit/>
+          </a:bodyPr>
+          <a:lstStyle/>
+          <a:p>
+            <a:pPr algn="ctr">
+              <a:lnSpc>
+                <a:spcPct val="100000"/>
+              </a:lnSpc>
+              <a:spcBef>
+                <a:spcPts val="0"/>
+              </a:spcBef>
+              <a:spcAft>
+                <a:spcPts val="0"/>
+              </a:spcAft>
+            </a:pPr>
+            <a:r>
+              <a:rPr lang="bg-BG" sz="1600" dirty="0">
+                <a:solidFill>
+                  <a:schemeClr val="bg2"/>
+                </a:solidFill>
+                <a:effectLst/>
+                <a:latin typeface="Calibri" panose="020F0502020204030204" pitchFamily="34" charset="0"/>
+                <a:ea typeface="Calibri" panose="020F0502020204030204" pitchFamily="34" charset="0"/>
+                <a:cs typeface="Arial" panose="020B0604020202020204" pitchFamily="34" charset="0"/>
               </a:rPr>
-              <a:t>Въпроси</a:t>
-            </a:r>
-            <a:r>
-              <a:rPr lang="en-US" sz="8800" dirty="0">
-                <a:solidFill>
-                  <a:srgbClr val="234465"/>
-                </a:solidFill>
+              <a:t>Проект "</a:t>
+            </a:r>
+            <a:r>
+              <a:rPr lang="bg-BG" sz="1600" dirty="0">
+                <a:solidFill>
+                  <a:schemeClr val="bg1">
+                    <a:lumMod val="20000"/>
+                    <a:lumOff val="80000"/>
+                  </a:schemeClr>
+                </a:solidFill>
+                <a:effectLst/>
+                <a:latin typeface="Calibri" panose="020F0502020204030204" pitchFamily="34" charset="0"/>
+                <a:ea typeface="Calibri" panose="020F0502020204030204" pitchFamily="34" charset="0"/>
+                <a:cs typeface="Arial" panose="020B0604020202020204" pitchFamily="34" charset="0"/>
+                <a:hlinkClick r:id="rId3">
+                  <a:extLst>
+                    <a:ext uri="{A12FA001-AC4F-418D-AE19-62706E023703}">
+                      <ahyp:hlinkClr xmlns:ahyp="http://schemas.microsoft.com/office/drawing/2018/hyperlinkcolor" val="tx"/>
+                    </a:ext>
+                  </a:extLst>
+                </a:hlinkClick>
               </a:rPr>
-              <a:t>?</a:t>
-            </a:r>
-            <a:endParaRPr lang="en-US" sz="8800" dirty="0"/>
+              <a:t>Отворено учебно съдържание по програмиране и ИТ</a:t>
+            </a:r>
+            <a:r>
+              <a:rPr lang="bg-BG" sz="1600" dirty="0">
+                <a:solidFill>
+                  <a:schemeClr val="bg2"/>
+                </a:solidFill>
+                <a:effectLst/>
+                <a:latin typeface="Calibri" panose="020F0502020204030204" pitchFamily="34" charset="0"/>
+                <a:ea typeface="Calibri" panose="020F0502020204030204" pitchFamily="34" charset="0"/>
+                <a:cs typeface="Arial" panose="020B0604020202020204" pitchFamily="34" charset="0"/>
+              </a:rPr>
+              <a:t>", СофтУни Фондация (лиценз </a:t>
+            </a:r>
+            <a:r>
+              <a:rPr lang="en-US" sz="1600" dirty="0">
+                <a:solidFill>
+                  <a:schemeClr val="bg2"/>
+                </a:solidFill>
+                <a:effectLst/>
+                <a:latin typeface="Calibri" panose="020F0502020204030204" pitchFamily="34" charset="0"/>
+                <a:ea typeface="Calibri" panose="020F0502020204030204" pitchFamily="34" charset="0"/>
+                <a:cs typeface="Arial" panose="020B0604020202020204" pitchFamily="34" charset="0"/>
+              </a:rPr>
+              <a:t>CC-BY-NC-SA</a:t>
+            </a:r>
+            <a:r>
+              <a:rPr lang="bg-BG" sz="1600" dirty="0">
+                <a:solidFill>
+                  <a:schemeClr val="bg2"/>
+                </a:solidFill>
+                <a:effectLst/>
+                <a:latin typeface="Calibri" panose="020F0502020204030204" pitchFamily="34" charset="0"/>
+                <a:ea typeface="Calibri" panose="020F0502020204030204" pitchFamily="34" charset="0"/>
+                <a:cs typeface="Arial" panose="020B0604020202020204" pitchFamily="34" charset="0"/>
+              </a:rPr>
+              <a:t>)</a:t>
+            </a:r>
+            <a:endParaRPr lang="bg-BG" sz="2400" dirty="0">
+              <a:solidFill>
+                <a:schemeClr val="bg2"/>
+              </a:solidFill>
+              <a:effectLst/>
+              <a:latin typeface="Calibri" panose="020F0502020204030204" pitchFamily="34" charset="0"/>
+              <a:ea typeface="Calibri" panose="020F0502020204030204" pitchFamily="34" charset="0"/>
+              <a:cs typeface="Arial" panose="020B0604020202020204" pitchFamily="34" charset="0"/>
+            </a:endParaRPr>
           </a:p>
         </p:txBody>
       </p:sp>
     </p:spTree>
     <p:extLst>
       <p:ext uri="{BB962C8B-B14F-4D97-AF65-F5344CB8AC3E}">
-        <p14:creationId xmlns:p14="http://schemas.microsoft.com/office/powerpoint/2010/main" val="1872778059"/>
+        <p14:creationId xmlns:p14="http://schemas.microsoft.com/office/powerpoint/2010/main" val="2094148659"/>
       </p:ext>
     </p:extLst>
   </p:cSld>
@@ -27789,11 +26968,13 @@
         <p:spPr>
           <a:xfrm>
             <a:off x="190402" y="1269001"/>
-            <a:ext cx="11818096" cy="5455890"/>
+            <a:ext cx="9865598" cy="2474999"/>
           </a:xfrm>
         </p:spPr>
         <p:txBody>
-          <a:bodyPr/>
+          <a:bodyPr>
+            <a:normAutofit/>
+          </a:bodyPr>
           <a:lstStyle/>
           <a:p>
             <a:pPr>
@@ -27802,114 +26983,42 @@
               </a:lnSpc>
             </a:pPr>
             <a:r>
-              <a:rPr lang="bg-BG" dirty="0"/>
+              <a:rPr lang="bg-BG" sz="3200" dirty="0"/>
               <a:t>Този курс</a:t>
             </a:r>
             <a:r>
-              <a:rPr lang="en-US" dirty="0"/>
+              <a:rPr lang="en-US" sz="3200" dirty="0"/>
               <a:t> (</a:t>
             </a:r>
             <a:r>
-              <a:rPr lang="bg-BG" dirty="0"/>
+              <a:rPr lang="bg-BG" sz="3200" dirty="0"/>
               <a:t>презентации, примери, демонстрационен код, упражнения, домашни, видео и други активи</a:t>
             </a:r>
             <a:r>
-              <a:rPr lang="en-US" dirty="0"/>
+              <a:rPr lang="en-US" sz="3200" dirty="0"/>
               <a:t>) </a:t>
             </a:r>
             <a:r>
-              <a:rPr lang="bg-BG" dirty="0"/>
+              <a:rPr lang="bg-BG" sz="3200" dirty="0"/>
               <a:t>представлява</a:t>
             </a:r>
             <a:r>
-              <a:rPr lang="en-US" dirty="0"/>
+              <a:rPr lang="en-US" sz="3200" dirty="0"/>
               <a:t> </a:t>
             </a:r>
             <a:r>
-              <a:rPr lang="bg-BG" b="1" dirty="0"/>
-              <a:t>защитено авторско съдържание</a:t>
-            </a:r>
-            <a:endParaRPr lang="en-US" dirty="0"/>
-          </a:p>
-          <a:p>
-            <a:pPr>
-              <a:lnSpc>
-                <a:spcPct val="120000"/>
-              </a:lnSpc>
-            </a:pPr>
-            <a:r>
-              <a:rPr lang="bg-BG" dirty="0"/>
-              <a:t>Нерегламентирано копиране</a:t>
-            </a:r>
-            <a:r>
-              <a:rPr lang="en-US" dirty="0"/>
-              <a:t>,</a:t>
-            </a:r>
-            <a:r>
-              <a:rPr lang="bg-BG" dirty="0"/>
-              <a:t> разпространение или използване е незаконно</a:t>
-            </a:r>
-          </a:p>
-          <a:p>
-            <a:pPr>
-              <a:lnSpc>
-                <a:spcPct val="120000"/>
-              </a:lnSpc>
-            </a:pPr>
-            <a:r>
-              <a:rPr lang="en-US" dirty="0"/>
-              <a:t>© </a:t>
-            </a:r>
-            <a:r>
-              <a:rPr lang="bg-BG" dirty="0"/>
-              <a:t>СофтУни</a:t>
-            </a:r>
-            <a:r>
-              <a:rPr lang="en-US" dirty="0"/>
-              <a:t> – </a:t>
-            </a:r>
-            <a:r>
-              <a:rPr lang="en-US" dirty="0">
-                <a:hlinkClick r:id="rId3"/>
-              </a:rPr>
-              <a:t>https://softuni.org</a:t>
-            </a:r>
-            <a:endParaRPr lang="en-US" dirty="0"/>
-          </a:p>
-          <a:p>
-            <a:pPr>
-              <a:lnSpc>
-                <a:spcPct val="120000"/>
-              </a:lnSpc>
-            </a:pPr>
-            <a:r>
-              <a:rPr lang="en-US" dirty="0"/>
-              <a:t>© </a:t>
-            </a:r>
-            <a:r>
-              <a:rPr lang="bg-BG" dirty="0"/>
-              <a:t>Софтуерен университет</a:t>
-            </a:r>
-            <a:r>
-              <a:rPr lang="en-US" dirty="0"/>
-              <a:t> – </a:t>
-            </a:r>
-            <a:r>
-              <a:rPr lang="en-US" dirty="0">
-                <a:hlinkClick r:id="rId4"/>
-              </a:rPr>
-              <a:t>https://softuni.bg</a:t>
-            </a:r>
-            <a:endParaRPr lang="bg-BG" dirty="0"/>
-          </a:p>
-          <a:p>
-            <a:pPr marL="0" indent="0">
-              <a:lnSpc>
-                <a:spcPct val="120000"/>
-              </a:lnSpc>
-              <a:buNone/>
-            </a:pPr>
-            <a:endParaRPr lang="bg-BG" dirty="0"/>
+              <a:rPr lang="bg-BG" sz="3200" b="1" dirty="0"/>
+              <a:t>свободно учебно съдържание </a:t>
+            </a:r>
+            <a:r>
+              <a:rPr lang="bg-BG" sz="3200" dirty="0"/>
+              <a:t>и се разпространява под свободен лиценз </a:t>
+            </a:r>
+            <a:r>
+              <a:rPr lang="en-US" sz="3200" b="1" dirty="0"/>
+              <a:t>CC-BY-NC-SA</a:t>
+            </a:r>
+            <a:endParaRPr lang="bg-BG" sz="3200" dirty="0"/>
           </a:p>
         </p:txBody>
       </p:sp>
@@ -27918,7 +27027,7 @@
           <p:cNvPr id="6" name="Picture License" descr="License">
             <a:extLst>
               <a:ext uri="{FF2B5EF4-FFF2-40B4-BE49-F238E27FC236}">
-                <a16:creationId xmlns:a16="http://schemas.microsoft.com/office/drawing/2014/main" id="{A10A2585-858C-4B1E-8846-27CF1C15729E}"/>
+                <a16:creationId xmlns:a16="http://schemas.microsoft.com/office/drawing/2014/main" id="{82BA520F-A037-4E01-AA18-27D9F1E930A6}"/>
               </a:ext>
             </a:extLst>
           </p:cNvPr>
@@ -27928,7 +27037,7 @@
           <p:nvPr/>
         </p:nvPicPr>
         <p:blipFill>
-          <a:blip r:embed="rId5">
+          <a:blip r:embed="rId3">
             <a:clrChange>
               <a:clrFrom>
                 <a:srgbClr val="FFFFFF"/>
@@ -27946,8 +27055,8 @@
         </p:blipFill>
         <p:spPr>
           <a:xfrm>
-            <a:off x="9745023" y="4445455"/>
-            <a:ext cx="1930977" cy="2043545"/>
+            <a:off x="10226175" y="1440120"/>
+            <a:ext cx="1198986" cy="1268880"/>
           </a:xfrm>
           <a:prstGeom prst="rect">
             <a:avLst/>
@@ -27984,10 +27093,171 @@
       </p:sp>
       <p:sp>
         <p:nvSpPr>
-          <p:cNvPr id="7" name="Slide Number">
+          <p:cNvPr id="11" name="TextBox 10">
             <a:extLst>
               <a:ext uri="{FF2B5EF4-FFF2-40B4-BE49-F238E27FC236}">
-                <a16:creationId xmlns:a16="http://schemas.microsoft.com/office/drawing/2014/main" id="{6275ADEC-72FF-4CE6-BB53-70041FD15118}"/>
+                <a16:creationId xmlns:a16="http://schemas.microsoft.com/office/drawing/2014/main" id="{0C18DF19-B750-4C88-975B-661A6BF61F5E}"/>
+              </a:ext>
+            </a:extLst>
+          </p:cNvPr>
+          <p:cNvSpPr txBox="1"/>
+          <p:nvPr/>
+        </p:nvSpPr>
+        <p:spPr>
+          <a:xfrm>
+            <a:off x="190401" y="3927519"/>
+            <a:ext cx="11710599" cy="1979644"/>
+          </a:xfrm>
+          <a:prstGeom prst="rect">
+            <a:avLst/>
+          </a:prstGeom>
+          <a:noFill/>
+          <a:ln w="12700">
+            <a:noFill/>
+          </a:ln>
+        </p:spPr>
+        <p:txBody>
+          <a:bodyPr wrap="square">
+            <a:spAutoFit/>
+          </a:bodyPr>
+          <a:lstStyle/>
+          <a:p>
+            <a:pPr marL="360363" indent="-360363" defTabSz="1218438">
+              <a:lnSpc>
+                <a:spcPct val="120000"/>
+              </a:lnSpc>
+              <a:spcBef>
+                <a:spcPts val="600"/>
+              </a:spcBef>
+              <a:spcAft>
+                <a:spcPts val="600"/>
+              </a:spcAft>
+              <a:buFont typeface="Wingdings" panose="05000000000000000000" pitchFamily="2" charset="2"/>
+              <a:buChar char="§"/>
+              <a:defRPr/>
+            </a:pPr>
+            <a:r>
+              <a:rPr lang="bg-BG" sz="3200" dirty="0"/>
+              <a:t>Проект "</a:t>
+            </a:r>
+            <a:r>
+              <a:rPr lang="bg-BG" sz="3200" b="1" dirty="0"/>
+              <a:t>Отворено учебно съдържание по програмиране и ИТ</a:t>
+            </a:r>
+            <a:r>
+              <a:rPr lang="bg-BG" sz="3200" dirty="0"/>
+              <a:t>" към Фондация "Софтуерен университет"</a:t>
+            </a:r>
+            <a:r>
+              <a:rPr lang="en-US" sz="3200" dirty="0"/>
+              <a:t>:</a:t>
+            </a:r>
+            <a:endParaRPr lang="bg-BG" sz="3200" dirty="0"/>
+          </a:p>
+          <a:p>
+            <a:pPr marL="817563" lvl="1" indent="-360363" defTabSz="1218438">
+              <a:lnSpc>
+                <a:spcPct val="120000"/>
+              </a:lnSpc>
+              <a:spcBef>
+                <a:spcPts val="600"/>
+              </a:spcBef>
+              <a:spcAft>
+                <a:spcPts val="600"/>
+              </a:spcAft>
+              <a:buFont typeface="Wingdings" panose="05000000000000000000" pitchFamily="2" charset="2"/>
+              <a:buChar char="§"/>
+              <a:defRPr/>
+            </a:pPr>
+            <a:r>
+              <a:rPr kumimoji="0" lang="en-US" sz="3200" b="0" i="0" u="none" strike="noStrike" kern="1200" cap="none" spc="0" normalizeH="0" baseline="0" noProof="0" dirty="0">
+                <a:ln>
+                  <a:noFill/>
+                </a:ln>
+                <a:solidFill>
+                  <a:srgbClr val="234465"/>
+                </a:solidFill>
+                <a:effectLst/>
+                <a:uLnTx/>
+                <a:uFillTx/>
+                <a:latin typeface="Calibri"/>
+                <a:ea typeface="+mn-ea"/>
+                <a:cs typeface="+mn-cs"/>
+                <a:hlinkClick r:id="rId4"/>
+              </a:rPr>
+              <a:t>https://github.com/BG-IT-Edu</a:t>
+            </a:r>
+            <a:endParaRPr kumimoji="0" lang="bg-BG" sz="3200" b="0" i="0" u="none" strike="noStrike" kern="1200" cap="none" spc="0" normalizeH="0" baseline="0" noProof="0" dirty="0">
+              <a:ln>
+                <a:noFill/>
+              </a:ln>
+              <a:solidFill>
+                <a:srgbClr val="234465"/>
+              </a:solidFill>
+              <a:effectLst/>
+              <a:uLnTx/>
+              <a:uFillTx/>
+              <a:latin typeface="Calibri"/>
+              <a:ea typeface="+mn-ea"/>
+              <a:cs typeface="+mn-cs"/>
+            </a:endParaRPr>
+          </a:p>
+        </p:txBody>
+      </p:sp>
+      <p:pic>
+        <p:nvPicPr>
+          <p:cNvPr id="7" name="Picture 6" title="CC-BY-NC-SA License">
+            <a:hlinkClick r:id="rId5" tooltip="This work is licensed under the &quot;Creative Commons Attribution-NonCommercial-ShareAlike 4.0 International&quot; license"/>
+            <a:extLst>
+              <a:ext uri="{FF2B5EF4-FFF2-40B4-BE49-F238E27FC236}">
+                <a16:creationId xmlns:a16="http://schemas.microsoft.com/office/drawing/2014/main" id="{F6C77C47-F7D8-A176-5C69-7FDE5C7E8003}"/>
+              </a:ext>
+            </a:extLst>
+          </p:cNvPr>
+          <p:cNvPicPr>
+            <a:picLocks noChangeAspect="1" noChangeArrowheads="1"/>
+          </p:cNvPicPr>
+          <p:nvPr/>
+        </p:nvPicPr>
+        <p:blipFill>
+          <a:blip r:embed="rId6">
+            <a:extLst>
+              <a:ext uri="{28A0092B-C50C-407E-A947-70E740481C1C}">
+                <a14:useLocalDpi xmlns:a14="http://schemas.microsoft.com/office/drawing/2010/main"/>
+              </a:ext>
+            </a:extLst>
+          </a:blip>
+          <a:srcRect/>
+          <a:stretch>
+            <a:fillRect/>
+          </a:stretch>
+        </p:blipFill>
+        <p:spPr bwMode="auto">
+          <a:xfrm>
+            <a:off x="9831000" y="2908593"/>
+            <a:ext cx="1989336" cy="696022"/>
+          </a:xfrm>
+          <a:prstGeom prst="roundRect">
+            <a:avLst>
+              <a:gd name="adj" fmla="val 3940"/>
+            </a:avLst>
+          </a:prstGeom>
+          <a:solidFill>
+            <a:srgbClr val="231F20">
+              <a:alpha val="50000"/>
+            </a:srgbClr>
+          </a:solidFill>
+          <a:ln>
+            <a:noFill/>
+          </a:ln>
+        </p:spPr>
+      </p:pic>
+      <p:sp>
+        <p:nvSpPr>
+          <p:cNvPr id="4" name="Slide Number">
+            <a:extLst>
+              <a:ext uri="{FF2B5EF4-FFF2-40B4-BE49-F238E27FC236}">
+                <a16:creationId xmlns:a16="http://schemas.microsoft.com/office/drawing/2014/main" id="{F2A9D629-1474-874C-D356-EACED5781BB7}"/>
               </a:ext>
             </a:extLst>
           </p:cNvPr>
@@ -28027,7 +27297,7 @@
     </p:spTree>
     <p:extLst>
       <p:ext uri="{BB962C8B-B14F-4D97-AF65-F5344CB8AC3E}">
-        <p14:creationId xmlns:p14="http://schemas.microsoft.com/office/powerpoint/2010/main" val="619691093"/>
+        <p14:creationId xmlns:p14="http://schemas.microsoft.com/office/powerpoint/2010/main" val="1427982107"/>
       </p:ext>
     </p:extLst>
   </p:cSld>
@@ -28141,7 +27411,7 @@
             </a:pPr>
             <a:r>
               <a:rPr lang="bg-BG" sz="3600" dirty="0"/>
-              <a:t>Енкапсулация</a:t>
+              <a:t>Капсулация</a:t>
             </a:r>
             <a:r>
               <a:rPr lang="en-US" sz="3600" dirty="0"/>
@@ -28273,11 +27543,11 @@
           <a:lstStyle/>
           <a:p>
             <a:r>
-              <a:rPr lang="bg-BG" sz="3400" dirty="0"/>
+              <a:rPr lang="bg-BG" sz="3600" dirty="0"/>
               <a:t>Какви проблеми решават шаблоните за дизайн</a:t>
             </a:r>
             <a:r>
-              <a:rPr lang="en-US" sz="3400" dirty="0"/>
+              <a:rPr lang="en-US" sz="3600" dirty="0"/>
               <a:t>?</a:t>
             </a:r>
           </a:p>
@@ -28285,10 +27555,10 @@
       </p:sp>
       <p:sp>
         <p:nvSpPr>
-          <p:cNvPr id="5" name="Slide Number">
+          <p:cNvPr id="2" name="Slide Number">
             <a:extLst>
               <a:ext uri="{FF2B5EF4-FFF2-40B4-BE49-F238E27FC236}">
-                <a16:creationId xmlns:a16="http://schemas.microsoft.com/office/drawing/2014/main" id="{943026EB-7A62-4A1E-8DB4-289A3CA5968D}"/>
+                <a16:creationId xmlns:a16="http://schemas.microsoft.com/office/drawing/2014/main" id="{BB9A3ACA-8630-558B-EB49-95542649C61C}"/>
               </a:ext>
             </a:extLst>
           </p:cNvPr>
@@ -28328,7 +27598,7 @@
     </p:spTree>
     <p:extLst>
       <p:ext uri="{BB962C8B-B14F-4D97-AF65-F5344CB8AC3E}">
-        <p14:creationId xmlns:p14="http://schemas.microsoft.com/office/powerpoint/2010/main" val="1211232218"/>
+        <p14:creationId xmlns:p14="http://schemas.microsoft.com/office/powerpoint/2010/main" val="3661655158"/>
       </p:ext>
     </p:extLst>
   </p:cSld>
@@ -28827,10 +28097,10 @@
       </p:sp>
       <p:sp>
         <p:nvSpPr>
-          <p:cNvPr id="6" name="Slide Number">
+          <p:cNvPr id="2" name="Slide Number">
             <a:extLst>
               <a:ext uri="{FF2B5EF4-FFF2-40B4-BE49-F238E27FC236}">
-                <a16:creationId xmlns:a16="http://schemas.microsoft.com/office/drawing/2014/main" id="{E9976A00-40A7-4975-A479-614138B5FF04}"/>
+                <a16:creationId xmlns:a16="http://schemas.microsoft.com/office/drawing/2014/main" id="{3749CBA4-55A9-9BDB-FC44-8C14D5C1501E}"/>
               </a:ext>
             </a:extLst>
           </p:cNvPr>
@@ -28870,7 +28140,7 @@
     </p:spTree>
     <p:extLst>
       <p:ext uri="{BB962C8B-B14F-4D97-AF65-F5344CB8AC3E}">
-        <p14:creationId xmlns:p14="http://schemas.microsoft.com/office/powerpoint/2010/main" val="3755623813"/>
+        <p14:creationId xmlns:p14="http://schemas.microsoft.com/office/powerpoint/2010/main" val="2101141704"/>
       </p:ext>
     </p:extLst>
   </p:cSld>
@@ -29433,10 +28703,10 @@
       </p:sp>
       <p:sp>
         <p:nvSpPr>
-          <p:cNvPr id="8" name="Slide Number">
+          <p:cNvPr id="2" name="Slide Number">
             <a:extLst>
               <a:ext uri="{FF2B5EF4-FFF2-40B4-BE49-F238E27FC236}">
-                <a16:creationId xmlns:a16="http://schemas.microsoft.com/office/drawing/2014/main" id="{78BC2064-AAFB-4D69-B851-74C3C3276A7B}"/>
+                <a16:creationId xmlns:a16="http://schemas.microsoft.com/office/drawing/2014/main" id="{DA84CD95-48F9-ACFC-FC81-4F13DE1712B9}"/>
               </a:ext>
             </a:extLst>
           </p:cNvPr>
@@ -29564,7 +28834,7 @@
     </p:spTree>
     <p:extLst>
       <p:ext uri="{BB962C8B-B14F-4D97-AF65-F5344CB8AC3E}">
-        <p14:creationId xmlns:p14="http://schemas.microsoft.com/office/powerpoint/2010/main" val="695194677"/>
+        <p14:creationId xmlns:p14="http://schemas.microsoft.com/office/powerpoint/2010/main" val="2637248213"/>
       </p:ext>
     </p:extLst>
   </p:cSld>
@@ -30064,10 +29334,10 @@
       </p:pic>
       <p:sp>
         <p:nvSpPr>
-          <p:cNvPr id="3" name="Title 2">
+          <p:cNvPr id="4" name="Заглавие 3">
             <a:extLst>
               <a:ext uri="{FF2B5EF4-FFF2-40B4-BE49-F238E27FC236}">
-                <a16:creationId xmlns:a16="http://schemas.microsoft.com/office/drawing/2014/main" id="{7F91ABE8-8AD5-433A-995C-C6601ACA2337}"/>
+                <a16:creationId xmlns:a16="http://schemas.microsoft.com/office/drawing/2014/main" id="{0CAEC883-A20B-4335-ED67-5A081E077581}"/>
               </a:ext>
             </a:extLst>
           </p:cNvPr>
@@ -30084,17 +29354,16 @@
           <a:lstStyle/>
           <a:p>
             <a:r>
-              <a:rPr lang="bg-BG" dirty="0"/>
+              <a:rPr lang="bg-BG"/>
               <a:t>Видове шаблони за дизайн</a:t>
             </a:r>
-            <a:endParaRPr lang="en-GB" dirty="0"/>
           </a:p>
         </p:txBody>
       </p:sp>
     </p:spTree>
     <p:extLst>
       <p:ext uri="{BB962C8B-B14F-4D97-AF65-F5344CB8AC3E}">
-        <p14:creationId xmlns:p14="http://schemas.microsoft.com/office/powerpoint/2010/main" val="957145886"/>
+        <p14:creationId xmlns:p14="http://schemas.microsoft.com/office/powerpoint/2010/main" val="629881098"/>
       </p:ext>
     </p:extLst>
   </p:cSld>
@@ -30131,6 +29400,366 @@
       </p:grpSpPr>
       <p:sp>
         <p:nvSpPr>
+          <p:cNvPr id="10" name="Text Placeholder 9">
+            <a:extLst>
+              <a:ext uri="{FF2B5EF4-FFF2-40B4-BE49-F238E27FC236}">
+                <a16:creationId xmlns:a16="http://schemas.microsoft.com/office/drawing/2014/main" id="{1BC69ED3-3F29-CCB9-AA9E-E481E9067FC9}"/>
+              </a:ext>
+            </a:extLst>
+          </p:cNvPr>
+          <p:cNvSpPr>
+            <a:spLocks noGrp="1"/>
+          </p:cNvSpPr>
+          <p:nvPr>
+            <p:ph type="body" sz="quarter" idx="10"/>
+          </p:nvPr>
+        </p:nvSpPr>
+        <p:spPr/>
+        <p:txBody>
+          <a:bodyPr/>
+          <a:lstStyle/>
+          <a:p>
+            <a:pPr marL="457200" indent="-457200">
+              <a:lnSpc>
+                <a:spcPct val="100000"/>
+              </a:lnSpc>
+              <a:spcBef>
+                <a:spcPts val="100"/>
+              </a:spcBef>
+              <a:spcAft>
+                <a:spcPts val="100"/>
+              </a:spcAft>
+              <a:buClr>
+                <a:srgbClr val="234465"/>
+              </a:buClr>
+            </a:pPr>
+            <a:r>
+              <a:rPr lang="bg-BG" sz="3400" dirty="0"/>
+              <a:t>Шаблони за </a:t>
+            </a:r>
+            <a:r>
+              <a:rPr lang="bg-BG" sz="3400" b="1" dirty="0">
+                <a:solidFill>
+                  <a:schemeClr val="bg1"/>
+                </a:solidFill>
+              </a:rPr>
+              <a:t>създаване</a:t>
+            </a:r>
+            <a:endParaRPr lang="en-US" sz="3400" dirty="0">
+              <a:solidFill>
+                <a:schemeClr val="bg1"/>
+              </a:solidFill>
+            </a:endParaRPr>
+          </a:p>
+          <a:p>
+            <a:pPr marL="1066419" lvl="1" indent="-457200">
+              <a:lnSpc>
+                <a:spcPct val="100000"/>
+              </a:lnSpc>
+              <a:spcBef>
+                <a:spcPts val="100"/>
+              </a:spcBef>
+              <a:spcAft>
+                <a:spcPts val="100"/>
+              </a:spcAft>
+              <a:buClr>
+                <a:srgbClr val="234465"/>
+              </a:buClr>
+            </a:pPr>
+            <a:r>
+              <a:rPr lang="bg-BG" sz="3200" b="1" dirty="0">
+                <a:solidFill>
+                  <a:schemeClr val="bg1"/>
+                </a:solidFill>
+              </a:rPr>
+              <a:t>Инициализация</a:t>
+            </a:r>
+            <a:r>
+              <a:rPr lang="en-US" sz="3200" b="1" dirty="0">
+                <a:solidFill>
+                  <a:schemeClr val="bg1"/>
+                </a:solidFill>
+              </a:rPr>
+              <a:t> </a:t>
+            </a:r>
+            <a:r>
+              <a:rPr lang="bg-BG" sz="3200" b="1" dirty="0">
+                <a:solidFill>
+                  <a:schemeClr val="bg1"/>
+                </a:solidFill>
+              </a:rPr>
+              <a:t>и</a:t>
+            </a:r>
+            <a:r>
+              <a:rPr lang="en-US" sz="3200" b="1" dirty="0">
+                <a:solidFill>
+                  <a:schemeClr val="bg1"/>
+                </a:solidFill>
+              </a:rPr>
+              <a:t> </a:t>
+            </a:r>
+            <a:r>
+              <a:rPr lang="bg-BG" sz="3200" b="1" dirty="0">
+                <a:solidFill>
+                  <a:schemeClr val="bg1"/>
+                </a:solidFill>
+              </a:rPr>
+              <a:t>конфигурация</a:t>
+            </a:r>
+            <a:r>
+              <a:rPr lang="en-US" sz="3200" b="1" dirty="0">
+                <a:solidFill>
+                  <a:schemeClr val="bg1"/>
+                </a:solidFill>
+              </a:rPr>
+              <a:t> </a:t>
+            </a:r>
+            <a:r>
+              <a:rPr lang="bg-BG" sz="3200" dirty="0"/>
+              <a:t>на класове и обекти</a:t>
+            </a:r>
+            <a:endParaRPr lang="en-US" sz="3200" dirty="0"/>
+          </a:p>
+          <a:p>
+            <a:pPr marL="457200" indent="-457200">
+              <a:lnSpc>
+                <a:spcPct val="100000"/>
+              </a:lnSpc>
+              <a:spcBef>
+                <a:spcPts val="100"/>
+              </a:spcBef>
+              <a:spcAft>
+                <a:spcPts val="100"/>
+              </a:spcAft>
+              <a:buClr>
+                <a:srgbClr val="234465"/>
+              </a:buClr>
+            </a:pPr>
+            <a:r>
+              <a:rPr lang="bg-BG" sz="3400" b="1" dirty="0">
+                <a:solidFill>
+                  <a:schemeClr val="bg1"/>
+                </a:solidFill>
+              </a:rPr>
+              <a:t>Структурни</a:t>
+            </a:r>
+            <a:r>
+              <a:rPr lang="en-US" sz="3400" dirty="0"/>
+              <a:t> </a:t>
+            </a:r>
+            <a:r>
+              <a:rPr lang="bg-BG" sz="3400" dirty="0"/>
+              <a:t>шаблони</a:t>
+            </a:r>
+            <a:endParaRPr lang="en-US" sz="3400" dirty="0"/>
+          </a:p>
+          <a:p>
+            <a:pPr marL="1066419" lvl="1" indent="-457200">
+              <a:lnSpc>
+                <a:spcPct val="100000"/>
+              </a:lnSpc>
+              <a:spcBef>
+                <a:spcPts val="100"/>
+              </a:spcBef>
+              <a:spcAft>
+                <a:spcPts val="100"/>
+              </a:spcAft>
+              <a:buClr>
+                <a:srgbClr val="234465"/>
+              </a:buClr>
+            </a:pPr>
+            <a:r>
+              <a:rPr lang="bg-BG" sz="3200" b="1" dirty="0">
+                <a:solidFill>
+                  <a:schemeClr val="bg1"/>
+                </a:solidFill>
+              </a:rPr>
+              <a:t>Структуриране</a:t>
+            </a:r>
+            <a:r>
+              <a:rPr lang="en-US" sz="3200" dirty="0"/>
+              <a:t> </a:t>
+            </a:r>
+            <a:r>
+              <a:rPr lang="bg-BG" sz="3200" dirty="0"/>
+              <a:t>на обекти за имплементация на </a:t>
+            </a:r>
+            <a:r>
+              <a:rPr lang="bg-BG" sz="3200" b="1" dirty="0">
+                <a:solidFill>
+                  <a:schemeClr val="bg1"/>
+                </a:solidFill>
+              </a:rPr>
+              <a:t>нова функционалност</a:t>
+            </a:r>
+            <a:endParaRPr lang="en-US" sz="3200" b="1" dirty="0">
+              <a:solidFill>
+                <a:schemeClr val="bg1"/>
+              </a:solidFill>
+            </a:endParaRPr>
+          </a:p>
+          <a:p>
+            <a:pPr marL="1066419" lvl="1" indent="-457200">
+              <a:lnSpc>
+                <a:spcPct val="100000"/>
+              </a:lnSpc>
+              <a:spcBef>
+                <a:spcPts val="100"/>
+              </a:spcBef>
+              <a:spcAft>
+                <a:spcPts val="100"/>
+              </a:spcAft>
+              <a:buClr>
+                <a:srgbClr val="234465"/>
+              </a:buClr>
+            </a:pPr>
+            <a:r>
+              <a:rPr lang="bg-BG" sz="3200" b="1" dirty="0">
+                <a:solidFill>
+                  <a:schemeClr val="bg1"/>
+                </a:solidFill>
+              </a:rPr>
+              <a:t>Композиция</a:t>
+            </a:r>
+            <a:r>
+              <a:rPr lang="en-US" sz="3200" dirty="0"/>
+              <a:t> </a:t>
+            </a:r>
+            <a:r>
+              <a:rPr lang="bg-BG" sz="3200" dirty="0"/>
+              <a:t>на класове и обекти</a:t>
+            </a:r>
+            <a:endParaRPr lang="en-US" sz="3200" dirty="0"/>
+          </a:p>
+          <a:p>
+            <a:pPr marL="457200" indent="-457200">
+              <a:lnSpc>
+                <a:spcPct val="100000"/>
+              </a:lnSpc>
+              <a:spcBef>
+                <a:spcPts val="100"/>
+              </a:spcBef>
+              <a:spcAft>
+                <a:spcPts val="100"/>
+              </a:spcAft>
+              <a:buClr>
+                <a:srgbClr val="234465"/>
+              </a:buClr>
+            </a:pPr>
+            <a:r>
+              <a:rPr lang="bg-BG" sz="3400" b="1" dirty="0">
+                <a:solidFill>
+                  <a:schemeClr val="bg1"/>
+                </a:solidFill>
+              </a:rPr>
+              <a:t>Поведенчески</a:t>
+            </a:r>
+            <a:r>
+              <a:rPr lang="en-US" sz="3400" dirty="0"/>
+              <a:t> </a:t>
+            </a:r>
+            <a:r>
+              <a:rPr lang="bg-BG" sz="3400" dirty="0"/>
+              <a:t>шаблони</a:t>
+            </a:r>
+            <a:endParaRPr lang="en-US" sz="3400" dirty="0"/>
+          </a:p>
+          <a:p>
+            <a:pPr marL="1066419" lvl="1" indent="-457200">
+              <a:lnSpc>
+                <a:spcPct val="100000"/>
+              </a:lnSpc>
+              <a:spcBef>
+                <a:spcPts val="100"/>
+              </a:spcBef>
+              <a:spcAft>
+                <a:spcPts val="100"/>
+              </a:spcAft>
+              <a:buClr>
+                <a:srgbClr val="234465"/>
+              </a:buClr>
+            </a:pPr>
+            <a:r>
+              <a:rPr lang="bg-BG" sz="3200" dirty="0"/>
+              <a:t>Динамични </a:t>
+            </a:r>
+            <a:r>
+              <a:rPr lang="bg-BG" sz="3200" b="1" dirty="0">
+                <a:solidFill>
+                  <a:schemeClr val="bg1"/>
+                </a:solidFill>
+              </a:rPr>
+              <a:t>интеракции</a:t>
+            </a:r>
+            <a:r>
+              <a:rPr lang="en-US" sz="3200" dirty="0"/>
+              <a:t> </a:t>
+            </a:r>
+          </a:p>
+          <a:p>
+            <a:pPr marL="1066419" lvl="1" indent="-457200">
+              <a:lnSpc>
+                <a:spcPct val="100000"/>
+              </a:lnSpc>
+              <a:spcBef>
+                <a:spcPts val="100"/>
+              </a:spcBef>
+              <a:spcAft>
+                <a:spcPts val="100"/>
+              </a:spcAft>
+              <a:buClr>
+                <a:srgbClr val="234465"/>
+              </a:buClr>
+            </a:pPr>
+            <a:r>
+              <a:rPr lang="bg-BG" sz="3200" dirty="0"/>
+              <a:t>Разпределят </a:t>
+            </a:r>
+            <a:r>
+              <a:rPr lang="en-US" sz="3200" dirty="0"/>
+              <a:t> </a:t>
+            </a:r>
+            <a:r>
+              <a:rPr lang="bg-BG" sz="3200" b="1" dirty="0">
+                <a:solidFill>
+                  <a:schemeClr val="bg1"/>
+                </a:solidFill>
+              </a:rPr>
+              <a:t>отговорност</a:t>
+            </a:r>
+            <a:r>
+              <a:rPr lang="bg-BG" sz="3200" dirty="0"/>
+              <a:t> </a:t>
+            </a:r>
+            <a:br>
+              <a:rPr lang="bg-BG" sz="3200" dirty="0"/>
+            </a:br>
+            <a:r>
+              <a:rPr lang="bg-BG" sz="3200" dirty="0"/>
+              <a:t>(</a:t>
+            </a:r>
+            <a:r>
+              <a:rPr lang="en-US" sz="3200" b="1" dirty="0">
+                <a:solidFill>
+                  <a:schemeClr val="bg1"/>
+                </a:solidFill>
+              </a:rPr>
+              <a:t>responsibility</a:t>
+            </a:r>
+            <a:r>
+              <a:rPr lang="bg-BG" sz="3200" dirty="0"/>
+              <a:t>)</a:t>
+            </a:r>
+            <a:endParaRPr lang="en-US" sz="3200" b="1" dirty="0">
+              <a:solidFill>
+                <a:schemeClr val="bg1"/>
+              </a:solidFill>
+            </a:endParaRPr>
+          </a:p>
+        </p:txBody>
+      </p:sp>
+      <p:sp>
+        <p:nvSpPr>
           <p:cNvPr id="4" name="Title 3"/>
           <p:cNvSpPr>
             <a:spLocks noGrp="1"/>
@@ -30139,7 +29768,12 @@
             <p:ph type="title"/>
           </p:nvPr>
         </p:nvSpPr>
-        <p:spPr/>
+        <p:spPr>
+          <a:xfrm>
+            <a:off x="190406" y="100750"/>
+            <a:ext cx="10270594" cy="882654"/>
+          </a:xfrm>
+        </p:spPr>
         <p:txBody>
           <a:bodyPr>
             <a:normAutofit/>
@@ -30170,144 +29804,14 @@
         </p:blipFill>
         <p:spPr>
           <a:xfrm>
-            <a:off x="6928219" y="3699000"/>
-            <a:ext cx="5060170" cy="3034800"/>
+            <a:off x="7003251" y="3744000"/>
+            <a:ext cx="4985138" cy="2989800"/>
           </a:xfrm>
           <a:prstGeom prst="rect">
             <a:avLst/>
           </a:prstGeom>
         </p:spPr>
       </p:pic>
-      <p:sp>
-        <p:nvSpPr>
-          <p:cNvPr id="7" name="Slide Number">
-            <a:extLst>
-              <a:ext uri="{FF2B5EF4-FFF2-40B4-BE49-F238E27FC236}">
-                <a16:creationId xmlns:a16="http://schemas.microsoft.com/office/drawing/2014/main" id="{CD91F3E7-5DCE-4880-BFB2-F21C16B60F7C}"/>
-              </a:ext>
-            </a:extLst>
-          </p:cNvPr>
-          <p:cNvSpPr txBox="1">
-            <a:spLocks/>
-          </p:cNvSpPr>
-          <p:nvPr/>
-        </p:nvSpPr>
-        <p:spPr>
-          <a:xfrm>
-            <a:off x="11753030" y="6507000"/>
-            <a:ext cx="367414" cy="297000"/>
-          </a:xfrm>
-          <a:prstGeom prst="rect">
-            <a:avLst/>
-          </a:prstGeom>
-        </p:spPr>
-        <p:txBody>
-          <a:bodyPr vert="horz" lIns="91440" tIns="45720" rIns="91440" bIns="45720" rtlCol="0" anchor="b"/>
-          <a:lstStyle>
-            <a:defPPr>
-              <a:defRPr lang="en-US"/>
-            </a:defPPr>
-            <a:lvl1pPr marL="0" algn="r" defTabSz="914400" rtl="0" eaLnBrk="1" latinLnBrk="0" hangingPunct="1">
-              <a:defRPr sz="1000" kern="1200">
-                <a:solidFill>
-                  <a:schemeClr val="tx1"/>
-                </a:solidFill>
-                <a:latin typeface="+mn-lt"/>
-                <a:ea typeface="+mn-ea"/>
-                <a:cs typeface="+mn-cs"/>
-              </a:defRPr>
-            </a:lvl1pPr>
-            <a:lvl2pPr marL="457200" algn="l" defTabSz="914400" rtl="0" eaLnBrk="1" latinLnBrk="0" hangingPunct="1">
-              <a:defRPr sz="1800" kern="1200">
-                <a:solidFill>
-                  <a:schemeClr val="tx1"/>
-                </a:solidFill>
-                <a:latin typeface="+mn-lt"/>
-                <a:ea typeface="+mn-ea"/>
-                <a:cs typeface="+mn-cs"/>
-              </a:defRPr>
-            </a:lvl2pPr>
-            <a:lvl3pPr marL="914400" algn="l" defTabSz="914400" rtl="0" eaLnBrk="1" latinLnBrk="0" hangingPunct="1">
-              <a:defRPr sz="1800" kern="1200">
-                <a:solidFill>
-                  <a:schemeClr val="tx1"/>
-                </a:solidFill>
-                <a:latin typeface="+mn-lt"/>
-                <a:ea typeface="+mn-ea"/>
-                <a:cs typeface="+mn-cs"/>
-              </a:defRPr>
-            </a:lvl3pPr>
-            <a:lvl4pPr marL="1371600" algn="l" defTabSz="914400" rtl="0" eaLnBrk="1" latinLnBrk="0" hangingPunct="1">
-              <a:defRPr sz="1800" kern="1200">
-                <a:solidFill>
-                  <a:schemeClr val="tx1"/>
-                </a:solidFill>
-                <a:latin typeface="+mn-lt"/>
-                <a:ea typeface="+mn-ea"/>
-                <a:cs typeface="+mn-cs"/>
-              </a:defRPr>
-            </a:lvl4pPr>
-            <a:lvl5pPr marL="1828800" algn="l" defTabSz="914400" rtl="0" eaLnBrk="1" latinLnBrk="0" hangingPunct="1">
-              <a:defRPr sz="1800" kern="1200">
-                <a:solidFill>
-                  <a:schemeClr val="tx1"/>
-                </a:solidFill>
-                <a:latin typeface="+mn-lt"/>
-                <a:ea typeface="+mn-ea"/>
-                <a:cs typeface="+mn-cs"/>
-              </a:defRPr>
-            </a:lvl5pPr>
-            <a:lvl6pPr marL="2286000" algn="l" defTabSz="914400" rtl="0" eaLnBrk="1" latinLnBrk="0" hangingPunct="1">
-              <a:defRPr sz="1800" kern="1200">
-                <a:solidFill>
-                  <a:schemeClr val="tx1"/>
-                </a:solidFill>
-                <a:latin typeface="+mn-lt"/>
-                <a:ea typeface="+mn-ea"/>
-                <a:cs typeface="+mn-cs"/>
-              </a:defRPr>
-            </a:lvl6pPr>
-            <a:lvl7pPr marL="2743200" algn="l" defTabSz="914400" rtl="0" eaLnBrk="1" latinLnBrk="0" hangingPunct="1">
-              <a:defRPr sz="1800" kern="1200">
-                <a:solidFill>
-                  <a:schemeClr val="tx1"/>
-                </a:solidFill>
-                <a:latin typeface="+mn-lt"/>
-                <a:ea typeface="+mn-ea"/>
-                <a:cs typeface="+mn-cs"/>
-              </a:defRPr>
-            </a:lvl7pPr>
-            <a:lvl8pPr marL="3200400" algn="l" defTabSz="914400" rtl="0" eaLnBrk="1" latinLnBrk="0" hangingPunct="1">
-              <a:defRPr sz="1800" kern="1200">
-                <a:solidFill>
-                  <a:schemeClr val="tx1"/>
-                </a:solidFill>
-                <a:latin typeface="+mn-lt"/>
-                <a:ea typeface="+mn-ea"/>
-                <a:cs typeface="+mn-cs"/>
-              </a:defRPr>
-            </a:lvl8pPr>
-            <a:lvl9pPr marL="3657600" algn="l" defTabSz="914400" rtl="0" eaLnBrk="1" latinLnBrk="0" hangingPunct="1">
-              <a:defRPr sz="1800" kern="1200">
-                <a:solidFill>
-                  <a:schemeClr val="tx1"/>
-                </a:solidFill>
-                <a:latin typeface="+mn-lt"/>
-                <a:ea typeface="+mn-ea"/>
-                <a:cs typeface="+mn-cs"/>
-              </a:defRPr>
-            </a:lvl9pPr>
-          </a:lstStyle>
-          <a:p>
-            <a:fld id="{2BF067CD-8E6B-4360-9AA8-C5DF2A48A6D1}" type="slidenum">
-              <a:rPr lang="en-US" smtClean="0"/>
-              <a:pPr/>
-              <a:t>9</a:t>
-            </a:fld>
-            <a:endParaRPr lang="en-US" dirty="0"/>
-          </a:p>
-        </p:txBody>
-      </p:sp>
       <p:sp>
         <p:nvSpPr>
           <p:cNvPr id="9" name="Content Placeholder 2">
@@ -30517,339 +30021,148 @@
                 <a:srgbClr val="234465"/>
               </a:buClr>
             </a:pPr>
-            <a:r>
-              <a:rPr lang="bg-BG" sz="3400" dirty="0"/>
-              <a:t>Шаблони за </a:t>
-            </a:r>
-            <a:r>
-              <a:rPr lang="bg-BG" sz="3400" b="1" dirty="0">
-                <a:solidFill>
-                  <a:schemeClr val="bg1"/>
-                </a:solidFill>
-              </a:rPr>
-              <a:t>създаване</a:t>
-            </a:r>
-            <a:endParaRPr lang="en-US" sz="3400" dirty="0">
-              <a:solidFill>
-                <a:schemeClr val="bg1"/>
-              </a:solidFill>
-            </a:endParaRPr>
-          </a:p>
-          <a:p>
-            <a:pPr marL="1066419" lvl="1" indent="-457200">
-              <a:lnSpc>
-                <a:spcPct val="100000"/>
-              </a:lnSpc>
-              <a:spcBef>
-                <a:spcPts val="100"/>
-              </a:spcBef>
-              <a:spcAft>
-                <a:spcPts val="100"/>
-              </a:spcAft>
-              <a:buClr>
-                <a:srgbClr val="234465"/>
-              </a:buClr>
-            </a:pPr>
-            <a:r>
-              <a:rPr lang="bg-BG" sz="3200" b="1" dirty="0">
-                <a:solidFill>
-                  <a:schemeClr val="bg1"/>
-                </a:solidFill>
-              </a:rPr>
-              <a:t>Инициализация</a:t>
-            </a:r>
-            <a:r>
-              <a:rPr lang="en-US" sz="3200" b="1" dirty="0">
-                <a:solidFill>
-                  <a:schemeClr val="bg1"/>
-                </a:solidFill>
-              </a:rPr>
-              <a:t> </a:t>
-            </a:r>
-            <a:r>
-              <a:rPr lang="bg-BG" sz="3200" b="1" dirty="0">
-                <a:solidFill>
-                  <a:schemeClr val="bg1"/>
-                </a:solidFill>
-              </a:rPr>
-              <a:t>и</a:t>
-            </a:r>
-            <a:r>
-              <a:rPr lang="en-US" sz="3200" b="1" dirty="0">
-                <a:solidFill>
-                  <a:schemeClr val="bg1"/>
-                </a:solidFill>
-              </a:rPr>
-              <a:t> </a:t>
-            </a:r>
-            <a:r>
-              <a:rPr lang="bg-BG" sz="3200" b="1" dirty="0">
-                <a:solidFill>
-                  <a:schemeClr val="bg1"/>
-                </a:solidFill>
-              </a:rPr>
-              <a:t>конфигурация</a:t>
-            </a:r>
-            <a:r>
-              <a:rPr lang="en-US" sz="3200" b="1" dirty="0">
-                <a:solidFill>
-                  <a:schemeClr val="bg1"/>
-                </a:solidFill>
-              </a:rPr>
-              <a:t> </a:t>
-            </a:r>
-            <a:r>
-              <a:rPr lang="bg-BG" sz="3200" dirty="0"/>
-              <a:t>на класове и обекти</a:t>
-            </a:r>
-            <a:endParaRPr lang="en-US" sz="3200" dirty="0"/>
-          </a:p>
-          <a:p>
-            <a:pPr marL="457200" indent="-457200">
-              <a:lnSpc>
-                <a:spcPct val="100000"/>
-              </a:lnSpc>
-              <a:spcBef>
-                <a:spcPts val="100"/>
-              </a:spcBef>
-              <a:spcAft>
-                <a:spcPts val="100"/>
-              </a:spcAft>
-              <a:buClr>
-                <a:srgbClr val="234465"/>
-              </a:buClr>
-            </a:pPr>
-            <a:r>
-              <a:rPr lang="bg-BG" sz="3400" b="1" dirty="0">
-                <a:solidFill>
-                  <a:schemeClr val="bg1"/>
-                </a:solidFill>
-              </a:rPr>
-              <a:t>Структурни</a:t>
-            </a:r>
-            <a:r>
-              <a:rPr lang="en-US" sz="3400" dirty="0"/>
-              <a:t> </a:t>
-            </a:r>
-            <a:r>
-              <a:rPr lang="bg-BG" sz="3400" dirty="0"/>
-              <a:t>шаблони</a:t>
-            </a:r>
-            <a:endParaRPr lang="en-US" sz="3400" dirty="0"/>
-          </a:p>
-          <a:p>
-            <a:pPr marL="1066419" lvl="1" indent="-457200">
-              <a:lnSpc>
-                <a:spcPct val="100000"/>
-              </a:lnSpc>
-              <a:spcBef>
-                <a:spcPts val="100"/>
-              </a:spcBef>
-              <a:spcAft>
-                <a:spcPts val="100"/>
-              </a:spcAft>
-              <a:buClr>
-                <a:srgbClr val="234465"/>
-              </a:buClr>
-            </a:pPr>
-            <a:r>
-              <a:rPr lang="bg-BG" sz="3200" dirty="0"/>
-              <a:t>Използват начини за </a:t>
-            </a:r>
-            <a:r>
-              <a:rPr lang="bg-BG" sz="3200" b="1" dirty="0">
-                <a:solidFill>
-                  <a:schemeClr val="bg1"/>
-                </a:solidFill>
-              </a:rPr>
-              <a:t>структуриране</a:t>
-            </a:r>
-            <a:r>
-              <a:rPr lang="en-US" sz="3200" dirty="0"/>
-              <a:t> </a:t>
-            </a:r>
-            <a:r>
-              <a:rPr lang="bg-BG" sz="3200" dirty="0"/>
-              <a:t>на обекти, за да имплементират </a:t>
-            </a:r>
-            <a:r>
-              <a:rPr lang="bg-BG" sz="3200" b="1" dirty="0">
-                <a:solidFill>
-                  <a:schemeClr val="bg1"/>
-                </a:solidFill>
-              </a:rPr>
-              <a:t>нова функционалност</a:t>
-            </a:r>
             <a:endParaRPr lang="en-US" sz="3200" b="1" dirty="0">
               <a:solidFill>
                 <a:schemeClr val="bg1"/>
               </a:solidFill>
             </a:endParaRPr>
           </a:p>
-          <a:p>
-            <a:pPr marL="1066419" lvl="1" indent="-457200">
-              <a:lnSpc>
-                <a:spcPct val="100000"/>
-              </a:lnSpc>
-              <a:spcBef>
-                <a:spcPts val="100"/>
-              </a:spcBef>
-              <a:spcAft>
-                <a:spcPts val="100"/>
-              </a:spcAft>
-              <a:buClr>
-                <a:srgbClr val="234465"/>
-              </a:buClr>
-            </a:pPr>
-            <a:r>
-              <a:rPr lang="bg-BG" sz="3200" b="1" dirty="0">
-                <a:solidFill>
-                  <a:schemeClr val="bg1"/>
-                </a:solidFill>
-              </a:rPr>
-              <a:t>Композиция</a:t>
-            </a:r>
-            <a:r>
-              <a:rPr lang="en-US" sz="3200" dirty="0"/>
-              <a:t> </a:t>
-            </a:r>
-            <a:r>
-              <a:rPr lang="bg-BG" sz="3200" dirty="0"/>
-              <a:t>на класове и обекти</a:t>
-            </a:r>
-            <a:endParaRPr lang="en-US" sz="3200" dirty="0"/>
-          </a:p>
-          <a:p>
-            <a:pPr marL="457200" indent="-457200">
-              <a:lnSpc>
-                <a:spcPct val="100000"/>
-              </a:lnSpc>
-              <a:spcBef>
-                <a:spcPts val="100"/>
-              </a:spcBef>
-              <a:spcAft>
-                <a:spcPts val="100"/>
-              </a:spcAft>
-              <a:buClr>
-                <a:srgbClr val="234465"/>
-              </a:buClr>
-            </a:pPr>
-            <a:r>
-              <a:rPr lang="bg-BG" sz="3400" b="1" dirty="0">
-                <a:solidFill>
-                  <a:schemeClr val="bg1"/>
-                </a:solidFill>
-              </a:rPr>
-              <a:t>Поведенчески</a:t>
-            </a:r>
-            <a:r>
-              <a:rPr lang="en-US" sz="3400" dirty="0"/>
-              <a:t> </a:t>
-            </a:r>
-            <a:r>
-              <a:rPr lang="bg-BG" sz="3400" dirty="0"/>
-              <a:t>шаблони</a:t>
-            </a:r>
-            <a:endParaRPr lang="en-US" sz="3400" dirty="0"/>
-          </a:p>
-          <a:p>
-            <a:pPr marL="1066419" lvl="1" indent="-457200">
-              <a:lnSpc>
-                <a:spcPct val="100000"/>
-              </a:lnSpc>
-              <a:spcBef>
-                <a:spcPts val="100"/>
-              </a:spcBef>
-              <a:spcAft>
-                <a:spcPts val="100"/>
-              </a:spcAft>
-              <a:buClr>
-                <a:srgbClr val="234465"/>
-              </a:buClr>
-            </a:pPr>
-            <a:r>
-              <a:rPr lang="bg-BG" sz="3200" dirty="0"/>
-              <a:t>Динамични </a:t>
-            </a:r>
-            <a:r>
-              <a:rPr lang="bg-BG" sz="3200" b="1" dirty="0">
-                <a:solidFill>
-                  <a:schemeClr val="bg1"/>
-                </a:solidFill>
-              </a:rPr>
-              <a:t>интеракции</a:t>
-            </a:r>
-            <a:r>
-              <a:rPr lang="en-US" sz="3200" dirty="0"/>
-              <a:t> </a:t>
-            </a:r>
-          </a:p>
-          <a:p>
-            <a:pPr marL="1066419" lvl="1" indent="-457200">
-              <a:lnSpc>
-                <a:spcPct val="100000"/>
-              </a:lnSpc>
-              <a:spcBef>
-                <a:spcPts val="100"/>
-              </a:spcBef>
-              <a:spcAft>
-                <a:spcPts val="100"/>
-              </a:spcAft>
-              <a:buClr>
-                <a:srgbClr val="234465"/>
-              </a:buClr>
-            </a:pPr>
-            <a:r>
-              <a:rPr lang="bg-BG" sz="3200" dirty="0"/>
-              <a:t>Разпределят </a:t>
-            </a:r>
-            <a:r>
-              <a:rPr lang="en-US" sz="3200" dirty="0"/>
-              <a:t> </a:t>
-            </a:r>
-            <a:r>
-              <a:rPr lang="bg-BG" sz="3200" b="1" dirty="0">
-                <a:solidFill>
-                  <a:schemeClr val="bg1"/>
-                </a:solidFill>
-              </a:rPr>
-              <a:t>отговорност</a:t>
-            </a:r>
-            <a:r>
-              <a:rPr lang="bg-BG" sz="3200" dirty="0"/>
-              <a:t> </a:t>
-            </a:r>
-            <a:br>
-              <a:rPr lang="bg-BG" sz="3200" dirty="0"/>
-            </a:br>
-            <a:r>
-              <a:rPr lang="bg-BG" sz="3200" dirty="0"/>
-              <a:t>(</a:t>
-            </a:r>
-            <a:r>
-              <a:rPr lang="en-US" sz="3200" b="1" dirty="0">
-                <a:solidFill>
-                  <a:schemeClr val="bg1"/>
-                </a:solidFill>
-              </a:rPr>
-              <a:t>responsibility</a:t>
-            </a:r>
-            <a:r>
-              <a:rPr lang="bg-BG" sz="3200" dirty="0"/>
-              <a:t>)</a:t>
-            </a:r>
-            <a:endParaRPr lang="en-US" sz="3200" b="1" dirty="0">
-              <a:solidFill>
-                <a:schemeClr val="bg1"/>
-              </a:solidFill>
-            </a:endParaRPr>
+        </p:txBody>
+      </p:sp>
+      <p:sp>
+        <p:nvSpPr>
+          <p:cNvPr id="6" name="Slide Number">
+            <a:extLst>
+              <a:ext uri="{FF2B5EF4-FFF2-40B4-BE49-F238E27FC236}">
+                <a16:creationId xmlns:a16="http://schemas.microsoft.com/office/drawing/2014/main" id="{A7B93CE4-9DA0-C2A8-D0CF-DB155258272F}"/>
+              </a:ext>
+            </a:extLst>
+          </p:cNvPr>
+          <p:cNvSpPr txBox="1">
+            <a:spLocks/>
+          </p:cNvSpPr>
+          <p:nvPr/>
+        </p:nvSpPr>
+        <p:spPr>
+          <a:xfrm>
+            <a:off x="11753030" y="6507000"/>
+            <a:ext cx="367414" cy="297000"/>
+          </a:xfrm>
+          <a:prstGeom prst="rect">
+            <a:avLst/>
+          </a:prstGeom>
+        </p:spPr>
+        <p:txBody>
+          <a:bodyPr vert="horz" lIns="91440" tIns="45720" rIns="91440" bIns="45720" rtlCol="0" anchor="b"/>
+          <a:lstStyle>
+            <a:defPPr>
+              <a:defRPr lang="en-US"/>
+            </a:defPPr>
+            <a:lvl1pPr marL="0" algn="r" defTabSz="914400" rtl="0" eaLnBrk="1" latinLnBrk="0" hangingPunct="1">
+              <a:defRPr sz="1000" kern="1200">
+                <a:solidFill>
+                  <a:schemeClr val="tx1"/>
+                </a:solidFill>
+                <a:latin typeface="+mn-lt"/>
+                <a:ea typeface="+mn-ea"/>
+                <a:cs typeface="+mn-cs"/>
+              </a:defRPr>
+            </a:lvl1pPr>
+            <a:lvl2pPr marL="457200" algn="l" defTabSz="914400" rtl="0" eaLnBrk="1" latinLnBrk="0" hangingPunct="1">
+              <a:defRPr sz="1800" kern="1200">
+                <a:solidFill>
+                  <a:schemeClr val="tx1"/>
+                </a:solidFill>
+                <a:latin typeface="+mn-lt"/>
+                <a:ea typeface="+mn-ea"/>
+                <a:cs typeface="+mn-cs"/>
+              </a:defRPr>
+            </a:lvl2pPr>
+            <a:lvl3pPr marL="914400" algn="l" defTabSz="914400" rtl="0" eaLnBrk="1" latinLnBrk="0" hangingPunct="1">
+              <a:defRPr sz="1800" kern="1200">
+                <a:solidFill>
+                  <a:schemeClr val="tx1"/>
+                </a:solidFill>
+                <a:latin typeface="+mn-lt"/>
+                <a:ea typeface="+mn-ea"/>
+                <a:cs typeface="+mn-cs"/>
+              </a:defRPr>
+            </a:lvl3pPr>
+            <a:lvl4pPr marL="1371600" algn="l" defTabSz="914400" rtl="0" eaLnBrk="1" latinLnBrk="0" hangingPunct="1">
+              <a:defRPr sz="1800" kern="1200">
+                <a:solidFill>
+                  <a:schemeClr val="tx1"/>
+                </a:solidFill>
+                <a:latin typeface="+mn-lt"/>
+                <a:ea typeface="+mn-ea"/>
+                <a:cs typeface="+mn-cs"/>
+              </a:defRPr>
+            </a:lvl4pPr>
+            <a:lvl5pPr marL="1828800" algn="l" defTabSz="914400" rtl="0" eaLnBrk="1" latinLnBrk="0" hangingPunct="1">
+              <a:defRPr sz="1800" kern="1200">
+                <a:solidFill>
+                  <a:schemeClr val="tx1"/>
+                </a:solidFill>
+                <a:latin typeface="+mn-lt"/>
+                <a:ea typeface="+mn-ea"/>
+                <a:cs typeface="+mn-cs"/>
+              </a:defRPr>
+            </a:lvl5pPr>
+            <a:lvl6pPr marL="2286000" algn="l" defTabSz="914400" rtl="0" eaLnBrk="1" latinLnBrk="0" hangingPunct="1">
+              <a:defRPr sz="1800" kern="1200">
+                <a:solidFill>
+                  <a:schemeClr val="tx1"/>
+                </a:solidFill>
+                <a:latin typeface="+mn-lt"/>
+                <a:ea typeface="+mn-ea"/>
+                <a:cs typeface="+mn-cs"/>
+              </a:defRPr>
+            </a:lvl6pPr>
+            <a:lvl7pPr marL="2743200" algn="l" defTabSz="914400" rtl="0" eaLnBrk="1" latinLnBrk="0" hangingPunct="1">
+              <a:defRPr sz="1800" kern="1200">
+                <a:solidFill>
+                  <a:schemeClr val="tx1"/>
+                </a:solidFill>
+                <a:latin typeface="+mn-lt"/>
+                <a:ea typeface="+mn-ea"/>
+                <a:cs typeface="+mn-cs"/>
+              </a:defRPr>
+            </a:lvl7pPr>
+            <a:lvl8pPr marL="3200400" algn="l" defTabSz="914400" rtl="0" eaLnBrk="1" latinLnBrk="0" hangingPunct="1">
+              <a:defRPr sz="1800" kern="1200">
+                <a:solidFill>
+                  <a:schemeClr val="tx1"/>
+                </a:solidFill>
+                <a:latin typeface="+mn-lt"/>
+                <a:ea typeface="+mn-ea"/>
+                <a:cs typeface="+mn-cs"/>
+              </a:defRPr>
+            </a:lvl8pPr>
+            <a:lvl9pPr marL="3657600" algn="l" defTabSz="914400" rtl="0" eaLnBrk="1" latinLnBrk="0" hangingPunct="1">
+              <a:defRPr sz="1800" kern="1200">
+                <a:solidFill>
+                  <a:schemeClr val="tx1"/>
+                </a:solidFill>
+                <a:latin typeface="+mn-lt"/>
+                <a:ea typeface="+mn-ea"/>
+                <a:cs typeface="+mn-cs"/>
+              </a:defRPr>
+            </a:lvl9pPr>
+          </a:lstStyle>
+          <a:p>
+            <a:fld id="{2BF067CD-8E6B-4360-9AA8-C5DF2A48A6D1}" type="slidenum">
+              <a:rPr lang="en-US" smtClean="0"/>
+              <a:pPr/>
+              <a:t>9</a:t>
+            </a:fld>
+            <a:endParaRPr lang="en-US" dirty="0"/>
           </a:p>
         </p:txBody>
       </p:sp>
     </p:spTree>
     <p:extLst>
       <p:ext uri="{BB962C8B-B14F-4D97-AF65-F5344CB8AC3E}">
-        <p14:creationId xmlns:p14="http://schemas.microsoft.com/office/powerpoint/2010/main" val="206671370"/>
+        <p14:creationId xmlns:p14="http://schemas.microsoft.com/office/powerpoint/2010/main" val="505836653"/>
       </p:ext>
     </p:extLst>
   </p:cSld>
@@ -30898,7 +30211,11 @@
                                           </p:stCondLst>
                                         </p:cTn>
                                         <p:tgtEl>
-                                          <p:spTgt spid="2"/>
+                                          <p:spTgt spid="10">
+                                            <p:txEl>
+                                              <p:pRg st="1" end="1"/>
+                                            </p:txEl>
+                                          </p:spTgt>
                                         </p:tgtEl>
                                         <p:attrNameLst>
                                           <p:attrName>style.visibility</p:attrName>
@@ -30943,7 +30260,7 @@
                                           </p:stCondLst>
                                         </p:cTn>
                                         <p:tgtEl>
-                                          <p:spTgt spid="9">
+                                          <p:spTgt spid="10">
                                             <p:txEl>
                                               <p:pRg st="2" end="2"/>
                                             </p:txEl>
@@ -30960,21 +30277,39 @@
                                   </p:childTnLst>
                                 </p:cTn>
                               </p:par>
+                            </p:childTnLst>
+                          </p:cTn>
+                        </p:par>
+                      </p:childTnLst>
+                    </p:cTn>
+                  </p:par>
+                  <p:par>
+                    <p:cTn id="11" fill="hold">
+                      <p:stCondLst>
+                        <p:cond delay="indefinite"/>
+                      </p:stCondLst>
+                      <p:childTnLst>
+                        <p:par>
+                          <p:cTn id="12" fill="hold">
+                            <p:stCondLst>
+                              <p:cond delay="0"/>
+                            </p:stCondLst>
+                            <p:childTnLst>
                               <p:par>
-                                <p:cTn id="11" presetID="1" presetClass="entr" presetSubtype="0" fill="hold" nodeType="withEffect">
+                                <p:cTn id="13" presetID="1" presetClass="entr" presetSubtype="0" fill="hold" nodeType="clickEffect">
                                   <p:stCondLst>
                                     <p:cond delay="0"/>
                                   </p:stCondLst>
                                   <p:childTnLst>
                                     <p:set>
                                       <p:cBhvr>
-                                        <p:cTn id="12" dur="1" fill="hold">
+                                        <p:cTn id="14" dur="1" fill="hold">
                                           <p:stCondLst>
                                             <p:cond delay="0"/>
                                           </p:stCondLst>
                                         </p:cTn>
                                         <p:tgtEl>
-                                          <p:spTgt spid="9">
+                                          <p:spTgt spid="10">
                                             <p:txEl>
                                               <p:pRg st="3" end="3"/>
                                             </p:txEl>
@@ -30998,32 +30333,32 @@
                     </p:cTn>
                   </p:par>
                   <p:par>
-                    <p:cTn id="13" fill="hold">
+                    <p:cTn id="15" fill="hold">
                       <p:stCondLst>
                         <p:cond delay="indefinite"/>
                       </p:stCondLst>
                       <p:childTnLst>
                         <p:par>
-                          <p:cTn id="14" fill="hold">
+                          <p:cTn id="16" fill="hold">
                             <p:stCondLst>
                               <p:cond delay="0"/>
                             </p:stCondLst>
                             <p:childTnLst>
                               <p:par>
-                                <p:cTn id="15" presetID="1" presetClass="entr" presetSubtype="0" fill="hold" nodeType="clickEffect">
+                                <p:cTn id="17" presetID="1" presetClass="entr" presetSubtype="0" fill="hold" nodeType="clickEffect">
                                   <p:stCondLst>
                                     <p:cond delay="0"/>
                                   </p:stCondLst>
                                   <p:childTnLst>
                                     <p:set>
                                       <p:cBhvr>
-                                        <p:cTn id="16" dur="1" fill="hold">
+                                        <p:cTn id="18" dur="1" fill="hold">
                                           <p:stCondLst>
                                             <p:cond delay="0"/>
                                           </p:stCondLst>
                                         </p:cTn>
                                         <p:tgtEl>
-                                          <p:spTgt spid="9">
+                                          <p:spTgt spid="10">
                                             <p:txEl>
                                               <p:pRg st="4" end="4"/>
                                             </p:txEl>
@@ -31047,50 +30382,19 @@
                     </p:cTn>
                   </p:par>
                   <p:par>
-                    <p:cTn id="17" fill="hold">
+                    <p:cTn id="19" fill="hold">
                       <p:stCondLst>
                         <p:cond delay="indefinite"/>
                       </p:stCondLst>
                       <p:childTnLst>
                         <p:par>
-                          <p:cTn id="18" fill="hold">
+                          <p:cTn id="20" fill="hold">
                             <p:stCondLst>
                               <p:cond delay="0"/>
                             </p:stCondLst>
                             <p:childTnLst>
                               <p:par>
-                                <p:cTn id="19" presetID="1" presetClass="entr" presetSubtype="0" fill="hold" nodeType="clickEffect">
-                                  <p:stCondLst>
-                                    <p:cond delay="0"/>
-                                  </p:stCondLst>
-                                  <p:childTnLst>
-                                    <p:set>
-                                      <p:cBhvr>
-                                        <p:cTn id="20" dur="1" fill="hold">
-                                          <p:stCondLst>
-                                            <p:cond delay="0"/>
-                                          </p:stCondLst>
-                                        </p:cTn>
-                                        <p:tgtEl>
-                                          <p:spTgt spid="9">
-                                            <p:txEl>
-                                              <p:pRg st="5" end="5"/>
-                                            </p:txEl>
-                                          </p:spTgt>
-                                        </p:tgtEl>
-                                        <p:attrNameLst>
-                                          <p:attrName>style.visibility</p:attrName>
-                                        </p:attrNameLst>
-                                      </p:cBhvr>
-                                      <p:to>
-                                        <p:strVal val="visible"/>
-                                      </p:to>
-                                    </p:set>
-                                  </p:childTnLst>
-                                </p:cTn>
-                              </p:par>
-                              <p:par>
-                                <p:cTn id="21" presetID="1" presetClass="entr" presetSubtype="0" fill="hold" nodeType="withEffect">
+                                <p:cTn id="21" presetID="1" presetClass="entr" presetSubtype="0" fill="hold" nodeType="clickEffect">
                                   <p:stCondLst>
                                     <p:cond delay="0"/>
                                   </p:stCondLst>
@@ -31103,9 +30407,9 @@
                                           </p:stCondLst>
                                         </p:cTn>
                                         <p:tgtEl>
-                                          <p:spTgt spid="9">
+                                          <p:spTgt spid="10">
                                             <p:txEl>
-                                              <p:pRg st="6" end="6"/>
+                                              <p:pRg st="5" end="5"/>
                                             </p:txEl>
                                           </p:spTgt>
                                         </p:tgtEl>
@@ -31152,7 +30456,56 @@
                                           </p:stCondLst>
                                         </p:cTn>
                                         <p:tgtEl>
-                                          <p:spTgt spid="9">
+                                          <p:spTgt spid="10">
+                                            <p:txEl>
+                                              <p:pRg st="6" end="6"/>
+                                            </p:txEl>
+                                          </p:spTgt>
+                                        </p:tgtEl>
+                                        <p:attrNameLst>
+                                          <p:attrName>style.visibility</p:attrName>
+                                        </p:attrNameLst>
+                                      </p:cBhvr>
+                                      <p:to>
+                                        <p:strVal val="visible"/>
+                                      </p:to>
+                                    </p:set>
+                                  </p:childTnLst>
+                                </p:cTn>
+                              </p:par>
+                            </p:childTnLst>
+                          </p:cTn>
+                        </p:par>
+                      </p:childTnLst>
+                    </p:cTn>
+                  </p:par>
+                  <p:par>
+                    <p:cTn id="27" fill="hold">
+                      <p:stCondLst>
+                        <p:cond delay="indefinite"/>
+                      </p:stCondLst>
+                      <p:childTnLst>
+                        <p:par>
+                          <p:cTn id="28" fill="hold">
+                            <p:stCondLst>
+                              <p:cond delay="0"/>
+                            </p:stCondLst>
+                            <p:childTnLst>
+                              <p:par>
+                                <p:cTn id="29" presetID="1" presetClass="entr" presetSubtype="0" fill="hold" nodeType="clickEffect">
+                                  <p:stCondLst>
+                                    <p:cond delay="0"/>
+                                  </p:stCondLst>
+                                  <p:childTnLst>
+                                    <p:set>
+                                      <p:cBhvr>
+                                        <p:cTn id="30" dur="1" fill="hold">
+                                          <p:stCondLst>
+                                            <p:cond delay="0"/>
+                                          </p:stCondLst>
+                                        </p:cTn>
+                                        <p:tgtEl>
+                                          <p:spTgt spid="10">
                                             <p:txEl>
                                               <p:pRg st="7" end="7"/>
                                             </p:txEl>
@@ -31203,12 +30556,12 @@
 <file path=ppt/theme/theme1.xml><?xml version="1.0" encoding="utf-8"?>
 <a:theme xmlns:a="http://schemas.openxmlformats.org/drawingml/2006/main" name="SoftUni">
   <a:themeElements>
-    <a:clrScheme name="Custom 28">
+    <a:clrScheme name="Custom 2">
       <a:dk1>
         <a:srgbClr val="234465"/>
       </a:dk1>
       <a:lt1>
-        <a:srgbClr val="FFA000"/>
+        <a:srgbClr val="BF7800"/>
       </a:lt1>
       <a:dk2>
         <a:srgbClr val="234465"/>
@@ -31217,7 +30570,7 @@
         <a:srgbClr val="FFFFFF"/>
       </a:lt2>
       <a:accent1>
-        <a:srgbClr val="F29600"/>
+        <a:srgbClr val="FFA000"/>
       </a:accent1>
       <a:accent2>
         <a:srgbClr val="00B050"/>
@@ -31235,10 +30588,10 @@
         <a:srgbClr val="F4F5F7"/>
       </a:accent6>
       <a:hlink>
-        <a:srgbClr val="F2AC44"/>
+        <a:srgbClr val="BF7800"/>
       </a:hlink>
       <a:folHlink>
-        <a:srgbClr val="F6C781"/>
+        <a:srgbClr val="EF9511"/>
       </a:folHlink>
     </a:clrScheme>
     <a:fontScheme name="SoftUni">
